--- a/lectures/intro/CS142Intro1Slides.pptx
+++ b/lectures/intro/CS142Intro1Slides.pptx
@@ -1,46 +1,48 @@
 
 <file path=ppt/presentation.xml><?xml version="1.0" encoding="utf-8"?>
-<p:presentation xmlns:a="http://schemas.openxmlformats.org/drawingml/2006/main" xmlns:r="http://schemas.openxmlformats.org/officeDocument/2006/relationships" xmlns:mc="http://schemas.openxmlformats.org/markup-compatibility/2006" xmlns:mv="urn:schemas-microsoft-com:mac:vml" xmlns:p="http://schemas.openxmlformats.org/presentationml/2006/main" xmlns:c="http://schemas.openxmlformats.org/drawingml/2006/chart" xmlns:dgm="http://schemas.openxmlformats.org/drawingml/2006/diagram" xmlns:o="urn:schemas-microsoft-com:office:office" xmlns:v="urn:schemas-microsoft-com:vml" xmlns:pvml="urn:schemas-microsoft-com:office:powerpoint" xmlns:com="http://schemas.openxmlformats.org/drawingml/2006/compatibility" xmlns:p14="http://schemas.microsoft.com/office/powerpoint/2010/main" xmlns:p15="http://schemas.microsoft.com/office/powerpoint/2012/main" xmlns:ahyp="http://schemas.microsoft.com/office/drawing/2018/hyperlinkcolor" autoCompressPictures="0" embedTrueTypeFonts="1" strictFirstAndLastChars="0" saveSubsetFonts="1">
+<p:presentation xmlns:a="http://schemas.openxmlformats.org/drawingml/2006/main" xmlns:r="http://schemas.openxmlformats.org/officeDocument/2006/relationships" xmlns:p="http://schemas.openxmlformats.org/presentationml/2006/main" strictFirstAndLastChars="0" embedTrueTypeFonts="1" saveSubsetFonts="1" autoCompressPictures="0">
   <p:sldMasterIdLst>
-    <p:sldMasterId id="2147483659" r:id="rId4"/>
+    <p:sldMasterId id="2147483659" r:id="rId1"/>
   </p:sldMasterIdLst>
   <p:notesMasterIdLst>
-    <p:notesMasterId r:id="rId5"/>
+    <p:notesMasterId r:id="rId16"/>
   </p:notesMasterIdLst>
   <p:sldIdLst>
-    <p:sldId id="256" r:id="rId6"/>
-    <p:sldId id="257" r:id="rId7"/>
-    <p:sldId id="258" r:id="rId8"/>
-    <p:sldId id="259" r:id="rId9"/>
-    <p:sldId id="260" r:id="rId10"/>
-    <p:sldId id="261" r:id="rId11"/>
-    <p:sldId id="262" r:id="rId12"/>
-    <p:sldId id="263" r:id="rId13"/>
-    <p:sldId id="264" r:id="rId14"/>
-    <p:sldId id="265" r:id="rId15"/>
-    <p:sldId id="266" r:id="rId16"/>
-    <p:sldId id="267" r:id="rId17"/>
+    <p:sldId id="256" r:id="rId2"/>
+    <p:sldId id="257" r:id="rId3"/>
+    <p:sldId id="258" r:id="rId4"/>
+    <p:sldId id="259" r:id="rId5"/>
+    <p:sldId id="260" r:id="rId6"/>
+    <p:sldId id="261" r:id="rId7"/>
+    <p:sldId id="262" r:id="rId8"/>
+    <p:sldId id="263" r:id="rId9"/>
+    <p:sldId id="264" r:id="rId10"/>
+    <p:sldId id="265" r:id="rId11"/>
+    <p:sldId id="266" r:id="rId12"/>
+    <p:sldId id="268" r:id="rId13"/>
+    <p:sldId id="269" r:id="rId14"/>
+    <p:sldId id="267" r:id="rId15"/>
   </p:sldIdLst>
-  <p:sldSz cy="5143500" cx="9144000"/>
+  <p:sldSz cx="9144000" cy="5143500" type="screen16x9"/>
   <p:notesSz cx="6858000" cy="9144000"/>
   <p:embeddedFontLst>
     <p:embeddedFont>
-      <p:font typeface="Montserrat"/>
-      <p:regular r:id="rId18"/>
-      <p:bold r:id="rId19"/>
-      <p:italic r:id="rId20"/>
-      <p:boldItalic r:id="rId21"/>
+      <p:font typeface="Lato" panose="020F0502020204030203" pitchFamily="34" charset="0"/>
+      <p:regular r:id="rId17"/>
+      <p:bold r:id="rId18"/>
+      <p:italic r:id="rId19"/>
+      <p:boldItalic r:id="rId20"/>
     </p:embeddedFont>
     <p:embeddedFont>
-      <p:font typeface="Lato"/>
-      <p:regular r:id="rId22"/>
-      <p:bold r:id="rId23"/>
-      <p:italic r:id="rId24"/>
-      <p:boldItalic r:id="rId25"/>
+      <p:font typeface="Montserrat" panose="00000500000000000000" pitchFamily="2" charset="0"/>
+      <p:regular r:id="rId21"/>
+      <p:bold r:id="rId22"/>
+      <p:italic r:id="rId23"/>
+      <p:boldItalic r:id="rId24"/>
     </p:embeddedFont>
   </p:embeddedFontLst>
   <p:defaultTextStyle>
-    <a:defPPr lvl="0" marR="0" rtl="0" algn="l">
+    <a:defPPr marR="0" lvl="0" algn="l" rtl="0">
       <a:lnSpc>
         <a:spcPct val="100000"/>
       </a:lnSpc>
@@ -51,7 +53,7 @@
         <a:spcPts val="0"/>
       </a:spcAft>
     </a:defPPr>
-    <a:lvl1pPr lvl="0" marR="0" rtl="0" algn="l">
+    <a:lvl1pPr marR="0" lvl="0" algn="l" rtl="0">
       <a:lnSpc>
         <a:spcPct val="100000"/>
       </a:lnSpc>
@@ -65,7 +67,7 @@
         <a:srgbClr val="000000"/>
       </a:buClr>
       <a:buFont typeface="Arial"/>
-      <a:defRPr b="0" i="0" sz="1400" u="none" cap="none" strike="noStrike">
+      <a:defRPr sz="1400" b="0" i="0" u="none" strike="noStrike" cap="none">
         <a:solidFill>
           <a:srgbClr val="000000"/>
         </a:solidFill>
@@ -75,7 +77,7 @@
         <a:sym typeface="Arial"/>
       </a:defRPr>
     </a:lvl1pPr>
-    <a:lvl2pPr lvl="1" marR="0" rtl="0" algn="l">
+    <a:lvl2pPr marR="0" lvl="1" algn="l" rtl="0">
       <a:lnSpc>
         <a:spcPct val="100000"/>
       </a:lnSpc>
@@ -89,7 +91,7 @@
         <a:srgbClr val="000000"/>
       </a:buClr>
       <a:buFont typeface="Arial"/>
-      <a:defRPr b="0" i="0" sz="1400" u="none" cap="none" strike="noStrike">
+      <a:defRPr sz="1400" b="0" i="0" u="none" strike="noStrike" cap="none">
         <a:solidFill>
           <a:srgbClr val="000000"/>
         </a:solidFill>
@@ -99,7 +101,7 @@
         <a:sym typeface="Arial"/>
       </a:defRPr>
     </a:lvl2pPr>
-    <a:lvl3pPr lvl="2" marR="0" rtl="0" algn="l">
+    <a:lvl3pPr marR="0" lvl="2" algn="l" rtl="0">
       <a:lnSpc>
         <a:spcPct val="100000"/>
       </a:lnSpc>
@@ -113,7 +115,7 @@
         <a:srgbClr val="000000"/>
       </a:buClr>
       <a:buFont typeface="Arial"/>
-      <a:defRPr b="0" i="0" sz="1400" u="none" cap="none" strike="noStrike">
+      <a:defRPr sz="1400" b="0" i="0" u="none" strike="noStrike" cap="none">
         <a:solidFill>
           <a:srgbClr val="000000"/>
         </a:solidFill>
@@ -123,7 +125,7 @@
         <a:sym typeface="Arial"/>
       </a:defRPr>
     </a:lvl3pPr>
-    <a:lvl4pPr lvl="3" marR="0" rtl="0" algn="l">
+    <a:lvl4pPr marR="0" lvl="3" algn="l" rtl="0">
       <a:lnSpc>
         <a:spcPct val="100000"/>
       </a:lnSpc>
@@ -137,7 +139,7 @@
         <a:srgbClr val="000000"/>
       </a:buClr>
       <a:buFont typeface="Arial"/>
-      <a:defRPr b="0" i="0" sz="1400" u="none" cap="none" strike="noStrike">
+      <a:defRPr sz="1400" b="0" i="0" u="none" strike="noStrike" cap="none">
         <a:solidFill>
           <a:srgbClr val="000000"/>
         </a:solidFill>
@@ -147,7 +149,7 @@
         <a:sym typeface="Arial"/>
       </a:defRPr>
     </a:lvl4pPr>
-    <a:lvl5pPr lvl="4" marR="0" rtl="0" algn="l">
+    <a:lvl5pPr marR="0" lvl="4" algn="l" rtl="0">
       <a:lnSpc>
         <a:spcPct val="100000"/>
       </a:lnSpc>
@@ -161,7 +163,7 @@
         <a:srgbClr val="000000"/>
       </a:buClr>
       <a:buFont typeface="Arial"/>
-      <a:defRPr b="0" i="0" sz="1400" u="none" cap="none" strike="noStrike">
+      <a:defRPr sz="1400" b="0" i="0" u="none" strike="noStrike" cap="none">
         <a:solidFill>
           <a:srgbClr val="000000"/>
         </a:solidFill>
@@ -171,7 +173,7 @@
         <a:sym typeface="Arial"/>
       </a:defRPr>
     </a:lvl5pPr>
-    <a:lvl6pPr lvl="5" marR="0" rtl="0" algn="l">
+    <a:lvl6pPr marR="0" lvl="5" algn="l" rtl="0">
       <a:lnSpc>
         <a:spcPct val="100000"/>
       </a:lnSpc>
@@ -185,7 +187,7 @@
         <a:srgbClr val="000000"/>
       </a:buClr>
       <a:buFont typeface="Arial"/>
-      <a:defRPr b="0" i="0" sz="1400" u="none" cap="none" strike="noStrike">
+      <a:defRPr sz="1400" b="0" i="0" u="none" strike="noStrike" cap="none">
         <a:solidFill>
           <a:srgbClr val="000000"/>
         </a:solidFill>
@@ -195,7 +197,7 @@
         <a:sym typeface="Arial"/>
       </a:defRPr>
     </a:lvl6pPr>
-    <a:lvl7pPr lvl="6" marR="0" rtl="0" algn="l">
+    <a:lvl7pPr marR="0" lvl="6" algn="l" rtl="0">
       <a:lnSpc>
         <a:spcPct val="100000"/>
       </a:lnSpc>
@@ -209,7 +211,7 @@
         <a:srgbClr val="000000"/>
       </a:buClr>
       <a:buFont typeface="Arial"/>
-      <a:defRPr b="0" i="0" sz="1400" u="none" cap="none" strike="noStrike">
+      <a:defRPr sz="1400" b="0" i="0" u="none" strike="noStrike" cap="none">
         <a:solidFill>
           <a:srgbClr val="000000"/>
         </a:solidFill>
@@ -219,7 +221,7 @@
         <a:sym typeface="Arial"/>
       </a:defRPr>
     </a:lvl7pPr>
-    <a:lvl8pPr lvl="7" marR="0" rtl="0" algn="l">
+    <a:lvl8pPr marR="0" lvl="7" algn="l" rtl="0">
       <a:lnSpc>
         <a:spcPct val="100000"/>
       </a:lnSpc>
@@ -233,7 +235,7 @@
         <a:srgbClr val="000000"/>
       </a:buClr>
       <a:buFont typeface="Arial"/>
-      <a:defRPr b="0" i="0" sz="1400" u="none" cap="none" strike="noStrike">
+      <a:defRPr sz="1400" b="0" i="0" u="none" strike="noStrike" cap="none">
         <a:solidFill>
           <a:srgbClr val="000000"/>
         </a:solidFill>
@@ -243,7 +245,7 @@
         <a:sym typeface="Arial"/>
       </a:defRPr>
     </a:lvl8pPr>
-    <a:lvl9pPr lvl="8" marR="0" rtl="0" algn="l">
+    <a:lvl9pPr marR="0" lvl="8" algn="l" rtl="0">
       <a:lnSpc>
         <a:spcPct val="100000"/>
       </a:lnSpc>
@@ -257,7 +259,7 @@
         <a:srgbClr val="000000"/>
       </a:buClr>
       <a:buFont typeface="Arial"/>
-      <a:defRPr b="0" i="0" sz="1400" u="none" cap="none" strike="noStrike">
+      <a:defRPr sz="1400" b="0" i="0" u="none" strike="noStrike" cap="none">
         <a:solidFill>
           <a:srgbClr val="000000"/>
         </a:solidFill>
@@ -270,7 +272,7 @@
   </p:defaultTextStyle>
   <p:extLst>
     <p:ext uri="{EFAFB233-063F-42B5-8137-9DF3F51BA10A}">
-      <p15:sldGuideLst>
+      <p15:sldGuideLst xmlns:p15="http://schemas.microsoft.com/office/powerpoint/2012/main">
         <p15:guide id="1" orient="horz" pos="1620">
           <p15:clr>
             <a:srgbClr val="747775"/>
@@ -288,11 +290,16 @@
 </file>
 
 <file path=ppt/notesMasters/notesMaster1.xml><?xml version="1.0" encoding="utf-8"?>
-<p:notesMaster xmlns:a="http://schemas.openxmlformats.org/drawingml/2006/main" xmlns:r="http://schemas.openxmlformats.org/officeDocument/2006/relationships" xmlns:mc="http://schemas.openxmlformats.org/markup-compatibility/2006" xmlns:mv="urn:schemas-microsoft-com:mac:vml" xmlns:p="http://schemas.openxmlformats.org/presentationml/2006/main" xmlns:c="http://schemas.openxmlformats.org/drawingml/2006/chart" xmlns:dgm="http://schemas.openxmlformats.org/drawingml/2006/diagram" xmlns:o="urn:schemas-microsoft-com:office:office" xmlns:v="urn:schemas-microsoft-com:vml" xmlns:pvml="urn:schemas-microsoft-com:office:powerpoint" xmlns:com="http://schemas.openxmlformats.org/drawingml/2006/compatibility" xmlns:p14="http://schemas.microsoft.com/office/powerpoint/2010/main" xmlns:p15="http://schemas.microsoft.com/office/powerpoint/2012/main" xmlns:ahyp="http://schemas.microsoft.com/office/drawing/2018/hyperlinkcolor">
+<p:notesMaster xmlns:a="http://schemas.openxmlformats.org/drawingml/2006/main" xmlns:r="http://schemas.openxmlformats.org/officeDocument/2006/relationships" xmlns:p="http://schemas.openxmlformats.org/presentationml/2006/main">
   <p:cSld>
+    <p:bg>
+      <p:bgRef idx="1001">
+        <a:schemeClr val="bg1"/>
+      </p:bgRef>
+    </p:bg>
     <p:spTree>
       <p:nvGrpSpPr>
-        <p:cNvPr id="2" name="Shape 2"/>
+        <p:cNvPr id="1" name="Shape 2"/>
         <p:cNvGrpSpPr/>
         <p:nvPr/>
       </p:nvGrpSpPr>
@@ -307,9 +314,11 @@
       <p:sp>
         <p:nvSpPr>
           <p:cNvPr id="3" name="Google Shape;3;n"/>
-          <p:cNvSpPr/>
+          <p:cNvSpPr>
+            <a:spLocks noGrp="1" noRot="1" noChangeAspect="1"/>
+          </p:cNvSpPr>
           <p:nvPr>
-            <p:ph idx="2" type="sldImg"/>
+            <p:ph type="sldImg" idx="2"/>
           </p:nvPr>
         </p:nvSpPr>
         <p:spPr>
@@ -318,9 +327,13 @@
             <a:ext cx="6096075" cy="3429000"/>
           </a:xfrm>
           <a:custGeom>
-            <a:rect b="b" l="l" r="r" t="t"/>
+            <a:avLst/>
+            <a:gdLst/>
+            <a:ahLst/>
+            <a:cxnLst/>
+            <a:rect l="l" t="t" r="r" b="b"/>
             <a:pathLst>
-              <a:path extrusionOk="0" h="120000" w="120000">
+              <a:path w="120000" h="120000" extrusionOk="0">
                 <a:moveTo>
                   <a:pt x="0" y="0"/>
                 </a:moveTo>
@@ -338,23 +351,25 @@
             </a:pathLst>
           </a:custGeom>
           <a:noFill/>
-          <a:ln cap="flat" cmpd="sng" w="9525">
+          <a:ln w="9525" cap="flat" cmpd="sng">
             <a:solidFill>
               <a:srgbClr val="000000"/>
             </a:solidFill>
             <a:prstDash val="solid"/>
             <a:round/>
-            <a:headEnd len="sm" w="sm" type="none"/>
-            <a:tailEnd len="sm" w="sm" type="none"/>
+            <a:headEnd type="none" w="sm" len="sm"/>
+            <a:tailEnd type="none" w="sm" len="sm"/>
           </a:ln>
         </p:spPr>
       </p:sp>
       <p:sp>
         <p:nvSpPr>
           <p:cNvPr id="4" name="Google Shape;4;n"/>
-          <p:cNvSpPr txBox="1"/>
+          <p:cNvSpPr txBox="1">
+            <a:spLocks noGrp="1"/>
+          </p:cNvSpPr>
           <p:nvPr>
-            <p:ph idx="1" type="body"/>
+            <p:ph type="body" idx="1"/>
           </p:nvPr>
         </p:nvSpPr>
         <p:spPr>
@@ -371,11 +386,11 @@
           </a:ln>
         </p:spPr>
         <p:txBody>
-          <a:bodyPr anchorCtr="0" anchor="t" bIns="91425" lIns="91425" spcFirstLastPara="1" rIns="91425" wrap="square" tIns="91425">
+          <a:bodyPr spcFirstLastPara="1" wrap="square" lIns="91425" tIns="91425" rIns="91425" bIns="91425" anchor="t" anchorCtr="0">
             <a:noAutofit/>
           </a:bodyPr>
           <a:lstStyle>
-            <a:lvl1pPr indent="-298450" lvl="0" marL="457200">
+            <a:lvl1pPr marL="457200" lvl="0" indent="-298450">
               <a:spcBef>
                 <a:spcPts val="0"/>
               </a:spcBef>
@@ -386,7 +401,7 @@
               <a:buChar char="●"/>
               <a:defRPr sz="1100"/>
             </a:lvl1pPr>
-            <a:lvl2pPr indent="-298450" lvl="1" marL="914400">
+            <a:lvl2pPr marL="914400" lvl="1" indent="-298450">
               <a:spcBef>
                 <a:spcPts val="0"/>
               </a:spcBef>
@@ -397,7 +412,7 @@
               <a:buChar char="○"/>
               <a:defRPr sz="1100"/>
             </a:lvl2pPr>
-            <a:lvl3pPr indent="-298450" lvl="2" marL="1371600">
+            <a:lvl3pPr marL="1371600" lvl="2" indent="-298450">
               <a:spcBef>
                 <a:spcPts val="0"/>
               </a:spcBef>
@@ -408,7 +423,7 @@
               <a:buChar char="■"/>
               <a:defRPr sz="1100"/>
             </a:lvl3pPr>
-            <a:lvl4pPr indent="-298450" lvl="3" marL="1828800">
+            <a:lvl4pPr marL="1828800" lvl="3" indent="-298450">
               <a:spcBef>
                 <a:spcPts val="0"/>
               </a:spcBef>
@@ -419,7 +434,7 @@
               <a:buChar char="●"/>
               <a:defRPr sz="1100"/>
             </a:lvl4pPr>
-            <a:lvl5pPr indent="-298450" lvl="4" marL="2286000">
+            <a:lvl5pPr marL="2286000" lvl="4" indent="-298450">
               <a:spcBef>
                 <a:spcPts val="0"/>
               </a:spcBef>
@@ -430,7 +445,7 @@
               <a:buChar char="○"/>
               <a:defRPr sz="1100"/>
             </a:lvl5pPr>
-            <a:lvl6pPr indent="-298450" lvl="5" marL="2743200">
+            <a:lvl6pPr marL="2743200" lvl="5" indent="-298450">
               <a:spcBef>
                 <a:spcPts val="0"/>
               </a:spcBef>
@@ -441,7 +456,7 @@
               <a:buChar char="■"/>
               <a:defRPr sz="1100"/>
             </a:lvl6pPr>
-            <a:lvl7pPr indent="-298450" lvl="6" marL="3200400">
+            <a:lvl7pPr marL="3200400" lvl="6" indent="-298450">
               <a:spcBef>
                 <a:spcPts val="0"/>
               </a:spcBef>
@@ -452,7 +467,7 @@
               <a:buChar char="●"/>
               <a:defRPr sz="1100"/>
             </a:lvl7pPr>
-            <a:lvl8pPr indent="-298450" lvl="7" marL="3657600">
+            <a:lvl8pPr marL="3657600" lvl="7" indent="-298450">
               <a:spcBef>
                 <a:spcPts val="0"/>
               </a:spcBef>
@@ -463,7 +478,7 @@
               <a:buChar char="○"/>
               <a:defRPr sz="1100"/>
             </a:lvl8pPr>
-            <a:lvl9pPr indent="-298450" lvl="8" marL="4114800">
+            <a:lvl9pPr marL="4114800" lvl="8" indent="-298450">
               <a:spcBef>
                 <a:spcPts val="0"/>
               </a:spcBef>
@@ -475,14 +490,16 @@
               <a:defRPr sz="1100"/>
             </a:lvl9pPr>
           </a:lstStyle>
-          <a:p/>
+          <a:p>
+            <a:endParaRPr/>
+          </a:p>
         </p:txBody>
       </p:sp>
     </p:spTree>
   </p:cSld>
-  <p:clrMap accent1="accent1" accent2="accent2" accent3="accent3" accent4="accent4" accent5="accent5" accent6="accent6" bg1="lt1" bg2="dk2" tx1="dk1" tx2="lt2" folHlink="folHlink" hlink="hlink"/>
+  <p:clrMap bg1="lt1" tx1="dk1" bg2="dk2" tx2="lt2" accent1="accent1" accent2="accent2" accent3="accent3" accent4="accent4" accent5="accent5" accent6="accent6" hlink="hlink" folHlink="folHlink"/>
   <p:notesStyle>
-    <a:defPPr lvl="0" marR="0" rtl="0" algn="l">
+    <a:defPPr marR="0" lvl="0" algn="l" rtl="0">
       <a:lnSpc>
         <a:spcPct val="100000"/>
       </a:lnSpc>
@@ -493,7 +510,7 @@
         <a:spcPts val="0"/>
       </a:spcAft>
     </a:defPPr>
-    <a:lvl1pPr lvl="0" marR="0" rtl="0" algn="l">
+    <a:lvl1pPr marR="0" lvl="0" algn="l" rtl="0">
       <a:lnSpc>
         <a:spcPct val="100000"/>
       </a:lnSpc>
@@ -507,7 +524,7 @@
         <a:srgbClr val="000000"/>
       </a:buClr>
       <a:buFont typeface="Arial"/>
-      <a:defRPr b="0" i="0" sz="1400" u="none" cap="none" strike="noStrike">
+      <a:defRPr sz="1400" b="0" i="0" u="none" strike="noStrike" cap="none">
         <a:solidFill>
           <a:srgbClr val="000000"/>
         </a:solidFill>
@@ -517,7 +534,7 @@
         <a:sym typeface="Arial"/>
       </a:defRPr>
     </a:lvl1pPr>
-    <a:lvl2pPr lvl="1" marR="0" rtl="0" algn="l">
+    <a:lvl2pPr marR="0" lvl="1" algn="l" rtl="0">
       <a:lnSpc>
         <a:spcPct val="100000"/>
       </a:lnSpc>
@@ -531,7 +548,7 @@
         <a:srgbClr val="000000"/>
       </a:buClr>
       <a:buFont typeface="Arial"/>
-      <a:defRPr b="0" i="0" sz="1400" u="none" cap="none" strike="noStrike">
+      <a:defRPr sz="1400" b="0" i="0" u="none" strike="noStrike" cap="none">
         <a:solidFill>
           <a:srgbClr val="000000"/>
         </a:solidFill>
@@ -541,7 +558,7 @@
         <a:sym typeface="Arial"/>
       </a:defRPr>
     </a:lvl2pPr>
-    <a:lvl3pPr lvl="2" marR="0" rtl="0" algn="l">
+    <a:lvl3pPr marR="0" lvl="2" algn="l" rtl="0">
       <a:lnSpc>
         <a:spcPct val="100000"/>
       </a:lnSpc>
@@ -555,7 +572,7 @@
         <a:srgbClr val="000000"/>
       </a:buClr>
       <a:buFont typeface="Arial"/>
-      <a:defRPr b="0" i="0" sz="1400" u="none" cap="none" strike="noStrike">
+      <a:defRPr sz="1400" b="0" i="0" u="none" strike="noStrike" cap="none">
         <a:solidFill>
           <a:srgbClr val="000000"/>
         </a:solidFill>
@@ -565,7 +582,7 @@
         <a:sym typeface="Arial"/>
       </a:defRPr>
     </a:lvl3pPr>
-    <a:lvl4pPr lvl="3" marR="0" rtl="0" algn="l">
+    <a:lvl4pPr marR="0" lvl="3" algn="l" rtl="0">
       <a:lnSpc>
         <a:spcPct val="100000"/>
       </a:lnSpc>
@@ -579,7 +596,7 @@
         <a:srgbClr val="000000"/>
       </a:buClr>
       <a:buFont typeface="Arial"/>
-      <a:defRPr b="0" i="0" sz="1400" u="none" cap="none" strike="noStrike">
+      <a:defRPr sz="1400" b="0" i="0" u="none" strike="noStrike" cap="none">
         <a:solidFill>
           <a:srgbClr val="000000"/>
         </a:solidFill>
@@ -589,7 +606,7 @@
         <a:sym typeface="Arial"/>
       </a:defRPr>
     </a:lvl4pPr>
-    <a:lvl5pPr lvl="4" marR="0" rtl="0" algn="l">
+    <a:lvl5pPr marR="0" lvl="4" algn="l" rtl="0">
       <a:lnSpc>
         <a:spcPct val="100000"/>
       </a:lnSpc>
@@ -603,7 +620,7 @@
         <a:srgbClr val="000000"/>
       </a:buClr>
       <a:buFont typeface="Arial"/>
-      <a:defRPr b="0" i="0" sz="1400" u="none" cap="none" strike="noStrike">
+      <a:defRPr sz="1400" b="0" i="0" u="none" strike="noStrike" cap="none">
         <a:solidFill>
           <a:srgbClr val="000000"/>
         </a:solidFill>
@@ -613,7 +630,7 @@
         <a:sym typeface="Arial"/>
       </a:defRPr>
     </a:lvl5pPr>
-    <a:lvl6pPr lvl="5" marR="0" rtl="0" algn="l">
+    <a:lvl6pPr marR="0" lvl="5" algn="l" rtl="0">
       <a:lnSpc>
         <a:spcPct val="100000"/>
       </a:lnSpc>
@@ -627,7 +644,7 @@
         <a:srgbClr val="000000"/>
       </a:buClr>
       <a:buFont typeface="Arial"/>
-      <a:defRPr b="0" i="0" sz="1400" u="none" cap="none" strike="noStrike">
+      <a:defRPr sz="1400" b="0" i="0" u="none" strike="noStrike" cap="none">
         <a:solidFill>
           <a:srgbClr val="000000"/>
         </a:solidFill>
@@ -637,7 +654,7 @@
         <a:sym typeface="Arial"/>
       </a:defRPr>
     </a:lvl6pPr>
-    <a:lvl7pPr lvl="6" marR="0" rtl="0" algn="l">
+    <a:lvl7pPr marR="0" lvl="6" algn="l" rtl="0">
       <a:lnSpc>
         <a:spcPct val="100000"/>
       </a:lnSpc>
@@ -651,7 +668,7 @@
         <a:srgbClr val="000000"/>
       </a:buClr>
       <a:buFont typeface="Arial"/>
-      <a:defRPr b="0" i="0" sz="1400" u="none" cap="none" strike="noStrike">
+      <a:defRPr sz="1400" b="0" i="0" u="none" strike="noStrike" cap="none">
         <a:solidFill>
           <a:srgbClr val="000000"/>
         </a:solidFill>
@@ -661,7 +678,7 @@
         <a:sym typeface="Arial"/>
       </a:defRPr>
     </a:lvl7pPr>
-    <a:lvl8pPr lvl="7" marR="0" rtl="0" algn="l">
+    <a:lvl8pPr marR="0" lvl="7" algn="l" rtl="0">
       <a:lnSpc>
         <a:spcPct val="100000"/>
       </a:lnSpc>
@@ -675,7 +692,7 @@
         <a:srgbClr val="000000"/>
       </a:buClr>
       <a:buFont typeface="Arial"/>
-      <a:defRPr b="0" i="0" sz="1400" u="none" cap="none" strike="noStrike">
+      <a:defRPr sz="1400" b="0" i="0" u="none" strike="noStrike" cap="none">
         <a:solidFill>
           <a:srgbClr val="000000"/>
         </a:solidFill>
@@ -685,7 +702,7 @@
         <a:sym typeface="Arial"/>
       </a:defRPr>
     </a:lvl8pPr>
-    <a:lvl9pPr lvl="8" marR="0" rtl="0" algn="l">
+    <a:lvl9pPr marR="0" lvl="8" algn="l" rtl="0">
       <a:lnSpc>
         <a:spcPct val="100000"/>
       </a:lnSpc>
@@ -699,7 +716,7 @@
         <a:srgbClr val="000000"/>
       </a:buClr>
       <a:buFont typeface="Arial"/>
-      <a:defRPr b="0" i="0" sz="1400" u="none" cap="none" strike="noStrike">
+      <a:defRPr sz="1400" b="0" i="0" u="none" strike="noStrike" cap="none">
         <a:solidFill>
           <a:srgbClr val="000000"/>
         </a:solidFill>
@@ -714,11 +731,11 @@
 </file>
 
 <file path=ppt/notesSlides/notesSlide1.xml><?xml version="1.0" encoding="utf-8"?>
-<p:notes xmlns:a="http://schemas.openxmlformats.org/drawingml/2006/main" xmlns:r="http://schemas.openxmlformats.org/officeDocument/2006/relationships" xmlns:mc="http://schemas.openxmlformats.org/markup-compatibility/2006" xmlns:mv="urn:schemas-microsoft-com:mac:vml" xmlns:p="http://schemas.openxmlformats.org/presentationml/2006/main" xmlns:c="http://schemas.openxmlformats.org/drawingml/2006/chart" xmlns:dgm="http://schemas.openxmlformats.org/drawingml/2006/diagram" xmlns:o="urn:schemas-microsoft-com:office:office" xmlns:v="urn:schemas-microsoft-com:vml" xmlns:pvml="urn:schemas-microsoft-com:office:powerpoint" xmlns:com="http://schemas.openxmlformats.org/drawingml/2006/compatibility" xmlns:p14="http://schemas.microsoft.com/office/powerpoint/2010/main" xmlns:p15="http://schemas.microsoft.com/office/powerpoint/2012/main" xmlns:ahyp="http://schemas.microsoft.com/office/drawing/2018/hyperlinkcolor" showMasterPhAnim="0" showMasterSp="0">
+<p:notes xmlns:a="http://schemas.openxmlformats.org/drawingml/2006/main" xmlns:r="http://schemas.openxmlformats.org/officeDocument/2006/relationships" xmlns:p="http://schemas.openxmlformats.org/presentationml/2006/main" showMasterSp="0" showMasterPhAnim="0">
   <p:cSld>
     <p:spTree>
       <p:nvGrpSpPr>
-        <p:cNvPr id="130" name="Shape 130"/>
+        <p:cNvPr id="1" name="Shape 130"/>
         <p:cNvGrpSpPr/>
         <p:nvPr/>
       </p:nvGrpSpPr>
@@ -733,9 +750,11 @@
       <p:sp>
         <p:nvSpPr>
           <p:cNvPr id="131" name="Google Shape;131;p:notes"/>
-          <p:cNvSpPr/>
+          <p:cNvSpPr>
+            <a:spLocks noGrp="1" noRot="1" noChangeAspect="1"/>
+          </p:cNvSpPr>
           <p:nvPr>
-            <p:ph idx="2" type="sldImg"/>
+            <p:ph type="sldImg" idx="2"/>
           </p:nvPr>
         </p:nvSpPr>
         <p:spPr>
@@ -744,9 +763,13 @@
             <a:ext cx="6096075" cy="3429000"/>
           </a:xfrm>
           <a:custGeom>
-            <a:rect b="b" l="l" r="r" t="t"/>
+            <a:avLst/>
+            <a:gdLst/>
+            <a:ahLst/>
+            <a:cxnLst/>
+            <a:rect l="l" t="t" r="r" b="b"/>
             <a:pathLst>
-              <a:path extrusionOk="0" h="120000" w="120000">
+              <a:path w="120000" h="120000" extrusionOk="0">
                 <a:moveTo>
                   <a:pt x="0" y="0"/>
                 </a:moveTo>
@@ -768,9 +791,11 @@
       <p:sp>
         <p:nvSpPr>
           <p:cNvPr id="132" name="Google Shape;132;p:notes"/>
-          <p:cNvSpPr txBox="1"/>
+          <p:cNvSpPr txBox="1">
+            <a:spLocks noGrp="1"/>
+          </p:cNvSpPr>
           <p:nvPr>
-            <p:ph idx="1" type="body"/>
+            <p:ph type="body" idx="1"/>
           </p:nvPr>
         </p:nvSpPr>
         <p:spPr>
@@ -783,12 +808,12 @@
           </a:prstGeom>
         </p:spPr>
         <p:txBody>
-          <a:bodyPr anchorCtr="0" anchor="t" bIns="91425" lIns="91425" spcFirstLastPara="1" rIns="91425" wrap="square" tIns="91425">
+          <a:bodyPr spcFirstLastPara="1" wrap="square" lIns="91425" tIns="91425" rIns="91425" bIns="91425" anchor="t" anchorCtr="0">
             <a:noAutofit/>
           </a:bodyPr>
           <a:lstStyle/>
           <a:p>
-            <a:pPr indent="0" lvl="0" marL="0" rtl="0" algn="l">
+            <a:pPr marL="0" lvl="0" indent="0" algn="l" rtl="0">
               <a:spcBef>
                 <a:spcPts val="0"/>
               </a:spcBef>
@@ -797,9 +822,6 @@
               </a:spcAft>
               <a:buNone/>
             </a:pPr>
-            <a:r>
-              <a:t/>
-            </a:r>
             <a:endParaRPr/>
           </a:p>
         </p:txBody>
@@ -813,11 +835,11 @@
 </file>
 
 <file path=ppt/notesSlides/notesSlide10.xml><?xml version="1.0" encoding="utf-8"?>
-<p:notes xmlns:a="http://schemas.openxmlformats.org/drawingml/2006/main" xmlns:r="http://schemas.openxmlformats.org/officeDocument/2006/relationships" xmlns:mc="http://schemas.openxmlformats.org/markup-compatibility/2006" xmlns:mv="urn:schemas-microsoft-com:mac:vml" xmlns:p="http://schemas.openxmlformats.org/presentationml/2006/main" xmlns:c="http://schemas.openxmlformats.org/drawingml/2006/chart" xmlns:dgm="http://schemas.openxmlformats.org/drawingml/2006/diagram" xmlns:o="urn:schemas-microsoft-com:office:office" xmlns:v="urn:schemas-microsoft-com:vml" xmlns:pvml="urn:schemas-microsoft-com:office:powerpoint" xmlns:com="http://schemas.openxmlformats.org/drawingml/2006/compatibility" xmlns:p14="http://schemas.microsoft.com/office/powerpoint/2010/main" xmlns:p15="http://schemas.microsoft.com/office/powerpoint/2012/main" xmlns:ahyp="http://schemas.microsoft.com/office/drawing/2018/hyperlinkcolor" showMasterPhAnim="0" showMasterSp="0">
+<p:notes xmlns:a="http://schemas.openxmlformats.org/drawingml/2006/main" xmlns:r="http://schemas.openxmlformats.org/officeDocument/2006/relationships" xmlns:p="http://schemas.openxmlformats.org/presentationml/2006/main" showMasterSp="0" showMasterPhAnim="0">
   <p:cSld>
     <p:spTree>
       <p:nvGrpSpPr>
-        <p:cNvPr id="184" name="Shape 184"/>
+        <p:cNvPr id="1" name="Shape 184"/>
         <p:cNvGrpSpPr/>
         <p:nvPr/>
       </p:nvGrpSpPr>
@@ -832,9 +854,11 @@
       <p:sp>
         <p:nvSpPr>
           <p:cNvPr id="185" name="Google Shape;185;g2764f3aeb44_0_161:notes"/>
-          <p:cNvSpPr/>
+          <p:cNvSpPr>
+            <a:spLocks noGrp="1" noRot="1" noChangeAspect="1"/>
+          </p:cNvSpPr>
           <p:nvPr>
-            <p:ph idx="2" type="sldImg"/>
+            <p:ph type="sldImg" idx="2"/>
           </p:nvPr>
         </p:nvSpPr>
         <p:spPr>
@@ -843,9 +867,13 @@
             <a:ext cx="6096000" cy="3429000"/>
           </a:xfrm>
           <a:custGeom>
-            <a:rect b="b" l="l" r="r" t="t"/>
+            <a:avLst/>
+            <a:gdLst/>
+            <a:ahLst/>
+            <a:cxnLst/>
+            <a:rect l="l" t="t" r="r" b="b"/>
             <a:pathLst>
-              <a:path extrusionOk="0" h="120000" w="120000">
+              <a:path w="120000" h="120000" extrusionOk="0">
                 <a:moveTo>
                   <a:pt x="0" y="0"/>
                 </a:moveTo>
@@ -867,9 +895,11 @@
       <p:sp>
         <p:nvSpPr>
           <p:cNvPr id="186" name="Google Shape;186;g2764f3aeb44_0_161:notes"/>
-          <p:cNvSpPr txBox="1"/>
+          <p:cNvSpPr txBox="1">
+            <a:spLocks noGrp="1"/>
+          </p:cNvSpPr>
           <p:nvPr>
-            <p:ph idx="1" type="body"/>
+            <p:ph type="body" idx="1"/>
           </p:nvPr>
         </p:nvSpPr>
         <p:spPr>
@@ -882,12 +912,12 @@
           </a:prstGeom>
         </p:spPr>
         <p:txBody>
-          <a:bodyPr anchorCtr="0" anchor="t" bIns="91425" lIns="91425" spcFirstLastPara="1" rIns="91425" wrap="square" tIns="91425">
+          <a:bodyPr spcFirstLastPara="1" wrap="square" lIns="91425" tIns="91425" rIns="91425" bIns="91425" anchor="t" anchorCtr="0">
             <a:noAutofit/>
           </a:bodyPr>
           <a:lstStyle/>
           <a:p>
-            <a:pPr indent="0" lvl="0" marL="0" rtl="0" algn="l">
+            <a:pPr marL="0" lvl="0" indent="0" algn="l" rtl="0">
               <a:spcBef>
                 <a:spcPts val="0"/>
               </a:spcBef>
@@ -896,9 +926,6 @@
               </a:spcAft>
               <a:buNone/>
             </a:pPr>
-            <a:r>
-              <a:t/>
-            </a:r>
             <a:endParaRPr/>
           </a:p>
         </p:txBody>
@@ -912,11 +939,11 @@
 </file>
 
 <file path=ppt/notesSlides/notesSlide11.xml><?xml version="1.0" encoding="utf-8"?>
-<p:notes xmlns:a="http://schemas.openxmlformats.org/drawingml/2006/main" xmlns:r="http://schemas.openxmlformats.org/officeDocument/2006/relationships" xmlns:mc="http://schemas.openxmlformats.org/markup-compatibility/2006" xmlns:mv="urn:schemas-microsoft-com:mac:vml" xmlns:p="http://schemas.openxmlformats.org/presentationml/2006/main" xmlns:c="http://schemas.openxmlformats.org/drawingml/2006/chart" xmlns:dgm="http://schemas.openxmlformats.org/drawingml/2006/diagram" xmlns:o="urn:schemas-microsoft-com:office:office" xmlns:v="urn:schemas-microsoft-com:vml" xmlns:pvml="urn:schemas-microsoft-com:office:powerpoint" xmlns:com="http://schemas.openxmlformats.org/drawingml/2006/compatibility" xmlns:p14="http://schemas.microsoft.com/office/powerpoint/2010/main" xmlns:p15="http://schemas.microsoft.com/office/powerpoint/2012/main" xmlns:ahyp="http://schemas.microsoft.com/office/drawing/2018/hyperlinkcolor" showMasterPhAnim="0" showMasterSp="0">
+<p:notes xmlns:a="http://schemas.openxmlformats.org/drawingml/2006/main" xmlns:r="http://schemas.openxmlformats.org/officeDocument/2006/relationships" xmlns:p="http://schemas.openxmlformats.org/presentationml/2006/main" showMasterSp="0" showMasterPhAnim="0">
   <p:cSld>
     <p:spTree>
       <p:nvGrpSpPr>
-        <p:cNvPr id="190" name="Shape 190"/>
+        <p:cNvPr id="1" name="Shape 190"/>
         <p:cNvGrpSpPr/>
         <p:nvPr/>
       </p:nvGrpSpPr>
@@ -931,20 +958,26 @@
       <p:sp>
         <p:nvSpPr>
           <p:cNvPr id="191" name="Google Shape;191;g2adb125f715_0_6:notes"/>
-          <p:cNvSpPr/>
+          <p:cNvSpPr>
+            <a:spLocks noGrp="1" noRot="1" noChangeAspect="1"/>
+          </p:cNvSpPr>
           <p:nvPr>
-            <p:ph idx="2" type="sldImg"/>
+            <p:ph type="sldImg" idx="2"/>
           </p:nvPr>
         </p:nvSpPr>
         <p:spPr>
           <a:xfrm>
-            <a:off x="381300" y="685800"/>
+            <a:off x="381000" y="685800"/>
             <a:ext cx="6096000" cy="3429000"/>
           </a:xfrm>
           <a:custGeom>
-            <a:rect b="b" l="l" r="r" t="t"/>
+            <a:avLst/>
+            <a:gdLst/>
+            <a:ahLst/>
+            <a:cxnLst/>
+            <a:rect l="l" t="t" r="r" b="b"/>
             <a:pathLst>
-              <a:path extrusionOk="0" h="120000" w="120000">
+              <a:path w="120000" h="120000" extrusionOk="0">
                 <a:moveTo>
                   <a:pt x="0" y="0"/>
                 </a:moveTo>
@@ -966,9 +999,11 @@
       <p:sp>
         <p:nvSpPr>
           <p:cNvPr id="192" name="Google Shape;192;g2adb125f715_0_6:notes"/>
-          <p:cNvSpPr txBox="1"/>
+          <p:cNvSpPr txBox="1">
+            <a:spLocks noGrp="1"/>
+          </p:cNvSpPr>
           <p:nvPr>
-            <p:ph idx="1" type="body"/>
+            <p:ph type="body" idx="1"/>
           </p:nvPr>
         </p:nvSpPr>
         <p:spPr>
@@ -981,12 +1016,12 @@
           </a:prstGeom>
         </p:spPr>
         <p:txBody>
-          <a:bodyPr anchorCtr="0" anchor="t" bIns="91425" lIns="91425" spcFirstLastPara="1" rIns="91425" wrap="square" tIns="91425">
+          <a:bodyPr spcFirstLastPara="1" wrap="square" lIns="91425" tIns="91425" rIns="91425" bIns="91425" anchor="t" anchorCtr="0">
             <a:noAutofit/>
           </a:bodyPr>
           <a:lstStyle/>
           <a:p>
-            <a:pPr indent="0" lvl="0" marL="0" rtl="0" algn="l">
+            <a:pPr marL="0" lvl="0" indent="0" algn="l" rtl="0">
               <a:spcBef>
                 <a:spcPts val="0"/>
               </a:spcBef>
@@ -995,9 +1030,6 @@
               </a:spcAft>
               <a:buNone/>
             </a:pPr>
-            <a:r>
-              <a:t/>
-            </a:r>
             <a:endParaRPr/>
           </a:p>
         </p:txBody>
@@ -1011,11 +1043,11 @@
 </file>
 
 <file path=ppt/notesSlides/notesSlide12.xml><?xml version="1.0" encoding="utf-8"?>
-<p:notes xmlns:a="http://schemas.openxmlformats.org/drawingml/2006/main" xmlns:r="http://schemas.openxmlformats.org/officeDocument/2006/relationships" xmlns:mc="http://schemas.openxmlformats.org/markup-compatibility/2006" xmlns:mv="urn:schemas-microsoft-com:mac:vml" xmlns:p="http://schemas.openxmlformats.org/presentationml/2006/main" xmlns:c="http://schemas.openxmlformats.org/drawingml/2006/chart" xmlns:dgm="http://schemas.openxmlformats.org/drawingml/2006/diagram" xmlns:o="urn:schemas-microsoft-com:office:office" xmlns:v="urn:schemas-microsoft-com:vml" xmlns:pvml="urn:schemas-microsoft-com:office:powerpoint" xmlns:com="http://schemas.openxmlformats.org/drawingml/2006/compatibility" xmlns:p14="http://schemas.microsoft.com/office/powerpoint/2010/main" xmlns:p15="http://schemas.microsoft.com/office/powerpoint/2012/main" xmlns:ahyp="http://schemas.microsoft.com/office/drawing/2018/hyperlinkcolor" showMasterPhAnim="0" showMasterSp="0">
+<p:notes xmlns:a="http://schemas.openxmlformats.org/drawingml/2006/main" xmlns:r="http://schemas.openxmlformats.org/officeDocument/2006/relationships" xmlns:p="http://schemas.openxmlformats.org/presentationml/2006/main" showMasterSp="0" showMasterPhAnim="0">
   <p:cSld>
     <p:spTree>
       <p:nvGrpSpPr>
-        <p:cNvPr id="196" name="Shape 196"/>
+        <p:cNvPr id="1" name="Shape 196"/>
         <p:cNvGrpSpPr/>
         <p:nvPr/>
       </p:nvGrpSpPr>
@@ -1030,20 +1062,26 @@
       <p:sp>
         <p:nvSpPr>
           <p:cNvPr id="197" name="Google Shape;197;g2adb125f715_0_13:notes"/>
-          <p:cNvSpPr/>
+          <p:cNvSpPr>
+            <a:spLocks noGrp="1" noRot="1" noChangeAspect="1"/>
+          </p:cNvSpPr>
           <p:nvPr>
-            <p:ph idx="2" type="sldImg"/>
+            <p:ph type="sldImg" idx="2"/>
           </p:nvPr>
         </p:nvSpPr>
         <p:spPr>
           <a:xfrm>
-            <a:off x="381300" y="685800"/>
+            <a:off x="381000" y="685800"/>
             <a:ext cx="6096000" cy="3429000"/>
           </a:xfrm>
           <a:custGeom>
-            <a:rect b="b" l="l" r="r" t="t"/>
+            <a:avLst/>
+            <a:gdLst/>
+            <a:ahLst/>
+            <a:cxnLst/>
+            <a:rect l="l" t="t" r="r" b="b"/>
             <a:pathLst>
-              <a:path extrusionOk="0" h="120000" w="120000">
+              <a:path w="120000" h="120000" extrusionOk="0">
                 <a:moveTo>
                   <a:pt x="0" y="0"/>
                 </a:moveTo>
@@ -1065,9 +1103,11 @@
       <p:sp>
         <p:nvSpPr>
           <p:cNvPr id="198" name="Google Shape;198;g2adb125f715_0_13:notes"/>
-          <p:cNvSpPr txBox="1"/>
+          <p:cNvSpPr txBox="1">
+            <a:spLocks noGrp="1"/>
+          </p:cNvSpPr>
           <p:nvPr>
-            <p:ph idx="1" type="body"/>
+            <p:ph type="body" idx="1"/>
           </p:nvPr>
         </p:nvSpPr>
         <p:spPr>
@@ -1080,12 +1120,12 @@
           </a:prstGeom>
         </p:spPr>
         <p:txBody>
-          <a:bodyPr anchorCtr="0" anchor="t" bIns="91425" lIns="91425" spcFirstLastPara="1" rIns="91425" wrap="square" tIns="91425">
+          <a:bodyPr spcFirstLastPara="1" wrap="square" lIns="91425" tIns="91425" rIns="91425" bIns="91425" anchor="t" anchorCtr="0">
             <a:noAutofit/>
           </a:bodyPr>
           <a:lstStyle/>
           <a:p>
-            <a:pPr indent="0" lvl="0" marL="0" rtl="0" algn="l">
+            <a:pPr marL="0" lvl="0" indent="0" algn="l" rtl="0">
               <a:spcBef>
                 <a:spcPts val="0"/>
               </a:spcBef>
@@ -1094,9 +1134,6 @@
               </a:spcAft>
               <a:buNone/>
             </a:pPr>
-            <a:r>
-              <a:t/>
-            </a:r>
             <a:endParaRPr/>
           </a:p>
         </p:txBody>
@@ -1110,11 +1147,11 @@
 </file>
 
 <file path=ppt/notesSlides/notesSlide2.xml><?xml version="1.0" encoding="utf-8"?>
-<p:notes xmlns:a="http://schemas.openxmlformats.org/drawingml/2006/main" xmlns:r="http://schemas.openxmlformats.org/officeDocument/2006/relationships" xmlns:mc="http://schemas.openxmlformats.org/markup-compatibility/2006" xmlns:mv="urn:schemas-microsoft-com:mac:vml" xmlns:p="http://schemas.openxmlformats.org/presentationml/2006/main" xmlns:c="http://schemas.openxmlformats.org/drawingml/2006/chart" xmlns:dgm="http://schemas.openxmlformats.org/drawingml/2006/diagram" xmlns:o="urn:schemas-microsoft-com:office:office" xmlns:v="urn:schemas-microsoft-com:vml" xmlns:pvml="urn:schemas-microsoft-com:office:powerpoint" xmlns:com="http://schemas.openxmlformats.org/drawingml/2006/compatibility" xmlns:p14="http://schemas.microsoft.com/office/powerpoint/2010/main" xmlns:p15="http://schemas.microsoft.com/office/powerpoint/2012/main" xmlns:ahyp="http://schemas.microsoft.com/office/drawing/2018/hyperlinkcolor" showMasterPhAnim="0" showMasterSp="0">
+<p:notes xmlns:a="http://schemas.openxmlformats.org/drawingml/2006/main" xmlns:r="http://schemas.openxmlformats.org/officeDocument/2006/relationships" xmlns:p="http://schemas.openxmlformats.org/presentationml/2006/main" showMasterSp="0" showMasterPhAnim="0">
   <p:cSld>
     <p:spTree>
       <p:nvGrpSpPr>
-        <p:cNvPr id="136" name="Shape 136"/>
+        <p:cNvPr id="1" name="Shape 136"/>
         <p:cNvGrpSpPr/>
         <p:nvPr/>
       </p:nvGrpSpPr>
@@ -1129,9 +1166,11 @@
       <p:sp>
         <p:nvSpPr>
           <p:cNvPr id="137" name="Google Shape;137;g2764f3aeb44_0_156:notes"/>
-          <p:cNvSpPr/>
+          <p:cNvSpPr>
+            <a:spLocks noGrp="1" noRot="1" noChangeAspect="1"/>
+          </p:cNvSpPr>
           <p:nvPr>
-            <p:ph idx="2" type="sldImg"/>
+            <p:ph type="sldImg" idx="2"/>
           </p:nvPr>
         </p:nvSpPr>
         <p:spPr>
@@ -1140,9 +1179,13 @@
             <a:ext cx="6096000" cy="3429000"/>
           </a:xfrm>
           <a:custGeom>
-            <a:rect b="b" l="l" r="r" t="t"/>
+            <a:avLst/>
+            <a:gdLst/>
+            <a:ahLst/>
+            <a:cxnLst/>
+            <a:rect l="l" t="t" r="r" b="b"/>
             <a:pathLst>
-              <a:path extrusionOk="0" h="120000" w="120000">
+              <a:path w="120000" h="120000" extrusionOk="0">
                 <a:moveTo>
                   <a:pt x="0" y="0"/>
                 </a:moveTo>
@@ -1164,9 +1207,11 @@
       <p:sp>
         <p:nvSpPr>
           <p:cNvPr id="138" name="Google Shape;138;g2764f3aeb44_0_156:notes"/>
-          <p:cNvSpPr txBox="1"/>
+          <p:cNvSpPr txBox="1">
+            <a:spLocks noGrp="1"/>
+          </p:cNvSpPr>
           <p:nvPr>
-            <p:ph idx="1" type="body"/>
+            <p:ph type="body" idx="1"/>
           </p:nvPr>
         </p:nvSpPr>
         <p:spPr>
@@ -1179,12 +1224,12 @@
           </a:prstGeom>
         </p:spPr>
         <p:txBody>
-          <a:bodyPr anchorCtr="0" anchor="t" bIns="91425" lIns="91425" spcFirstLastPara="1" rIns="91425" wrap="square" tIns="91425">
+          <a:bodyPr spcFirstLastPara="1" wrap="square" lIns="91425" tIns="91425" rIns="91425" bIns="91425" anchor="t" anchorCtr="0">
             <a:noAutofit/>
           </a:bodyPr>
           <a:lstStyle/>
           <a:p>
-            <a:pPr indent="0" lvl="0" marL="0" rtl="0" algn="l">
+            <a:pPr marL="0" lvl="0" indent="0" algn="l" rtl="0">
               <a:spcBef>
                 <a:spcPts val="0"/>
               </a:spcBef>
@@ -1193,9 +1238,6 @@
               </a:spcAft>
               <a:buNone/>
             </a:pPr>
-            <a:r>
-              <a:t/>
-            </a:r>
             <a:endParaRPr/>
           </a:p>
         </p:txBody>
@@ -1209,11 +1251,11 @@
 </file>
 
 <file path=ppt/notesSlides/notesSlide3.xml><?xml version="1.0" encoding="utf-8"?>
-<p:notes xmlns:a="http://schemas.openxmlformats.org/drawingml/2006/main" xmlns:r="http://schemas.openxmlformats.org/officeDocument/2006/relationships" xmlns:mc="http://schemas.openxmlformats.org/markup-compatibility/2006" xmlns:mv="urn:schemas-microsoft-com:mac:vml" xmlns:p="http://schemas.openxmlformats.org/presentationml/2006/main" xmlns:c="http://schemas.openxmlformats.org/drawingml/2006/chart" xmlns:dgm="http://schemas.openxmlformats.org/drawingml/2006/diagram" xmlns:o="urn:schemas-microsoft-com:office:office" xmlns:v="urn:schemas-microsoft-com:vml" xmlns:pvml="urn:schemas-microsoft-com:office:powerpoint" xmlns:com="http://schemas.openxmlformats.org/drawingml/2006/compatibility" xmlns:p14="http://schemas.microsoft.com/office/powerpoint/2010/main" xmlns:p15="http://schemas.microsoft.com/office/powerpoint/2012/main" xmlns:ahyp="http://schemas.microsoft.com/office/drawing/2018/hyperlinkcolor" showMasterPhAnim="0" showMasterSp="0">
+<p:notes xmlns:a="http://schemas.openxmlformats.org/drawingml/2006/main" xmlns:r="http://schemas.openxmlformats.org/officeDocument/2006/relationships" xmlns:p="http://schemas.openxmlformats.org/presentationml/2006/main" showMasterSp="0" showMasterPhAnim="0">
   <p:cSld>
     <p:spTree>
       <p:nvGrpSpPr>
-        <p:cNvPr id="142" name="Shape 142"/>
+        <p:cNvPr id="1" name="Shape 142"/>
         <p:cNvGrpSpPr/>
         <p:nvPr/>
       </p:nvGrpSpPr>
@@ -1228,9 +1270,11 @@
       <p:sp>
         <p:nvSpPr>
           <p:cNvPr id="143" name="Google Shape;143;g2764f3aeb44_0_125:notes"/>
-          <p:cNvSpPr/>
+          <p:cNvSpPr>
+            <a:spLocks noGrp="1" noRot="1" noChangeAspect="1"/>
+          </p:cNvSpPr>
           <p:nvPr>
-            <p:ph idx="2" type="sldImg"/>
+            <p:ph type="sldImg" idx="2"/>
           </p:nvPr>
         </p:nvSpPr>
         <p:spPr>
@@ -1239,9 +1283,13 @@
             <a:ext cx="6096000" cy="3429000"/>
           </a:xfrm>
           <a:custGeom>
-            <a:rect b="b" l="l" r="r" t="t"/>
+            <a:avLst/>
+            <a:gdLst/>
+            <a:ahLst/>
+            <a:cxnLst/>
+            <a:rect l="l" t="t" r="r" b="b"/>
             <a:pathLst>
-              <a:path extrusionOk="0" h="120000" w="120000">
+              <a:path w="120000" h="120000" extrusionOk="0">
                 <a:moveTo>
                   <a:pt x="0" y="0"/>
                 </a:moveTo>
@@ -1263,9 +1311,11 @@
       <p:sp>
         <p:nvSpPr>
           <p:cNvPr id="144" name="Google Shape;144;g2764f3aeb44_0_125:notes"/>
-          <p:cNvSpPr txBox="1"/>
+          <p:cNvSpPr txBox="1">
+            <a:spLocks noGrp="1"/>
+          </p:cNvSpPr>
           <p:nvPr>
-            <p:ph idx="1" type="body"/>
+            <p:ph type="body" idx="1"/>
           </p:nvPr>
         </p:nvSpPr>
         <p:spPr>
@@ -1278,12 +1328,12 @@
           </a:prstGeom>
         </p:spPr>
         <p:txBody>
-          <a:bodyPr anchorCtr="0" anchor="t" bIns="91425" lIns="91425" spcFirstLastPara="1" rIns="91425" wrap="square" tIns="91425">
+          <a:bodyPr spcFirstLastPara="1" wrap="square" lIns="91425" tIns="91425" rIns="91425" bIns="91425" anchor="t" anchorCtr="0">
             <a:noAutofit/>
           </a:bodyPr>
           <a:lstStyle/>
           <a:p>
-            <a:pPr indent="0" lvl="0" marL="0" rtl="0" algn="l">
+            <a:pPr marL="0" lvl="0" indent="0" algn="l" rtl="0">
               <a:spcBef>
                 <a:spcPts val="0"/>
               </a:spcBef>
@@ -1292,9 +1342,6 @@
               </a:spcAft>
               <a:buNone/>
             </a:pPr>
-            <a:r>
-              <a:t/>
-            </a:r>
             <a:endParaRPr/>
           </a:p>
         </p:txBody>
@@ -1308,11 +1355,11 @@
 </file>
 
 <file path=ppt/notesSlides/notesSlide4.xml><?xml version="1.0" encoding="utf-8"?>
-<p:notes xmlns:a="http://schemas.openxmlformats.org/drawingml/2006/main" xmlns:r="http://schemas.openxmlformats.org/officeDocument/2006/relationships" xmlns:mc="http://schemas.openxmlformats.org/markup-compatibility/2006" xmlns:mv="urn:schemas-microsoft-com:mac:vml" xmlns:p="http://schemas.openxmlformats.org/presentationml/2006/main" xmlns:c="http://schemas.openxmlformats.org/drawingml/2006/chart" xmlns:dgm="http://schemas.openxmlformats.org/drawingml/2006/diagram" xmlns:o="urn:schemas-microsoft-com:office:office" xmlns:v="urn:schemas-microsoft-com:vml" xmlns:pvml="urn:schemas-microsoft-com:office:powerpoint" xmlns:com="http://schemas.openxmlformats.org/drawingml/2006/compatibility" xmlns:p14="http://schemas.microsoft.com/office/powerpoint/2010/main" xmlns:p15="http://schemas.microsoft.com/office/powerpoint/2012/main" xmlns:ahyp="http://schemas.microsoft.com/office/drawing/2018/hyperlinkcolor" showMasterPhAnim="0" showMasterSp="0">
+<p:notes xmlns:a="http://schemas.openxmlformats.org/drawingml/2006/main" xmlns:r="http://schemas.openxmlformats.org/officeDocument/2006/relationships" xmlns:p="http://schemas.openxmlformats.org/presentationml/2006/main" showMasterSp="0" showMasterPhAnim="0">
   <p:cSld>
     <p:spTree>
       <p:nvGrpSpPr>
-        <p:cNvPr id="148" name="Shape 148"/>
+        <p:cNvPr id="1" name="Shape 148"/>
         <p:cNvGrpSpPr/>
         <p:nvPr/>
       </p:nvGrpSpPr>
@@ -1327,20 +1374,26 @@
       <p:sp>
         <p:nvSpPr>
           <p:cNvPr id="149" name="Google Shape;149;g2adb125f715_0_0:notes"/>
-          <p:cNvSpPr/>
+          <p:cNvSpPr>
+            <a:spLocks noGrp="1" noRot="1" noChangeAspect="1"/>
+          </p:cNvSpPr>
           <p:nvPr>
-            <p:ph idx="2" type="sldImg"/>
+            <p:ph type="sldImg" idx="2"/>
           </p:nvPr>
         </p:nvSpPr>
         <p:spPr>
           <a:xfrm>
-            <a:off x="381300" y="685800"/>
+            <a:off x="381000" y="685800"/>
             <a:ext cx="6096000" cy="3429000"/>
           </a:xfrm>
           <a:custGeom>
-            <a:rect b="b" l="l" r="r" t="t"/>
+            <a:avLst/>
+            <a:gdLst/>
+            <a:ahLst/>
+            <a:cxnLst/>
+            <a:rect l="l" t="t" r="r" b="b"/>
             <a:pathLst>
-              <a:path extrusionOk="0" h="120000" w="120000">
+              <a:path w="120000" h="120000" extrusionOk="0">
                 <a:moveTo>
                   <a:pt x="0" y="0"/>
                 </a:moveTo>
@@ -1362,9 +1415,11 @@
       <p:sp>
         <p:nvSpPr>
           <p:cNvPr id="150" name="Google Shape;150;g2adb125f715_0_0:notes"/>
-          <p:cNvSpPr txBox="1"/>
+          <p:cNvSpPr txBox="1">
+            <a:spLocks noGrp="1"/>
+          </p:cNvSpPr>
           <p:nvPr>
-            <p:ph idx="1" type="body"/>
+            <p:ph type="body" idx="1"/>
           </p:nvPr>
         </p:nvSpPr>
         <p:spPr>
@@ -1377,12 +1432,12 @@
           </a:prstGeom>
         </p:spPr>
         <p:txBody>
-          <a:bodyPr anchorCtr="0" anchor="t" bIns="91425" lIns="91425" spcFirstLastPara="1" rIns="91425" wrap="square" tIns="91425">
+          <a:bodyPr spcFirstLastPara="1" wrap="square" lIns="91425" tIns="91425" rIns="91425" bIns="91425" anchor="t" anchorCtr="0">
             <a:noAutofit/>
           </a:bodyPr>
           <a:lstStyle/>
           <a:p>
-            <a:pPr indent="0" lvl="0" marL="0" rtl="0" algn="l">
+            <a:pPr marL="0" lvl="0" indent="0" algn="l" rtl="0">
               <a:spcBef>
                 <a:spcPts val="0"/>
               </a:spcBef>
@@ -1391,9 +1446,6 @@
               </a:spcAft>
               <a:buNone/>
             </a:pPr>
-            <a:r>
-              <a:t/>
-            </a:r>
             <a:endParaRPr/>
           </a:p>
         </p:txBody>
@@ -1407,11 +1459,11 @@
 </file>
 
 <file path=ppt/notesSlides/notesSlide5.xml><?xml version="1.0" encoding="utf-8"?>
-<p:notes xmlns:a="http://schemas.openxmlformats.org/drawingml/2006/main" xmlns:r="http://schemas.openxmlformats.org/officeDocument/2006/relationships" xmlns:mc="http://schemas.openxmlformats.org/markup-compatibility/2006" xmlns:mv="urn:schemas-microsoft-com:mac:vml" xmlns:p="http://schemas.openxmlformats.org/presentationml/2006/main" xmlns:c="http://schemas.openxmlformats.org/drawingml/2006/chart" xmlns:dgm="http://schemas.openxmlformats.org/drawingml/2006/diagram" xmlns:o="urn:schemas-microsoft-com:office:office" xmlns:v="urn:schemas-microsoft-com:vml" xmlns:pvml="urn:schemas-microsoft-com:office:powerpoint" xmlns:com="http://schemas.openxmlformats.org/drawingml/2006/compatibility" xmlns:p14="http://schemas.microsoft.com/office/powerpoint/2010/main" xmlns:p15="http://schemas.microsoft.com/office/powerpoint/2012/main" xmlns:ahyp="http://schemas.microsoft.com/office/drawing/2018/hyperlinkcolor" showMasterPhAnim="0" showMasterSp="0">
+<p:notes xmlns:a="http://schemas.openxmlformats.org/drawingml/2006/main" xmlns:r="http://schemas.openxmlformats.org/officeDocument/2006/relationships" xmlns:p="http://schemas.openxmlformats.org/presentationml/2006/main" showMasterSp="0" showMasterPhAnim="0">
   <p:cSld>
     <p:spTree>
       <p:nvGrpSpPr>
-        <p:cNvPr id="154" name="Shape 154"/>
+        <p:cNvPr id="1" name="Shape 154"/>
         <p:cNvGrpSpPr/>
         <p:nvPr/>
       </p:nvGrpSpPr>
@@ -1426,9 +1478,11 @@
       <p:sp>
         <p:nvSpPr>
           <p:cNvPr id="155" name="Google Shape;155;g2764f3aeb44_0_130:notes"/>
-          <p:cNvSpPr/>
+          <p:cNvSpPr>
+            <a:spLocks noGrp="1" noRot="1" noChangeAspect="1"/>
+          </p:cNvSpPr>
           <p:nvPr>
-            <p:ph idx="2" type="sldImg"/>
+            <p:ph type="sldImg" idx="2"/>
           </p:nvPr>
         </p:nvSpPr>
         <p:spPr>
@@ -1437,9 +1491,13 @@
             <a:ext cx="6096000" cy="3429000"/>
           </a:xfrm>
           <a:custGeom>
-            <a:rect b="b" l="l" r="r" t="t"/>
+            <a:avLst/>
+            <a:gdLst/>
+            <a:ahLst/>
+            <a:cxnLst/>
+            <a:rect l="l" t="t" r="r" b="b"/>
             <a:pathLst>
-              <a:path extrusionOk="0" h="120000" w="120000">
+              <a:path w="120000" h="120000" extrusionOk="0">
                 <a:moveTo>
                   <a:pt x="0" y="0"/>
                 </a:moveTo>
@@ -1461,9 +1519,11 @@
       <p:sp>
         <p:nvSpPr>
           <p:cNvPr id="156" name="Google Shape;156;g2764f3aeb44_0_130:notes"/>
-          <p:cNvSpPr txBox="1"/>
+          <p:cNvSpPr txBox="1">
+            <a:spLocks noGrp="1"/>
+          </p:cNvSpPr>
           <p:nvPr>
-            <p:ph idx="1" type="body"/>
+            <p:ph type="body" idx="1"/>
           </p:nvPr>
         </p:nvSpPr>
         <p:spPr>
@@ -1476,12 +1536,12 @@
           </a:prstGeom>
         </p:spPr>
         <p:txBody>
-          <a:bodyPr anchorCtr="0" anchor="t" bIns="91425" lIns="91425" spcFirstLastPara="1" rIns="91425" wrap="square" tIns="91425">
+          <a:bodyPr spcFirstLastPara="1" wrap="square" lIns="91425" tIns="91425" rIns="91425" bIns="91425" anchor="t" anchorCtr="0">
             <a:noAutofit/>
           </a:bodyPr>
           <a:lstStyle/>
           <a:p>
-            <a:pPr indent="0" lvl="0" marL="0" rtl="0" algn="l">
+            <a:pPr marL="0" lvl="0" indent="0" algn="l" rtl="0">
               <a:spcBef>
                 <a:spcPts val="0"/>
               </a:spcBef>
@@ -1490,9 +1550,6 @@
               </a:spcAft>
               <a:buNone/>
             </a:pPr>
-            <a:r>
-              <a:t/>
-            </a:r>
             <a:endParaRPr/>
           </a:p>
         </p:txBody>
@@ -1506,11 +1563,11 @@
 </file>
 
 <file path=ppt/notesSlides/notesSlide6.xml><?xml version="1.0" encoding="utf-8"?>
-<p:notes xmlns:a="http://schemas.openxmlformats.org/drawingml/2006/main" xmlns:r="http://schemas.openxmlformats.org/officeDocument/2006/relationships" xmlns:mc="http://schemas.openxmlformats.org/markup-compatibility/2006" xmlns:mv="urn:schemas-microsoft-com:mac:vml" xmlns:p="http://schemas.openxmlformats.org/presentationml/2006/main" xmlns:c="http://schemas.openxmlformats.org/drawingml/2006/chart" xmlns:dgm="http://schemas.openxmlformats.org/drawingml/2006/diagram" xmlns:o="urn:schemas-microsoft-com:office:office" xmlns:v="urn:schemas-microsoft-com:vml" xmlns:pvml="urn:schemas-microsoft-com:office:powerpoint" xmlns:com="http://schemas.openxmlformats.org/drawingml/2006/compatibility" xmlns:p14="http://schemas.microsoft.com/office/powerpoint/2010/main" xmlns:p15="http://schemas.microsoft.com/office/powerpoint/2012/main" xmlns:ahyp="http://schemas.microsoft.com/office/drawing/2018/hyperlinkcolor" showMasterPhAnim="0" showMasterSp="0">
+<p:notes xmlns:a="http://schemas.openxmlformats.org/drawingml/2006/main" xmlns:r="http://schemas.openxmlformats.org/officeDocument/2006/relationships" xmlns:p="http://schemas.openxmlformats.org/presentationml/2006/main" showMasterSp="0" showMasterPhAnim="0">
   <p:cSld>
     <p:spTree>
       <p:nvGrpSpPr>
-        <p:cNvPr id="160" name="Shape 160"/>
+        <p:cNvPr id="1" name="Shape 160"/>
         <p:cNvGrpSpPr/>
         <p:nvPr/>
       </p:nvGrpSpPr>
@@ -1525,20 +1582,26 @@
       <p:sp>
         <p:nvSpPr>
           <p:cNvPr id="161" name="Google Shape;161;g2764f3aeb44_0_141:notes"/>
-          <p:cNvSpPr/>
+          <p:cNvSpPr>
+            <a:spLocks noGrp="1" noRot="1" noChangeAspect="1"/>
+          </p:cNvSpPr>
           <p:nvPr>
-            <p:ph idx="2" type="sldImg"/>
+            <p:ph type="sldImg" idx="2"/>
           </p:nvPr>
         </p:nvSpPr>
         <p:spPr>
           <a:xfrm>
-            <a:off x="381300" y="685800"/>
+            <a:off x="381000" y="685800"/>
             <a:ext cx="6096000" cy="3429000"/>
           </a:xfrm>
           <a:custGeom>
-            <a:rect b="b" l="l" r="r" t="t"/>
+            <a:avLst/>
+            <a:gdLst/>
+            <a:ahLst/>
+            <a:cxnLst/>
+            <a:rect l="l" t="t" r="r" b="b"/>
             <a:pathLst>
-              <a:path extrusionOk="0" h="120000" w="120000">
+              <a:path w="120000" h="120000" extrusionOk="0">
                 <a:moveTo>
                   <a:pt x="0" y="0"/>
                 </a:moveTo>
@@ -1560,9 +1623,11 @@
       <p:sp>
         <p:nvSpPr>
           <p:cNvPr id="162" name="Google Shape;162;g2764f3aeb44_0_141:notes"/>
-          <p:cNvSpPr txBox="1"/>
+          <p:cNvSpPr txBox="1">
+            <a:spLocks noGrp="1"/>
+          </p:cNvSpPr>
           <p:nvPr>
-            <p:ph idx="1" type="body"/>
+            <p:ph type="body" idx="1"/>
           </p:nvPr>
         </p:nvSpPr>
         <p:spPr>
@@ -1575,12 +1640,12 @@
           </a:prstGeom>
         </p:spPr>
         <p:txBody>
-          <a:bodyPr anchorCtr="0" anchor="t" bIns="91425" lIns="91425" spcFirstLastPara="1" rIns="91425" wrap="square" tIns="91425">
+          <a:bodyPr spcFirstLastPara="1" wrap="square" lIns="91425" tIns="91425" rIns="91425" bIns="91425" anchor="t" anchorCtr="0">
             <a:noAutofit/>
           </a:bodyPr>
           <a:lstStyle/>
           <a:p>
-            <a:pPr indent="0" lvl="0" marL="0" rtl="0" algn="l">
+            <a:pPr marL="0" lvl="0" indent="0" algn="l" rtl="0">
               <a:spcBef>
                 <a:spcPts val="0"/>
               </a:spcBef>
@@ -1589,9 +1654,6 @@
               </a:spcAft>
               <a:buNone/>
             </a:pPr>
-            <a:r>
-              <a:t/>
-            </a:r>
             <a:endParaRPr/>
           </a:p>
         </p:txBody>
@@ -1605,11 +1667,11 @@
 </file>
 
 <file path=ppt/notesSlides/notesSlide7.xml><?xml version="1.0" encoding="utf-8"?>
-<p:notes xmlns:a="http://schemas.openxmlformats.org/drawingml/2006/main" xmlns:r="http://schemas.openxmlformats.org/officeDocument/2006/relationships" xmlns:mc="http://schemas.openxmlformats.org/markup-compatibility/2006" xmlns:mv="urn:schemas-microsoft-com:mac:vml" xmlns:p="http://schemas.openxmlformats.org/presentationml/2006/main" xmlns:c="http://schemas.openxmlformats.org/drawingml/2006/chart" xmlns:dgm="http://schemas.openxmlformats.org/drawingml/2006/diagram" xmlns:o="urn:schemas-microsoft-com:office:office" xmlns:v="urn:schemas-microsoft-com:vml" xmlns:pvml="urn:schemas-microsoft-com:office:powerpoint" xmlns:com="http://schemas.openxmlformats.org/drawingml/2006/compatibility" xmlns:p14="http://schemas.microsoft.com/office/powerpoint/2010/main" xmlns:p15="http://schemas.microsoft.com/office/powerpoint/2012/main" xmlns:ahyp="http://schemas.microsoft.com/office/drawing/2018/hyperlinkcolor" showMasterPhAnim="0" showMasterSp="0">
+<p:notes xmlns:a="http://schemas.openxmlformats.org/drawingml/2006/main" xmlns:r="http://schemas.openxmlformats.org/officeDocument/2006/relationships" xmlns:p="http://schemas.openxmlformats.org/presentationml/2006/main" showMasterSp="0" showMasterPhAnim="0">
   <p:cSld>
     <p:spTree>
       <p:nvGrpSpPr>
-        <p:cNvPr id="166" name="Shape 166"/>
+        <p:cNvPr id="1" name="Shape 166"/>
         <p:cNvGrpSpPr/>
         <p:nvPr/>
       </p:nvGrpSpPr>
@@ -1624,9 +1686,11 @@
       <p:sp>
         <p:nvSpPr>
           <p:cNvPr id="167" name="Google Shape;167;g2764f3aeb44_0_136:notes"/>
-          <p:cNvSpPr/>
+          <p:cNvSpPr>
+            <a:spLocks noGrp="1" noRot="1" noChangeAspect="1"/>
+          </p:cNvSpPr>
           <p:nvPr>
-            <p:ph idx="2" type="sldImg"/>
+            <p:ph type="sldImg" idx="2"/>
           </p:nvPr>
         </p:nvSpPr>
         <p:spPr>
@@ -1635,9 +1699,13 @@
             <a:ext cx="6096000" cy="3429000"/>
           </a:xfrm>
           <a:custGeom>
-            <a:rect b="b" l="l" r="r" t="t"/>
+            <a:avLst/>
+            <a:gdLst/>
+            <a:ahLst/>
+            <a:cxnLst/>
+            <a:rect l="l" t="t" r="r" b="b"/>
             <a:pathLst>
-              <a:path extrusionOk="0" h="120000" w="120000">
+              <a:path w="120000" h="120000" extrusionOk="0">
                 <a:moveTo>
                   <a:pt x="0" y="0"/>
                 </a:moveTo>
@@ -1659,9 +1727,11 @@
       <p:sp>
         <p:nvSpPr>
           <p:cNvPr id="168" name="Google Shape;168;g2764f3aeb44_0_136:notes"/>
-          <p:cNvSpPr txBox="1"/>
+          <p:cNvSpPr txBox="1">
+            <a:spLocks noGrp="1"/>
+          </p:cNvSpPr>
           <p:nvPr>
-            <p:ph idx="1" type="body"/>
+            <p:ph type="body" idx="1"/>
           </p:nvPr>
         </p:nvSpPr>
         <p:spPr>
@@ -1674,12 +1744,12 @@
           </a:prstGeom>
         </p:spPr>
         <p:txBody>
-          <a:bodyPr anchorCtr="0" anchor="t" bIns="91425" lIns="91425" spcFirstLastPara="1" rIns="91425" wrap="square" tIns="91425">
+          <a:bodyPr spcFirstLastPara="1" wrap="square" lIns="91425" tIns="91425" rIns="91425" bIns="91425" anchor="t" anchorCtr="0">
             <a:noAutofit/>
           </a:bodyPr>
           <a:lstStyle/>
           <a:p>
-            <a:pPr indent="0" lvl="0" marL="0" rtl="0" algn="l">
+            <a:pPr marL="0" lvl="0" indent="0" algn="l" rtl="0">
               <a:spcBef>
                 <a:spcPts val="0"/>
               </a:spcBef>
@@ -1705,11 +1775,11 @@
 </file>
 
 <file path=ppt/notesSlides/notesSlide8.xml><?xml version="1.0" encoding="utf-8"?>
-<p:notes xmlns:a="http://schemas.openxmlformats.org/drawingml/2006/main" xmlns:r="http://schemas.openxmlformats.org/officeDocument/2006/relationships" xmlns:mc="http://schemas.openxmlformats.org/markup-compatibility/2006" xmlns:mv="urn:schemas-microsoft-com:mac:vml" xmlns:p="http://schemas.openxmlformats.org/presentationml/2006/main" xmlns:c="http://schemas.openxmlformats.org/drawingml/2006/chart" xmlns:dgm="http://schemas.openxmlformats.org/drawingml/2006/diagram" xmlns:o="urn:schemas-microsoft-com:office:office" xmlns:v="urn:schemas-microsoft-com:vml" xmlns:pvml="urn:schemas-microsoft-com:office:powerpoint" xmlns:com="http://schemas.openxmlformats.org/drawingml/2006/compatibility" xmlns:p14="http://schemas.microsoft.com/office/powerpoint/2010/main" xmlns:p15="http://schemas.microsoft.com/office/powerpoint/2012/main" xmlns:ahyp="http://schemas.microsoft.com/office/drawing/2018/hyperlinkcolor" showMasterPhAnim="0" showMasterSp="0">
+<p:notes xmlns:a="http://schemas.openxmlformats.org/drawingml/2006/main" xmlns:r="http://schemas.openxmlformats.org/officeDocument/2006/relationships" xmlns:p="http://schemas.openxmlformats.org/presentationml/2006/main" showMasterSp="0" showMasterPhAnim="0">
   <p:cSld>
     <p:spTree>
       <p:nvGrpSpPr>
-        <p:cNvPr id="172" name="Shape 172"/>
+        <p:cNvPr id="1" name="Shape 172"/>
         <p:cNvGrpSpPr/>
         <p:nvPr/>
       </p:nvGrpSpPr>
@@ -1724,9 +1794,11 @@
       <p:sp>
         <p:nvSpPr>
           <p:cNvPr id="173" name="Google Shape;173;g2764f3aeb44_0_151:notes"/>
-          <p:cNvSpPr/>
+          <p:cNvSpPr>
+            <a:spLocks noGrp="1" noRot="1" noChangeAspect="1"/>
+          </p:cNvSpPr>
           <p:nvPr>
-            <p:ph idx="2" type="sldImg"/>
+            <p:ph type="sldImg" idx="2"/>
           </p:nvPr>
         </p:nvSpPr>
         <p:spPr>
@@ -1735,9 +1807,13 @@
             <a:ext cx="6096000" cy="3429000"/>
           </a:xfrm>
           <a:custGeom>
-            <a:rect b="b" l="l" r="r" t="t"/>
+            <a:avLst/>
+            <a:gdLst/>
+            <a:ahLst/>
+            <a:cxnLst/>
+            <a:rect l="l" t="t" r="r" b="b"/>
             <a:pathLst>
-              <a:path extrusionOk="0" h="120000" w="120000">
+              <a:path w="120000" h="120000" extrusionOk="0">
                 <a:moveTo>
                   <a:pt x="0" y="0"/>
                 </a:moveTo>
@@ -1759,9 +1835,11 @@
       <p:sp>
         <p:nvSpPr>
           <p:cNvPr id="174" name="Google Shape;174;g2764f3aeb44_0_151:notes"/>
-          <p:cNvSpPr txBox="1"/>
+          <p:cNvSpPr txBox="1">
+            <a:spLocks noGrp="1"/>
+          </p:cNvSpPr>
           <p:nvPr>
-            <p:ph idx="1" type="body"/>
+            <p:ph type="body" idx="1"/>
           </p:nvPr>
         </p:nvSpPr>
         <p:spPr>
@@ -1774,12 +1852,12 @@
           </a:prstGeom>
         </p:spPr>
         <p:txBody>
-          <a:bodyPr anchorCtr="0" anchor="t" bIns="91425" lIns="91425" spcFirstLastPara="1" rIns="91425" wrap="square" tIns="91425">
+          <a:bodyPr spcFirstLastPara="1" wrap="square" lIns="91425" tIns="91425" rIns="91425" bIns="91425" anchor="t" anchorCtr="0">
             <a:noAutofit/>
           </a:bodyPr>
           <a:lstStyle/>
           <a:p>
-            <a:pPr indent="0" lvl="0" marL="0" rtl="0" algn="l">
+            <a:pPr marL="0" lvl="0" indent="0" algn="l" rtl="0">
               <a:spcBef>
                 <a:spcPts val="0"/>
               </a:spcBef>
@@ -1788,9 +1866,6 @@
               </a:spcAft>
               <a:buNone/>
             </a:pPr>
-            <a:r>
-              <a:t/>
-            </a:r>
             <a:endParaRPr/>
           </a:p>
         </p:txBody>
@@ -1804,11 +1879,11 @@
 </file>
 
 <file path=ppt/notesSlides/notesSlide9.xml><?xml version="1.0" encoding="utf-8"?>
-<p:notes xmlns:a="http://schemas.openxmlformats.org/drawingml/2006/main" xmlns:r="http://schemas.openxmlformats.org/officeDocument/2006/relationships" xmlns:mc="http://schemas.openxmlformats.org/markup-compatibility/2006" xmlns:mv="urn:schemas-microsoft-com:mac:vml" xmlns:p="http://schemas.openxmlformats.org/presentationml/2006/main" xmlns:c="http://schemas.openxmlformats.org/drawingml/2006/chart" xmlns:dgm="http://schemas.openxmlformats.org/drawingml/2006/diagram" xmlns:o="urn:schemas-microsoft-com:office:office" xmlns:v="urn:schemas-microsoft-com:vml" xmlns:pvml="urn:schemas-microsoft-com:office:powerpoint" xmlns:com="http://schemas.openxmlformats.org/drawingml/2006/compatibility" xmlns:p14="http://schemas.microsoft.com/office/powerpoint/2010/main" xmlns:p15="http://schemas.microsoft.com/office/powerpoint/2012/main" xmlns:ahyp="http://schemas.microsoft.com/office/drawing/2018/hyperlinkcolor" showMasterPhAnim="0" showMasterSp="0">
+<p:notes xmlns:a="http://schemas.openxmlformats.org/drawingml/2006/main" xmlns:r="http://schemas.openxmlformats.org/officeDocument/2006/relationships" xmlns:p="http://schemas.openxmlformats.org/presentationml/2006/main" showMasterSp="0" showMasterPhAnim="0">
   <p:cSld>
     <p:spTree>
       <p:nvGrpSpPr>
-        <p:cNvPr id="178" name="Shape 178"/>
+        <p:cNvPr id="1" name="Shape 178"/>
         <p:cNvGrpSpPr/>
         <p:nvPr/>
       </p:nvGrpSpPr>
@@ -1823,20 +1898,26 @@
       <p:sp>
         <p:nvSpPr>
           <p:cNvPr id="179" name="Google Shape;179;g2764f3aeb44_0_146:notes"/>
-          <p:cNvSpPr/>
+          <p:cNvSpPr>
+            <a:spLocks noGrp="1" noRot="1" noChangeAspect="1"/>
+          </p:cNvSpPr>
           <p:nvPr>
-            <p:ph idx="2" type="sldImg"/>
+            <p:ph type="sldImg" idx="2"/>
           </p:nvPr>
         </p:nvSpPr>
         <p:spPr>
           <a:xfrm>
-            <a:off x="381300" y="685800"/>
+            <a:off x="381000" y="685800"/>
             <a:ext cx="6096000" cy="3429000"/>
           </a:xfrm>
           <a:custGeom>
-            <a:rect b="b" l="l" r="r" t="t"/>
+            <a:avLst/>
+            <a:gdLst/>
+            <a:ahLst/>
+            <a:cxnLst/>
+            <a:rect l="l" t="t" r="r" b="b"/>
             <a:pathLst>
-              <a:path extrusionOk="0" h="120000" w="120000">
+              <a:path w="120000" h="120000" extrusionOk="0">
                 <a:moveTo>
                   <a:pt x="0" y="0"/>
                 </a:moveTo>
@@ -1858,9 +1939,11 @@
       <p:sp>
         <p:nvSpPr>
           <p:cNvPr id="180" name="Google Shape;180;g2764f3aeb44_0_146:notes"/>
-          <p:cNvSpPr txBox="1"/>
+          <p:cNvSpPr txBox="1">
+            <a:spLocks noGrp="1"/>
+          </p:cNvSpPr>
           <p:nvPr>
-            <p:ph idx="1" type="body"/>
+            <p:ph type="body" idx="1"/>
           </p:nvPr>
         </p:nvSpPr>
         <p:spPr>
@@ -1873,12 +1956,12 @@
           </a:prstGeom>
         </p:spPr>
         <p:txBody>
-          <a:bodyPr anchorCtr="0" anchor="t" bIns="91425" lIns="91425" spcFirstLastPara="1" rIns="91425" wrap="square" tIns="91425">
+          <a:bodyPr spcFirstLastPara="1" wrap="square" lIns="91425" tIns="91425" rIns="91425" bIns="91425" anchor="t" anchorCtr="0">
             <a:noAutofit/>
           </a:bodyPr>
           <a:lstStyle/>
           <a:p>
-            <a:pPr indent="0" lvl="0" marL="0" rtl="0" algn="l">
+            <a:pPr marL="0" lvl="0" indent="0" algn="l" rtl="0">
               <a:spcBef>
                 <a:spcPts val="0"/>
               </a:spcBef>
@@ -1887,9 +1970,6 @@
               </a:spcAft>
               <a:buNone/>
             </a:pPr>
-            <a:r>
-              <a:t/>
-            </a:r>
             <a:endParaRPr/>
           </a:p>
         </p:txBody>
@@ -1903,11 +1983,11 @@
 </file>
 
 <file path=ppt/slideLayouts/slideLayout1.xml><?xml version="1.0" encoding="utf-8"?>
-<p:sldLayout xmlns:a="http://schemas.openxmlformats.org/drawingml/2006/main" xmlns:r="http://schemas.openxmlformats.org/officeDocument/2006/relationships" xmlns:mc="http://schemas.openxmlformats.org/markup-compatibility/2006" xmlns:mv="urn:schemas-microsoft-com:mac:vml" xmlns:p="http://schemas.openxmlformats.org/presentationml/2006/main" xmlns:c="http://schemas.openxmlformats.org/drawingml/2006/chart" xmlns:dgm="http://schemas.openxmlformats.org/drawingml/2006/diagram" xmlns:o="urn:schemas-microsoft-com:office:office" xmlns:v="urn:schemas-microsoft-com:vml" xmlns:pvml="urn:schemas-microsoft-com:office:powerpoint" xmlns:com="http://schemas.openxmlformats.org/drawingml/2006/compatibility" xmlns:p14="http://schemas.microsoft.com/office/powerpoint/2010/main" xmlns:p15="http://schemas.microsoft.com/office/powerpoint/2012/main" xmlns:ahyp="http://schemas.microsoft.com/office/drawing/2018/hyperlinkcolor" matchingName="Title slide" type="title">
+<p:sldLayout xmlns:a="http://schemas.openxmlformats.org/drawingml/2006/main" xmlns:r="http://schemas.openxmlformats.org/officeDocument/2006/relationships" xmlns:p="http://schemas.openxmlformats.org/presentationml/2006/main" matchingName="Title slide" type="title">
   <p:cSld name="TITLE">
     <p:spTree>
       <p:nvGrpSpPr>
-        <p:cNvPr id="9" name="Shape 9"/>
+        <p:cNvPr id="1" name="Shape 9"/>
         <p:cNvGrpSpPr/>
         <p:nvPr/>
       </p:nvGrpSpPr>
@@ -1932,7 +2012,7 @@
           </a:xfrm>
           <a:prstGeom prst="diagStripe">
             <a:avLst>
-              <a:gd fmla="val 0" name="adj"/>
+              <a:gd name="adj" fmla="val 0"/>
             </a:avLst>
           </a:prstGeom>
           <a:solidFill>
@@ -1945,12 +2025,12 @@
           </a:ln>
         </p:spPr>
         <p:txBody>
-          <a:bodyPr anchorCtr="0" anchor="ctr" bIns="91425" lIns="91425" spcFirstLastPara="1" rIns="91425" wrap="square" tIns="91425">
+          <a:bodyPr spcFirstLastPara="1" wrap="square" lIns="91425" tIns="91425" rIns="91425" bIns="91425" anchor="ctr" anchorCtr="0">
             <a:noAutofit/>
           </a:bodyPr>
           <a:lstStyle/>
           <a:p>
-            <a:pPr indent="0" lvl="0" marL="0" rtl="0" algn="l">
+            <a:pPr marL="0" lvl="0" indent="0" algn="l" rtl="0">
               <a:spcBef>
                 <a:spcPts val="0"/>
               </a:spcBef>
@@ -1959,9 +2039,6 @@
               </a:spcAft>
               <a:buNone/>
             </a:pPr>
-            <a:r>
-              <a:t/>
-            </a:r>
             <a:endParaRPr/>
           </a:p>
         </p:txBody>
@@ -1993,7 +2070,7 @@
             </a:xfrm>
             <a:prstGeom prst="diagStripe">
               <a:avLst>
-                <a:gd fmla="val 50000" name="adj"/>
+                <a:gd name="adj" fmla="val 50000"/>
               </a:avLst>
             </a:prstGeom>
             <a:solidFill>
@@ -2006,12 +2083,12 @@
             </a:ln>
           </p:spPr>
           <p:txBody>
-            <a:bodyPr anchorCtr="0" anchor="ctr" bIns="91425" lIns="91425" spcFirstLastPara="1" rIns="91425" wrap="square" tIns="91425">
+            <a:bodyPr spcFirstLastPara="1" wrap="square" lIns="91425" tIns="91425" rIns="91425" bIns="91425" anchor="ctr" anchorCtr="0">
               <a:noAutofit/>
             </a:bodyPr>
             <a:lstStyle/>
             <a:p>
-              <a:pPr indent="0" lvl="0" marL="0" rtl="0" algn="l">
+              <a:pPr marL="0" lvl="0" indent="0" algn="l" rtl="0">
                 <a:spcBef>
                   <a:spcPts val="0"/>
                 </a:spcBef>
@@ -2020,9 +2097,6 @@
                 </a:spcAft>
                 <a:buNone/>
               </a:pPr>
-              <a:r>
-                <a:t/>
-              </a:r>
               <a:endParaRPr/>
             </a:p>
           </p:txBody>
@@ -2040,7 +2114,7 @@
             </a:xfrm>
             <a:prstGeom prst="diagStripe">
               <a:avLst>
-                <a:gd fmla="val 58774" name="adj"/>
+                <a:gd name="adj" fmla="val 58774"/>
               </a:avLst>
             </a:prstGeom>
             <a:solidFill>
@@ -2053,12 +2127,12 @@
             </a:ln>
           </p:spPr>
           <p:txBody>
-            <a:bodyPr anchorCtr="0" anchor="ctr" bIns="91425" lIns="91425" spcFirstLastPara="1" rIns="91425" wrap="square" tIns="91425">
+            <a:bodyPr spcFirstLastPara="1" wrap="square" lIns="91425" tIns="91425" rIns="91425" bIns="91425" anchor="ctr" anchorCtr="0">
               <a:noAutofit/>
             </a:bodyPr>
             <a:lstStyle/>
             <a:p>
-              <a:pPr indent="0" lvl="0" marL="0" rtl="0" algn="l">
+              <a:pPr marL="0" lvl="0" indent="0" algn="l" rtl="0">
                 <a:spcBef>
                   <a:spcPts val="0"/>
                 </a:spcBef>
@@ -2067,9 +2141,6 @@
                 </a:spcAft>
                 <a:buNone/>
               </a:pPr>
-              <a:r>
-                <a:t/>
-              </a:r>
               <a:endParaRPr/>
             </a:p>
           </p:txBody>
@@ -2087,7 +2158,7 @@
             </a:xfrm>
             <a:prstGeom prst="diagStripe">
               <a:avLst>
-                <a:gd fmla="val 50000" name="adj"/>
+                <a:gd name="adj" fmla="val 50000"/>
               </a:avLst>
             </a:prstGeom>
             <a:solidFill>
@@ -2098,12 +2169,12 @@
             </a:ln>
           </p:spPr>
           <p:txBody>
-            <a:bodyPr anchorCtr="0" anchor="ctr" bIns="91425" lIns="91425" spcFirstLastPara="1" rIns="91425" wrap="square" tIns="91425">
+            <a:bodyPr spcFirstLastPara="1" wrap="square" lIns="91425" tIns="91425" rIns="91425" bIns="91425" anchor="ctr" anchorCtr="0">
               <a:noAutofit/>
             </a:bodyPr>
             <a:lstStyle/>
             <a:p>
-              <a:pPr indent="0" lvl="0" marL="0" rtl="0" algn="l">
+              <a:pPr marL="0" lvl="0" indent="0" algn="l" rtl="0">
                 <a:spcBef>
                   <a:spcPts val="0"/>
                 </a:spcBef>
@@ -2112,9 +2183,6 @@
                 </a:spcAft>
                 <a:buNone/>
               </a:pPr>
-              <a:r>
-                <a:t/>
-              </a:r>
               <a:endParaRPr/>
             </a:p>
           </p:txBody>
@@ -2132,7 +2200,7 @@
             </a:xfrm>
             <a:prstGeom prst="diagStripe">
               <a:avLst>
-                <a:gd fmla="val 50000" name="adj"/>
+                <a:gd name="adj" fmla="val 50000"/>
               </a:avLst>
             </a:prstGeom>
             <a:solidFill>
@@ -2143,12 +2211,12 @@
             </a:ln>
           </p:spPr>
           <p:txBody>
-            <a:bodyPr anchorCtr="0" anchor="ctr" bIns="91425" lIns="91425" spcFirstLastPara="1" rIns="91425" wrap="square" tIns="91425">
+            <a:bodyPr spcFirstLastPara="1" wrap="square" lIns="91425" tIns="91425" rIns="91425" bIns="91425" anchor="ctr" anchorCtr="0">
               <a:noAutofit/>
             </a:bodyPr>
             <a:lstStyle/>
             <a:p>
-              <a:pPr indent="0" lvl="0" marL="0" rtl="0" algn="l">
+              <a:pPr marL="0" lvl="0" indent="0" algn="l" rtl="0">
                 <a:spcBef>
                   <a:spcPts val="0"/>
                 </a:spcBef>
@@ -2157,9 +2225,6 @@
                 </a:spcAft>
                 <a:buNone/>
               </a:pPr>
-              <a:r>
-                <a:t/>
-              </a:r>
               <a:endParaRPr/>
             </a:p>
           </p:txBody>
@@ -2168,7 +2233,9 @@
       <p:sp>
         <p:nvSpPr>
           <p:cNvPr id="16" name="Google Shape;16;p2"/>
-          <p:cNvSpPr txBox="1"/>
+          <p:cNvSpPr txBox="1">
+            <a:spLocks noGrp="1"/>
+          </p:cNvSpPr>
           <p:nvPr>
             <p:ph type="ctrTitle"/>
           </p:nvPr>
@@ -2183,7 +2250,7 @@
           </a:prstGeom>
         </p:spPr>
         <p:txBody>
-          <a:bodyPr anchorCtr="0" anchor="t" bIns="91425" lIns="91425" spcFirstLastPara="1" rIns="91425" wrap="square" tIns="91425">
+          <a:bodyPr spcFirstLastPara="1" wrap="square" lIns="91425" tIns="91425" rIns="91425" bIns="91425" anchor="t" anchorCtr="0">
             <a:normAutofit/>
           </a:bodyPr>
           <a:lstStyle>
@@ -2287,15 +2354,19 @@
               <a:defRPr sz="4000"/>
             </a:lvl9pPr>
           </a:lstStyle>
-          <a:p/>
+          <a:p>
+            <a:endParaRPr/>
+          </a:p>
         </p:txBody>
       </p:sp>
       <p:sp>
         <p:nvSpPr>
           <p:cNvPr id="17" name="Google Shape;17;p2"/>
-          <p:cNvSpPr txBox="1"/>
+          <p:cNvSpPr txBox="1">
+            <a:spLocks noGrp="1"/>
+          </p:cNvSpPr>
           <p:nvPr>
-            <p:ph idx="1" type="subTitle"/>
+            <p:ph type="subTitle" idx="1"/>
           </p:nvPr>
         </p:nvSpPr>
         <p:spPr>
@@ -2308,7 +2379,7 @@
           </a:prstGeom>
         </p:spPr>
         <p:txBody>
-          <a:bodyPr anchorCtr="0" anchor="t" bIns="91425" lIns="91425" spcFirstLastPara="1" rIns="91425" wrap="square" tIns="91425">
+          <a:bodyPr spcFirstLastPara="1" wrap="square" lIns="91425" tIns="91425" rIns="91425" bIns="91425" anchor="t" anchorCtr="0">
             <a:normAutofit/>
           </a:bodyPr>
           <a:lstStyle>
@@ -2439,15 +2510,19 @@
               <a:defRPr sz="1300"/>
             </a:lvl9pPr>
           </a:lstStyle>
-          <a:p/>
+          <a:p>
+            <a:endParaRPr/>
+          </a:p>
         </p:txBody>
       </p:sp>
       <p:sp>
         <p:nvSpPr>
           <p:cNvPr id="18" name="Google Shape;18;p2"/>
-          <p:cNvSpPr txBox="1"/>
+          <p:cNvSpPr txBox="1">
+            <a:spLocks noGrp="1"/>
+          </p:cNvSpPr>
           <p:nvPr>
-            <p:ph idx="12" type="sldNum"/>
+            <p:ph type="sldNum" idx="12"/>
           </p:nvPr>
         </p:nvSpPr>
         <p:spPr>
@@ -2460,7 +2535,7 @@
           </a:prstGeom>
         </p:spPr>
         <p:txBody>
-          <a:bodyPr anchorCtr="0" anchor="ctr" bIns="91425" lIns="91425" spcFirstLastPara="1" rIns="91425" wrap="square" tIns="91425">
+          <a:bodyPr spcFirstLastPara="1" wrap="square" lIns="91425" tIns="91425" rIns="91425" bIns="91425" anchor="ctr" anchorCtr="0">
             <a:normAutofit/>
           </a:bodyPr>
           <a:lstStyle>
@@ -2502,7 +2577,7 @@
             </a:lvl9pPr>
           </a:lstStyle>
           <a:p>
-            <a:pPr indent="0" lvl="0" marL="0" rtl="0" algn="r">
+            <a:pPr marL="0" lvl="0" indent="0" algn="r" rtl="0">
               <a:spcBef>
                 <a:spcPts val="0"/>
               </a:spcBef>
@@ -2528,11 +2603,11 @@
 </file>
 
 <file path=ppt/slideLayouts/slideLayout10.xml><?xml version="1.0" encoding="utf-8"?>
-<p:sldLayout xmlns:a="http://schemas.openxmlformats.org/drawingml/2006/main" xmlns:r="http://schemas.openxmlformats.org/officeDocument/2006/relationships" xmlns:mc="http://schemas.openxmlformats.org/markup-compatibility/2006" xmlns:mv="urn:schemas-microsoft-com:mac:vml" xmlns:p="http://schemas.openxmlformats.org/presentationml/2006/main" xmlns:c="http://schemas.openxmlformats.org/drawingml/2006/chart" xmlns:dgm="http://schemas.openxmlformats.org/drawingml/2006/diagram" xmlns:o="urn:schemas-microsoft-com:office:office" xmlns:v="urn:schemas-microsoft-com:vml" xmlns:pvml="urn:schemas-microsoft-com:office:powerpoint" xmlns:com="http://schemas.openxmlformats.org/drawingml/2006/compatibility" xmlns:p14="http://schemas.microsoft.com/office/powerpoint/2010/main" xmlns:p15="http://schemas.microsoft.com/office/powerpoint/2012/main" xmlns:ahyp="http://schemas.microsoft.com/office/drawing/2018/hyperlinkcolor" matchingName="Big number">
+<p:sldLayout xmlns:a="http://schemas.openxmlformats.org/drawingml/2006/main" xmlns:r="http://schemas.openxmlformats.org/officeDocument/2006/relationships" xmlns:p="http://schemas.openxmlformats.org/presentationml/2006/main" matchingName="Big number">
   <p:cSld name="BIG_NUMBER">
     <p:spTree>
       <p:nvGrpSpPr>
-        <p:cNvPr id="105" name="Shape 105"/>
+        <p:cNvPr id="1" name="Shape 105"/>
         <p:cNvGrpSpPr/>
         <p:nvPr/>
       </p:nvGrpSpPr>
@@ -2571,7 +2646,7 @@
             </a:xfrm>
             <a:prstGeom prst="diagStripe">
               <a:avLst>
-                <a:gd fmla="val 49469" name="adj"/>
+                <a:gd name="adj" fmla="val 49469"/>
               </a:avLst>
             </a:prstGeom>
             <a:solidFill>
@@ -2584,12 +2659,12 @@
             </a:ln>
           </p:spPr>
           <p:txBody>
-            <a:bodyPr anchorCtr="0" anchor="ctr" bIns="91425" lIns="91425" spcFirstLastPara="1" rIns="91425" wrap="square" tIns="91425">
+            <a:bodyPr spcFirstLastPara="1" wrap="square" lIns="91425" tIns="91425" rIns="91425" bIns="91425" anchor="ctr" anchorCtr="0">
               <a:noAutofit/>
             </a:bodyPr>
             <a:lstStyle/>
             <a:p>
-              <a:pPr indent="0" lvl="0" marL="0" rtl="0" algn="l">
+              <a:pPr marL="0" lvl="0" indent="0" algn="l" rtl="0">
                 <a:spcBef>
                   <a:spcPts val="0"/>
                 </a:spcBef>
@@ -2598,9 +2673,6 @@
                 </a:spcAft>
                 <a:buNone/>
               </a:pPr>
-              <a:r>
-                <a:t/>
-              </a:r>
               <a:endParaRPr/>
             </a:p>
           </p:txBody>
@@ -2618,7 +2690,7 @@
             </a:xfrm>
             <a:prstGeom prst="diagStripe">
               <a:avLst>
-                <a:gd fmla="val 0" name="adj"/>
+                <a:gd name="adj" fmla="val 0"/>
               </a:avLst>
             </a:prstGeom>
             <a:solidFill>
@@ -2631,12 +2703,12 @@
             </a:ln>
           </p:spPr>
           <p:txBody>
-            <a:bodyPr anchorCtr="0" anchor="ctr" bIns="91425" lIns="91425" spcFirstLastPara="1" rIns="91425" wrap="square" tIns="91425">
+            <a:bodyPr spcFirstLastPara="1" wrap="square" lIns="91425" tIns="91425" rIns="91425" bIns="91425" anchor="ctr" anchorCtr="0">
               <a:noAutofit/>
             </a:bodyPr>
             <a:lstStyle/>
             <a:p>
-              <a:pPr indent="0" lvl="0" marL="0" rtl="0" algn="l">
+              <a:pPr marL="0" lvl="0" indent="0" algn="l" rtl="0">
                 <a:spcBef>
                   <a:spcPts val="0"/>
                 </a:spcBef>
@@ -2645,9 +2717,6 @@
                 </a:spcAft>
                 <a:buNone/>
               </a:pPr>
-              <a:r>
-                <a:t/>
-              </a:r>
               <a:endParaRPr/>
             </a:p>
           </p:txBody>
@@ -2665,7 +2734,7 @@
             </a:xfrm>
             <a:prstGeom prst="diagStripe">
               <a:avLst>
-                <a:gd fmla="val 50000" name="adj"/>
+                <a:gd name="adj" fmla="val 50000"/>
               </a:avLst>
             </a:prstGeom>
             <a:solidFill>
@@ -2678,12 +2747,12 @@
             </a:ln>
           </p:spPr>
           <p:txBody>
-            <a:bodyPr anchorCtr="0" anchor="ctr" bIns="91425" lIns="91425" spcFirstLastPara="1" rIns="91425" wrap="square" tIns="91425">
+            <a:bodyPr spcFirstLastPara="1" wrap="square" lIns="91425" tIns="91425" rIns="91425" bIns="91425" anchor="ctr" anchorCtr="0">
               <a:noAutofit/>
             </a:bodyPr>
             <a:lstStyle/>
             <a:p>
-              <a:pPr indent="0" lvl="0" marL="0" rtl="0" algn="l">
+              <a:pPr marL="0" lvl="0" indent="0" algn="l" rtl="0">
                 <a:spcBef>
                   <a:spcPts val="0"/>
                 </a:spcBef>
@@ -2692,9 +2761,6 @@
                 </a:spcAft>
                 <a:buNone/>
               </a:pPr>
-              <a:r>
-                <a:t/>
-              </a:r>
               <a:endParaRPr/>
             </a:p>
           </p:txBody>
@@ -2712,7 +2778,7 @@
             </a:xfrm>
             <a:prstGeom prst="diagStripe">
               <a:avLst>
-                <a:gd fmla="val 50000" name="adj"/>
+                <a:gd name="adj" fmla="val 50000"/>
               </a:avLst>
             </a:prstGeom>
             <a:solidFill>
@@ -2725,12 +2791,12 @@
             </a:ln>
           </p:spPr>
           <p:txBody>
-            <a:bodyPr anchorCtr="0" anchor="ctr" bIns="91425" lIns="91425" spcFirstLastPara="1" rIns="91425" wrap="square" tIns="91425">
+            <a:bodyPr spcFirstLastPara="1" wrap="square" lIns="91425" tIns="91425" rIns="91425" bIns="91425" anchor="ctr" anchorCtr="0">
               <a:noAutofit/>
             </a:bodyPr>
             <a:lstStyle/>
             <a:p>
-              <a:pPr indent="0" lvl="0" marL="0" rtl="0" algn="l">
+              <a:pPr marL="0" lvl="0" indent="0" algn="l" rtl="0">
                 <a:spcBef>
                   <a:spcPts val="0"/>
                 </a:spcBef>
@@ -2739,9 +2805,6 @@
                 </a:spcAft>
                 <a:buNone/>
               </a:pPr>
-              <a:r>
-                <a:t/>
-              </a:r>
               <a:endParaRPr/>
             </a:p>
           </p:txBody>
@@ -2759,7 +2822,7 @@
             </a:xfrm>
             <a:prstGeom prst="diagStripe">
               <a:avLst>
-                <a:gd fmla="val 50000" name="adj"/>
+                <a:gd name="adj" fmla="val 50000"/>
               </a:avLst>
             </a:prstGeom>
             <a:solidFill>
@@ -2772,12 +2835,12 @@
             </a:ln>
           </p:spPr>
           <p:txBody>
-            <a:bodyPr anchorCtr="0" anchor="ctr" bIns="91425" lIns="91425" spcFirstLastPara="1" rIns="91425" wrap="square" tIns="91425">
+            <a:bodyPr spcFirstLastPara="1" wrap="square" lIns="91425" tIns="91425" rIns="91425" bIns="91425" anchor="ctr" anchorCtr="0">
               <a:noAutofit/>
             </a:bodyPr>
             <a:lstStyle/>
             <a:p>
-              <a:pPr indent="0" lvl="0" marL="0" rtl="0" algn="l">
+              <a:pPr marL="0" lvl="0" indent="0" algn="l" rtl="0">
                 <a:spcBef>
                   <a:spcPts val="0"/>
                 </a:spcBef>
@@ -2786,9 +2849,6 @@
                 </a:spcAft>
                 <a:buNone/>
               </a:pPr>
-              <a:r>
-                <a:t/>
-              </a:r>
               <a:endParaRPr/>
             </a:p>
           </p:txBody>
@@ -2806,7 +2866,7 @@
             </a:xfrm>
             <a:prstGeom prst="diagStripe">
               <a:avLst>
-                <a:gd fmla="val 50000" name="adj"/>
+                <a:gd name="adj" fmla="val 50000"/>
               </a:avLst>
             </a:prstGeom>
             <a:solidFill>
@@ -2819,12 +2879,12 @@
             </a:ln>
           </p:spPr>
           <p:txBody>
-            <a:bodyPr anchorCtr="0" anchor="ctr" bIns="91425" lIns="91425" spcFirstLastPara="1" rIns="91425" wrap="square" tIns="91425">
+            <a:bodyPr spcFirstLastPara="1" wrap="square" lIns="91425" tIns="91425" rIns="91425" bIns="91425" anchor="ctr" anchorCtr="0">
               <a:noAutofit/>
             </a:bodyPr>
             <a:lstStyle/>
             <a:p>
-              <a:pPr indent="0" lvl="0" marL="0" rtl="0" algn="l">
+              <a:pPr marL="0" lvl="0" indent="0" algn="l" rtl="0">
                 <a:spcBef>
                   <a:spcPts val="0"/>
                 </a:spcBef>
@@ -2833,9 +2893,6 @@
                 </a:spcAft>
                 <a:buNone/>
               </a:pPr>
-              <a:r>
-                <a:t/>
-              </a:r>
               <a:endParaRPr/>
             </a:p>
           </p:txBody>
@@ -2853,7 +2910,7 @@
             </a:xfrm>
             <a:prstGeom prst="diagStripe">
               <a:avLst>
-                <a:gd fmla="val 50000" name="adj"/>
+                <a:gd name="adj" fmla="val 50000"/>
               </a:avLst>
             </a:prstGeom>
             <a:solidFill>
@@ -2866,12 +2923,12 @@
             </a:ln>
           </p:spPr>
           <p:txBody>
-            <a:bodyPr anchorCtr="0" anchor="ctr" bIns="91425" lIns="91425" spcFirstLastPara="1" rIns="91425" wrap="square" tIns="91425">
+            <a:bodyPr spcFirstLastPara="1" wrap="square" lIns="91425" tIns="91425" rIns="91425" bIns="91425" anchor="ctr" anchorCtr="0">
               <a:noAutofit/>
             </a:bodyPr>
             <a:lstStyle/>
             <a:p>
-              <a:pPr indent="0" lvl="0" marL="0" rtl="0" algn="l">
+              <a:pPr marL="0" lvl="0" indent="0" algn="l" rtl="0">
                 <a:spcBef>
                   <a:spcPts val="0"/>
                 </a:spcBef>
@@ -2880,9 +2937,6 @@
                 </a:spcAft>
                 <a:buNone/>
               </a:pPr>
-              <a:r>
-                <a:t/>
-              </a:r>
               <a:endParaRPr/>
             </a:p>
           </p:txBody>
@@ -2900,7 +2954,7 @@
             </a:xfrm>
             <a:prstGeom prst="diagStripe">
               <a:avLst>
-                <a:gd fmla="val 50000" name="adj"/>
+                <a:gd name="adj" fmla="val 50000"/>
               </a:avLst>
             </a:prstGeom>
             <a:solidFill>
@@ -2911,12 +2965,12 @@
             </a:ln>
           </p:spPr>
           <p:txBody>
-            <a:bodyPr anchorCtr="0" anchor="ctr" bIns="91425" lIns="91425" spcFirstLastPara="1" rIns="91425" wrap="square" tIns="91425">
+            <a:bodyPr spcFirstLastPara="1" wrap="square" lIns="91425" tIns="91425" rIns="91425" bIns="91425" anchor="ctr" anchorCtr="0">
               <a:noAutofit/>
             </a:bodyPr>
             <a:lstStyle/>
             <a:p>
-              <a:pPr indent="0" lvl="0" marL="0" rtl="0" algn="l">
+              <a:pPr marL="0" lvl="0" indent="0" algn="l" rtl="0">
                 <a:spcBef>
                   <a:spcPts val="0"/>
                 </a:spcBef>
@@ -2925,9 +2979,6 @@
                 </a:spcAft>
                 <a:buNone/>
               </a:pPr>
-              <a:r>
-                <a:t/>
-              </a:r>
               <a:endParaRPr/>
             </a:p>
           </p:txBody>
@@ -2945,7 +2996,7 @@
             </a:xfrm>
             <a:prstGeom prst="diagStripe">
               <a:avLst>
-                <a:gd fmla="val 50000" name="adj"/>
+                <a:gd name="adj" fmla="val 50000"/>
               </a:avLst>
             </a:prstGeom>
             <a:solidFill>
@@ -2958,12 +3009,12 @@
             </a:ln>
           </p:spPr>
           <p:txBody>
-            <a:bodyPr anchorCtr="0" anchor="ctr" bIns="91425" lIns="91425" spcFirstLastPara="1" rIns="91425" wrap="square" tIns="91425">
+            <a:bodyPr spcFirstLastPara="1" wrap="square" lIns="91425" tIns="91425" rIns="91425" bIns="91425" anchor="ctr" anchorCtr="0">
               <a:noAutofit/>
             </a:bodyPr>
             <a:lstStyle/>
             <a:p>
-              <a:pPr indent="0" lvl="0" marL="0" rtl="0" algn="l">
+              <a:pPr marL="0" lvl="0" indent="0" algn="l" rtl="0">
                 <a:spcBef>
                   <a:spcPts val="0"/>
                 </a:spcBef>
@@ -2972,9 +3023,6 @@
                 </a:spcAft>
                 <a:buNone/>
               </a:pPr>
-              <a:r>
-                <a:t/>
-              </a:r>
               <a:endParaRPr/>
             </a:p>
           </p:txBody>
@@ -2992,7 +3040,7 @@
             </a:xfrm>
             <a:prstGeom prst="diagStripe">
               <a:avLst>
-                <a:gd fmla="val 50000" name="adj"/>
+                <a:gd name="adj" fmla="val 50000"/>
               </a:avLst>
             </a:prstGeom>
             <a:solidFill>
@@ -3005,12 +3053,12 @@
             </a:ln>
           </p:spPr>
           <p:txBody>
-            <a:bodyPr anchorCtr="0" anchor="ctr" bIns="91425" lIns="91425" spcFirstLastPara="1" rIns="91425" wrap="square" tIns="91425">
+            <a:bodyPr spcFirstLastPara="1" wrap="square" lIns="91425" tIns="91425" rIns="91425" bIns="91425" anchor="ctr" anchorCtr="0">
               <a:noAutofit/>
             </a:bodyPr>
             <a:lstStyle/>
             <a:p>
-              <a:pPr indent="0" lvl="0" marL="0" rtl="0" algn="l">
+              <a:pPr marL="0" lvl="0" indent="0" algn="l" rtl="0">
                 <a:spcBef>
                   <a:spcPts val="0"/>
                 </a:spcBef>
@@ -3019,9 +3067,6 @@
                 </a:spcAft>
                 <a:buNone/>
               </a:pPr>
-              <a:r>
-                <a:t/>
-              </a:r>
               <a:endParaRPr/>
             </a:p>
           </p:txBody>
@@ -3039,7 +3084,7 @@
             </a:xfrm>
             <a:prstGeom prst="diagStripe">
               <a:avLst>
-                <a:gd fmla="val 50000" name="adj"/>
+                <a:gd name="adj" fmla="val 50000"/>
               </a:avLst>
             </a:prstGeom>
             <a:solidFill>
@@ -3052,12 +3097,12 @@
             </a:ln>
           </p:spPr>
           <p:txBody>
-            <a:bodyPr anchorCtr="0" anchor="ctr" bIns="91425" lIns="91425" spcFirstLastPara="1" rIns="91425" wrap="square" tIns="91425">
+            <a:bodyPr spcFirstLastPara="1" wrap="square" lIns="91425" tIns="91425" rIns="91425" bIns="91425" anchor="ctr" anchorCtr="0">
               <a:noAutofit/>
             </a:bodyPr>
             <a:lstStyle/>
             <a:p>
-              <a:pPr indent="0" lvl="0" marL="0" rtl="0" algn="l">
+              <a:pPr marL="0" lvl="0" indent="0" algn="l" rtl="0">
                 <a:spcBef>
                   <a:spcPts val="0"/>
                 </a:spcBef>
@@ -3066,9 +3111,6 @@
                 </a:spcAft>
                 <a:buNone/>
               </a:pPr>
-              <a:r>
-                <a:t/>
-              </a:r>
               <a:endParaRPr/>
             </a:p>
           </p:txBody>
@@ -3086,7 +3128,7 @@
             </a:xfrm>
             <a:prstGeom prst="diagStripe">
               <a:avLst>
-                <a:gd fmla="val 50000" name="adj"/>
+                <a:gd name="adj" fmla="val 50000"/>
               </a:avLst>
             </a:prstGeom>
             <a:solidFill>
@@ -3099,12 +3141,12 @@
             </a:ln>
           </p:spPr>
           <p:txBody>
-            <a:bodyPr anchorCtr="0" anchor="ctr" bIns="91425" lIns="91425" spcFirstLastPara="1" rIns="91425" wrap="square" tIns="91425">
+            <a:bodyPr spcFirstLastPara="1" wrap="square" lIns="91425" tIns="91425" rIns="91425" bIns="91425" anchor="ctr" anchorCtr="0">
               <a:noAutofit/>
             </a:bodyPr>
             <a:lstStyle/>
             <a:p>
-              <a:pPr indent="0" lvl="0" marL="0" rtl="0" algn="l">
+              <a:pPr marL="0" lvl="0" indent="0" algn="l" rtl="0">
                 <a:spcBef>
                   <a:spcPts val="0"/>
                 </a:spcBef>
@@ -3113,9 +3155,6 @@
                 </a:spcAft>
                 <a:buNone/>
               </a:pPr>
-              <a:r>
-                <a:t/>
-              </a:r>
               <a:endParaRPr/>
             </a:p>
           </p:txBody>
@@ -3133,7 +3172,7 @@
             </a:xfrm>
             <a:prstGeom prst="diagStripe">
               <a:avLst>
-                <a:gd fmla="val 50000" name="adj"/>
+                <a:gd name="adj" fmla="val 50000"/>
               </a:avLst>
             </a:prstGeom>
             <a:solidFill>
@@ -3146,12 +3185,12 @@
             </a:ln>
           </p:spPr>
           <p:txBody>
-            <a:bodyPr anchorCtr="0" anchor="ctr" bIns="91425" lIns="91425" spcFirstLastPara="1" rIns="91425" wrap="square" tIns="91425">
+            <a:bodyPr spcFirstLastPara="1" wrap="square" lIns="91425" tIns="91425" rIns="91425" bIns="91425" anchor="ctr" anchorCtr="0">
               <a:noAutofit/>
             </a:bodyPr>
             <a:lstStyle/>
             <a:p>
-              <a:pPr indent="0" lvl="0" marL="0" rtl="0" algn="l">
+              <a:pPr marL="0" lvl="0" indent="0" algn="l" rtl="0">
                 <a:spcBef>
                   <a:spcPts val="0"/>
                 </a:spcBef>
@@ -3160,9 +3199,6 @@
                 </a:spcAft>
                 <a:buNone/>
               </a:pPr>
-              <a:r>
-                <a:t/>
-              </a:r>
               <a:endParaRPr/>
             </a:p>
           </p:txBody>
@@ -3180,7 +3216,7 @@
             </a:xfrm>
             <a:prstGeom prst="diagStripe">
               <a:avLst>
-                <a:gd fmla="val 50000" name="adj"/>
+                <a:gd name="adj" fmla="val 50000"/>
               </a:avLst>
             </a:prstGeom>
             <a:solidFill>
@@ -3191,12 +3227,12 @@
             </a:ln>
           </p:spPr>
           <p:txBody>
-            <a:bodyPr anchorCtr="0" anchor="ctr" bIns="91425" lIns="91425" spcFirstLastPara="1" rIns="91425" wrap="square" tIns="91425">
+            <a:bodyPr spcFirstLastPara="1" wrap="square" lIns="91425" tIns="91425" rIns="91425" bIns="91425" anchor="ctr" anchorCtr="0">
               <a:noAutofit/>
             </a:bodyPr>
             <a:lstStyle/>
             <a:p>
-              <a:pPr indent="0" lvl="0" marL="0" rtl="0" algn="l">
+              <a:pPr marL="0" lvl="0" indent="0" algn="l" rtl="0">
                 <a:spcBef>
                   <a:spcPts val="0"/>
                 </a:spcBef>
@@ -3205,9 +3241,6 @@
                 </a:spcAft>
                 <a:buNone/>
               </a:pPr>
-              <a:r>
-                <a:t/>
-              </a:r>
               <a:endParaRPr/>
             </a:p>
           </p:txBody>
@@ -3225,7 +3258,7 @@
             </a:xfrm>
             <a:prstGeom prst="diagStripe">
               <a:avLst>
-                <a:gd fmla="val 50000" name="adj"/>
+                <a:gd name="adj" fmla="val 50000"/>
               </a:avLst>
             </a:prstGeom>
             <a:solidFill>
@@ -3238,12 +3271,12 @@
             </a:ln>
           </p:spPr>
           <p:txBody>
-            <a:bodyPr anchorCtr="0" anchor="ctr" bIns="91425" lIns="91425" spcFirstLastPara="1" rIns="91425" wrap="square" tIns="91425">
+            <a:bodyPr spcFirstLastPara="1" wrap="square" lIns="91425" tIns="91425" rIns="91425" bIns="91425" anchor="ctr" anchorCtr="0">
               <a:noAutofit/>
             </a:bodyPr>
             <a:lstStyle/>
             <a:p>
-              <a:pPr indent="0" lvl="0" marL="0" rtl="0" algn="l">
+              <a:pPr marL="0" lvl="0" indent="0" algn="l" rtl="0">
                 <a:spcBef>
                   <a:spcPts val="0"/>
                 </a:spcBef>
@@ -3252,9 +3285,6 @@
                 </a:spcAft>
                 <a:buNone/>
               </a:pPr>
-              <a:r>
-                <a:t/>
-              </a:r>
               <a:endParaRPr/>
             </a:p>
           </p:txBody>
@@ -3272,7 +3302,7 @@
             </a:xfrm>
             <a:prstGeom prst="diagStripe">
               <a:avLst>
-                <a:gd fmla="val 50000" name="adj"/>
+                <a:gd name="adj" fmla="val 50000"/>
               </a:avLst>
             </a:prstGeom>
             <a:solidFill>
@@ -3285,12 +3315,12 @@
             </a:ln>
           </p:spPr>
           <p:txBody>
-            <a:bodyPr anchorCtr="0" anchor="ctr" bIns="91425" lIns="91425" spcFirstLastPara="1" rIns="91425" wrap="square" tIns="91425">
+            <a:bodyPr spcFirstLastPara="1" wrap="square" lIns="91425" tIns="91425" rIns="91425" bIns="91425" anchor="ctr" anchorCtr="0">
               <a:noAutofit/>
             </a:bodyPr>
             <a:lstStyle/>
             <a:p>
-              <a:pPr indent="0" lvl="0" marL="0" rtl="0" algn="l">
+              <a:pPr marL="0" lvl="0" indent="0" algn="l" rtl="0">
                 <a:spcBef>
                   <a:spcPts val="0"/>
                 </a:spcBef>
@@ -3299,9 +3329,6 @@
                 </a:spcAft>
                 <a:buNone/>
               </a:pPr>
-              <a:r>
-                <a:t/>
-              </a:r>
               <a:endParaRPr/>
             </a:p>
           </p:txBody>
@@ -3319,7 +3346,7 @@
             </a:xfrm>
             <a:prstGeom prst="diagStripe">
               <a:avLst>
-                <a:gd fmla="val 50000" name="adj"/>
+                <a:gd name="adj" fmla="val 50000"/>
               </a:avLst>
             </a:prstGeom>
             <a:solidFill>
@@ -3332,12 +3359,12 @@
             </a:ln>
           </p:spPr>
           <p:txBody>
-            <a:bodyPr anchorCtr="0" anchor="ctr" bIns="91425" lIns="91425" spcFirstLastPara="1" rIns="91425" wrap="square" tIns="91425">
+            <a:bodyPr spcFirstLastPara="1" wrap="square" lIns="91425" tIns="91425" rIns="91425" bIns="91425" anchor="ctr" anchorCtr="0">
               <a:noAutofit/>
             </a:bodyPr>
             <a:lstStyle/>
             <a:p>
-              <a:pPr indent="0" lvl="0" marL="0" rtl="0" algn="l">
+              <a:pPr marL="0" lvl="0" indent="0" algn="l" rtl="0">
                 <a:spcBef>
                   <a:spcPts val="0"/>
                 </a:spcBef>
@@ -3346,9 +3373,6 @@
                 </a:spcAft>
                 <a:buNone/>
               </a:pPr>
-              <a:r>
-                <a:t/>
-              </a:r>
               <a:endParaRPr/>
             </a:p>
           </p:txBody>
@@ -3366,7 +3390,7 @@
             </a:xfrm>
             <a:prstGeom prst="diagStripe">
               <a:avLst>
-                <a:gd fmla="val 50000" name="adj"/>
+                <a:gd name="adj" fmla="val 50000"/>
               </a:avLst>
             </a:prstGeom>
             <a:solidFill>
@@ -3379,12 +3403,12 @@
             </a:ln>
           </p:spPr>
           <p:txBody>
-            <a:bodyPr anchorCtr="0" anchor="ctr" bIns="91425" lIns="91425" spcFirstLastPara="1" rIns="91425" wrap="square" tIns="91425">
+            <a:bodyPr spcFirstLastPara="1" wrap="square" lIns="91425" tIns="91425" rIns="91425" bIns="91425" anchor="ctr" anchorCtr="0">
               <a:noAutofit/>
             </a:bodyPr>
             <a:lstStyle/>
             <a:p>
-              <a:pPr indent="0" lvl="0" marL="0" rtl="0" algn="l">
+              <a:pPr marL="0" lvl="0" indent="0" algn="l" rtl="0">
                 <a:spcBef>
                   <a:spcPts val="0"/>
                 </a:spcBef>
@@ -3393,9 +3417,6 @@
                 </a:spcAft>
                 <a:buNone/>
               </a:pPr>
-              <a:r>
-                <a:t/>
-              </a:r>
               <a:endParaRPr/>
             </a:p>
           </p:txBody>
@@ -3404,9 +3425,11 @@
       <p:sp>
         <p:nvSpPr>
           <p:cNvPr id="125" name="Google Shape;125;p11"/>
-          <p:cNvSpPr txBox="1"/>
+          <p:cNvSpPr txBox="1">
+            <a:spLocks noGrp="1"/>
+          </p:cNvSpPr>
           <p:nvPr>
-            <p:ph hasCustomPrompt="1" type="title"/>
+            <p:ph type="title" hasCustomPrompt="1"/>
           </p:nvPr>
         </p:nvSpPr>
         <p:spPr>
@@ -3419,7 +3442,7 @@
           </a:prstGeom>
         </p:spPr>
         <p:txBody>
-          <a:bodyPr anchorCtr="0" anchor="t" bIns="91425" lIns="91425" spcFirstLastPara="1" rIns="91425" wrap="square" tIns="91425">
+          <a:bodyPr spcFirstLastPara="1" wrap="square" lIns="91425" tIns="91425" rIns="91425" bIns="91425" anchor="t" anchorCtr="0">
             <a:normAutofit/>
           </a:bodyPr>
           <a:lstStyle>
@@ -3533,9 +3556,11 @@
       <p:sp>
         <p:nvSpPr>
           <p:cNvPr id="126" name="Google Shape;126;p11"/>
-          <p:cNvSpPr txBox="1"/>
+          <p:cNvSpPr txBox="1">
+            <a:spLocks noGrp="1"/>
+          </p:cNvSpPr>
           <p:nvPr>
-            <p:ph idx="1" type="body"/>
+            <p:ph type="body" idx="1"/>
           </p:nvPr>
         </p:nvSpPr>
         <p:spPr>
@@ -3548,11 +3573,11 @@
           </a:prstGeom>
         </p:spPr>
         <p:txBody>
-          <a:bodyPr anchorCtr="0" anchor="t" bIns="91425" lIns="91425" spcFirstLastPara="1" rIns="91425" wrap="square" tIns="91425">
+          <a:bodyPr spcFirstLastPara="1" wrap="square" lIns="91425" tIns="91425" rIns="91425" bIns="91425" anchor="t" anchorCtr="0">
             <a:normAutofit/>
           </a:bodyPr>
           <a:lstStyle>
-            <a:lvl1pPr indent="-311150" lvl="0" marL="457200">
+            <a:lvl1pPr marL="457200" lvl="0" indent="-311150">
               <a:spcBef>
                 <a:spcPts val="0"/>
               </a:spcBef>
@@ -3563,7 +3588,7 @@
               <a:buChar char="●"/>
               <a:defRPr/>
             </a:lvl1pPr>
-            <a:lvl2pPr indent="-298450" lvl="1" marL="914400">
+            <a:lvl2pPr marL="914400" lvl="1" indent="-298450">
               <a:spcBef>
                 <a:spcPts val="0"/>
               </a:spcBef>
@@ -3574,7 +3599,7 @@
               <a:buChar char="○"/>
               <a:defRPr/>
             </a:lvl2pPr>
-            <a:lvl3pPr indent="-298450" lvl="2" marL="1371600">
+            <a:lvl3pPr marL="1371600" lvl="2" indent="-298450">
               <a:spcBef>
                 <a:spcPts val="0"/>
               </a:spcBef>
@@ -3585,7 +3610,7 @@
               <a:buChar char="■"/>
               <a:defRPr/>
             </a:lvl3pPr>
-            <a:lvl4pPr indent="-298450" lvl="3" marL="1828800">
+            <a:lvl4pPr marL="1828800" lvl="3" indent="-298450">
               <a:spcBef>
                 <a:spcPts val="0"/>
               </a:spcBef>
@@ -3596,7 +3621,7 @@
               <a:buChar char="●"/>
               <a:defRPr/>
             </a:lvl4pPr>
-            <a:lvl5pPr indent="-298450" lvl="4" marL="2286000">
+            <a:lvl5pPr marL="2286000" lvl="4" indent="-298450">
               <a:spcBef>
                 <a:spcPts val="0"/>
               </a:spcBef>
@@ -3607,7 +3632,7 @@
               <a:buChar char="○"/>
               <a:defRPr/>
             </a:lvl5pPr>
-            <a:lvl6pPr indent="-298450" lvl="5" marL="2743200">
+            <a:lvl6pPr marL="2743200" lvl="5" indent="-298450">
               <a:spcBef>
                 <a:spcPts val="0"/>
               </a:spcBef>
@@ -3618,7 +3643,7 @@
               <a:buChar char="■"/>
               <a:defRPr/>
             </a:lvl6pPr>
-            <a:lvl7pPr indent="-298450" lvl="6" marL="3200400">
+            <a:lvl7pPr marL="3200400" lvl="6" indent="-298450">
               <a:spcBef>
                 <a:spcPts val="0"/>
               </a:spcBef>
@@ -3629,7 +3654,7 @@
               <a:buChar char="●"/>
               <a:defRPr/>
             </a:lvl7pPr>
-            <a:lvl8pPr indent="-298450" lvl="7" marL="3657600">
+            <a:lvl8pPr marL="3657600" lvl="7" indent="-298450">
               <a:spcBef>
                 <a:spcPts val="0"/>
               </a:spcBef>
@@ -3640,7 +3665,7 @@
               <a:buChar char="○"/>
               <a:defRPr/>
             </a:lvl8pPr>
-            <a:lvl9pPr indent="-298450" lvl="8" marL="4114800">
+            <a:lvl9pPr marL="4114800" lvl="8" indent="-298450">
               <a:spcBef>
                 <a:spcPts val="0"/>
               </a:spcBef>
@@ -3652,15 +3677,19 @@
               <a:defRPr/>
             </a:lvl9pPr>
           </a:lstStyle>
-          <a:p/>
+          <a:p>
+            <a:endParaRPr/>
+          </a:p>
         </p:txBody>
       </p:sp>
       <p:sp>
         <p:nvSpPr>
           <p:cNvPr id="127" name="Google Shape;127;p11"/>
-          <p:cNvSpPr txBox="1"/>
+          <p:cNvSpPr txBox="1">
+            <a:spLocks noGrp="1"/>
+          </p:cNvSpPr>
           <p:nvPr>
-            <p:ph idx="12" type="sldNum"/>
+            <p:ph type="sldNum" idx="12"/>
           </p:nvPr>
         </p:nvSpPr>
         <p:spPr>
@@ -3673,7 +3702,7 @@
           </a:prstGeom>
         </p:spPr>
         <p:txBody>
-          <a:bodyPr anchorCtr="0" anchor="ctr" bIns="91425" lIns="91425" spcFirstLastPara="1" rIns="91425" wrap="square" tIns="91425">
+          <a:bodyPr spcFirstLastPara="1" wrap="square" lIns="91425" tIns="91425" rIns="91425" bIns="91425" anchor="ctr" anchorCtr="0">
             <a:normAutofit/>
           </a:bodyPr>
           <a:lstStyle>
@@ -3715,7 +3744,7 @@
             </a:lvl9pPr>
           </a:lstStyle>
           <a:p>
-            <a:pPr indent="0" lvl="0" marL="0" rtl="0" algn="r">
+            <a:pPr marL="0" lvl="0" indent="0" algn="r" rtl="0">
               <a:spcBef>
                 <a:spcPts val="0"/>
               </a:spcBef>
@@ -3741,11 +3770,11 @@
 </file>
 
 <file path=ppt/slideLayouts/slideLayout11.xml><?xml version="1.0" encoding="utf-8"?>
-<p:sldLayout xmlns:a="http://schemas.openxmlformats.org/drawingml/2006/main" xmlns:r="http://schemas.openxmlformats.org/officeDocument/2006/relationships" xmlns:mc="http://schemas.openxmlformats.org/markup-compatibility/2006" xmlns:mv="urn:schemas-microsoft-com:mac:vml" xmlns:p="http://schemas.openxmlformats.org/presentationml/2006/main" xmlns:c="http://schemas.openxmlformats.org/drawingml/2006/chart" xmlns:dgm="http://schemas.openxmlformats.org/drawingml/2006/diagram" xmlns:o="urn:schemas-microsoft-com:office:office" xmlns:v="urn:schemas-microsoft-com:vml" xmlns:pvml="urn:schemas-microsoft-com:office:powerpoint" xmlns:com="http://schemas.openxmlformats.org/drawingml/2006/compatibility" xmlns:p14="http://schemas.microsoft.com/office/powerpoint/2010/main" xmlns:p15="http://schemas.microsoft.com/office/powerpoint/2012/main" xmlns:ahyp="http://schemas.microsoft.com/office/drawing/2018/hyperlinkcolor" matchingName="Blank" type="blank">
+<p:sldLayout xmlns:a="http://schemas.openxmlformats.org/drawingml/2006/main" xmlns:r="http://schemas.openxmlformats.org/officeDocument/2006/relationships" xmlns:p="http://schemas.openxmlformats.org/presentationml/2006/main" matchingName="Blank" type="blank">
   <p:cSld name="BLANK">
     <p:spTree>
       <p:nvGrpSpPr>
-        <p:cNvPr id="128" name="Shape 128"/>
+        <p:cNvPr id="1" name="Shape 128"/>
         <p:cNvGrpSpPr/>
         <p:nvPr/>
       </p:nvGrpSpPr>
@@ -3760,9 +3789,11 @@
       <p:sp>
         <p:nvSpPr>
           <p:cNvPr id="129" name="Google Shape;129;p12"/>
-          <p:cNvSpPr txBox="1"/>
+          <p:cNvSpPr txBox="1">
+            <a:spLocks noGrp="1"/>
+          </p:cNvSpPr>
           <p:nvPr>
-            <p:ph idx="12" type="sldNum"/>
+            <p:ph type="sldNum" idx="12"/>
           </p:nvPr>
         </p:nvSpPr>
         <p:spPr>
@@ -3775,7 +3806,7 @@
           </a:prstGeom>
         </p:spPr>
         <p:txBody>
-          <a:bodyPr anchorCtr="0" anchor="ctr" bIns="91425" lIns="91425" spcFirstLastPara="1" rIns="91425" wrap="square" tIns="91425">
+          <a:bodyPr spcFirstLastPara="1" wrap="square" lIns="91425" tIns="91425" rIns="91425" bIns="91425" anchor="ctr" anchorCtr="0">
             <a:normAutofit/>
           </a:bodyPr>
           <a:lstStyle>
@@ -3817,7 +3848,7 @@
             </a:lvl9pPr>
           </a:lstStyle>
           <a:p>
-            <a:pPr indent="0" lvl="0" marL="0" rtl="0" algn="r">
+            <a:pPr marL="0" lvl="0" indent="0" algn="r" rtl="0">
               <a:spcBef>
                 <a:spcPts val="0"/>
               </a:spcBef>
@@ -3843,11 +3874,11 @@
 </file>
 
 <file path=ppt/slideLayouts/slideLayout2.xml><?xml version="1.0" encoding="utf-8"?>
-<p:sldLayout xmlns:a="http://schemas.openxmlformats.org/drawingml/2006/main" xmlns:r="http://schemas.openxmlformats.org/officeDocument/2006/relationships" xmlns:mc="http://schemas.openxmlformats.org/markup-compatibility/2006" xmlns:mv="urn:schemas-microsoft-com:mac:vml" xmlns:p="http://schemas.openxmlformats.org/presentationml/2006/main" xmlns:c="http://schemas.openxmlformats.org/drawingml/2006/chart" xmlns:dgm="http://schemas.openxmlformats.org/drawingml/2006/diagram" xmlns:o="urn:schemas-microsoft-com:office:office" xmlns:v="urn:schemas-microsoft-com:vml" xmlns:pvml="urn:schemas-microsoft-com:office:powerpoint" xmlns:com="http://schemas.openxmlformats.org/drawingml/2006/compatibility" xmlns:p14="http://schemas.microsoft.com/office/powerpoint/2010/main" xmlns:p15="http://schemas.microsoft.com/office/powerpoint/2012/main" xmlns:ahyp="http://schemas.microsoft.com/office/drawing/2018/hyperlinkcolor" matchingName="Section header" type="secHead">
+<p:sldLayout xmlns:a="http://schemas.openxmlformats.org/drawingml/2006/main" xmlns:r="http://schemas.openxmlformats.org/officeDocument/2006/relationships" xmlns:p="http://schemas.openxmlformats.org/presentationml/2006/main" matchingName="Section header" type="secHead">
   <p:cSld name="SECTION_HEADER">
     <p:spTree>
       <p:nvGrpSpPr>
-        <p:cNvPr id="19" name="Shape 19"/>
+        <p:cNvPr id="1" name="Shape 19"/>
         <p:cNvGrpSpPr/>
         <p:nvPr/>
       </p:nvGrpSpPr>
@@ -3886,7 +3917,7 @@
             </a:xfrm>
             <a:prstGeom prst="diagStripe">
               <a:avLst>
-                <a:gd fmla="val 49469" name="adj"/>
+                <a:gd name="adj" fmla="val 49469"/>
               </a:avLst>
             </a:prstGeom>
             <a:solidFill>
@@ -3899,12 +3930,12 @@
             </a:ln>
           </p:spPr>
           <p:txBody>
-            <a:bodyPr anchorCtr="0" anchor="ctr" bIns="91425" lIns="91425" spcFirstLastPara="1" rIns="91425" wrap="square" tIns="91425">
+            <a:bodyPr spcFirstLastPara="1" wrap="square" lIns="91425" tIns="91425" rIns="91425" bIns="91425" anchor="ctr" anchorCtr="0">
               <a:noAutofit/>
             </a:bodyPr>
             <a:lstStyle/>
             <a:p>
-              <a:pPr indent="0" lvl="0" marL="0" rtl="0" algn="l">
+              <a:pPr marL="0" lvl="0" indent="0" algn="l" rtl="0">
                 <a:spcBef>
                   <a:spcPts val="0"/>
                 </a:spcBef>
@@ -3913,9 +3944,6 @@
                 </a:spcAft>
                 <a:buNone/>
               </a:pPr>
-              <a:r>
-                <a:t/>
-              </a:r>
               <a:endParaRPr/>
             </a:p>
           </p:txBody>
@@ -3933,7 +3961,7 @@
             </a:xfrm>
             <a:prstGeom prst="diagStripe">
               <a:avLst>
-                <a:gd fmla="val 0" name="adj"/>
+                <a:gd name="adj" fmla="val 0"/>
               </a:avLst>
             </a:prstGeom>
             <a:solidFill>
@@ -3946,12 +3974,12 @@
             </a:ln>
           </p:spPr>
           <p:txBody>
-            <a:bodyPr anchorCtr="0" anchor="ctr" bIns="91425" lIns="91425" spcFirstLastPara="1" rIns="91425" wrap="square" tIns="91425">
+            <a:bodyPr spcFirstLastPara="1" wrap="square" lIns="91425" tIns="91425" rIns="91425" bIns="91425" anchor="ctr" anchorCtr="0">
               <a:noAutofit/>
             </a:bodyPr>
             <a:lstStyle/>
             <a:p>
-              <a:pPr indent="0" lvl="0" marL="0" rtl="0" algn="l">
+              <a:pPr marL="0" lvl="0" indent="0" algn="l" rtl="0">
                 <a:spcBef>
                   <a:spcPts val="0"/>
                 </a:spcBef>
@@ -3960,9 +3988,6 @@
                 </a:spcAft>
                 <a:buNone/>
               </a:pPr>
-              <a:r>
-                <a:t/>
-              </a:r>
               <a:endParaRPr/>
             </a:p>
           </p:txBody>
@@ -3980,7 +4005,7 @@
             </a:xfrm>
             <a:prstGeom prst="diagStripe">
               <a:avLst>
-                <a:gd fmla="val 50000" name="adj"/>
+                <a:gd name="adj" fmla="val 50000"/>
               </a:avLst>
             </a:prstGeom>
             <a:solidFill>
@@ -3993,12 +4018,12 @@
             </a:ln>
           </p:spPr>
           <p:txBody>
-            <a:bodyPr anchorCtr="0" anchor="ctr" bIns="91425" lIns="91425" spcFirstLastPara="1" rIns="91425" wrap="square" tIns="91425">
+            <a:bodyPr spcFirstLastPara="1" wrap="square" lIns="91425" tIns="91425" rIns="91425" bIns="91425" anchor="ctr" anchorCtr="0">
               <a:noAutofit/>
             </a:bodyPr>
             <a:lstStyle/>
             <a:p>
-              <a:pPr indent="0" lvl="0" marL="0" rtl="0" algn="l">
+              <a:pPr marL="0" lvl="0" indent="0" algn="l" rtl="0">
                 <a:spcBef>
                   <a:spcPts val="0"/>
                 </a:spcBef>
@@ -4007,9 +4032,6 @@
                 </a:spcAft>
                 <a:buNone/>
               </a:pPr>
-              <a:r>
-                <a:t/>
-              </a:r>
               <a:endParaRPr/>
             </a:p>
           </p:txBody>
@@ -4027,7 +4049,7 @@
             </a:xfrm>
             <a:prstGeom prst="diagStripe">
               <a:avLst>
-                <a:gd fmla="val 50000" name="adj"/>
+                <a:gd name="adj" fmla="val 50000"/>
               </a:avLst>
             </a:prstGeom>
             <a:solidFill>
@@ -4040,12 +4062,12 @@
             </a:ln>
           </p:spPr>
           <p:txBody>
-            <a:bodyPr anchorCtr="0" anchor="ctr" bIns="91425" lIns="91425" spcFirstLastPara="1" rIns="91425" wrap="square" tIns="91425">
+            <a:bodyPr spcFirstLastPara="1" wrap="square" lIns="91425" tIns="91425" rIns="91425" bIns="91425" anchor="ctr" anchorCtr="0">
               <a:noAutofit/>
             </a:bodyPr>
             <a:lstStyle/>
             <a:p>
-              <a:pPr indent="0" lvl="0" marL="0" rtl="0" algn="l">
+              <a:pPr marL="0" lvl="0" indent="0" algn="l" rtl="0">
                 <a:spcBef>
                   <a:spcPts val="0"/>
                 </a:spcBef>
@@ -4054,9 +4076,6 @@
                 </a:spcAft>
                 <a:buNone/>
               </a:pPr>
-              <a:r>
-                <a:t/>
-              </a:r>
               <a:endParaRPr/>
             </a:p>
           </p:txBody>
@@ -4074,7 +4093,7 @@
             </a:xfrm>
             <a:prstGeom prst="diagStripe">
               <a:avLst>
-                <a:gd fmla="val 50000" name="adj"/>
+                <a:gd name="adj" fmla="val 50000"/>
               </a:avLst>
             </a:prstGeom>
             <a:solidFill>
@@ -4087,12 +4106,12 @@
             </a:ln>
           </p:spPr>
           <p:txBody>
-            <a:bodyPr anchorCtr="0" anchor="ctr" bIns="91425" lIns="91425" spcFirstLastPara="1" rIns="91425" wrap="square" tIns="91425">
+            <a:bodyPr spcFirstLastPara="1" wrap="square" lIns="91425" tIns="91425" rIns="91425" bIns="91425" anchor="ctr" anchorCtr="0">
               <a:noAutofit/>
             </a:bodyPr>
             <a:lstStyle/>
             <a:p>
-              <a:pPr indent="0" lvl="0" marL="0" rtl="0" algn="l">
+              <a:pPr marL="0" lvl="0" indent="0" algn="l" rtl="0">
                 <a:spcBef>
                   <a:spcPts val="0"/>
                 </a:spcBef>
@@ -4101,9 +4120,6 @@
                 </a:spcAft>
                 <a:buNone/>
               </a:pPr>
-              <a:r>
-                <a:t/>
-              </a:r>
               <a:endParaRPr/>
             </a:p>
           </p:txBody>
@@ -4121,7 +4137,7 @@
             </a:xfrm>
             <a:prstGeom prst="diagStripe">
               <a:avLst>
-                <a:gd fmla="val 50000" name="adj"/>
+                <a:gd name="adj" fmla="val 50000"/>
               </a:avLst>
             </a:prstGeom>
             <a:solidFill>
@@ -4134,12 +4150,12 @@
             </a:ln>
           </p:spPr>
           <p:txBody>
-            <a:bodyPr anchorCtr="0" anchor="ctr" bIns="91425" lIns="91425" spcFirstLastPara="1" rIns="91425" wrap="square" tIns="91425">
+            <a:bodyPr spcFirstLastPara="1" wrap="square" lIns="91425" tIns="91425" rIns="91425" bIns="91425" anchor="ctr" anchorCtr="0">
               <a:noAutofit/>
             </a:bodyPr>
             <a:lstStyle/>
             <a:p>
-              <a:pPr indent="0" lvl="0" marL="0" rtl="0" algn="l">
+              <a:pPr marL="0" lvl="0" indent="0" algn="l" rtl="0">
                 <a:spcBef>
                   <a:spcPts val="0"/>
                 </a:spcBef>
@@ -4148,9 +4164,6 @@
                 </a:spcAft>
                 <a:buNone/>
               </a:pPr>
-              <a:r>
-                <a:t/>
-              </a:r>
               <a:endParaRPr/>
             </a:p>
           </p:txBody>
@@ -4168,7 +4181,7 @@
             </a:xfrm>
             <a:prstGeom prst="diagStripe">
               <a:avLst>
-                <a:gd fmla="val 50000" name="adj"/>
+                <a:gd name="adj" fmla="val 50000"/>
               </a:avLst>
             </a:prstGeom>
             <a:solidFill>
@@ -4181,12 +4194,12 @@
             </a:ln>
           </p:spPr>
           <p:txBody>
-            <a:bodyPr anchorCtr="0" anchor="ctr" bIns="91425" lIns="91425" spcFirstLastPara="1" rIns="91425" wrap="square" tIns="91425">
+            <a:bodyPr spcFirstLastPara="1" wrap="square" lIns="91425" tIns="91425" rIns="91425" bIns="91425" anchor="ctr" anchorCtr="0">
               <a:noAutofit/>
             </a:bodyPr>
             <a:lstStyle/>
             <a:p>
-              <a:pPr indent="0" lvl="0" marL="0" rtl="0" algn="l">
+              <a:pPr marL="0" lvl="0" indent="0" algn="l" rtl="0">
                 <a:spcBef>
                   <a:spcPts val="0"/>
                 </a:spcBef>
@@ -4195,9 +4208,6 @@
                 </a:spcAft>
                 <a:buNone/>
               </a:pPr>
-              <a:r>
-                <a:t/>
-              </a:r>
               <a:endParaRPr/>
             </a:p>
           </p:txBody>
@@ -4215,7 +4225,7 @@
             </a:xfrm>
             <a:prstGeom prst="diagStripe">
               <a:avLst>
-                <a:gd fmla="val 50000" name="adj"/>
+                <a:gd name="adj" fmla="val 50000"/>
               </a:avLst>
             </a:prstGeom>
             <a:solidFill>
@@ -4226,12 +4236,12 @@
             </a:ln>
           </p:spPr>
           <p:txBody>
-            <a:bodyPr anchorCtr="0" anchor="ctr" bIns="91425" lIns="91425" spcFirstLastPara="1" rIns="91425" wrap="square" tIns="91425">
+            <a:bodyPr spcFirstLastPara="1" wrap="square" lIns="91425" tIns="91425" rIns="91425" bIns="91425" anchor="ctr" anchorCtr="0">
               <a:noAutofit/>
             </a:bodyPr>
             <a:lstStyle/>
             <a:p>
-              <a:pPr indent="0" lvl="0" marL="0" rtl="0" algn="l">
+              <a:pPr marL="0" lvl="0" indent="0" algn="l" rtl="0">
                 <a:spcBef>
                   <a:spcPts val="0"/>
                 </a:spcBef>
@@ -4240,9 +4250,6 @@
                 </a:spcAft>
                 <a:buNone/>
               </a:pPr>
-              <a:r>
-                <a:t/>
-              </a:r>
               <a:endParaRPr/>
             </a:p>
           </p:txBody>
@@ -4260,7 +4267,7 @@
             </a:xfrm>
             <a:prstGeom prst="diagStripe">
               <a:avLst>
-                <a:gd fmla="val 50000" name="adj"/>
+                <a:gd name="adj" fmla="val 50000"/>
               </a:avLst>
             </a:prstGeom>
             <a:solidFill>
@@ -4273,12 +4280,12 @@
             </a:ln>
           </p:spPr>
           <p:txBody>
-            <a:bodyPr anchorCtr="0" anchor="ctr" bIns="91425" lIns="91425" spcFirstLastPara="1" rIns="91425" wrap="square" tIns="91425">
+            <a:bodyPr spcFirstLastPara="1" wrap="square" lIns="91425" tIns="91425" rIns="91425" bIns="91425" anchor="ctr" anchorCtr="0">
               <a:noAutofit/>
             </a:bodyPr>
             <a:lstStyle/>
             <a:p>
-              <a:pPr indent="0" lvl="0" marL="0" rtl="0" algn="l">
+              <a:pPr marL="0" lvl="0" indent="0" algn="l" rtl="0">
                 <a:spcBef>
                   <a:spcPts val="0"/>
                 </a:spcBef>
@@ -4287,9 +4294,6 @@
                 </a:spcAft>
                 <a:buNone/>
               </a:pPr>
-              <a:r>
-                <a:t/>
-              </a:r>
               <a:endParaRPr/>
             </a:p>
           </p:txBody>
@@ -4307,7 +4311,7 @@
             </a:xfrm>
             <a:prstGeom prst="diagStripe">
               <a:avLst>
-                <a:gd fmla="val 50000" name="adj"/>
+                <a:gd name="adj" fmla="val 50000"/>
               </a:avLst>
             </a:prstGeom>
             <a:solidFill>
@@ -4320,12 +4324,12 @@
             </a:ln>
           </p:spPr>
           <p:txBody>
-            <a:bodyPr anchorCtr="0" anchor="ctr" bIns="91425" lIns="91425" spcFirstLastPara="1" rIns="91425" wrap="square" tIns="91425">
+            <a:bodyPr spcFirstLastPara="1" wrap="square" lIns="91425" tIns="91425" rIns="91425" bIns="91425" anchor="ctr" anchorCtr="0">
               <a:noAutofit/>
             </a:bodyPr>
             <a:lstStyle/>
             <a:p>
-              <a:pPr indent="0" lvl="0" marL="0" rtl="0" algn="l">
+              <a:pPr marL="0" lvl="0" indent="0" algn="l" rtl="0">
                 <a:spcBef>
                   <a:spcPts val="0"/>
                 </a:spcBef>
@@ -4334,9 +4338,6 @@
                 </a:spcAft>
                 <a:buNone/>
               </a:pPr>
-              <a:r>
-                <a:t/>
-              </a:r>
               <a:endParaRPr/>
             </a:p>
           </p:txBody>
@@ -4354,7 +4355,7 @@
             </a:xfrm>
             <a:prstGeom prst="diagStripe">
               <a:avLst>
-                <a:gd fmla="val 50000" name="adj"/>
+                <a:gd name="adj" fmla="val 50000"/>
               </a:avLst>
             </a:prstGeom>
             <a:solidFill>
@@ -4367,12 +4368,12 @@
             </a:ln>
           </p:spPr>
           <p:txBody>
-            <a:bodyPr anchorCtr="0" anchor="ctr" bIns="91425" lIns="91425" spcFirstLastPara="1" rIns="91425" wrap="square" tIns="91425">
+            <a:bodyPr spcFirstLastPara="1" wrap="square" lIns="91425" tIns="91425" rIns="91425" bIns="91425" anchor="ctr" anchorCtr="0">
               <a:noAutofit/>
             </a:bodyPr>
             <a:lstStyle/>
             <a:p>
-              <a:pPr indent="0" lvl="0" marL="0" rtl="0" algn="l">
+              <a:pPr marL="0" lvl="0" indent="0" algn="l" rtl="0">
                 <a:spcBef>
                   <a:spcPts val="0"/>
                 </a:spcBef>
@@ -4381,9 +4382,6 @@
                 </a:spcAft>
                 <a:buNone/>
               </a:pPr>
-              <a:r>
-                <a:t/>
-              </a:r>
               <a:endParaRPr/>
             </a:p>
           </p:txBody>
@@ -4401,7 +4399,7 @@
             </a:xfrm>
             <a:prstGeom prst="diagStripe">
               <a:avLst>
-                <a:gd fmla="val 50000" name="adj"/>
+                <a:gd name="adj" fmla="val 50000"/>
               </a:avLst>
             </a:prstGeom>
             <a:solidFill>
@@ -4414,12 +4412,12 @@
             </a:ln>
           </p:spPr>
           <p:txBody>
-            <a:bodyPr anchorCtr="0" anchor="ctr" bIns="91425" lIns="91425" spcFirstLastPara="1" rIns="91425" wrap="square" tIns="91425">
+            <a:bodyPr spcFirstLastPara="1" wrap="square" lIns="91425" tIns="91425" rIns="91425" bIns="91425" anchor="ctr" anchorCtr="0">
               <a:noAutofit/>
             </a:bodyPr>
             <a:lstStyle/>
             <a:p>
-              <a:pPr indent="0" lvl="0" marL="0" rtl="0" algn="l">
+              <a:pPr marL="0" lvl="0" indent="0" algn="l" rtl="0">
                 <a:spcBef>
                   <a:spcPts val="0"/>
                 </a:spcBef>
@@ -4428,9 +4426,6 @@
                 </a:spcAft>
                 <a:buNone/>
               </a:pPr>
-              <a:r>
-                <a:t/>
-              </a:r>
               <a:endParaRPr/>
             </a:p>
           </p:txBody>
@@ -4448,7 +4443,7 @@
             </a:xfrm>
             <a:prstGeom prst="diagStripe">
               <a:avLst>
-                <a:gd fmla="val 50000" name="adj"/>
+                <a:gd name="adj" fmla="val 50000"/>
               </a:avLst>
             </a:prstGeom>
             <a:solidFill>
@@ -4461,12 +4456,12 @@
             </a:ln>
           </p:spPr>
           <p:txBody>
-            <a:bodyPr anchorCtr="0" anchor="ctr" bIns="91425" lIns="91425" spcFirstLastPara="1" rIns="91425" wrap="square" tIns="91425">
+            <a:bodyPr spcFirstLastPara="1" wrap="square" lIns="91425" tIns="91425" rIns="91425" bIns="91425" anchor="ctr" anchorCtr="0">
               <a:noAutofit/>
             </a:bodyPr>
             <a:lstStyle/>
             <a:p>
-              <a:pPr indent="0" lvl="0" marL="0" rtl="0" algn="l">
+              <a:pPr marL="0" lvl="0" indent="0" algn="l" rtl="0">
                 <a:spcBef>
                   <a:spcPts val="0"/>
                 </a:spcBef>
@@ -4475,9 +4470,6 @@
                 </a:spcAft>
                 <a:buNone/>
               </a:pPr>
-              <a:r>
-                <a:t/>
-              </a:r>
               <a:endParaRPr/>
             </a:p>
           </p:txBody>
@@ -4495,7 +4487,7 @@
             </a:xfrm>
             <a:prstGeom prst="diagStripe">
               <a:avLst>
-                <a:gd fmla="val 50000" name="adj"/>
+                <a:gd name="adj" fmla="val 50000"/>
               </a:avLst>
             </a:prstGeom>
             <a:solidFill>
@@ -4506,12 +4498,12 @@
             </a:ln>
           </p:spPr>
           <p:txBody>
-            <a:bodyPr anchorCtr="0" anchor="ctr" bIns="91425" lIns="91425" spcFirstLastPara="1" rIns="91425" wrap="square" tIns="91425">
+            <a:bodyPr spcFirstLastPara="1" wrap="square" lIns="91425" tIns="91425" rIns="91425" bIns="91425" anchor="ctr" anchorCtr="0">
               <a:noAutofit/>
             </a:bodyPr>
             <a:lstStyle/>
             <a:p>
-              <a:pPr indent="0" lvl="0" marL="0" rtl="0" algn="l">
+              <a:pPr marL="0" lvl="0" indent="0" algn="l" rtl="0">
                 <a:spcBef>
                   <a:spcPts val="0"/>
                 </a:spcBef>
@@ -4520,9 +4512,6 @@
                 </a:spcAft>
                 <a:buNone/>
               </a:pPr>
-              <a:r>
-                <a:t/>
-              </a:r>
               <a:endParaRPr/>
             </a:p>
           </p:txBody>
@@ -4540,7 +4529,7 @@
             </a:xfrm>
             <a:prstGeom prst="diagStripe">
               <a:avLst>
-                <a:gd fmla="val 50000" name="adj"/>
+                <a:gd name="adj" fmla="val 50000"/>
               </a:avLst>
             </a:prstGeom>
             <a:solidFill>
@@ -4553,12 +4542,12 @@
             </a:ln>
           </p:spPr>
           <p:txBody>
-            <a:bodyPr anchorCtr="0" anchor="ctr" bIns="91425" lIns="91425" spcFirstLastPara="1" rIns="91425" wrap="square" tIns="91425">
+            <a:bodyPr spcFirstLastPara="1" wrap="square" lIns="91425" tIns="91425" rIns="91425" bIns="91425" anchor="ctr" anchorCtr="0">
               <a:noAutofit/>
             </a:bodyPr>
             <a:lstStyle/>
             <a:p>
-              <a:pPr indent="0" lvl="0" marL="0" rtl="0" algn="l">
+              <a:pPr marL="0" lvl="0" indent="0" algn="l" rtl="0">
                 <a:spcBef>
                   <a:spcPts val="0"/>
                 </a:spcBef>
@@ -4567,9 +4556,6 @@
                 </a:spcAft>
                 <a:buNone/>
               </a:pPr>
-              <a:r>
-                <a:t/>
-              </a:r>
               <a:endParaRPr/>
             </a:p>
           </p:txBody>
@@ -4587,7 +4573,7 @@
             </a:xfrm>
             <a:prstGeom prst="diagStripe">
               <a:avLst>
-                <a:gd fmla="val 50000" name="adj"/>
+                <a:gd name="adj" fmla="val 50000"/>
               </a:avLst>
             </a:prstGeom>
             <a:solidFill>
@@ -4600,12 +4586,12 @@
             </a:ln>
           </p:spPr>
           <p:txBody>
-            <a:bodyPr anchorCtr="0" anchor="ctr" bIns="91425" lIns="91425" spcFirstLastPara="1" rIns="91425" wrap="square" tIns="91425">
+            <a:bodyPr spcFirstLastPara="1" wrap="square" lIns="91425" tIns="91425" rIns="91425" bIns="91425" anchor="ctr" anchorCtr="0">
               <a:noAutofit/>
             </a:bodyPr>
             <a:lstStyle/>
             <a:p>
-              <a:pPr indent="0" lvl="0" marL="0" rtl="0" algn="l">
+              <a:pPr marL="0" lvl="0" indent="0" algn="l" rtl="0">
                 <a:spcBef>
                   <a:spcPts val="0"/>
                 </a:spcBef>
@@ -4614,9 +4600,6 @@
                 </a:spcAft>
                 <a:buNone/>
               </a:pPr>
-              <a:r>
-                <a:t/>
-              </a:r>
               <a:endParaRPr/>
             </a:p>
           </p:txBody>
@@ -4634,7 +4617,7 @@
             </a:xfrm>
             <a:prstGeom prst="diagStripe">
               <a:avLst>
-                <a:gd fmla="val 50000" name="adj"/>
+                <a:gd name="adj" fmla="val 50000"/>
               </a:avLst>
             </a:prstGeom>
             <a:solidFill>
@@ -4647,12 +4630,12 @@
             </a:ln>
           </p:spPr>
           <p:txBody>
-            <a:bodyPr anchorCtr="0" anchor="ctr" bIns="91425" lIns="91425" spcFirstLastPara="1" rIns="91425" wrap="square" tIns="91425">
+            <a:bodyPr spcFirstLastPara="1" wrap="square" lIns="91425" tIns="91425" rIns="91425" bIns="91425" anchor="ctr" anchorCtr="0">
               <a:noAutofit/>
             </a:bodyPr>
             <a:lstStyle/>
             <a:p>
-              <a:pPr indent="0" lvl="0" marL="0" rtl="0" algn="l">
+              <a:pPr marL="0" lvl="0" indent="0" algn="l" rtl="0">
                 <a:spcBef>
                   <a:spcPts val="0"/>
                 </a:spcBef>
@@ -4661,9 +4644,6 @@
                 </a:spcAft>
                 <a:buNone/>
               </a:pPr>
-              <a:r>
-                <a:t/>
-              </a:r>
               <a:endParaRPr/>
             </a:p>
           </p:txBody>
@@ -4681,7 +4661,7 @@
             </a:xfrm>
             <a:prstGeom prst="diagStripe">
               <a:avLst>
-                <a:gd fmla="val 50000" name="adj"/>
+                <a:gd name="adj" fmla="val 50000"/>
               </a:avLst>
             </a:prstGeom>
             <a:solidFill>
@@ -4694,12 +4674,12 @@
             </a:ln>
           </p:spPr>
           <p:txBody>
-            <a:bodyPr anchorCtr="0" anchor="ctr" bIns="91425" lIns="91425" spcFirstLastPara="1" rIns="91425" wrap="square" tIns="91425">
+            <a:bodyPr spcFirstLastPara="1" wrap="square" lIns="91425" tIns="91425" rIns="91425" bIns="91425" anchor="ctr" anchorCtr="0">
               <a:noAutofit/>
             </a:bodyPr>
             <a:lstStyle/>
             <a:p>
-              <a:pPr indent="0" lvl="0" marL="0" rtl="0" algn="l">
+              <a:pPr marL="0" lvl="0" indent="0" algn="l" rtl="0">
                 <a:spcBef>
                   <a:spcPts val="0"/>
                 </a:spcBef>
@@ -4708,9 +4688,6 @@
                 </a:spcAft>
                 <a:buNone/>
               </a:pPr>
-              <a:r>
-                <a:t/>
-              </a:r>
               <a:endParaRPr/>
             </a:p>
           </p:txBody>
@@ -4719,7 +4696,9 @@
       <p:sp>
         <p:nvSpPr>
           <p:cNvPr id="39" name="Google Shape;39;p3"/>
-          <p:cNvSpPr txBox="1"/>
+          <p:cNvSpPr txBox="1">
+            <a:spLocks noGrp="1"/>
+          </p:cNvSpPr>
           <p:nvPr>
             <p:ph type="title"/>
           </p:nvPr>
@@ -4734,7 +4713,7 @@
           </a:prstGeom>
         </p:spPr>
         <p:txBody>
-          <a:bodyPr anchorCtr="0" anchor="ctr" bIns="91425" lIns="91425" spcFirstLastPara="1" rIns="91425" wrap="square" tIns="91425">
+          <a:bodyPr spcFirstLastPara="1" wrap="square" lIns="91425" tIns="91425" rIns="91425" bIns="91425" anchor="ctr" anchorCtr="0">
             <a:normAutofit/>
           </a:bodyPr>
           <a:lstStyle>
@@ -4838,15 +4817,19 @@
               <a:defRPr/>
             </a:lvl9pPr>
           </a:lstStyle>
-          <a:p/>
+          <a:p>
+            <a:endParaRPr/>
+          </a:p>
         </p:txBody>
       </p:sp>
       <p:sp>
         <p:nvSpPr>
           <p:cNvPr id="40" name="Google Shape;40;p3"/>
-          <p:cNvSpPr txBox="1"/>
+          <p:cNvSpPr txBox="1">
+            <a:spLocks noGrp="1"/>
+          </p:cNvSpPr>
           <p:nvPr>
-            <p:ph idx="12" type="sldNum"/>
+            <p:ph type="sldNum" idx="12"/>
           </p:nvPr>
         </p:nvSpPr>
         <p:spPr>
@@ -4859,7 +4842,7 @@
           </a:prstGeom>
         </p:spPr>
         <p:txBody>
-          <a:bodyPr anchorCtr="0" anchor="ctr" bIns="91425" lIns="91425" spcFirstLastPara="1" rIns="91425" wrap="square" tIns="91425">
+          <a:bodyPr spcFirstLastPara="1" wrap="square" lIns="91425" tIns="91425" rIns="91425" bIns="91425" anchor="ctr" anchorCtr="0">
             <a:normAutofit/>
           </a:bodyPr>
           <a:lstStyle>
@@ -4901,7 +4884,7 @@
             </a:lvl9pPr>
           </a:lstStyle>
           <a:p>
-            <a:pPr indent="0" lvl="0" marL="0" rtl="0" algn="r">
+            <a:pPr marL="0" lvl="0" indent="0" algn="r" rtl="0">
               <a:spcBef>
                 <a:spcPts val="0"/>
               </a:spcBef>
@@ -4927,11 +4910,11 @@
 </file>
 
 <file path=ppt/slideLayouts/slideLayout3.xml><?xml version="1.0" encoding="utf-8"?>
-<p:sldLayout xmlns:a="http://schemas.openxmlformats.org/drawingml/2006/main" xmlns:r="http://schemas.openxmlformats.org/officeDocument/2006/relationships" xmlns:mc="http://schemas.openxmlformats.org/markup-compatibility/2006" xmlns:mv="urn:schemas-microsoft-com:mac:vml" xmlns:p="http://schemas.openxmlformats.org/presentationml/2006/main" xmlns:c="http://schemas.openxmlformats.org/drawingml/2006/chart" xmlns:dgm="http://schemas.openxmlformats.org/drawingml/2006/diagram" xmlns:o="urn:schemas-microsoft-com:office:office" xmlns:v="urn:schemas-microsoft-com:vml" xmlns:pvml="urn:schemas-microsoft-com:office:powerpoint" xmlns:com="http://schemas.openxmlformats.org/drawingml/2006/compatibility" xmlns:p14="http://schemas.microsoft.com/office/powerpoint/2010/main" xmlns:p15="http://schemas.microsoft.com/office/powerpoint/2012/main" xmlns:ahyp="http://schemas.microsoft.com/office/drawing/2018/hyperlinkcolor" matchingName="Title and body" type="tx">
+<p:sldLayout xmlns:a="http://schemas.openxmlformats.org/drawingml/2006/main" xmlns:r="http://schemas.openxmlformats.org/officeDocument/2006/relationships" xmlns:p="http://schemas.openxmlformats.org/presentationml/2006/main" matchingName="Title and body" type="tx">
   <p:cSld name="TITLE_AND_BODY">
     <p:spTree>
       <p:nvGrpSpPr>
-        <p:cNvPr id="41" name="Shape 41"/>
+        <p:cNvPr id="1" name="Shape 41"/>
         <p:cNvGrpSpPr/>
         <p:nvPr/>
       </p:nvGrpSpPr>
@@ -4970,7 +4953,7 @@
             </a:xfrm>
             <a:prstGeom prst="diagStripe">
               <a:avLst>
-                <a:gd fmla="val 50000" name="adj"/>
+                <a:gd name="adj" fmla="val 50000"/>
               </a:avLst>
             </a:prstGeom>
             <a:solidFill>
@@ -4981,12 +4964,12 @@
             </a:ln>
           </p:spPr>
           <p:txBody>
-            <a:bodyPr anchorCtr="0" anchor="ctr" bIns="91425" lIns="91425" spcFirstLastPara="1" rIns="91425" wrap="square" tIns="91425">
+            <a:bodyPr spcFirstLastPara="1" wrap="square" lIns="91425" tIns="91425" rIns="91425" bIns="91425" anchor="ctr" anchorCtr="0">
               <a:noAutofit/>
             </a:bodyPr>
             <a:lstStyle/>
             <a:p>
-              <a:pPr indent="0" lvl="0" marL="0" rtl="0" algn="l">
+              <a:pPr marL="0" lvl="0" indent="0" algn="l" rtl="0">
                 <a:spcBef>
                   <a:spcPts val="0"/>
                 </a:spcBef>
@@ -4995,9 +4978,6 @@
                 </a:spcAft>
                 <a:buNone/>
               </a:pPr>
-              <a:r>
-                <a:t/>
-              </a:r>
               <a:endParaRPr/>
             </a:p>
           </p:txBody>
@@ -5015,7 +4995,7 @@
             </a:xfrm>
             <a:prstGeom prst="diagStripe">
               <a:avLst>
-                <a:gd fmla="val 50000" name="adj"/>
+                <a:gd name="adj" fmla="val 50000"/>
               </a:avLst>
             </a:prstGeom>
             <a:solidFill>
@@ -5026,12 +5006,12 @@
             </a:ln>
           </p:spPr>
           <p:txBody>
-            <a:bodyPr anchorCtr="0" anchor="ctr" bIns="91425" lIns="91425" spcFirstLastPara="1" rIns="91425" wrap="square" tIns="91425">
+            <a:bodyPr spcFirstLastPara="1" wrap="square" lIns="91425" tIns="91425" rIns="91425" bIns="91425" anchor="ctr" anchorCtr="0">
               <a:noAutofit/>
             </a:bodyPr>
             <a:lstStyle/>
             <a:p>
-              <a:pPr indent="0" lvl="0" marL="0" rtl="0" algn="l">
+              <a:pPr marL="0" lvl="0" indent="0" algn="l" rtl="0">
                 <a:spcBef>
                   <a:spcPts val="0"/>
                 </a:spcBef>
@@ -5040,9 +5020,6 @@
                 </a:spcAft>
                 <a:buNone/>
               </a:pPr>
-              <a:r>
-                <a:t/>
-              </a:r>
               <a:endParaRPr/>
             </a:p>
           </p:txBody>
@@ -5051,7 +5028,9 @@
       <p:sp>
         <p:nvSpPr>
           <p:cNvPr id="45" name="Google Shape;45;p4"/>
-          <p:cNvSpPr txBox="1"/>
+          <p:cNvSpPr txBox="1">
+            <a:spLocks noGrp="1"/>
+          </p:cNvSpPr>
           <p:nvPr>
             <p:ph type="title"/>
           </p:nvPr>
@@ -5066,7 +5045,7 @@
           </a:prstGeom>
         </p:spPr>
         <p:txBody>
-          <a:bodyPr anchorCtr="0" anchor="t" bIns="91425" lIns="91425" spcFirstLastPara="1" rIns="91425" wrap="square" tIns="91425">
+          <a:bodyPr spcFirstLastPara="1" wrap="square" lIns="91425" tIns="91425" rIns="91425" bIns="91425" anchor="t" anchorCtr="0">
             <a:normAutofit/>
           </a:bodyPr>
           <a:lstStyle>
@@ -5170,15 +5149,19 @@
               <a:defRPr sz="2400"/>
             </a:lvl9pPr>
           </a:lstStyle>
-          <a:p/>
+          <a:p>
+            <a:endParaRPr/>
+          </a:p>
         </p:txBody>
       </p:sp>
       <p:sp>
         <p:nvSpPr>
           <p:cNvPr id="46" name="Google Shape;46;p4"/>
-          <p:cNvSpPr txBox="1"/>
+          <p:cNvSpPr txBox="1">
+            <a:spLocks noGrp="1"/>
+          </p:cNvSpPr>
           <p:nvPr>
-            <p:ph idx="1" type="body"/>
+            <p:ph type="body" idx="1"/>
           </p:nvPr>
         </p:nvSpPr>
         <p:spPr>
@@ -5191,11 +5174,11 @@
           </a:prstGeom>
         </p:spPr>
         <p:txBody>
-          <a:bodyPr anchorCtr="0" anchor="t" bIns="91425" lIns="91425" spcFirstLastPara="1" rIns="91425" wrap="square" tIns="91425">
+          <a:bodyPr spcFirstLastPara="1" wrap="square" lIns="91425" tIns="91425" rIns="91425" bIns="91425" anchor="t" anchorCtr="0">
             <a:normAutofit/>
           </a:bodyPr>
           <a:lstStyle>
-            <a:lvl1pPr indent="-311150" lvl="0" marL="457200">
+            <a:lvl1pPr marL="457200" lvl="0" indent="-311150">
               <a:spcBef>
                 <a:spcPts val="0"/>
               </a:spcBef>
@@ -5206,7 +5189,7 @@
               <a:buChar char="●"/>
               <a:defRPr/>
             </a:lvl1pPr>
-            <a:lvl2pPr indent="-298450" lvl="1" marL="914400">
+            <a:lvl2pPr marL="914400" lvl="1" indent="-298450">
               <a:spcBef>
                 <a:spcPts val="0"/>
               </a:spcBef>
@@ -5217,7 +5200,7 @@
               <a:buChar char="○"/>
               <a:defRPr/>
             </a:lvl2pPr>
-            <a:lvl3pPr indent="-298450" lvl="2" marL="1371600">
+            <a:lvl3pPr marL="1371600" lvl="2" indent="-298450">
               <a:spcBef>
                 <a:spcPts val="0"/>
               </a:spcBef>
@@ -5228,7 +5211,7 @@
               <a:buChar char="■"/>
               <a:defRPr/>
             </a:lvl3pPr>
-            <a:lvl4pPr indent="-298450" lvl="3" marL="1828800">
+            <a:lvl4pPr marL="1828800" lvl="3" indent="-298450">
               <a:spcBef>
                 <a:spcPts val="0"/>
               </a:spcBef>
@@ -5239,7 +5222,7 @@
               <a:buChar char="●"/>
               <a:defRPr/>
             </a:lvl4pPr>
-            <a:lvl5pPr indent="-298450" lvl="4" marL="2286000">
+            <a:lvl5pPr marL="2286000" lvl="4" indent="-298450">
               <a:spcBef>
                 <a:spcPts val="0"/>
               </a:spcBef>
@@ -5250,7 +5233,7 @@
               <a:buChar char="○"/>
               <a:defRPr/>
             </a:lvl5pPr>
-            <a:lvl6pPr indent="-298450" lvl="5" marL="2743200">
+            <a:lvl6pPr marL="2743200" lvl="5" indent="-298450">
               <a:spcBef>
                 <a:spcPts val="0"/>
               </a:spcBef>
@@ -5261,7 +5244,7 @@
               <a:buChar char="■"/>
               <a:defRPr/>
             </a:lvl6pPr>
-            <a:lvl7pPr indent="-298450" lvl="6" marL="3200400">
+            <a:lvl7pPr marL="3200400" lvl="6" indent="-298450">
               <a:spcBef>
                 <a:spcPts val="0"/>
               </a:spcBef>
@@ -5272,7 +5255,7 @@
               <a:buChar char="●"/>
               <a:defRPr/>
             </a:lvl7pPr>
-            <a:lvl8pPr indent="-298450" lvl="7" marL="3657600">
+            <a:lvl8pPr marL="3657600" lvl="7" indent="-298450">
               <a:spcBef>
                 <a:spcPts val="0"/>
               </a:spcBef>
@@ -5283,7 +5266,7 @@
               <a:buChar char="○"/>
               <a:defRPr/>
             </a:lvl8pPr>
-            <a:lvl9pPr indent="-298450" lvl="8" marL="4114800">
+            <a:lvl9pPr marL="4114800" lvl="8" indent="-298450">
               <a:spcBef>
                 <a:spcPts val="0"/>
               </a:spcBef>
@@ -5295,15 +5278,19 @@
               <a:defRPr/>
             </a:lvl9pPr>
           </a:lstStyle>
-          <a:p/>
+          <a:p>
+            <a:endParaRPr/>
+          </a:p>
         </p:txBody>
       </p:sp>
       <p:sp>
         <p:nvSpPr>
           <p:cNvPr id="47" name="Google Shape;47;p4"/>
-          <p:cNvSpPr txBox="1"/>
+          <p:cNvSpPr txBox="1">
+            <a:spLocks noGrp="1"/>
+          </p:cNvSpPr>
           <p:nvPr>
-            <p:ph idx="12" type="sldNum"/>
+            <p:ph type="sldNum" idx="12"/>
           </p:nvPr>
         </p:nvSpPr>
         <p:spPr>
@@ -5316,7 +5303,7 @@
           </a:prstGeom>
         </p:spPr>
         <p:txBody>
-          <a:bodyPr anchorCtr="0" anchor="ctr" bIns="91425" lIns="91425" spcFirstLastPara="1" rIns="91425" wrap="square" tIns="91425">
+          <a:bodyPr spcFirstLastPara="1" wrap="square" lIns="91425" tIns="91425" rIns="91425" bIns="91425" anchor="ctr" anchorCtr="0">
             <a:normAutofit/>
           </a:bodyPr>
           <a:lstStyle>
@@ -5358,7 +5345,7 @@
             </a:lvl9pPr>
           </a:lstStyle>
           <a:p>
-            <a:pPr indent="0" lvl="0" marL="0" rtl="0" algn="r">
+            <a:pPr marL="0" lvl="0" indent="0" algn="r" rtl="0">
               <a:spcBef>
                 <a:spcPts val="0"/>
               </a:spcBef>
@@ -5384,11 +5371,11 @@
 </file>
 
 <file path=ppt/slideLayouts/slideLayout4.xml><?xml version="1.0" encoding="utf-8"?>
-<p:sldLayout xmlns:a="http://schemas.openxmlformats.org/drawingml/2006/main" xmlns:r="http://schemas.openxmlformats.org/officeDocument/2006/relationships" xmlns:mc="http://schemas.openxmlformats.org/markup-compatibility/2006" xmlns:mv="urn:schemas-microsoft-com:mac:vml" xmlns:p="http://schemas.openxmlformats.org/presentationml/2006/main" xmlns:c="http://schemas.openxmlformats.org/drawingml/2006/chart" xmlns:dgm="http://schemas.openxmlformats.org/drawingml/2006/diagram" xmlns:o="urn:schemas-microsoft-com:office:office" xmlns:v="urn:schemas-microsoft-com:vml" xmlns:pvml="urn:schemas-microsoft-com:office:powerpoint" xmlns:com="http://schemas.openxmlformats.org/drawingml/2006/compatibility" xmlns:p14="http://schemas.microsoft.com/office/powerpoint/2010/main" xmlns:p15="http://schemas.microsoft.com/office/powerpoint/2012/main" xmlns:ahyp="http://schemas.microsoft.com/office/drawing/2018/hyperlinkcolor" matchingName="Title and two columns" type="twoColTx">
+<p:sldLayout xmlns:a="http://schemas.openxmlformats.org/drawingml/2006/main" xmlns:r="http://schemas.openxmlformats.org/officeDocument/2006/relationships" xmlns:p="http://schemas.openxmlformats.org/presentationml/2006/main" matchingName="Title and two columns" type="twoColTx">
   <p:cSld name="TITLE_AND_TWO_COLUMNS">
     <p:spTree>
       <p:nvGrpSpPr>
-        <p:cNvPr id="48" name="Shape 48"/>
+        <p:cNvPr id="1" name="Shape 48"/>
         <p:cNvGrpSpPr/>
         <p:nvPr/>
       </p:nvGrpSpPr>
@@ -5427,7 +5414,7 @@
             </a:xfrm>
             <a:prstGeom prst="diagStripe">
               <a:avLst>
-                <a:gd fmla="val 50000" name="adj"/>
+                <a:gd name="adj" fmla="val 50000"/>
               </a:avLst>
             </a:prstGeom>
             <a:solidFill>
@@ -5438,12 +5425,12 @@
             </a:ln>
           </p:spPr>
           <p:txBody>
-            <a:bodyPr anchorCtr="0" anchor="ctr" bIns="91425" lIns="91425" spcFirstLastPara="1" rIns="91425" wrap="square" tIns="91425">
+            <a:bodyPr spcFirstLastPara="1" wrap="square" lIns="91425" tIns="91425" rIns="91425" bIns="91425" anchor="ctr" anchorCtr="0">
               <a:noAutofit/>
             </a:bodyPr>
             <a:lstStyle/>
             <a:p>
-              <a:pPr indent="0" lvl="0" marL="0" rtl="0" algn="l">
+              <a:pPr marL="0" lvl="0" indent="0" algn="l" rtl="0">
                 <a:spcBef>
                   <a:spcPts val="0"/>
                 </a:spcBef>
@@ -5452,9 +5439,6 @@
                 </a:spcAft>
                 <a:buNone/>
               </a:pPr>
-              <a:r>
-                <a:t/>
-              </a:r>
               <a:endParaRPr/>
             </a:p>
           </p:txBody>
@@ -5472,7 +5456,7 @@
             </a:xfrm>
             <a:prstGeom prst="diagStripe">
               <a:avLst>
-                <a:gd fmla="val 50000" name="adj"/>
+                <a:gd name="adj" fmla="val 50000"/>
               </a:avLst>
             </a:prstGeom>
             <a:solidFill>
@@ -5483,12 +5467,12 @@
             </a:ln>
           </p:spPr>
           <p:txBody>
-            <a:bodyPr anchorCtr="0" anchor="ctr" bIns="91425" lIns="91425" spcFirstLastPara="1" rIns="91425" wrap="square" tIns="91425">
+            <a:bodyPr spcFirstLastPara="1" wrap="square" lIns="91425" tIns="91425" rIns="91425" bIns="91425" anchor="ctr" anchorCtr="0">
               <a:noAutofit/>
             </a:bodyPr>
             <a:lstStyle/>
             <a:p>
-              <a:pPr indent="0" lvl="0" marL="0" rtl="0" algn="l">
+              <a:pPr marL="0" lvl="0" indent="0" algn="l" rtl="0">
                 <a:spcBef>
                   <a:spcPts val="0"/>
                 </a:spcBef>
@@ -5497,9 +5481,6 @@
                 </a:spcAft>
                 <a:buNone/>
               </a:pPr>
-              <a:r>
-                <a:t/>
-              </a:r>
               <a:endParaRPr/>
             </a:p>
           </p:txBody>
@@ -5508,7 +5489,9 @@
       <p:sp>
         <p:nvSpPr>
           <p:cNvPr id="52" name="Google Shape;52;p5"/>
-          <p:cNvSpPr txBox="1"/>
+          <p:cNvSpPr txBox="1">
+            <a:spLocks noGrp="1"/>
+          </p:cNvSpPr>
           <p:nvPr>
             <p:ph type="title"/>
           </p:nvPr>
@@ -5523,7 +5506,7 @@
           </a:prstGeom>
         </p:spPr>
         <p:txBody>
-          <a:bodyPr anchorCtr="0" anchor="t" bIns="91425" lIns="91425" spcFirstLastPara="1" rIns="91425" wrap="square" tIns="91425">
+          <a:bodyPr spcFirstLastPara="1" wrap="square" lIns="91425" tIns="91425" rIns="91425" bIns="91425" anchor="t" anchorCtr="0">
             <a:normAutofit/>
           </a:bodyPr>
           <a:lstStyle>
@@ -5627,15 +5610,19 @@
               <a:defRPr sz="2400"/>
             </a:lvl9pPr>
           </a:lstStyle>
-          <a:p/>
+          <a:p>
+            <a:endParaRPr/>
+          </a:p>
         </p:txBody>
       </p:sp>
       <p:sp>
         <p:nvSpPr>
           <p:cNvPr id="53" name="Google Shape;53;p5"/>
-          <p:cNvSpPr txBox="1"/>
+          <p:cNvSpPr txBox="1">
+            <a:spLocks noGrp="1"/>
+          </p:cNvSpPr>
           <p:nvPr>
-            <p:ph idx="1" type="body"/>
+            <p:ph type="body" idx="1"/>
           </p:nvPr>
         </p:nvSpPr>
         <p:spPr>
@@ -5648,11 +5635,11 @@
           </a:prstGeom>
         </p:spPr>
         <p:txBody>
-          <a:bodyPr anchorCtr="0" anchor="t" bIns="91425" lIns="91425" spcFirstLastPara="1" rIns="91425" wrap="square" tIns="91425">
+          <a:bodyPr spcFirstLastPara="1" wrap="square" lIns="91425" tIns="91425" rIns="91425" bIns="91425" anchor="t" anchorCtr="0">
             <a:normAutofit/>
           </a:bodyPr>
           <a:lstStyle>
-            <a:lvl1pPr indent="-311150" lvl="0" marL="457200">
+            <a:lvl1pPr marL="457200" lvl="0" indent="-311150">
               <a:spcBef>
                 <a:spcPts val="0"/>
               </a:spcBef>
@@ -5663,7 +5650,7 @@
               <a:buChar char="●"/>
               <a:defRPr/>
             </a:lvl1pPr>
-            <a:lvl2pPr indent="-298450" lvl="1" marL="914400">
+            <a:lvl2pPr marL="914400" lvl="1" indent="-298450">
               <a:spcBef>
                 <a:spcPts val="0"/>
               </a:spcBef>
@@ -5674,7 +5661,7 @@
               <a:buChar char="○"/>
               <a:defRPr/>
             </a:lvl2pPr>
-            <a:lvl3pPr indent="-298450" lvl="2" marL="1371600">
+            <a:lvl3pPr marL="1371600" lvl="2" indent="-298450">
               <a:spcBef>
                 <a:spcPts val="0"/>
               </a:spcBef>
@@ -5685,7 +5672,7 @@
               <a:buChar char="■"/>
               <a:defRPr/>
             </a:lvl3pPr>
-            <a:lvl4pPr indent="-298450" lvl="3" marL="1828800">
+            <a:lvl4pPr marL="1828800" lvl="3" indent="-298450">
               <a:spcBef>
                 <a:spcPts val="0"/>
               </a:spcBef>
@@ -5696,7 +5683,7 @@
               <a:buChar char="●"/>
               <a:defRPr/>
             </a:lvl4pPr>
-            <a:lvl5pPr indent="-298450" lvl="4" marL="2286000">
+            <a:lvl5pPr marL="2286000" lvl="4" indent="-298450">
               <a:spcBef>
                 <a:spcPts val="0"/>
               </a:spcBef>
@@ -5707,7 +5694,7 @@
               <a:buChar char="○"/>
               <a:defRPr/>
             </a:lvl5pPr>
-            <a:lvl6pPr indent="-298450" lvl="5" marL="2743200">
+            <a:lvl6pPr marL="2743200" lvl="5" indent="-298450">
               <a:spcBef>
                 <a:spcPts val="0"/>
               </a:spcBef>
@@ -5718,7 +5705,7 @@
               <a:buChar char="■"/>
               <a:defRPr/>
             </a:lvl6pPr>
-            <a:lvl7pPr indent="-298450" lvl="6" marL="3200400">
+            <a:lvl7pPr marL="3200400" lvl="6" indent="-298450">
               <a:spcBef>
                 <a:spcPts val="0"/>
               </a:spcBef>
@@ -5729,7 +5716,7 @@
               <a:buChar char="●"/>
               <a:defRPr/>
             </a:lvl7pPr>
-            <a:lvl8pPr indent="-298450" lvl="7" marL="3657600">
+            <a:lvl8pPr marL="3657600" lvl="7" indent="-298450">
               <a:spcBef>
                 <a:spcPts val="0"/>
               </a:spcBef>
@@ -5740,7 +5727,7 @@
               <a:buChar char="○"/>
               <a:defRPr/>
             </a:lvl8pPr>
-            <a:lvl9pPr indent="-298450" lvl="8" marL="4114800">
+            <a:lvl9pPr marL="4114800" lvl="8" indent="-298450">
               <a:spcBef>
                 <a:spcPts val="0"/>
               </a:spcBef>
@@ -5752,15 +5739,19 @@
               <a:defRPr/>
             </a:lvl9pPr>
           </a:lstStyle>
-          <a:p/>
+          <a:p>
+            <a:endParaRPr/>
+          </a:p>
         </p:txBody>
       </p:sp>
       <p:sp>
         <p:nvSpPr>
           <p:cNvPr id="54" name="Google Shape;54;p5"/>
-          <p:cNvSpPr txBox="1"/>
+          <p:cNvSpPr txBox="1">
+            <a:spLocks noGrp="1"/>
+          </p:cNvSpPr>
           <p:nvPr>
-            <p:ph idx="2" type="body"/>
+            <p:ph type="body" idx="2"/>
           </p:nvPr>
         </p:nvSpPr>
         <p:spPr>
@@ -5773,11 +5764,11 @@
           </a:prstGeom>
         </p:spPr>
         <p:txBody>
-          <a:bodyPr anchorCtr="0" anchor="t" bIns="91425" lIns="91425" spcFirstLastPara="1" rIns="91425" wrap="square" tIns="91425">
+          <a:bodyPr spcFirstLastPara="1" wrap="square" lIns="91425" tIns="91425" rIns="91425" bIns="91425" anchor="t" anchorCtr="0">
             <a:normAutofit/>
           </a:bodyPr>
           <a:lstStyle>
-            <a:lvl1pPr indent="-311150" lvl="0" marL="457200">
+            <a:lvl1pPr marL="457200" lvl="0" indent="-311150">
               <a:spcBef>
                 <a:spcPts val="0"/>
               </a:spcBef>
@@ -5788,7 +5779,7 @@
               <a:buChar char="●"/>
               <a:defRPr/>
             </a:lvl1pPr>
-            <a:lvl2pPr indent="-298450" lvl="1" marL="914400">
+            <a:lvl2pPr marL="914400" lvl="1" indent="-298450">
               <a:spcBef>
                 <a:spcPts val="0"/>
               </a:spcBef>
@@ -5799,7 +5790,7 @@
               <a:buChar char="○"/>
               <a:defRPr/>
             </a:lvl2pPr>
-            <a:lvl3pPr indent="-298450" lvl="2" marL="1371600">
+            <a:lvl3pPr marL="1371600" lvl="2" indent="-298450">
               <a:spcBef>
                 <a:spcPts val="0"/>
               </a:spcBef>
@@ -5810,7 +5801,7 @@
               <a:buChar char="■"/>
               <a:defRPr/>
             </a:lvl3pPr>
-            <a:lvl4pPr indent="-298450" lvl="3" marL="1828800">
+            <a:lvl4pPr marL="1828800" lvl="3" indent="-298450">
               <a:spcBef>
                 <a:spcPts val="0"/>
               </a:spcBef>
@@ -5821,7 +5812,7 @@
               <a:buChar char="●"/>
               <a:defRPr/>
             </a:lvl4pPr>
-            <a:lvl5pPr indent="-298450" lvl="4" marL="2286000">
+            <a:lvl5pPr marL="2286000" lvl="4" indent="-298450">
               <a:spcBef>
                 <a:spcPts val="0"/>
               </a:spcBef>
@@ -5832,7 +5823,7 @@
               <a:buChar char="○"/>
               <a:defRPr/>
             </a:lvl5pPr>
-            <a:lvl6pPr indent="-298450" lvl="5" marL="2743200">
+            <a:lvl6pPr marL="2743200" lvl="5" indent="-298450">
               <a:spcBef>
                 <a:spcPts val="0"/>
               </a:spcBef>
@@ -5843,7 +5834,7 @@
               <a:buChar char="■"/>
               <a:defRPr/>
             </a:lvl6pPr>
-            <a:lvl7pPr indent="-298450" lvl="6" marL="3200400">
+            <a:lvl7pPr marL="3200400" lvl="6" indent="-298450">
               <a:spcBef>
                 <a:spcPts val="0"/>
               </a:spcBef>
@@ -5854,7 +5845,7 @@
               <a:buChar char="●"/>
               <a:defRPr/>
             </a:lvl7pPr>
-            <a:lvl8pPr indent="-298450" lvl="7" marL="3657600">
+            <a:lvl8pPr marL="3657600" lvl="7" indent="-298450">
               <a:spcBef>
                 <a:spcPts val="0"/>
               </a:spcBef>
@@ -5865,7 +5856,7 @@
               <a:buChar char="○"/>
               <a:defRPr/>
             </a:lvl8pPr>
-            <a:lvl9pPr indent="-298450" lvl="8" marL="4114800">
+            <a:lvl9pPr marL="4114800" lvl="8" indent="-298450">
               <a:spcBef>
                 <a:spcPts val="0"/>
               </a:spcBef>
@@ -5877,15 +5868,19 @@
               <a:defRPr/>
             </a:lvl9pPr>
           </a:lstStyle>
-          <a:p/>
+          <a:p>
+            <a:endParaRPr/>
+          </a:p>
         </p:txBody>
       </p:sp>
       <p:sp>
         <p:nvSpPr>
           <p:cNvPr id="55" name="Google Shape;55;p5"/>
-          <p:cNvSpPr txBox="1"/>
+          <p:cNvSpPr txBox="1">
+            <a:spLocks noGrp="1"/>
+          </p:cNvSpPr>
           <p:nvPr>
-            <p:ph idx="12" type="sldNum"/>
+            <p:ph type="sldNum" idx="12"/>
           </p:nvPr>
         </p:nvSpPr>
         <p:spPr>
@@ -5898,7 +5893,7 @@
           </a:prstGeom>
         </p:spPr>
         <p:txBody>
-          <a:bodyPr anchorCtr="0" anchor="ctr" bIns="91425" lIns="91425" spcFirstLastPara="1" rIns="91425" wrap="square" tIns="91425">
+          <a:bodyPr spcFirstLastPara="1" wrap="square" lIns="91425" tIns="91425" rIns="91425" bIns="91425" anchor="ctr" anchorCtr="0">
             <a:normAutofit/>
           </a:bodyPr>
           <a:lstStyle>
@@ -5940,7 +5935,7 @@
             </a:lvl9pPr>
           </a:lstStyle>
           <a:p>
-            <a:pPr indent="0" lvl="0" marL="0" rtl="0" algn="r">
+            <a:pPr marL="0" lvl="0" indent="0" algn="r" rtl="0">
               <a:spcBef>
                 <a:spcPts val="0"/>
               </a:spcBef>
@@ -5966,11 +5961,11 @@
 </file>
 
 <file path=ppt/slideLayouts/slideLayout5.xml><?xml version="1.0" encoding="utf-8"?>
-<p:sldLayout xmlns:a="http://schemas.openxmlformats.org/drawingml/2006/main" xmlns:r="http://schemas.openxmlformats.org/officeDocument/2006/relationships" xmlns:mc="http://schemas.openxmlformats.org/markup-compatibility/2006" xmlns:mv="urn:schemas-microsoft-com:mac:vml" xmlns:p="http://schemas.openxmlformats.org/presentationml/2006/main" xmlns:c="http://schemas.openxmlformats.org/drawingml/2006/chart" xmlns:dgm="http://schemas.openxmlformats.org/drawingml/2006/diagram" xmlns:o="urn:schemas-microsoft-com:office:office" xmlns:v="urn:schemas-microsoft-com:vml" xmlns:pvml="urn:schemas-microsoft-com:office:powerpoint" xmlns:com="http://schemas.openxmlformats.org/drawingml/2006/compatibility" xmlns:p14="http://schemas.microsoft.com/office/powerpoint/2010/main" xmlns:p15="http://schemas.microsoft.com/office/powerpoint/2012/main" xmlns:ahyp="http://schemas.microsoft.com/office/drawing/2018/hyperlinkcolor" matchingName="Title only" type="titleOnly">
+<p:sldLayout xmlns:a="http://schemas.openxmlformats.org/drawingml/2006/main" xmlns:r="http://schemas.openxmlformats.org/officeDocument/2006/relationships" xmlns:p="http://schemas.openxmlformats.org/presentationml/2006/main" matchingName="Title only" type="titleOnly">
   <p:cSld name="TITLE_ONLY">
     <p:spTree>
       <p:nvGrpSpPr>
-        <p:cNvPr id="56" name="Shape 56"/>
+        <p:cNvPr id="1" name="Shape 56"/>
         <p:cNvGrpSpPr/>
         <p:nvPr/>
       </p:nvGrpSpPr>
@@ -6009,7 +6004,7 @@
             </a:xfrm>
             <a:prstGeom prst="diagStripe">
               <a:avLst>
-                <a:gd fmla="val 50000" name="adj"/>
+                <a:gd name="adj" fmla="val 50000"/>
               </a:avLst>
             </a:prstGeom>
             <a:solidFill>
@@ -6020,12 +6015,12 @@
             </a:ln>
           </p:spPr>
           <p:txBody>
-            <a:bodyPr anchorCtr="0" anchor="ctr" bIns="91425" lIns="91425" spcFirstLastPara="1" rIns="91425" wrap="square" tIns="91425">
+            <a:bodyPr spcFirstLastPara="1" wrap="square" lIns="91425" tIns="91425" rIns="91425" bIns="91425" anchor="ctr" anchorCtr="0">
               <a:noAutofit/>
             </a:bodyPr>
             <a:lstStyle/>
             <a:p>
-              <a:pPr indent="0" lvl="0" marL="0" rtl="0" algn="l">
+              <a:pPr marL="0" lvl="0" indent="0" algn="l" rtl="0">
                 <a:spcBef>
                   <a:spcPts val="0"/>
                 </a:spcBef>
@@ -6034,9 +6029,6 @@
                 </a:spcAft>
                 <a:buNone/>
               </a:pPr>
-              <a:r>
-                <a:t/>
-              </a:r>
               <a:endParaRPr/>
             </a:p>
           </p:txBody>
@@ -6054,7 +6046,7 @@
             </a:xfrm>
             <a:prstGeom prst="diagStripe">
               <a:avLst>
-                <a:gd fmla="val 50000" name="adj"/>
+                <a:gd name="adj" fmla="val 50000"/>
               </a:avLst>
             </a:prstGeom>
             <a:solidFill>
@@ -6065,12 +6057,12 @@
             </a:ln>
           </p:spPr>
           <p:txBody>
-            <a:bodyPr anchorCtr="0" anchor="ctr" bIns="91425" lIns="91425" spcFirstLastPara="1" rIns="91425" wrap="square" tIns="91425">
+            <a:bodyPr spcFirstLastPara="1" wrap="square" lIns="91425" tIns="91425" rIns="91425" bIns="91425" anchor="ctr" anchorCtr="0">
               <a:noAutofit/>
             </a:bodyPr>
             <a:lstStyle/>
             <a:p>
-              <a:pPr indent="0" lvl="0" marL="0" rtl="0" algn="l">
+              <a:pPr marL="0" lvl="0" indent="0" algn="l" rtl="0">
                 <a:spcBef>
                   <a:spcPts val="0"/>
                 </a:spcBef>
@@ -6079,9 +6071,6 @@
                 </a:spcAft>
                 <a:buNone/>
               </a:pPr>
-              <a:r>
-                <a:t/>
-              </a:r>
               <a:endParaRPr/>
             </a:p>
           </p:txBody>
@@ -6090,7 +6079,9 @@
       <p:sp>
         <p:nvSpPr>
           <p:cNvPr id="60" name="Google Shape;60;p6"/>
-          <p:cNvSpPr txBox="1"/>
+          <p:cNvSpPr txBox="1">
+            <a:spLocks noGrp="1"/>
+          </p:cNvSpPr>
           <p:nvPr>
             <p:ph type="title"/>
           </p:nvPr>
@@ -6105,7 +6096,7 @@
           </a:prstGeom>
         </p:spPr>
         <p:txBody>
-          <a:bodyPr anchorCtr="0" anchor="t" bIns="91425" lIns="91425" spcFirstLastPara="1" rIns="91425" wrap="square" tIns="91425">
+          <a:bodyPr spcFirstLastPara="1" wrap="square" lIns="91425" tIns="91425" rIns="91425" bIns="91425" anchor="t" anchorCtr="0">
             <a:normAutofit/>
           </a:bodyPr>
           <a:lstStyle>
@@ -6209,15 +6200,19 @@
               <a:defRPr sz="2400"/>
             </a:lvl9pPr>
           </a:lstStyle>
-          <a:p/>
+          <a:p>
+            <a:endParaRPr/>
+          </a:p>
         </p:txBody>
       </p:sp>
       <p:sp>
         <p:nvSpPr>
           <p:cNvPr id="61" name="Google Shape;61;p6"/>
-          <p:cNvSpPr txBox="1"/>
+          <p:cNvSpPr txBox="1">
+            <a:spLocks noGrp="1"/>
+          </p:cNvSpPr>
           <p:nvPr>
-            <p:ph idx="12" type="sldNum"/>
+            <p:ph type="sldNum" idx="12"/>
           </p:nvPr>
         </p:nvSpPr>
         <p:spPr>
@@ -6230,7 +6225,7 @@
           </a:prstGeom>
         </p:spPr>
         <p:txBody>
-          <a:bodyPr anchorCtr="0" anchor="ctr" bIns="91425" lIns="91425" spcFirstLastPara="1" rIns="91425" wrap="square" tIns="91425">
+          <a:bodyPr spcFirstLastPara="1" wrap="square" lIns="91425" tIns="91425" rIns="91425" bIns="91425" anchor="ctr" anchorCtr="0">
             <a:normAutofit/>
           </a:bodyPr>
           <a:lstStyle>
@@ -6272,7 +6267,7 @@
             </a:lvl9pPr>
           </a:lstStyle>
           <a:p>
-            <a:pPr indent="0" lvl="0" marL="0" rtl="0" algn="r">
+            <a:pPr marL="0" lvl="0" indent="0" algn="r" rtl="0">
               <a:spcBef>
                 <a:spcPts val="0"/>
               </a:spcBef>
@@ -6298,11 +6293,11 @@
 </file>
 
 <file path=ppt/slideLayouts/slideLayout6.xml><?xml version="1.0" encoding="utf-8"?>
-<p:sldLayout xmlns:a="http://schemas.openxmlformats.org/drawingml/2006/main" xmlns:r="http://schemas.openxmlformats.org/officeDocument/2006/relationships" xmlns:mc="http://schemas.openxmlformats.org/markup-compatibility/2006" xmlns:mv="urn:schemas-microsoft-com:mac:vml" xmlns:p="http://schemas.openxmlformats.org/presentationml/2006/main" xmlns:c="http://schemas.openxmlformats.org/drawingml/2006/chart" xmlns:dgm="http://schemas.openxmlformats.org/drawingml/2006/diagram" xmlns:o="urn:schemas-microsoft-com:office:office" xmlns:v="urn:schemas-microsoft-com:vml" xmlns:pvml="urn:schemas-microsoft-com:office:powerpoint" xmlns:com="http://schemas.openxmlformats.org/drawingml/2006/compatibility" xmlns:p14="http://schemas.microsoft.com/office/powerpoint/2010/main" xmlns:p15="http://schemas.microsoft.com/office/powerpoint/2012/main" xmlns:ahyp="http://schemas.microsoft.com/office/drawing/2018/hyperlinkcolor" matchingName="One column text">
+<p:sldLayout xmlns:a="http://schemas.openxmlformats.org/drawingml/2006/main" xmlns:r="http://schemas.openxmlformats.org/officeDocument/2006/relationships" xmlns:p="http://schemas.openxmlformats.org/presentationml/2006/main" matchingName="One column text">
   <p:cSld name="ONE_COLUMN_TEXT">
     <p:spTree>
       <p:nvGrpSpPr>
-        <p:cNvPr id="62" name="Shape 62"/>
+        <p:cNvPr id="1" name="Shape 62"/>
         <p:cNvGrpSpPr/>
         <p:nvPr/>
       </p:nvGrpSpPr>
@@ -6341,7 +6336,7 @@
             </a:xfrm>
             <a:prstGeom prst="diagStripe">
               <a:avLst>
-                <a:gd fmla="val 50000" name="adj"/>
+                <a:gd name="adj" fmla="val 50000"/>
               </a:avLst>
             </a:prstGeom>
             <a:solidFill>
@@ -6352,12 +6347,12 @@
             </a:ln>
           </p:spPr>
           <p:txBody>
-            <a:bodyPr anchorCtr="0" anchor="ctr" bIns="91425" lIns="91425" spcFirstLastPara="1" rIns="91425" wrap="square" tIns="91425">
+            <a:bodyPr spcFirstLastPara="1" wrap="square" lIns="91425" tIns="91425" rIns="91425" bIns="91425" anchor="ctr" anchorCtr="0">
               <a:noAutofit/>
             </a:bodyPr>
             <a:lstStyle/>
             <a:p>
-              <a:pPr indent="0" lvl="0" marL="0" rtl="0" algn="l">
+              <a:pPr marL="0" lvl="0" indent="0" algn="l" rtl="0">
                 <a:spcBef>
                   <a:spcPts val="0"/>
                 </a:spcBef>
@@ -6366,9 +6361,6 @@
                 </a:spcAft>
                 <a:buNone/>
               </a:pPr>
-              <a:r>
-                <a:t/>
-              </a:r>
               <a:endParaRPr/>
             </a:p>
           </p:txBody>
@@ -6386,7 +6378,7 @@
             </a:xfrm>
             <a:prstGeom prst="diagStripe">
               <a:avLst>
-                <a:gd fmla="val 50000" name="adj"/>
+                <a:gd name="adj" fmla="val 50000"/>
               </a:avLst>
             </a:prstGeom>
             <a:solidFill>
@@ -6397,12 +6389,12 @@
             </a:ln>
           </p:spPr>
           <p:txBody>
-            <a:bodyPr anchorCtr="0" anchor="ctr" bIns="91425" lIns="91425" spcFirstLastPara="1" rIns="91425" wrap="square" tIns="91425">
+            <a:bodyPr spcFirstLastPara="1" wrap="square" lIns="91425" tIns="91425" rIns="91425" bIns="91425" anchor="ctr" anchorCtr="0">
               <a:noAutofit/>
             </a:bodyPr>
             <a:lstStyle/>
             <a:p>
-              <a:pPr indent="0" lvl="0" marL="0" rtl="0" algn="l">
+              <a:pPr marL="0" lvl="0" indent="0" algn="l" rtl="0">
                 <a:spcBef>
                   <a:spcPts val="0"/>
                 </a:spcBef>
@@ -6411,9 +6403,6 @@
                 </a:spcAft>
                 <a:buNone/>
               </a:pPr>
-              <a:r>
-                <a:t/>
-              </a:r>
               <a:endParaRPr/>
             </a:p>
           </p:txBody>
@@ -6422,7 +6411,9 @@
       <p:sp>
         <p:nvSpPr>
           <p:cNvPr id="66" name="Google Shape;66;p7"/>
-          <p:cNvSpPr txBox="1"/>
+          <p:cNvSpPr txBox="1">
+            <a:spLocks noGrp="1"/>
+          </p:cNvSpPr>
           <p:nvPr>
             <p:ph type="title"/>
           </p:nvPr>
@@ -6437,7 +6428,7 @@
           </a:prstGeom>
         </p:spPr>
         <p:txBody>
-          <a:bodyPr anchorCtr="0" anchor="t" bIns="91425" lIns="91425" spcFirstLastPara="1" rIns="91425" wrap="square" tIns="91425">
+          <a:bodyPr spcFirstLastPara="1" wrap="square" lIns="91425" tIns="91425" rIns="91425" bIns="91425" anchor="t" anchorCtr="0">
             <a:normAutofit/>
           </a:bodyPr>
           <a:lstStyle>
@@ -6541,15 +6532,19 @@
               <a:defRPr sz="2400"/>
             </a:lvl9pPr>
           </a:lstStyle>
-          <a:p/>
+          <a:p>
+            <a:endParaRPr/>
+          </a:p>
         </p:txBody>
       </p:sp>
       <p:sp>
         <p:nvSpPr>
           <p:cNvPr id="67" name="Google Shape;67;p7"/>
-          <p:cNvSpPr txBox="1"/>
+          <p:cNvSpPr txBox="1">
+            <a:spLocks noGrp="1"/>
+          </p:cNvSpPr>
           <p:nvPr>
-            <p:ph idx="1" type="body"/>
+            <p:ph type="body" idx="1"/>
           </p:nvPr>
         </p:nvSpPr>
         <p:spPr>
@@ -6562,11 +6557,11 @@
           </a:prstGeom>
         </p:spPr>
         <p:txBody>
-          <a:bodyPr anchorCtr="0" anchor="t" bIns="91425" lIns="91425" spcFirstLastPara="1" rIns="91425" wrap="square" tIns="91425">
+          <a:bodyPr spcFirstLastPara="1" wrap="square" lIns="91425" tIns="91425" rIns="91425" bIns="91425" anchor="t" anchorCtr="0">
             <a:normAutofit/>
           </a:bodyPr>
           <a:lstStyle>
-            <a:lvl1pPr indent="-311150" lvl="0" marL="457200">
+            <a:lvl1pPr marL="457200" lvl="0" indent="-311150">
               <a:spcBef>
                 <a:spcPts val="0"/>
               </a:spcBef>
@@ -6577,7 +6572,7 @@
               <a:buChar char="●"/>
               <a:defRPr/>
             </a:lvl1pPr>
-            <a:lvl2pPr indent="-298450" lvl="1" marL="914400">
+            <a:lvl2pPr marL="914400" lvl="1" indent="-298450">
               <a:spcBef>
                 <a:spcPts val="0"/>
               </a:spcBef>
@@ -6588,7 +6583,7 @@
               <a:buChar char="○"/>
               <a:defRPr/>
             </a:lvl2pPr>
-            <a:lvl3pPr indent="-298450" lvl="2" marL="1371600">
+            <a:lvl3pPr marL="1371600" lvl="2" indent="-298450">
               <a:spcBef>
                 <a:spcPts val="0"/>
               </a:spcBef>
@@ -6599,7 +6594,7 @@
               <a:buChar char="■"/>
               <a:defRPr/>
             </a:lvl3pPr>
-            <a:lvl4pPr indent="-298450" lvl="3" marL="1828800">
+            <a:lvl4pPr marL="1828800" lvl="3" indent="-298450">
               <a:spcBef>
                 <a:spcPts val="0"/>
               </a:spcBef>
@@ -6610,7 +6605,7 @@
               <a:buChar char="●"/>
               <a:defRPr/>
             </a:lvl4pPr>
-            <a:lvl5pPr indent="-298450" lvl="4" marL="2286000">
+            <a:lvl5pPr marL="2286000" lvl="4" indent="-298450">
               <a:spcBef>
                 <a:spcPts val="0"/>
               </a:spcBef>
@@ -6621,7 +6616,7 @@
               <a:buChar char="○"/>
               <a:defRPr/>
             </a:lvl5pPr>
-            <a:lvl6pPr indent="-298450" lvl="5" marL="2743200">
+            <a:lvl6pPr marL="2743200" lvl="5" indent="-298450">
               <a:spcBef>
                 <a:spcPts val="0"/>
               </a:spcBef>
@@ -6632,7 +6627,7 @@
               <a:buChar char="■"/>
               <a:defRPr/>
             </a:lvl6pPr>
-            <a:lvl7pPr indent="-298450" lvl="6" marL="3200400">
+            <a:lvl7pPr marL="3200400" lvl="6" indent="-298450">
               <a:spcBef>
                 <a:spcPts val="0"/>
               </a:spcBef>
@@ -6643,7 +6638,7 @@
               <a:buChar char="●"/>
               <a:defRPr/>
             </a:lvl7pPr>
-            <a:lvl8pPr indent="-298450" lvl="7" marL="3657600">
+            <a:lvl8pPr marL="3657600" lvl="7" indent="-298450">
               <a:spcBef>
                 <a:spcPts val="0"/>
               </a:spcBef>
@@ -6654,7 +6649,7 @@
               <a:buChar char="○"/>
               <a:defRPr/>
             </a:lvl8pPr>
-            <a:lvl9pPr indent="-298450" lvl="8" marL="4114800">
+            <a:lvl9pPr marL="4114800" lvl="8" indent="-298450">
               <a:spcBef>
                 <a:spcPts val="0"/>
               </a:spcBef>
@@ -6666,15 +6661,19 @@
               <a:defRPr/>
             </a:lvl9pPr>
           </a:lstStyle>
-          <a:p/>
+          <a:p>
+            <a:endParaRPr/>
+          </a:p>
         </p:txBody>
       </p:sp>
       <p:sp>
         <p:nvSpPr>
           <p:cNvPr id="68" name="Google Shape;68;p7"/>
-          <p:cNvSpPr txBox="1"/>
+          <p:cNvSpPr txBox="1">
+            <a:spLocks noGrp="1"/>
+          </p:cNvSpPr>
           <p:nvPr>
-            <p:ph idx="12" type="sldNum"/>
+            <p:ph type="sldNum" idx="12"/>
           </p:nvPr>
         </p:nvSpPr>
         <p:spPr>
@@ -6687,7 +6686,7 @@
           </a:prstGeom>
         </p:spPr>
         <p:txBody>
-          <a:bodyPr anchorCtr="0" anchor="ctr" bIns="91425" lIns="91425" spcFirstLastPara="1" rIns="91425" wrap="square" tIns="91425">
+          <a:bodyPr spcFirstLastPara="1" wrap="square" lIns="91425" tIns="91425" rIns="91425" bIns="91425" anchor="ctr" anchorCtr="0">
             <a:normAutofit/>
           </a:bodyPr>
           <a:lstStyle>
@@ -6729,7 +6728,7 @@
             </a:lvl9pPr>
           </a:lstStyle>
           <a:p>
-            <a:pPr indent="0" lvl="0" marL="0" rtl="0" algn="r">
+            <a:pPr marL="0" lvl="0" indent="0" algn="r" rtl="0">
               <a:spcBef>
                 <a:spcPts val="0"/>
               </a:spcBef>
@@ -6755,11 +6754,11 @@
 </file>
 
 <file path=ppt/slideLayouts/slideLayout7.xml><?xml version="1.0" encoding="utf-8"?>
-<p:sldLayout xmlns:a="http://schemas.openxmlformats.org/drawingml/2006/main" xmlns:r="http://schemas.openxmlformats.org/officeDocument/2006/relationships" xmlns:mc="http://schemas.openxmlformats.org/markup-compatibility/2006" xmlns:mv="urn:schemas-microsoft-com:mac:vml" xmlns:p="http://schemas.openxmlformats.org/presentationml/2006/main" xmlns:c="http://schemas.openxmlformats.org/drawingml/2006/chart" xmlns:dgm="http://schemas.openxmlformats.org/drawingml/2006/diagram" xmlns:o="urn:schemas-microsoft-com:office:office" xmlns:v="urn:schemas-microsoft-com:vml" xmlns:pvml="urn:schemas-microsoft-com:office:powerpoint" xmlns:com="http://schemas.openxmlformats.org/drawingml/2006/compatibility" xmlns:p14="http://schemas.microsoft.com/office/powerpoint/2010/main" xmlns:p15="http://schemas.microsoft.com/office/powerpoint/2012/main" xmlns:ahyp="http://schemas.microsoft.com/office/drawing/2018/hyperlinkcolor" matchingName="Main point">
+<p:sldLayout xmlns:a="http://schemas.openxmlformats.org/drawingml/2006/main" xmlns:r="http://schemas.openxmlformats.org/officeDocument/2006/relationships" xmlns:p="http://schemas.openxmlformats.org/presentationml/2006/main" matchingName="Main point">
   <p:cSld name="MAIN_POINT">
     <p:spTree>
       <p:nvGrpSpPr>
-        <p:cNvPr id="69" name="Shape 69"/>
+        <p:cNvPr id="1" name="Shape 69"/>
         <p:cNvGrpSpPr/>
         <p:nvPr/>
       </p:nvGrpSpPr>
@@ -6798,7 +6797,7 @@
             </a:xfrm>
             <a:prstGeom prst="diagStripe">
               <a:avLst>
-                <a:gd fmla="val 49469" name="adj"/>
+                <a:gd name="adj" fmla="val 49469"/>
               </a:avLst>
             </a:prstGeom>
             <a:solidFill>
@@ -6811,12 +6810,12 @@
             </a:ln>
           </p:spPr>
           <p:txBody>
-            <a:bodyPr anchorCtr="0" anchor="ctr" bIns="91425" lIns="91425" spcFirstLastPara="1" rIns="91425" wrap="square" tIns="91425">
+            <a:bodyPr spcFirstLastPara="1" wrap="square" lIns="91425" tIns="91425" rIns="91425" bIns="91425" anchor="ctr" anchorCtr="0">
               <a:noAutofit/>
             </a:bodyPr>
             <a:lstStyle/>
             <a:p>
-              <a:pPr indent="0" lvl="0" marL="0" rtl="0" algn="l">
+              <a:pPr marL="0" lvl="0" indent="0" algn="l" rtl="0">
                 <a:spcBef>
                   <a:spcPts val="0"/>
                 </a:spcBef>
@@ -6825,9 +6824,6 @@
                 </a:spcAft>
                 <a:buNone/>
               </a:pPr>
-              <a:r>
-                <a:t/>
-              </a:r>
               <a:endParaRPr/>
             </a:p>
           </p:txBody>
@@ -6845,7 +6841,7 @@
             </a:xfrm>
             <a:prstGeom prst="diagStripe">
               <a:avLst>
-                <a:gd fmla="val 0" name="adj"/>
+                <a:gd name="adj" fmla="val 0"/>
               </a:avLst>
             </a:prstGeom>
             <a:solidFill>
@@ -6858,12 +6854,12 @@
             </a:ln>
           </p:spPr>
           <p:txBody>
-            <a:bodyPr anchorCtr="0" anchor="ctr" bIns="91425" lIns="91425" spcFirstLastPara="1" rIns="91425" wrap="square" tIns="91425">
+            <a:bodyPr spcFirstLastPara="1" wrap="square" lIns="91425" tIns="91425" rIns="91425" bIns="91425" anchor="ctr" anchorCtr="0">
               <a:noAutofit/>
             </a:bodyPr>
             <a:lstStyle/>
             <a:p>
-              <a:pPr indent="0" lvl="0" marL="0" rtl="0" algn="l">
+              <a:pPr marL="0" lvl="0" indent="0" algn="l" rtl="0">
                 <a:spcBef>
                   <a:spcPts val="0"/>
                 </a:spcBef>
@@ -6872,9 +6868,6 @@
                 </a:spcAft>
                 <a:buNone/>
               </a:pPr>
-              <a:r>
-                <a:t/>
-              </a:r>
               <a:endParaRPr/>
             </a:p>
           </p:txBody>
@@ -6892,7 +6885,7 @@
             </a:xfrm>
             <a:prstGeom prst="diagStripe">
               <a:avLst>
-                <a:gd fmla="val 50000" name="adj"/>
+                <a:gd name="adj" fmla="val 50000"/>
               </a:avLst>
             </a:prstGeom>
             <a:solidFill>
@@ -6905,12 +6898,12 @@
             </a:ln>
           </p:spPr>
           <p:txBody>
-            <a:bodyPr anchorCtr="0" anchor="ctr" bIns="91425" lIns="91425" spcFirstLastPara="1" rIns="91425" wrap="square" tIns="91425">
+            <a:bodyPr spcFirstLastPara="1" wrap="square" lIns="91425" tIns="91425" rIns="91425" bIns="91425" anchor="ctr" anchorCtr="0">
               <a:noAutofit/>
             </a:bodyPr>
             <a:lstStyle/>
             <a:p>
-              <a:pPr indent="0" lvl="0" marL="0" rtl="0" algn="l">
+              <a:pPr marL="0" lvl="0" indent="0" algn="l" rtl="0">
                 <a:spcBef>
                   <a:spcPts val="0"/>
                 </a:spcBef>
@@ -6919,9 +6912,6 @@
                 </a:spcAft>
                 <a:buNone/>
               </a:pPr>
-              <a:r>
-                <a:t/>
-              </a:r>
               <a:endParaRPr/>
             </a:p>
           </p:txBody>
@@ -6939,7 +6929,7 @@
             </a:xfrm>
             <a:prstGeom prst="diagStripe">
               <a:avLst>
-                <a:gd fmla="val 50000" name="adj"/>
+                <a:gd name="adj" fmla="val 50000"/>
               </a:avLst>
             </a:prstGeom>
             <a:solidFill>
@@ -6952,12 +6942,12 @@
             </a:ln>
           </p:spPr>
           <p:txBody>
-            <a:bodyPr anchorCtr="0" anchor="ctr" bIns="91425" lIns="91425" spcFirstLastPara="1" rIns="91425" wrap="square" tIns="91425">
+            <a:bodyPr spcFirstLastPara="1" wrap="square" lIns="91425" tIns="91425" rIns="91425" bIns="91425" anchor="ctr" anchorCtr="0">
               <a:noAutofit/>
             </a:bodyPr>
             <a:lstStyle/>
             <a:p>
-              <a:pPr indent="0" lvl="0" marL="0" rtl="0" algn="l">
+              <a:pPr marL="0" lvl="0" indent="0" algn="l" rtl="0">
                 <a:spcBef>
                   <a:spcPts val="0"/>
                 </a:spcBef>
@@ -6966,9 +6956,6 @@
                 </a:spcAft>
                 <a:buNone/>
               </a:pPr>
-              <a:r>
-                <a:t/>
-              </a:r>
               <a:endParaRPr/>
             </a:p>
           </p:txBody>
@@ -6986,7 +6973,7 @@
             </a:xfrm>
             <a:prstGeom prst="diagStripe">
               <a:avLst>
-                <a:gd fmla="val 50000" name="adj"/>
+                <a:gd name="adj" fmla="val 50000"/>
               </a:avLst>
             </a:prstGeom>
             <a:solidFill>
@@ -6999,12 +6986,12 @@
             </a:ln>
           </p:spPr>
           <p:txBody>
-            <a:bodyPr anchorCtr="0" anchor="ctr" bIns="91425" lIns="91425" spcFirstLastPara="1" rIns="91425" wrap="square" tIns="91425">
+            <a:bodyPr spcFirstLastPara="1" wrap="square" lIns="91425" tIns="91425" rIns="91425" bIns="91425" anchor="ctr" anchorCtr="0">
               <a:noAutofit/>
             </a:bodyPr>
             <a:lstStyle/>
             <a:p>
-              <a:pPr indent="0" lvl="0" marL="0" rtl="0" algn="l">
+              <a:pPr marL="0" lvl="0" indent="0" algn="l" rtl="0">
                 <a:spcBef>
                   <a:spcPts val="0"/>
                 </a:spcBef>
@@ -7013,9 +7000,6 @@
                 </a:spcAft>
                 <a:buNone/>
               </a:pPr>
-              <a:r>
-                <a:t/>
-              </a:r>
               <a:endParaRPr/>
             </a:p>
           </p:txBody>
@@ -7033,7 +7017,7 @@
             </a:xfrm>
             <a:prstGeom prst="diagStripe">
               <a:avLst>
-                <a:gd fmla="val 50000" name="adj"/>
+                <a:gd name="adj" fmla="val 50000"/>
               </a:avLst>
             </a:prstGeom>
             <a:solidFill>
@@ -7046,12 +7030,12 @@
             </a:ln>
           </p:spPr>
           <p:txBody>
-            <a:bodyPr anchorCtr="0" anchor="ctr" bIns="91425" lIns="91425" spcFirstLastPara="1" rIns="91425" wrap="square" tIns="91425">
+            <a:bodyPr spcFirstLastPara="1" wrap="square" lIns="91425" tIns="91425" rIns="91425" bIns="91425" anchor="ctr" anchorCtr="0">
               <a:noAutofit/>
             </a:bodyPr>
             <a:lstStyle/>
             <a:p>
-              <a:pPr indent="0" lvl="0" marL="0" rtl="0" algn="l">
+              <a:pPr marL="0" lvl="0" indent="0" algn="l" rtl="0">
                 <a:spcBef>
                   <a:spcPts val="0"/>
                 </a:spcBef>
@@ -7060,9 +7044,6 @@
                 </a:spcAft>
                 <a:buNone/>
               </a:pPr>
-              <a:r>
-                <a:t/>
-              </a:r>
               <a:endParaRPr/>
             </a:p>
           </p:txBody>
@@ -7080,7 +7061,7 @@
             </a:xfrm>
             <a:prstGeom prst="diagStripe">
               <a:avLst>
-                <a:gd fmla="val 50000" name="adj"/>
+                <a:gd name="adj" fmla="val 50000"/>
               </a:avLst>
             </a:prstGeom>
             <a:solidFill>
@@ -7093,12 +7074,12 @@
             </a:ln>
           </p:spPr>
           <p:txBody>
-            <a:bodyPr anchorCtr="0" anchor="ctr" bIns="91425" lIns="91425" spcFirstLastPara="1" rIns="91425" wrap="square" tIns="91425">
+            <a:bodyPr spcFirstLastPara="1" wrap="square" lIns="91425" tIns="91425" rIns="91425" bIns="91425" anchor="ctr" anchorCtr="0">
               <a:noAutofit/>
             </a:bodyPr>
             <a:lstStyle/>
             <a:p>
-              <a:pPr indent="0" lvl="0" marL="0" rtl="0" algn="l">
+              <a:pPr marL="0" lvl="0" indent="0" algn="l" rtl="0">
                 <a:spcBef>
                   <a:spcPts val="0"/>
                 </a:spcBef>
@@ -7107,9 +7088,6 @@
                 </a:spcAft>
                 <a:buNone/>
               </a:pPr>
-              <a:r>
-                <a:t/>
-              </a:r>
               <a:endParaRPr/>
             </a:p>
           </p:txBody>
@@ -7127,7 +7105,7 @@
             </a:xfrm>
             <a:prstGeom prst="diagStripe">
               <a:avLst>
-                <a:gd fmla="val 50000" name="adj"/>
+                <a:gd name="adj" fmla="val 50000"/>
               </a:avLst>
             </a:prstGeom>
             <a:solidFill>
@@ -7138,12 +7116,12 @@
             </a:ln>
           </p:spPr>
           <p:txBody>
-            <a:bodyPr anchorCtr="0" anchor="ctr" bIns="91425" lIns="91425" spcFirstLastPara="1" rIns="91425" wrap="square" tIns="91425">
+            <a:bodyPr spcFirstLastPara="1" wrap="square" lIns="91425" tIns="91425" rIns="91425" bIns="91425" anchor="ctr" anchorCtr="0">
               <a:noAutofit/>
             </a:bodyPr>
             <a:lstStyle/>
             <a:p>
-              <a:pPr indent="0" lvl="0" marL="0" rtl="0" algn="l">
+              <a:pPr marL="0" lvl="0" indent="0" algn="l" rtl="0">
                 <a:spcBef>
                   <a:spcPts val="0"/>
                 </a:spcBef>
@@ -7152,9 +7130,6 @@
                 </a:spcAft>
                 <a:buNone/>
               </a:pPr>
-              <a:r>
-                <a:t/>
-              </a:r>
               <a:endParaRPr/>
             </a:p>
           </p:txBody>
@@ -7172,7 +7147,7 @@
             </a:xfrm>
             <a:prstGeom prst="diagStripe">
               <a:avLst>
-                <a:gd fmla="val 50000" name="adj"/>
+                <a:gd name="adj" fmla="val 50000"/>
               </a:avLst>
             </a:prstGeom>
             <a:solidFill>
@@ -7185,12 +7160,12 @@
             </a:ln>
           </p:spPr>
           <p:txBody>
-            <a:bodyPr anchorCtr="0" anchor="ctr" bIns="91425" lIns="91425" spcFirstLastPara="1" rIns="91425" wrap="square" tIns="91425">
+            <a:bodyPr spcFirstLastPara="1" wrap="square" lIns="91425" tIns="91425" rIns="91425" bIns="91425" anchor="ctr" anchorCtr="0">
               <a:noAutofit/>
             </a:bodyPr>
             <a:lstStyle/>
             <a:p>
-              <a:pPr indent="0" lvl="0" marL="0" rtl="0" algn="l">
+              <a:pPr marL="0" lvl="0" indent="0" algn="l" rtl="0">
                 <a:spcBef>
                   <a:spcPts val="0"/>
                 </a:spcBef>
@@ -7199,9 +7174,6 @@
                 </a:spcAft>
                 <a:buNone/>
               </a:pPr>
-              <a:r>
-                <a:t/>
-              </a:r>
               <a:endParaRPr/>
             </a:p>
           </p:txBody>
@@ -7219,7 +7191,7 @@
             </a:xfrm>
             <a:prstGeom prst="diagStripe">
               <a:avLst>
-                <a:gd fmla="val 50000" name="adj"/>
+                <a:gd name="adj" fmla="val 50000"/>
               </a:avLst>
             </a:prstGeom>
             <a:solidFill>
@@ -7232,12 +7204,12 @@
             </a:ln>
           </p:spPr>
           <p:txBody>
-            <a:bodyPr anchorCtr="0" anchor="ctr" bIns="91425" lIns="91425" spcFirstLastPara="1" rIns="91425" wrap="square" tIns="91425">
+            <a:bodyPr spcFirstLastPara="1" wrap="square" lIns="91425" tIns="91425" rIns="91425" bIns="91425" anchor="ctr" anchorCtr="0">
               <a:noAutofit/>
             </a:bodyPr>
             <a:lstStyle/>
             <a:p>
-              <a:pPr indent="0" lvl="0" marL="0" rtl="0" algn="l">
+              <a:pPr marL="0" lvl="0" indent="0" algn="l" rtl="0">
                 <a:spcBef>
                   <a:spcPts val="0"/>
                 </a:spcBef>
@@ -7246,9 +7218,6 @@
                 </a:spcAft>
                 <a:buNone/>
               </a:pPr>
-              <a:r>
-                <a:t/>
-              </a:r>
               <a:endParaRPr/>
             </a:p>
           </p:txBody>
@@ -7266,7 +7235,7 @@
             </a:xfrm>
             <a:prstGeom prst="diagStripe">
               <a:avLst>
-                <a:gd fmla="val 50000" name="adj"/>
+                <a:gd name="adj" fmla="val 50000"/>
               </a:avLst>
             </a:prstGeom>
             <a:solidFill>
@@ -7279,12 +7248,12 @@
             </a:ln>
           </p:spPr>
           <p:txBody>
-            <a:bodyPr anchorCtr="0" anchor="ctr" bIns="91425" lIns="91425" spcFirstLastPara="1" rIns="91425" wrap="square" tIns="91425">
+            <a:bodyPr spcFirstLastPara="1" wrap="square" lIns="91425" tIns="91425" rIns="91425" bIns="91425" anchor="ctr" anchorCtr="0">
               <a:noAutofit/>
             </a:bodyPr>
             <a:lstStyle/>
             <a:p>
-              <a:pPr indent="0" lvl="0" marL="0" rtl="0" algn="l">
+              <a:pPr marL="0" lvl="0" indent="0" algn="l" rtl="0">
                 <a:spcBef>
                   <a:spcPts val="0"/>
                 </a:spcBef>
@@ -7293,9 +7262,6 @@
                 </a:spcAft>
                 <a:buNone/>
               </a:pPr>
-              <a:r>
-                <a:t/>
-              </a:r>
               <a:endParaRPr/>
             </a:p>
           </p:txBody>
@@ -7313,7 +7279,7 @@
             </a:xfrm>
             <a:prstGeom prst="diagStripe">
               <a:avLst>
-                <a:gd fmla="val 50000" name="adj"/>
+                <a:gd name="adj" fmla="val 50000"/>
               </a:avLst>
             </a:prstGeom>
             <a:solidFill>
@@ -7326,12 +7292,12 @@
             </a:ln>
           </p:spPr>
           <p:txBody>
-            <a:bodyPr anchorCtr="0" anchor="ctr" bIns="91425" lIns="91425" spcFirstLastPara="1" rIns="91425" wrap="square" tIns="91425">
+            <a:bodyPr spcFirstLastPara="1" wrap="square" lIns="91425" tIns="91425" rIns="91425" bIns="91425" anchor="ctr" anchorCtr="0">
               <a:noAutofit/>
             </a:bodyPr>
             <a:lstStyle/>
             <a:p>
-              <a:pPr indent="0" lvl="0" marL="0" rtl="0" algn="l">
+              <a:pPr marL="0" lvl="0" indent="0" algn="l" rtl="0">
                 <a:spcBef>
                   <a:spcPts val="0"/>
                 </a:spcBef>
@@ -7340,9 +7306,6 @@
                 </a:spcAft>
                 <a:buNone/>
               </a:pPr>
-              <a:r>
-                <a:t/>
-              </a:r>
               <a:endParaRPr/>
             </a:p>
           </p:txBody>
@@ -7360,7 +7323,7 @@
             </a:xfrm>
             <a:prstGeom prst="diagStripe">
               <a:avLst>
-                <a:gd fmla="val 50000" name="adj"/>
+                <a:gd name="adj" fmla="val 50000"/>
               </a:avLst>
             </a:prstGeom>
             <a:solidFill>
@@ -7373,12 +7336,12 @@
             </a:ln>
           </p:spPr>
           <p:txBody>
-            <a:bodyPr anchorCtr="0" anchor="ctr" bIns="91425" lIns="91425" spcFirstLastPara="1" rIns="91425" wrap="square" tIns="91425">
+            <a:bodyPr spcFirstLastPara="1" wrap="square" lIns="91425" tIns="91425" rIns="91425" bIns="91425" anchor="ctr" anchorCtr="0">
               <a:noAutofit/>
             </a:bodyPr>
             <a:lstStyle/>
             <a:p>
-              <a:pPr indent="0" lvl="0" marL="0" rtl="0" algn="l">
+              <a:pPr marL="0" lvl="0" indent="0" algn="l" rtl="0">
                 <a:spcBef>
                   <a:spcPts val="0"/>
                 </a:spcBef>
@@ -7387,9 +7350,6 @@
                 </a:spcAft>
                 <a:buNone/>
               </a:pPr>
-              <a:r>
-                <a:t/>
-              </a:r>
               <a:endParaRPr/>
             </a:p>
           </p:txBody>
@@ -7407,7 +7367,7 @@
             </a:xfrm>
             <a:prstGeom prst="diagStripe">
               <a:avLst>
-                <a:gd fmla="val 50000" name="adj"/>
+                <a:gd name="adj" fmla="val 50000"/>
               </a:avLst>
             </a:prstGeom>
             <a:solidFill>
@@ -7418,12 +7378,12 @@
             </a:ln>
           </p:spPr>
           <p:txBody>
-            <a:bodyPr anchorCtr="0" anchor="ctr" bIns="91425" lIns="91425" spcFirstLastPara="1" rIns="91425" wrap="square" tIns="91425">
+            <a:bodyPr spcFirstLastPara="1" wrap="square" lIns="91425" tIns="91425" rIns="91425" bIns="91425" anchor="ctr" anchorCtr="0">
               <a:noAutofit/>
             </a:bodyPr>
             <a:lstStyle/>
             <a:p>
-              <a:pPr indent="0" lvl="0" marL="0" rtl="0" algn="l">
+              <a:pPr marL="0" lvl="0" indent="0" algn="l" rtl="0">
                 <a:spcBef>
                   <a:spcPts val="0"/>
                 </a:spcBef>
@@ -7432,9 +7392,6 @@
                 </a:spcAft>
                 <a:buNone/>
               </a:pPr>
-              <a:r>
-                <a:t/>
-              </a:r>
               <a:endParaRPr/>
             </a:p>
           </p:txBody>
@@ -7452,7 +7409,7 @@
             </a:xfrm>
             <a:prstGeom prst="diagStripe">
               <a:avLst>
-                <a:gd fmla="val 50000" name="adj"/>
+                <a:gd name="adj" fmla="val 50000"/>
               </a:avLst>
             </a:prstGeom>
             <a:solidFill>
@@ -7465,12 +7422,12 @@
             </a:ln>
           </p:spPr>
           <p:txBody>
-            <a:bodyPr anchorCtr="0" anchor="ctr" bIns="91425" lIns="91425" spcFirstLastPara="1" rIns="91425" wrap="square" tIns="91425">
+            <a:bodyPr spcFirstLastPara="1" wrap="square" lIns="91425" tIns="91425" rIns="91425" bIns="91425" anchor="ctr" anchorCtr="0">
               <a:noAutofit/>
             </a:bodyPr>
             <a:lstStyle/>
             <a:p>
-              <a:pPr indent="0" lvl="0" marL="0" rtl="0" algn="l">
+              <a:pPr marL="0" lvl="0" indent="0" algn="l" rtl="0">
                 <a:spcBef>
                   <a:spcPts val="0"/>
                 </a:spcBef>
@@ -7479,9 +7436,6 @@
                 </a:spcAft>
                 <a:buNone/>
               </a:pPr>
-              <a:r>
-                <a:t/>
-              </a:r>
               <a:endParaRPr/>
             </a:p>
           </p:txBody>
@@ -7499,7 +7453,7 @@
             </a:xfrm>
             <a:prstGeom prst="diagStripe">
               <a:avLst>
-                <a:gd fmla="val 50000" name="adj"/>
+                <a:gd name="adj" fmla="val 50000"/>
               </a:avLst>
             </a:prstGeom>
             <a:solidFill>
@@ -7512,12 +7466,12 @@
             </a:ln>
           </p:spPr>
           <p:txBody>
-            <a:bodyPr anchorCtr="0" anchor="ctr" bIns="91425" lIns="91425" spcFirstLastPara="1" rIns="91425" wrap="square" tIns="91425">
+            <a:bodyPr spcFirstLastPara="1" wrap="square" lIns="91425" tIns="91425" rIns="91425" bIns="91425" anchor="ctr" anchorCtr="0">
               <a:noAutofit/>
             </a:bodyPr>
             <a:lstStyle/>
             <a:p>
-              <a:pPr indent="0" lvl="0" marL="0" rtl="0" algn="l">
+              <a:pPr marL="0" lvl="0" indent="0" algn="l" rtl="0">
                 <a:spcBef>
                   <a:spcPts val="0"/>
                 </a:spcBef>
@@ -7526,9 +7480,6 @@
                 </a:spcAft>
                 <a:buNone/>
               </a:pPr>
-              <a:r>
-                <a:t/>
-              </a:r>
               <a:endParaRPr/>
             </a:p>
           </p:txBody>
@@ -7546,7 +7497,7 @@
             </a:xfrm>
             <a:prstGeom prst="diagStripe">
               <a:avLst>
-                <a:gd fmla="val 50000" name="adj"/>
+                <a:gd name="adj" fmla="val 50000"/>
               </a:avLst>
             </a:prstGeom>
             <a:solidFill>
@@ -7559,12 +7510,12 @@
             </a:ln>
           </p:spPr>
           <p:txBody>
-            <a:bodyPr anchorCtr="0" anchor="ctr" bIns="91425" lIns="91425" spcFirstLastPara="1" rIns="91425" wrap="square" tIns="91425">
+            <a:bodyPr spcFirstLastPara="1" wrap="square" lIns="91425" tIns="91425" rIns="91425" bIns="91425" anchor="ctr" anchorCtr="0">
               <a:noAutofit/>
             </a:bodyPr>
             <a:lstStyle/>
             <a:p>
-              <a:pPr indent="0" lvl="0" marL="0" rtl="0" algn="l">
+              <a:pPr marL="0" lvl="0" indent="0" algn="l" rtl="0">
                 <a:spcBef>
                   <a:spcPts val="0"/>
                 </a:spcBef>
@@ -7573,9 +7524,6 @@
                 </a:spcAft>
                 <a:buNone/>
               </a:pPr>
-              <a:r>
-                <a:t/>
-              </a:r>
               <a:endParaRPr/>
             </a:p>
           </p:txBody>
@@ -7593,7 +7541,7 @@
             </a:xfrm>
             <a:prstGeom prst="diagStripe">
               <a:avLst>
-                <a:gd fmla="val 50000" name="adj"/>
+                <a:gd name="adj" fmla="val 50000"/>
               </a:avLst>
             </a:prstGeom>
             <a:solidFill>
@@ -7606,12 +7554,12 @@
             </a:ln>
           </p:spPr>
           <p:txBody>
-            <a:bodyPr anchorCtr="0" anchor="ctr" bIns="91425" lIns="91425" spcFirstLastPara="1" rIns="91425" wrap="square" tIns="91425">
+            <a:bodyPr spcFirstLastPara="1" wrap="square" lIns="91425" tIns="91425" rIns="91425" bIns="91425" anchor="ctr" anchorCtr="0">
               <a:noAutofit/>
             </a:bodyPr>
             <a:lstStyle/>
             <a:p>
-              <a:pPr indent="0" lvl="0" marL="0" rtl="0" algn="l">
+              <a:pPr marL="0" lvl="0" indent="0" algn="l" rtl="0">
                 <a:spcBef>
                   <a:spcPts val="0"/>
                 </a:spcBef>
@@ -7620,9 +7568,6 @@
                 </a:spcAft>
                 <a:buNone/>
               </a:pPr>
-              <a:r>
-                <a:t/>
-              </a:r>
               <a:endParaRPr/>
             </a:p>
           </p:txBody>
@@ -7631,7 +7576,9 @@
       <p:sp>
         <p:nvSpPr>
           <p:cNvPr id="89" name="Google Shape;89;p8"/>
-          <p:cNvSpPr txBox="1"/>
+          <p:cNvSpPr txBox="1">
+            <a:spLocks noGrp="1"/>
+          </p:cNvSpPr>
           <p:nvPr>
             <p:ph type="title"/>
           </p:nvPr>
@@ -7646,7 +7593,7 @@
           </a:prstGeom>
         </p:spPr>
         <p:txBody>
-          <a:bodyPr anchorCtr="0" anchor="ctr" bIns="91425" lIns="91425" spcFirstLastPara="1" rIns="91425" wrap="square" tIns="91425">
+          <a:bodyPr spcFirstLastPara="1" wrap="square" lIns="91425" tIns="91425" rIns="91425" bIns="91425" anchor="ctr" anchorCtr="0">
             <a:normAutofit/>
           </a:bodyPr>
           <a:lstStyle>
@@ -7750,15 +7697,19 @@
               <a:defRPr/>
             </a:lvl9pPr>
           </a:lstStyle>
-          <a:p/>
+          <a:p>
+            <a:endParaRPr/>
+          </a:p>
         </p:txBody>
       </p:sp>
       <p:sp>
         <p:nvSpPr>
           <p:cNvPr id="90" name="Google Shape;90;p8"/>
-          <p:cNvSpPr txBox="1"/>
+          <p:cNvSpPr txBox="1">
+            <a:spLocks noGrp="1"/>
+          </p:cNvSpPr>
           <p:nvPr>
-            <p:ph idx="12" type="sldNum"/>
+            <p:ph type="sldNum" idx="12"/>
           </p:nvPr>
         </p:nvSpPr>
         <p:spPr>
@@ -7771,7 +7722,7 @@
           </a:prstGeom>
         </p:spPr>
         <p:txBody>
-          <a:bodyPr anchorCtr="0" anchor="ctr" bIns="91425" lIns="91425" spcFirstLastPara="1" rIns="91425" wrap="square" tIns="91425">
+          <a:bodyPr spcFirstLastPara="1" wrap="square" lIns="91425" tIns="91425" rIns="91425" bIns="91425" anchor="ctr" anchorCtr="0">
             <a:normAutofit/>
           </a:bodyPr>
           <a:lstStyle>
@@ -7813,7 +7764,7 @@
             </a:lvl9pPr>
           </a:lstStyle>
           <a:p>
-            <a:pPr indent="0" lvl="0" marL="0" rtl="0" algn="r">
+            <a:pPr marL="0" lvl="0" indent="0" algn="r" rtl="0">
               <a:spcBef>
                 <a:spcPts val="0"/>
               </a:spcBef>
@@ -7839,11 +7790,11 @@
 </file>
 
 <file path=ppt/slideLayouts/slideLayout8.xml><?xml version="1.0" encoding="utf-8"?>
-<p:sldLayout xmlns:a="http://schemas.openxmlformats.org/drawingml/2006/main" xmlns:r="http://schemas.openxmlformats.org/officeDocument/2006/relationships" xmlns:mc="http://schemas.openxmlformats.org/markup-compatibility/2006" xmlns:mv="urn:schemas-microsoft-com:mac:vml" xmlns:p="http://schemas.openxmlformats.org/presentationml/2006/main" xmlns:c="http://schemas.openxmlformats.org/drawingml/2006/chart" xmlns:dgm="http://schemas.openxmlformats.org/drawingml/2006/diagram" xmlns:o="urn:schemas-microsoft-com:office:office" xmlns:v="urn:schemas-microsoft-com:vml" xmlns:pvml="urn:schemas-microsoft-com:office:powerpoint" xmlns:com="http://schemas.openxmlformats.org/drawingml/2006/compatibility" xmlns:p14="http://schemas.microsoft.com/office/powerpoint/2010/main" xmlns:p15="http://schemas.microsoft.com/office/powerpoint/2012/main" xmlns:ahyp="http://schemas.microsoft.com/office/drawing/2018/hyperlinkcolor" matchingName="Section title and description">
+<p:sldLayout xmlns:a="http://schemas.openxmlformats.org/drawingml/2006/main" xmlns:r="http://schemas.openxmlformats.org/officeDocument/2006/relationships" xmlns:p="http://schemas.openxmlformats.org/presentationml/2006/main" matchingName="Section title and description">
   <p:cSld name="SECTION_TITLE_AND_DESCRIPTION">
     <p:spTree>
       <p:nvGrpSpPr>
-        <p:cNvPr id="91" name="Shape 91"/>
+        <p:cNvPr id="1" name="Shape 91"/>
         <p:cNvGrpSpPr/>
         <p:nvPr/>
       </p:nvGrpSpPr>
@@ -7882,7 +7833,7 @@
             </a:xfrm>
             <a:prstGeom prst="diagStripe">
               <a:avLst>
-                <a:gd fmla="val 50000" name="adj"/>
+                <a:gd name="adj" fmla="val 50000"/>
               </a:avLst>
             </a:prstGeom>
             <a:solidFill>
@@ -7893,12 +7844,12 @@
             </a:ln>
           </p:spPr>
           <p:txBody>
-            <a:bodyPr anchorCtr="0" anchor="ctr" bIns="91425" lIns="91425" spcFirstLastPara="1" rIns="91425" wrap="square" tIns="91425">
+            <a:bodyPr spcFirstLastPara="1" wrap="square" lIns="91425" tIns="91425" rIns="91425" bIns="91425" anchor="ctr" anchorCtr="0">
               <a:noAutofit/>
             </a:bodyPr>
             <a:lstStyle/>
             <a:p>
-              <a:pPr indent="0" lvl="0" marL="0" rtl="0" algn="l">
+              <a:pPr marL="0" lvl="0" indent="0" algn="l" rtl="0">
                 <a:spcBef>
                   <a:spcPts val="0"/>
                 </a:spcBef>
@@ -7907,9 +7858,6 @@
                 </a:spcAft>
                 <a:buNone/>
               </a:pPr>
-              <a:r>
-                <a:t/>
-              </a:r>
               <a:endParaRPr/>
             </a:p>
           </p:txBody>
@@ -7927,7 +7875,7 @@
             </a:xfrm>
             <a:prstGeom prst="diagStripe">
               <a:avLst>
-                <a:gd fmla="val 50000" name="adj"/>
+                <a:gd name="adj" fmla="val 50000"/>
               </a:avLst>
             </a:prstGeom>
             <a:solidFill>
@@ -7938,12 +7886,12 @@
             </a:ln>
           </p:spPr>
           <p:txBody>
-            <a:bodyPr anchorCtr="0" anchor="ctr" bIns="91425" lIns="91425" spcFirstLastPara="1" rIns="91425" wrap="square" tIns="91425">
+            <a:bodyPr spcFirstLastPara="1" wrap="square" lIns="91425" tIns="91425" rIns="91425" bIns="91425" anchor="ctr" anchorCtr="0">
               <a:noAutofit/>
             </a:bodyPr>
             <a:lstStyle/>
             <a:p>
-              <a:pPr indent="0" lvl="0" marL="0" rtl="0" algn="l">
+              <a:pPr marL="0" lvl="0" indent="0" algn="l" rtl="0">
                 <a:spcBef>
                   <a:spcPts val="0"/>
                 </a:spcBef>
@@ -7952,9 +7900,6 @@
                 </a:spcAft>
                 <a:buNone/>
               </a:pPr>
-              <a:r>
-                <a:t/>
-              </a:r>
               <a:endParaRPr/>
             </a:p>
           </p:txBody>
@@ -7963,7 +7908,9 @@
       <p:sp>
         <p:nvSpPr>
           <p:cNvPr id="95" name="Google Shape;95;p9"/>
-          <p:cNvSpPr txBox="1"/>
+          <p:cNvSpPr txBox="1">
+            <a:spLocks noGrp="1"/>
+          </p:cNvSpPr>
           <p:nvPr>
             <p:ph type="title"/>
           </p:nvPr>
@@ -7978,7 +7925,7 @@
           </a:prstGeom>
         </p:spPr>
         <p:txBody>
-          <a:bodyPr anchorCtr="0" anchor="t" bIns="91425" lIns="91425" spcFirstLastPara="1" rIns="91425" wrap="square" tIns="91425">
+          <a:bodyPr spcFirstLastPara="1" wrap="square" lIns="91425" tIns="91425" rIns="91425" bIns="91425" anchor="t" anchorCtr="0">
             <a:normAutofit/>
           </a:bodyPr>
           <a:lstStyle>
@@ -8082,15 +8029,19 @@
               <a:defRPr sz="2400"/>
             </a:lvl9pPr>
           </a:lstStyle>
-          <a:p/>
+          <a:p>
+            <a:endParaRPr/>
+          </a:p>
         </p:txBody>
       </p:sp>
       <p:sp>
         <p:nvSpPr>
           <p:cNvPr id="96" name="Google Shape;96;p9"/>
-          <p:cNvSpPr txBox="1"/>
+          <p:cNvSpPr txBox="1">
+            <a:spLocks noGrp="1"/>
+          </p:cNvSpPr>
           <p:nvPr>
-            <p:ph idx="1" type="subTitle"/>
+            <p:ph type="subTitle" idx="1"/>
           </p:nvPr>
         </p:nvSpPr>
         <p:spPr>
@@ -8103,7 +8054,7 @@
           </a:prstGeom>
         </p:spPr>
         <p:txBody>
-          <a:bodyPr anchorCtr="0" anchor="t" bIns="91425" lIns="91425" spcFirstLastPara="1" rIns="91425" wrap="square" tIns="91425">
+          <a:bodyPr spcFirstLastPara="1" wrap="square" lIns="91425" tIns="91425" rIns="91425" bIns="91425" anchor="t" anchorCtr="0">
             <a:normAutofit/>
           </a:bodyPr>
           <a:lstStyle>
@@ -8234,15 +8185,19 @@
               <a:defRPr sz="1300"/>
             </a:lvl9pPr>
           </a:lstStyle>
-          <a:p/>
+          <a:p>
+            <a:endParaRPr/>
+          </a:p>
         </p:txBody>
       </p:sp>
       <p:sp>
         <p:nvSpPr>
           <p:cNvPr id="97" name="Google Shape;97;p9"/>
-          <p:cNvSpPr txBox="1"/>
+          <p:cNvSpPr txBox="1">
+            <a:spLocks noGrp="1"/>
+          </p:cNvSpPr>
           <p:nvPr>
-            <p:ph idx="2" type="body"/>
+            <p:ph type="body" idx="2"/>
           </p:nvPr>
         </p:nvSpPr>
         <p:spPr>
@@ -8255,11 +8210,11 @@
           </a:prstGeom>
         </p:spPr>
         <p:txBody>
-          <a:bodyPr anchorCtr="0" anchor="t" bIns="91425" lIns="91425" spcFirstLastPara="1" rIns="91425" wrap="square" tIns="91425">
+          <a:bodyPr spcFirstLastPara="1" wrap="square" lIns="91425" tIns="91425" rIns="91425" bIns="91425" anchor="t" anchorCtr="0">
             <a:normAutofit/>
           </a:bodyPr>
           <a:lstStyle>
-            <a:lvl1pPr indent="-311150" lvl="0" marL="457200">
+            <a:lvl1pPr marL="457200" lvl="0" indent="-311150">
               <a:spcBef>
                 <a:spcPts val="0"/>
               </a:spcBef>
@@ -8270,7 +8225,7 @@
               <a:buChar char="●"/>
               <a:defRPr/>
             </a:lvl1pPr>
-            <a:lvl2pPr indent="-298450" lvl="1" marL="914400">
+            <a:lvl2pPr marL="914400" lvl="1" indent="-298450">
               <a:spcBef>
                 <a:spcPts val="0"/>
               </a:spcBef>
@@ -8281,7 +8236,7 @@
               <a:buChar char="○"/>
               <a:defRPr/>
             </a:lvl2pPr>
-            <a:lvl3pPr indent="-298450" lvl="2" marL="1371600">
+            <a:lvl3pPr marL="1371600" lvl="2" indent="-298450">
               <a:spcBef>
                 <a:spcPts val="0"/>
               </a:spcBef>
@@ -8292,7 +8247,7 @@
               <a:buChar char="■"/>
               <a:defRPr/>
             </a:lvl3pPr>
-            <a:lvl4pPr indent="-298450" lvl="3" marL="1828800">
+            <a:lvl4pPr marL="1828800" lvl="3" indent="-298450">
               <a:spcBef>
                 <a:spcPts val="0"/>
               </a:spcBef>
@@ -8303,7 +8258,7 @@
               <a:buChar char="●"/>
               <a:defRPr/>
             </a:lvl4pPr>
-            <a:lvl5pPr indent="-298450" lvl="4" marL="2286000">
+            <a:lvl5pPr marL="2286000" lvl="4" indent="-298450">
               <a:spcBef>
                 <a:spcPts val="0"/>
               </a:spcBef>
@@ -8314,7 +8269,7 @@
               <a:buChar char="○"/>
               <a:defRPr/>
             </a:lvl5pPr>
-            <a:lvl6pPr indent="-298450" lvl="5" marL="2743200">
+            <a:lvl6pPr marL="2743200" lvl="5" indent="-298450">
               <a:spcBef>
                 <a:spcPts val="0"/>
               </a:spcBef>
@@ -8325,7 +8280,7 @@
               <a:buChar char="■"/>
               <a:defRPr/>
             </a:lvl6pPr>
-            <a:lvl7pPr indent="-298450" lvl="6" marL="3200400">
+            <a:lvl7pPr marL="3200400" lvl="6" indent="-298450">
               <a:spcBef>
                 <a:spcPts val="0"/>
               </a:spcBef>
@@ -8336,7 +8291,7 @@
               <a:buChar char="●"/>
               <a:defRPr/>
             </a:lvl7pPr>
-            <a:lvl8pPr indent="-298450" lvl="7" marL="3657600">
+            <a:lvl8pPr marL="3657600" lvl="7" indent="-298450">
               <a:spcBef>
                 <a:spcPts val="0"/>
               </a:spcBef>
@@ -8347,7 +8302,7 @@
               <a:buChar char="○"/>
               <a:defRPr/>
             </a:lvl8pPr>
-            <a:lvl9pPr indent="-298450" lvl="8" marL="4114800">
+            <a:lvl9pPr marL="4114800" lvl="8" indent="-298450">
               <a:spcBef>
                 <a:spcPts val="0"/>
               </a:spcBef>
@@ -8359,15 +8314,19 @@
               <a:defRPr/>
             </a:lvl9pPr>
           </a:lstStyle>
-          <a:p/>
+          <a:p>
+            <a:endParaRPr/>
+          </a:p>
         </p:txBody>
       </p:sp>
       <p:sp>
         <p:nvSpPr>
           <p:cNvPr id="98" name="Google Shape;98;p9"/>
-          <p:cNvSpPr txBox="1"/>
+          <p:cNvSpPr txBox="1">
+            <a:spLocks noGrp="1"/>
+          </p:cNvSpPr>
           <p:nvPr>
-            <p:ph idx="12" type="sldNum"/>
+            <p:ph type="sldNum" idx="12"/>
           </p:nvPr>
         </p:nvSpPr>
         <p:spPr>
@@ -8380,7 +8339,7 @@
           </a:prstGeom>
         </p:spPr>
         <p:txBody>
-          <a:bodyPr anchorCtr="0" anchor="ctr" bIns="91425" lIns="91425" spcFirstLastPara="1" rIns="91425" wrap="square" tIns="91425">
+          <a:bodyPr spcFirstLastPara="1" wrap="square" lIns="91425" tIns="91425" rIns="91425" bIns="91425" anchor="ctr" anchorCtr="0">
             <a:normAutofit/>
           </a:bodyPr>
           <a:lstStyle>
@@ -8422,7 +8381,7 @@
             </a:lvl9pPr>
           </a:lstStyle>
           <a:p>
-            <a:pPr indent="0" lvl="0" marL="0" rtl="0" algn="r">
+            <a:pPr marL="0" lvl="0" indent="0" algn="r" rtl="0">
               <a:spcBef>
                 <a:spcPts val="0"/>
               </a:spcBef>
@@ -8448,11 +8407,11 @@
 </file>
 
 <file path=ppt/slideLayouts/slideLayout9.xml><?xml version="1.0" encoding="utf-8"?>
-<p:sldLayout xmlns:a="http://schemas.openxmlformats.org/drawingml/2006/main" xmlns:r="http://schemas.openxmlformats.org/officeDocument/2006/relationships" xmlns:mc="http://schemas.openxmlformats.org/markup-compatibility/2006" xmlns:mv="urn:schemas-microsoft-com:mac:vml" xmlns:p="http://schemas.openxmlformats.org/presentationml/2006/main" xmlns:c="http://schemas.openxmlformats.org/drawingml/2006/chart" xmlns:dgm="http://schemas.openxmlformats.org/drawingml/2006/diagram" xmlns:o="urn:schemas-microsoft-com:office:office" xmlns:v="urn:schemas-microsoft-com:vml" xmlns:pvml="urn:schemas-microsoft-com:office:powerpoint" xmlns:com="http://schemas.openxmlformats.org/drawingml/2006/compatibility" xmlns:p14="http://schemas.microsoft.com/office/powerpoint/2010/main" xmlns:p15="http://schemas.microsoft.com/office/powerpoint/2012/main" xmlns:ahyp="http://schemas.microsoft.com/office/drawing/2018/hyperlinkcolor" matchingName="Caption">
+<p:sldLayout xmlns:a="http://schemas.openxmlformats.org/drawingml/2006/main" xmlns:r="http://schemas.openxmlformats.org/officeDocument/2006/relationships" xmlns:p="http://schemas.openxmlformats.org/presentationml/2006/main" matchingName="Caption">
   <p:cSld name="CAPTION_ONLY">
     <p:spTree>
       <p:nvGrpSpPr>
-        <p:cNvPr id="99" name="Shape 99"/>
+        <p:cNvPr id="1" name="Shape 99"/>
         <p:cNvGrpSpPr/>
         <p:nvPr/>
       </p:nvGrpSpPr>
@@ -8491,7 +8450,7 @@
             </a:xfrm>
             <a:prstGeom prst="diagStripe">
               <a:avLst>
-                <a:gd fmla="val 50000" name="adj"/>
+                <a:gd name="adj" fmla="val 50000"/>
               </a:avLst>
             </a:prstGeom>
             <a:solidFill>
@@ -8504,12 +8463,12 @@
             </a:ln>
           </p:spPr>
           <p:txBody>
-            <a:bodyPr anchorCtr="0" anchor="ctr" bIns="91425" lIns="91425" spcFirstLastPara="1" rIns="91425" wrap="square" tIns="91425">
+            <a:bodyPr spcFirstLastPara="1" wrap="square" lIns="91425" tIns="91425" rIns="91425" bIns="91425" anchor="ctr" anchorCtr="0">
               <a:noAutofit/>
             </a:bodyPr>
             <a:lstStyle/>
             <a:p>
-              <a:pPr indent="0" lvl="0" marL="0" rtl="0" algn="l">
+              <a:pPr marL="0" lvl="0" indent="0" algn="l" rtl="0">
                 <a:spcBef>
                   <a:spcPts val="0"/>
                 </a:spcBef>
@@ -8518,9 +8477,6 @@
                 </a:spcAft>
                 <a:buNone/>
               </a:pPr>
-              <a:r>
-                <a:t/>
-              </a:r>
               <a:endParaRPr/>
             </a:p>
           </p:txBody>
@@ -8538,7 +8494,7 @@
             </a:xfrm>
             <a:prstGeom prst="diagStripe">
               <a:avLst>
-                <a:gd fmla="val 50000" name="adj"/>
+                <a:gd name="adj" fmla="val 50000"/>
               </a:avLst>
             </a:prstGeom>
             <a:solidFill>
@@ -8551,12 +8507,12 @@
             </a:ln>
           </p:spPr>
           <p:txBody>
-            <a:bodyPr anchorCtr="0" anchor="ctr" bIns="91425" lIns="91425" spcFirstLastPara="1" rIns="91425" wrap="square" tIns="91425">
+            <a:bodyPr spcFirstLastPara="1" wrap="square" lIns="91425" tIns="91425" rIns="91425" bIns="91425" anchor="ctr" anchorCtr="0">
               <a:noAutofit/>
             </a:bodyPr>
             <a:lstStyle/>
             <a:p>
-              <a:pPr indent="0" lvl="0" marL="0" rtl="0" algn="l">
+              <a:pPr marL="0" lvl="0" indent="0" algn="l" rtl="0">
                 <a:spcBef>
                   <a:spcPts val="0"/>
                 </a:spcBef>
@@ -8565,9 +8521,6 @@
                 </a:spcAft>
                 <a:buNone/>
               </a:pPr>
-              <a:r>
-                <a:t/>
-              </a:r>
               <a:endParaRPr/>
             </a:p>
           </p:txBody>
@@ -8576,9 +8529,11 @@
       <p:sp>
         <p:nvSpPr>
           <p:cNvPr id="103" name="Google Shape;103;p10"/>
-          <p:cNvSpPr txBox="1"/>
+          <p:cNvSpPr txBox="1">
+            <a:spLocks noGrp="1"/>
+          </p:cNvSpPr>
           <p:nvPr>
-            <p:ph idx="1" type="body"/>
+            <p:ph type="body" idx="1"/>
           </p:nvPr>
         </p:nvSpPr>
         <p:spPr>
@@ -8591,11 +8546,11 @@
           </a:prstGeom>
         </p:spPr>
         <p:txBody>
-          <a:bodyPr anchorCtr="0" anchor="ctr" bIns="91425" lIns="91425" spcFirstLastPara="1" rIns="91425" wrap="square" tIns="91425">
+          <a:bodyPr spcFirstLastPara="1" wrap="square" lIns="91425" tIns="91425" rIns="91425" bIns="91425" anchor="ctr" anchorCtr="0">
             <a:normAutofit/>
           </a:bodyPr>
           <a:lstStyle>
-            <a:lvl1pPr indent="-228600" lvl="0" marL="457200">
+            <a:lvl1pPr marL="457200" lvl="0" indent="-228600">
               <a:lnSpc>
                 <a:spcPct val="100000"/>
               </a:lnSpc>
@@ -8610,15 +8565,19 @@
               <a:defRPr/>
             </a:lvl1pPr>
           </a:lstStyle>
-          <a:p/>
+          <a:p>
+            <a:endParaRPr/>
+          </a:p>
         </p:txBody>
       </p:sp>
       <p:sp>
         <p:nvSpPr>
           <p:cNvPr id="104" name="Google Shape;104;p10"/>
-          <p:cNvSpPr txBox="1"/>
+          <p:cNvSpPr txBox="1">
+            <a:spLocks noGrp="1"/>
+          </p:cNvSpPr>
           <p:nvPr>
-            <p:ph idx="12" type="sldNum"/>
+            <p:ph type="sldNum" idx="12"/>
           </p:nvPr>
         </p:nvSpPr>
         <p:spPr>
@@ -8631,7 +8590,7 @@
           </a:prstGeom>
         </p:spPr>
         <p:txBody>
-          <a:bodyPr anchorCtr="0" anchor="ctr" bIns="91425" lIns="91425" spcFirstLastPara="1" rIns="91425" wrap="square" tIns="91425">
+          <a:bodyPr spcFirstLastPara="1" wrap="square" lIns="91425" tIns="91425" rIns="91425" bIns="91425" anchor="ctr" anchorCtr="0">
             <a:normAutofit/>
           </a:bodyPr>
           <a:lstStyle>
@@ -8673,7 +8632,7 @@
             </a:lvl9pPr>
           </a:lstStyle>
           <a:p>
-            <a:pPr indent="0" lvl="0" marL="0" rtl="0" algn="r">
+            <a:pPr marL="0" lvl="0" indent="0" algn="r" rtl="0">
               <a:spcBef>
                 <a:spcPts val="0"/>
               </a:spcBef>
@@ -8699,18 +8658,19 @@
 </file>
 
 <file path=ppt/slideMasters/slideMaster1.xml><?xml version="1.0" encoding="utf-8"?>
-<p:sldMaster xmlns:a="http://schemas.openxmlformats.org/drawingml/2006/main" xmlns:r="http://schemas.openxmlformats.org/officeDocument/2006/relationships" xmlns:mc="http://schemas.openxmlformats.org/markup-compatibility/2006" xmlns:mv="urn:schemas-microsoft-com:mac:vml" xmlns:p="http://schemas.openxmlformats.org/presentationml/2006/main" xmlns:c="http://schemas.openxmlformats.org/drawingml/2006/chart" xmlns:dgm="http://schemas.openxmlformats.org/drawingml/2006/diagram" xmlns:o="urn:schemas-microsoft-com:office:office" xmlns:v="urn:schemas-microsoft-com:vml" xmlns:pvml="urn:schemas-microsoft-com:office:powerpoint" xmlns:com="http://schemas.openxmlformats.org/drawingml/2006/compatibility" xmlns:p14="http://schemas.microsoft.com/office/powerpoint/2010/main" xmlns:p15="http://schemas.microsoft.com/office/powerpoint/2012/main" xmlns:ahyp="http://schemas.microsoft.com/office/drawing/2018/hyperlinkcolor">
+<p:sldMaster xmlns:a="http://schemas.openxmlformats.org/drawingml/2006/main" xmlns:r="http://schemas.openxmlformats.org/officeDocument/2006/relationships" xmlns:p="http://schemas.openxmlformats.org/presentationml/2006/main">
   <p:cSld name="focus">
     <p:bg>
       <p:bgPr>
         <a:solidFill>
           <a:schemeClr val="dk1"/>
         </a:solidFill>
+        <a:effectLst/>
       </p:bgPr>
     </p:bg>
     <p:spTree>
       <p:nvGrpSpPr>
-        <p:cNvPr id="5" name="Shape 5"/>
+        <p:cNvPr id="1" name="Shape 5"/>
         <p:cNvGrpSpPr/>
         <p:nvPr/>
       </p:nvGrpSpPr>
@@ -8725,7 +8685,9 @@
       <p:sp>
         <p:nvSpPr>
           <p:cNvPr id="6" name="Google Shape;6;p1"/>
-          <p:cNvSpPr txBox="1"/>
+          <p:cNvSpPr txBox="1">
+            <a:spLocks noGrp="1"/>
+          </p:cNvSpPr>
           <p:nvPr>
             <p:ph type="title"/>
           </p:nvPr>
@@ -8744,7 +8706,7 @@
           </a:ln>
         </p:spPr>
         <p:txBody>
-          <a:bodyPr anchorCtr="0" anchor="t" bIns="91425" lIns="91425" spcFirstLastPara="1" rIns="91425" wrap="square" tIns="91425">
+          <a:bodyPr spcFirstLastPara="1" wrap="square" lIns="91425" tIns="91425" rIns="91425" bIns="91425" anchor="t" anchorCtr="0">
             <a:normAutofit/>
           </a:bodyPr>
           <a:lstStyle>
@@ -8956,15 +8918,19 @@
               </a:defRPr>
             </a:lvl9pPr>
           </a:lstStyle>
-          <a:p/>
+          <a:p>
+            <a:endParaRPr/>
+          </a:p>
         </p:txBody>
       </p:sp>
       <p:sp>
         <p:nvSpPr>
           <p:cNvPr id="7" name="Google Shape;7;p1"/>
-          <p:cNvSpPr txBox="1"/>
+          <p:cNvSpPr txBox="1">
+            <a:spLocks noGrp="1"/>
+          </p:cNvSpPr>
           <p:nvPr>
-            <p:ph idx="1" type="body"/>
+            <p:ph type="body" idx="1"/>
           </p:nvPr>
         </p:nvSpPr>
         <p:spPr>
@@ -8981,11 +8947,11 @@
           </a:ln>
         </p:spPr>
         <p:txBody>
-          <a:bodyPr anchorCtr="0" anchor="t" bIns="91425" lIns="91425" spcFirstLastPara="1" rIns="91425" wrap="square" tIns="91425">
+          <a:bodyPr spcFirstLastPara="1" wrap="square" lIns="91425" tIns="91425" rIns="91425" bIns="91425" anchor="t" anchorCtr="0">
             <a:normAutofit/>
           </a:bodyPr>
           <a:lstStyle>
-            <a:lvl1pPr indent="-311150" lvl="0" marL="457200">
+            <a:lvl1pPr marL="457200" lvl="0" indent="-311150">
               <a:lnSpc>
                 <a:spcPct val="115000"/>
               </a:lnSpc>
@@ -9011,7 +8977,7 @@
                 <a:sym typeface="Lato"/>
               </a:defRPr>
             </a:lvl1pPr>
-            <a:lvl2pPr indent="-298450" lvl="1" marL="914400">
+            <a:lvl2pPr marL="914400" lvl="1" indent="-298450">
               <a:lnSpc>
                 <a:spcPct val="115000"/>
               </a:lnSpc>
@@ -9037,7 +9003,7 @@
                 <a:sym typeface="Lato"/>
               </a:defRPr>
             </a:lvl2pPr>
-            <a:lvl3pPr indent="-298450" lvl="2" marL="1371600">
+            <a:lvl3pPr marL="1371600" lvl="2" indent="-298450">
               <a:lnSpc>
                 <a:spcPct val="115000"/>
               </a:lnSpc>
@@ -9063,7 +9029,7 @@
                 <a:sym typeface="Lato"/>
               </a:defRPr>
             </a:lvl3pPr>
-            <a:lvl4pPr indent="-298450" lvl="3" marL="1828800">
+            <a:lvl4pPr marL="1828800" lvl="3" indent="-298450">
               <a:lnSpc>
                 <a:spcPct val="115000"/>
               </a:lnSpc>
@@ -9089,7 +9055,7 @@
                 <a:sym typeface="Lato"/>
               </a:defRPr>
             </a:lvl4pPr>
-            <a:lvl5pPr indent="-298450" lvl="4" marL="2286000">
+            <a:lvl5pPr marL="2286000" lvl="4" indent="-298450">
               <a:lnSpc>
                 <a:spcPct val="115000"/>
               </a:lnSpc>
@@ -9115,7 +9081,7 @@
                 <a:sym typeface="Lato"/>
               </a:defRPr>
             </a:lvl5pPr>
-            <a:lvl6pPr indent="-298450" lvl="5" marL="2743200">
+            <a:lvl6pPr marL="2743200" lvl="5" indent="-298450">
               <a:lnSpc>
                 <a:spcPct val="115000"/>
               </a:lnSpc>
@@ -9141,7 +9107,7 @@
                 <a:sym typeface="Lato"/>
               </a:defRPr>
             </a:lvl6pPr>
-            <a:lvl7pPr indent="-298450" lvl="6" marL="3200400">
+            <a:lvl7pPr marL="3200400" lvl="6" indent="-298450">
               <a:lnSpc>
                 <a:spcPct val="115000"/>
               </a:lnSpc>
@@ -9167,7 +9133,7 @@
                 <a:sym typeface="Lato"/>
               </a:defRPr>
             </a:lvl7pPr>
-            <a:lvl8pPr indent="-298450" lvl="7" marL="3657600">
+            <a:lvl8pPr marL="3657600" lvl="7" indent="-298450">
               <a:lnSpc>
                 <a:spcPct val="115000"/>
               </a:lnSpc>
@@ -9193,7 +9159,7 @@
                 <a:sym typeface="Lato"/>
               </a:defRPr>
             </a:lvl8pPr>
-            <a:lvl9pPr indent="-298450" lvl="8" marL="4114800">
+            <a:lvl9pPr marL="4114800" lvl="8" indent="-298450">
               <a:lnSpc>
                 <a:spcPct val="115000"/>
               </a:lnSpc>
@@ -9220,15 +9186,19 @@
               </a:defRPr>
             </a:lvl9pPr>
           </a:lstStyle>
-          <a:p/>
+          <a:p>
+            <a:endParaRPr/>
+          </a:p>
         </p:txBody>
       </p:sp>
       <p:sp>
         <p:nvSpPr>
           <p:cNvPr id="8" name="Google Shape;8;p1"/>
-          <p:cNvSpPr txBox="1"/>
+          <p:cNvSpPr txBox="1">
+            <a:spLocks noGrp="1"/>
+          </p:cNvSpPr>
           <p:nvPr>
-            <p:ph idx="12" type="sldNum"/>
+            <p:ph type="sldNum" idx="12"/>
           </p:nvPr>
         </p:nvSpPr>
         <p:spPr>
@@ -9245,7 +9215,7 @@
           </a:ln>
         </p:spPr>
         <p:txBody>
-          <a:bodyPr anchorCtr="0" anchor="ctr" bIns="91425" lIns="91425" spcFirstLastPara="1" rIns="91425" wrap="square" tIns="91425">
+          <a:bodyPr spcFirstLastPara="1" wrap="square" lIns="91425" tIns="91425" rIns="91425" bIns="91425" anchor="ctr" anchorCtr="0">
             <a:normAutofit/>
           </a:bodyPr>
           <a:lstStyle>
@@ -9359,7 +9329,7 @@
             </a:lvl9pPr>
           </a:lstStyle>
           <a:p>
-            <a:pPr indent="0" lvl="0" marL="0" rtl="0" algn="r">
+            <a:pPr marL="0" lvl="0" indent="0" algn="r" rtl="0">
               <a:spcBef>
                 <a:spcPts val="0"/>
               </a:spcBef>
@@ -9378,7 +9348,7 @@
       </p:sp>
     </p:spTree>
   </p:cSld>
-  <p:clrMap accent1="accent1" accent2="accent2" accent3="accent3" accent4="accent4" accent5="accent5" accent6="accent6" bg1="lt1" bg2="dk2" tx1="dk1" tx2="lt2" folHlink="folHlink" hlink="hlink"/>
+  <p:clrMap bg1="lt1" tx1="dk1" bg2="dk2" tx2="lt2" accent1="accent1" accent2="accent2" accent3="accent3" accent4="accent4" accent5="accent5" accent6="accent6" hlink="hlink" folHlink="folHlink"/>
   <p:sldLayoutIdLst>
     <p:sldLayoutId id="2147483648" r:id="rId1"/>
     <p:sldLayoutId id="2147483649" r:id="rId2"/>
@@ -9392,10 +9362,10 @@
     <p:sldLayoutId id="2147483657" r:id="rId10"/>
     <p:sldLayoutId id="2147483658" r:id="rId11"/>
   </p:sldLayoutIdLst>
-  <p:hf dt="0" ftr="0" hdr="0" sldNum="0"/>
+  <p:hf sldNum="0" hdr="0" ftr="0" dt="0"/>
   <p:txStyles>
     <p:titleStyle>
-      <a:defPPr lvl="0" marR="0" rtl="0" algn="l">
+      <a:defPPr marR="0" lvl="0" algn="l" rtl="0">
         <a:lnSpc>
           <a:spcPct val="100000"/>
         </a:lnSpc>
@@ -9406,7 +9376,7 @@
           <a:spcPts val="0"/>
         </a:spcAft>
       </a:defPPr>
-      <a:lvl1pPr lvl="0" marR="0" rtl="0" algn="l">
+      <a:lvl1pPr marR="0" lvl="0" algn="l" rtl="0">
         <a:lnSpc>
           <a:spcPct val="100000"/>
         </a:lnSpc>
@@ -9420,7 +9390,7 @@
           <a:srgbClr val="000000"/>
         </a:buClr>
         <a:buFont typeface="Arial"/>
-        <a:defRPr b="0" i="0" sz="1400" u="none" cap="none" strike="noStrike">
+        <a:defRPr sz="1400" b="0" i="0" u="none" strike="noStrike" cap="none">
           <a:solidFill>
             <a:srgbClr val="000000"/>
           </a:solidFill>
@@ -9430,7 +9400,7 @@
           <a:sym typeface="Arial"/>
         </a:defRPr>
       </a:lvl1pPr>
-      <a:lvl2pPr lvl="1" marR="0" rtl="0" algn="l">
+      <a:lvl2pPr marR="0" lvl="1" algn="l" rtl="0">
         <a:lnSpc>
           <a:spcPct val="100000"/>
         </a:lnSpc>
@@ -9444,7 +9414,7 @@
           <a:srgbClr val="000000"/>
         </a:buClr>
         <a:buFont typeface="Arial"/>
-        <a:defRPr b="0" i="0" sz="1400" u="none" cap="none" strike="noStrike">
+        <a:defRPr sz="1400" b="0" i="0" u="none" strike="noStrike" cap="none">
           <a:solidFill>
             <a:srgbClr val="000000"/>
           </a:solidFill>
@@ -9454,7 +9424,7 @@
           <a:sym typeface="Arial"/>
         </a:defRPr>
       </a:lvl2pPr>
-      <a:lvl3pPr lvl="2" marR="0" rtl="0" algn="l">
+      <a:lvl3pPr marR="0" lvl="2" algn="l" rtl="0">
         <a:lnSpc>
           <a:spcPct val="100000"/>
         </a:lnSpc>
@@ -9468,7 +9438,7 @@
           <a:srgbClr val="000000"/>
         </a:buClr>
         <a:buFont typeface="Arial"/>
-        <a:defRPr b="0" i="0" sz="1400" u="none" cap="none" strike="noStrike">
+        <a:defRPr sz="1400" b="0" i="0" u="none" strike="noStrike" cap="none">
           <a:solidFill>
             <a:srgbClr val="000000"/>
           </a:solidFill>
@@ -9478,7 +9448,7 @@
           <a:sym typeface="Arial"/>
         </a:defRPr>
       </a:lvl3pPr>
-      <a:lvl4pPr lvl="3" marR="0" rtl="0" algn="l">
+      <a:lvl4pPr marR="0" lvl="3" algn="l" rtl="0">
         <a:lnSpc>
           <a:spcPct val="100000"/>
         </a:lnSpc>
@@ -9492,7 +9462,7 @@
           <a:srgbClr val="000000"/>
         </a:buClr>
         <a:buFont typeface="Arial"/>
-        <a:defRPr b="0" i="0" sz="1400" u="none" cap="none" strike="noStrike">
+        <a:defRPr sz="1400" b="0" i="0" u="none" strike="noStrike" cap="none">
           <a:solidFill>
             <a:srgbClr val="000000"/>
           </a:solidFill>
@@ -9502,7 +9472,7 @@
           <a:sym typeface="Arial"/>
         </a:defRPr>
       </a:lvl4pPr>
-      <a:lvl5pPr lvl="4" marR="0" rtl="0" algn="l">
+      <a:lvl5pPr marR="0" lvl="4" algn="l" rtl="0">
         <a:lnSpc>
           <a:spcPct val="100000"/>
         </a:lnSpc>
@@ -9516,7 +9486,7 @@
           <a:srgbClr val="000000"/>
         </a:buClr>
         <a:buFont typeface="Arial"/>
-        <a:defRPr b="0" i="0" sz="1400" u="none" cap="none" strike="noStrike">
+        <a:defRPr sz="1400" b="0" i="0" u="none" strike="noStrike" cap="none">
           <a:solidFill>
             <a:srgbClr val="000000"/>
           </a:solidFill>
@@ -9526,7 +9496,7 @@
           <a:sym typeface="Arial"/>
         </a:defRPr>
       </a:lvl5pPr>
-      <a:lvl6pPr lvl="5" marR="0" rtl="0" algn="l">
+      <a:lvl6pPr marR="0" lvl="5" algn="l" rtl="0">
         <a:lnSpc>
           <a:spcPct val="100000"/>
         </a:lnSpc>
@@ -9540,7 +9510,7 @@
           <a:srgbClr val="000000"/>
         </a:buClr>
         <a:buFont typeface="Arial"/>
-        <a:defRPr b="0" i="0" sz="1400" u="none" cap="none" strike="noStrike">
+        <a:defRPr sz="1400" b="0" i="0" u="none" strike="noStrike" cap="none">
           <a:solidFill>
             <a:srgbClr val="000000"/>
           </a:solidFill>
@@ -9550,7 +9520,7 @@
           <a:sym typeface="Arial"/>
         </a:defRPr>
       </a:lvl6pPr>
-      <a:lvl7pPr lvl="6" marR="0" rtl="0" algn="l">
+      <a:lvl7pPr marR="0" lvl="6" algn="l" rtl="0">
         <a:lnSpc>
           <a:spcPct val="100000"/>
         </a:lnSpc>
@@ -9564,7 +9534,7 @@
           <a:srgbClr val="000000"/>
         </a:buClr>
         <a:buFont typeface="Arial"/>
-        <a:defRPr b="0" i="0" sz="1400" u="none" cap="none" strike="noStrike">
+        <a:defRPr sz="1400" b="0" i="0" u="none" strike="noStrike" cap="none">
           <a:solidFill>
             <a:srgbClr val="000000"/>
           </a:solidFill>
@@ -9574,7 +9544,7 @@
           <a:sym typeface="Arial"/>
         </a:defRPr>
       </a:lvl7pPr>
-      <a:lvl8pPr lvl="7" marR="0" rtl="0" algn="l">
+      <a:lvl8pPr marR="0" lvl="7" algn="l" rtl="0">
         <a:lnSpc>
           <a:spcPct val="100000"/>
         </a:lnSpc>
@@ -9588,7 +9558,7 @@
           <a:srgbClr val="000000"/>
         </a:buClr>
         <a:buFont typeface="Arial"/>
-        <a:defRPr b="0" i="0" sz="1400" u="none" cap="none" strike="noStrike">
+        <a:defRPr sz="1400" b="0" i="0" u="none" strike="noStrike" cap="none">
           <a:solidFill>
             <a:srgbClr val="000000"/>
           </a:solidFill>
@@ -9598,7 +9568,7 @@
           <a:sym typeface="Arial"/>
         </a:defRPr>
       </a:lvl8pPr>
-      <a:lvl9pPr lvl="8" marR="0" rtl="0" algn="l">
+      <a:lvl9pPr marR="0" lvl="8" algn="l" rtl="0">
         <a:lnSpc>
           <a:spcPct val="100000"/>
         </a:lnSpc>
@@ -9612,7 +9582,7 @@
           <a:srgbClr val="000000"/>
         </a:buClr>
         <a:buFont typeface="Arial"/>
-        <a:defRPr b="0" i="0" sz="1400" u="none" cap="none" strike="noStrike">
+        <a:defRPr sz="1400" b="0" i="0" u="none" strike="noStrike" cap="none">
           <a:solidFill>
             <a:srgbClr val="000000"/>
           </a:solidFill>
@@ -9624,7 +9594,7 @@
       </a:lvl9pPr>
     </p:titleStyle>
     <p:bodyStyle>
-      <a:defPPr lvl="0" marR="0" rtl="0" algn="l">
+      <a:defPPr marR="0" lvl="0" algn="l" rtl="0">
         <a:lnSpc>
           <a:spcPct val="100000"/>
         </a:lnSpc>
@@ -9635,7 +9605,7 @@
           <a:spcPts val="0"/>
         </a:spcAft>
       </a:defPPr>
-      <a:lvl1pPr lvl="0" marR="0" rtl="0" algn="l">
+      <a:lvl1pPr marR="0" lvl="0" algn="l" rtl="0">
         <a:lnSpc>
           <a:spcPct val="100000"/>
         </a:lnSpc>
@@ -9649,7 +9619,7 @@
           <a:srgbClr val="000000"/>
         </a:buClr>
         <a:buFont typeface="Arial"/>
-        <a:defRPr b="0" i="0" sz="1400" u="none" cap="none" strike="noStrike">
+        <a:defRPr sz="1400" b="0" i="0" u="none" strike="noStrike" cap="none">
           <a:solidFill>
             <a:srgbClr val="000000"/>
           </a:solidFill>
@@ -9659,7 +9629,7 @@
           <a:sym typeface="Arial"/>
         </a:defRPr>
       </a:lvl1pPr>
-      <a:lvl2pPr lvl="1" marR="0" rtl="0" algn="l">
+      <a:lvl2pPr marR="0" lvl="1" algn="l" rtl="0">
         <a:lnSpc>
           <a:spcPct val="100000"/>
         </a:lnSpc>
@@ -9673,7 +9643,7 @@
           <a:srgbClr val="000000"/>
         </a:buClr>
         <a:buFont typeface="Arial"/>
-        <a:defRPr b="0" i="0" sz="1400" u="none" cap="none" strike="noStrike">
+        <a:defRPr sz="1400" b="0" i="0" u="none" strike="noStrike" cap="none">
           <a:solidFill>
             <a:srgbClr val="000000"/>
           </a:solidFill>
@@ -9683,7 +9653,7 @@
           <a:sym typeface="Arial"/>
         </a:defRPr>
       </a:lvl2pPr>
-      <a:lvl3pPr lvl="2" marR="0" rtl="0" algn="l">
+      <a:lvl3pPr marR="0" lvl="2" algn="l" rtl="0">
         <a:lnSpc>
           <a:spcPct val="100000"/>
         </a:lnSpc>
@@ -9697,7 +9667,7 @@
           <a:srgbClr val="000000"/>
         </a:buClr>
         <a:buFont typeface="Arial"/>
-        <a:defRPr b="0" i="0" sz="1400" u="none" cap="none" strike="noStrike">
+        <a:defRPr sz="1400" b="0" i="0" u="none" strike="noStrike" cap="none">
           <a:solidFill>
             <a:srgbClr val="000000"/>
           </a:solidFill>
@@ -9707,7 +9677,7 @@
           <a:sym typeface="Arial"/>
         </a:defRPr>
       </a:lvl3pPr>
-      <a:lvl4pPr lvl="3" marR="0" rtl="0" algn="l">
+      <a:lvl4pPr marR="0" lvl="3" algn="l" rtl="0">
         <a:lnSpc>
           <a:spcPct val="100000"/>
         </a:lnSpc>
@@ -9721,7 +9691,7 @@
           <a:srgbClr val="000000"/>
         </a:buClr>
         <a:buFont typeface="Arial"/>
-        <a:defRPr b="0" i="0" sz="1400" u="none" cap="none" strike="noStrike">
+        <a:defRPr sz="1400" b="0" i="0" u="none" strike="noStrike" cap="none">
           <a:solidFill>
             <a:srgbClr val="000000"/>
           </a:solidFill>
@@ -9731,7 +9701,7 @@
           <a:sym typeface="Arial"/>
         </a:defRPr>
       </a:lvl4pPr>
-      <a:lvl5pPr lvl="4" marR="0" rtl="0" algn="l">
+      <a:lvl5pPr marR="0" lvl="4" algn="l" rtl="0">
         <a:lnSpc>
           <a:spcPct val="100000"/>
         </a:lnSpc>
@@ -9745,7 +9715,7 @@
           <a:srgbClr val="000000"/>
         </a:buClr>
         <a:buFont typeface="Arial"/>
-        <a:defRPr b="0" i="0" sz="1400" u="none" cap="none" strike="noStrike">
+        <a:defRPr sz="1400" b="0" i="0" u="none" strike="noStrike" cap="none">
           <a:solidFill>
             <a:srgbClr val="000000"/>
           </a:solidFill>
@@ -9755,7 +9725,7 @@
           <a:sym typeface="Arial"/>
         </a:defRPr>
       </a:lvl5pPr>
-      <a:lvl6pPr lvl="5" marR="0" rtl="0" algn="l">
+      <a:lvl6pPr marR="0" lvl="5" algn="l" rtl="0">
         <a:lnSpc>
           <a:spcPct val="100000"/>
         </a:lnSpc>
@@ -9769,7 +9739,7 @@
           <a:srgbClr val="000000"/>
         </a:buClr>
         <a:buFont typeface="Arial"/>
-        <a:defRPr b="0" i="0" sz="1400" u="none" cap="none" strike="noStrike">
+        <a:defRPr sz="1400" b="0" i="0" u="none" strike="noStrike" cap="none">
           <a:solidFill>
             <a:srgbClr val="000000"/>
           </a:solidFill>
@@ -9779,7 +9749,7 @@
           <a:sym typeface="Arial"/>
         </a:defRPr>
       </a:lvl6pPr>
-      <a:lvl7pPr lvl="6" marR="0" rtl="0" algn="l">
+      <a:lvl7pPr marR="0" lvl="6" algn="l" rtl="0">
         <a:lnSpc>
           <a:spcPct val="100000"/>
         </a:lnSpc>
@@ -9793,7 +9763,7 @@
           <a:srgbClr val="000000"/>
         </a:buClr>
         <a:buFont typeface="Arial"/>
-        <a:defRPr b="0" i="0" sz="1400" u="none" cap="none" strike="noStrike">
+        <a:defRPr sz="1400" b="0" i="0" u="none" strike="noStrike" cap="none">
           <a:solidFill>
             <a:srgbClr val="000000"/>
           </a:solidFill>
@@ -9803,7 +9773,7 @@
           <a:sym typeface="Arial"/>
         </a:defRPr>
       </a:lvl7pPr>
-      <a:lvl8pPr lvl="7" marR="0" rtl="0" algn="l">
+      <a:lvl8pPr marR="0" lvl="7" algn="l" rtl="0">
         <a:lnSpc>
           <a:spcPct val="100000"/>
         </a:lnSpc>
@@ -9817,7 +9787,7 @@
           <a:srgbClr val="000000"/>
         </a:buClr>
         <a:buFont typeface="Arial"/>
-        <a:defRPr b="0" i="0" sz="1400" u="none" cap="none" strike="noStrike">
+        <a:defRPr sz="1400" b="0" i="0" u="none" strike="noStrike" cap="none">
           <a:solidFill>
             <a:srgbClr val="000000"/>
           </a:solidFill>
@@ -9827,7 +9797,7 @@
           <a:sym typeface="Arial"/>
         </a:defRPr>
       </a:lvl8pPr>
-      <a:lvl9pPr lvl="8" marR="0" rtl="0" algn="l">
+      <a:lvl9pPr marR="0" lvl="8" algn="l" rtl="0">
         <a:lnSpc>
           <a:spcPct val="100000"/>
         </a:lnSpc>
@@ -9841,7 +9811,7 @@
           <a:srgbClr val="000000"/>
         </a:buClr>
         <a:buFont typeface="Arial"/>
-        <a:defRPr b="0" i="0" sz="1400" u="none" cap="none" strike="noStrike">
+        <a:defRPr sz="1400" b="0" i="0" u="none" strike="noStrike" cap="none">
           <a:solidFill>
             <a:srgbClr val="000000"/>
           </a:solidFill>
@@ -9853,7 +9823,7 @@
       </a:lvl9pPr>
     </p:bodyStyle>
     <p:otherStyle>
-      <a:defPPr lvl="0" marR="0" rtl="0" algn="l">
+      <a:defPPr marR="0" lvl="0" algn="l" rtl="0">
         <a:lnSpc>
           <a:spcPct val="100000"/>
         </a:lnSpc>
@@ -9864,7 +9834,7 @@
           <a:spcPts val="0"/>
         </a:spcAft>
       </a:defPPr>
-      <a:lvl1pPr lvl="0" marR="0" rtl="0" algn="l">
+      <a:lvl1pPr marR="0" lvl="0" algn="l" rtl="0">
         <a:lnSpc>
           <a:spcPct val="100000"/>
         </a:lnSpc>
@@ -9878,7 +9848,7 @@
           <a:srgbClr val="000000"/>
         </a:buClr>
         <a:buFont typeface="Arial"/>
-        <a:defRPr b="0" i="0" sz="1400" u="none" cap="none" strike="noStrike">
+        <a:defRPr sz="1400" b="0" i="0" u="none" strike="noStrike" cap="none">
           <a:solidFill>
             <a:srgbClr val="000000"/>
           </a:solidFill>
@@ -9888,7 +9858,7 @@
           <a:sym typeface="Arial"/>
         </a:defRPr>
       </a:lvl1pPr>
-      <a:lvl2pPr lvl="1" marR="0" rtl="0" algn="l">
+      <a:lvl2pPr marR="0" lvl="1" algn="l" rtl="0">
         <a:lnSpc>
           <a:spcPct val="100000"/>
         </a:lnSpc>
@@ -9902,7 +9872,7 @@
           <a:srgbClr val="000000"/>
         </a:buClr>
         <a:buFont typeface="Arial"/>
-        <a:defRPr b="0" i="0" sz="1400" u="none" cap="none" strike="noStrike">
+        <a:defRPr sz="1400" b="0" i="0" u="none" strike="noStrike" cap="none">
           <a:solidFill>
             <a:srgbClr val="000000"/>
           </a:solidFill>
@@ -9912,7 +9882,7 @@
           <a:sym typeface="Arial"/>
         </a:defRPr>
       </a:lvl2pPr>
-      <a:lvl3pPr lvl="2" marR="0" rtl="0" algn="l">
+      <a:lvl3pPr marR="0" lvl="2" algn="l" rtl="0">
         <a:lnSpc>
           <a:spcPct val="100000"/>
         </a:lnSpc>
@@ -9926,7 +9896,7 @@
           <a:srgbClr val="000000"/>
         </a:buClr>
         <a:buFont typeface="Arial"/>
-        <a:defRPr b="0" i="0" sz="1400" u="none" cap="none" strike="noStrike">
+        <a:defRPr sz="1400" b="0" i="0" u="none" strike="noStrike" cap="none">
           <a:solidFill>
             <a:srgbClr val="000000"/>
           </a:solidFill>
@@ -9936,7 +9906,7 @@
           <a:sym typeface="Arial"/>
         </a:defRPr>
       </a:lvl3pPr>
-      <a:lvl4pPr lvl="3" marR="0" rtl="0" algn="l">
+      <a:lvl4pPr marR="0" lvl="3" algn="l" rtl="0">
         <a:lnSpc>
           <a:spcPct val="100000"/>
         </a:lnSpc>
@@ -9950,7 +9920,7 @@
           <a:srgbClr val="000000"/>
         </a:buClr>
         <a:buFont typeface="Arial"/>
-        <a:defRPr b="0" i="0" sz="1400" u="none" cap="none" strike="noStrike">
+        <a:defRPr sz="1400" b="0" i="0" u="none" strike="noStrike" cap="none">
           <a:solidFill>
             <a:srgbClr val="000000"/>
           </a:solidFill>
@@ -9960,7 +9930,7 @@
           <a:sym typeface="Arial"/>
         </a:defRPr>
       </a:lvl4pPr>
-      <a:lvl5pPr lvl="4" marR="0" rtl="0" algn="l">
+      <a:lvl5pPr marR="0" lvl="4" algn="l" rtl="0">
         <a:lnSpc>
           <a:spcPct val="100000"/>
         </a:lnSpc>
@@ -9974,7 +9944,7 @@
           <a:srgbClr val="000000"/>
         </a:buClr>
         <a:buFont typeface="Arial"/>
-        <a:defRPr b="0" i="0" sz="1400" u="none" cap="none" strike="noStrike">
+        <a:defRPr sz="1400" b="0" i="0" u="none" strike="noStrike" cap="none">
           <a:solidFill>
             <a:srgbClr val="000000"/>
           </a:solidFill>
@@ -9984,7 +9954,7 @@
           <a:sym typeface="Arial"/>
         </a:defRPr>
       </a:lvl5pPr>
-      <a:lvl6pPr lvl="5" marR="0" rtl="0" algn="l">
+      <a:lvl6pPr marR="0" lvl="5" algn="l" rtl="0">
         <a:lnSpc>
           <a:spcPct val="100000"/>
         </a:lnSpc>
@@ -9998,7 +9968,7 @@
           <a:srgbClr val="000000"/>
         </a:buClr>
         <a:buFont typeface="Arial"/>
-        <a:defRPr b="0" i="0" sz="1400" u="none" cap="none" strike="noStrike">
+        <a:defRPr sz="1400" b="0" i="0" u="none" strike="noStrike" cap="none">
           <a:solidFill>
             <a:srgbClr val="000000"/>
           </a:solidFill>
@@ -10008,7 +9978,7 @@
           <a:sym typeface="Arial"/>
         </a:defRPr>
       </a:lvl6pPr>
-      <a:lvl7pPr lvl="6" marR="0" rtl="0" algn="l">
+      <a:lvl7pPr marR="0" lvl="6" algn="l" rtl="0">
         <a:lnSpc>
           <a:spcPct val="100000"/>
         </a:lnSpc>
@@ -10022,7 +9992,7 @@
           <a:srgbClr val="000000"/>
         </a:buClr>
         <a:buFont typeface="Arial"/>
-        <a:defRPr b="0" i="0" sz="1400" u="none" cap="none" strike="noStrike">
+        <a:defRPr sz="1400" b="0" i="0" u="none" strike="noStrike" cap="none">
           <a:solidFill>
             <a:srgbClr val="000000"/>
           </a:solidFill>
@@ -10032,7 +10002,7 @@
           <a:sym typeface="Arial"/>
         </a:defRPr>
       </a:lvl7pPr>
-      <a:lvl8pPr lvl="7" marR="0" rtl="0" algn="l">
+      <a:lvl8pPr marR="0" lvl="7" algn="l" rtl="0">
         <a:lnSpc>
           <a:spcPct val="100000"/>
         </a:lnSpc>
@@ -10046,7 +10016,7 @@
           <a:srgbClr val="000000"/>
         </a:buClr>
         <a:buFont typeface="Arial"/>
-        <a:defRPr b="0" i="0" sz="1400" u="none" cap="none" strike="noStrike">
+        <a:defRPr sz="1400" b="0" i="0" u="none" strike="noStrike" cap="none">
           <a:solidFill>
             <a:srgbClr val="000000"/>
           </a:solidFill>
@@ -10056,7 +10026,7 @@
           <a:sym typeface="Arial"/>
         </a:defRPr>
       </a:lvl8pPr>
-      <a:lvl9pPr lvl="8" marR="0" rtl="0" algn="l">
+      <a:lvl9pPr marR="0" lvl="8" algn="l" rtl="0">
         <a:lnSpc>
           <a:spcPct val="100000"/>
         </a:lnSpc>
@@ -10070,7 +10040,7 @@
           <a:srgbClr val="000000"/>
         </a:buClr>
         <a:buFont typeface="Arial"/>
-        <a:defRPr b="0" i="0" sz="1400" u="none" cap="none" strike="noStrike">
+        <a:defRPr sz="1400" b="0" i="0" u="none" strike="noStrike" cap="none">
           <a:solidFill>
             <a:srgbClr val="000000"/>
           </a:solidFill>
@@ -10086,11 +10056,11 @@
 </file>
 
 <file path=ppt/slides/slide1.xml><?xml version="1.0" encoding="utf-8"?>
-<p:sld xmlns:a="http://schemas.openxmlformats.org/drawingml/2006/main" xmlns:r="http://schemas.openxmlformats.org/officeDocument/2006/relationships" xmlns:mc="http://schemas.openxmlformats.org/markup-compatibility/2006" xmlns:mv="urn:schemas-microsoft-com:mac:vml" xmlns:p="http://schemas.openxmlformats.org/presentationml/2006/main" xmlns:c="http://schemas.openxmlformats.org/drawingml/2006/chart" xmlns:dgm="http://schemas.openxmlformats.org/drawingml/2006/diagram" xmlns:o="urn:schemas-microsoft-com:office:office" xmlns:v="urn:schemas-microsoft-com:vml" xmlns:pvml="urn:schemas-microsoft-com:office:powerpoint" xmlns:com="http://schemas.openxmlformats.org/drawingml/2006/compatibility" xmlns:p14="http://schemas.microsoft.com/office/powerpoint/2010/main" xmlns:p15="http://schemas.microsoft.com/office/powerpoint/2012/main" xmlns:ahyp="http://schemas.microsoft.com/office/drawing/2018/hyperlinkcolor">
+<p:sld xmlns:a="http://schemas.openxmlformats.org/drawingml/2006/main" xmlns:r="http://schemas.openxmlformats.org/officeDocument/2006/relationships" xmlns:p="http://schemas.openxmlformats.org/presentationml/2006/main">
   <p:cSld>
     <p:spTree>
       <p:nvGrpSpPr>
-        <p:cNvPr id="133" name="Shape 133"/>
+        <p:cNvPr id="1" name="Shape 133"/>
         <p:cNvGrpSpPr/>
         <p:nvPr/>
       </p:nvGrpSpPr>
@@ -10105,7 +10075,9 @@
       <p:sp>
         <p:nvSpPr>
           <p:cNvPr id="134" name="Google Shape;134;p13"/>
-          <p:cNvSpPr txBox="1"/>
+          <p:cNvSpPr txBox="1">
+            <a:spLocks noGrp="1"/>
+          </p:cNvSpPr>
           <p:nvPr>
             <p:ph type="ctrTitle"/>
           </p:nvPr>
@@ -10120,12 +10092,12 @@
           </a:prstGeom>
         </p:spPr>
         <p:txBody>
-          <a:bodyPr anchorCtr="0" anchor="t" bIns="91425" lIns="91425" spcFirstLastPara="1" rIns="91425" wrap="square" tIns="91425">
+          <a:bodyPr spcFirstLastPara="1" wrap="square" lIns="91425" tIns="91425" rIns="91425" bIns="91425" anchor="t" anchorCtr="0">
             <a:normAutofit/>
           </a:bodyPr>
           <a:lstStyle/>
           <a:p>
-            <a:pPr indent="0" lvl="0" marL="0" rtl="0" algn="l">
+            <a:pPr marL="0" lvl="0" indent="0" algn="l" rtl="0">
               <a:spcBef>
                 <a:spcPts val="0"/>
               </a:spcBef>
@@ -10145,9 +10117,11 @@
       <p:sp>
         <p:nvSpPr>
           <p:cNvPr id="135" name="Google Shape;135;p13"/>
-          <p:cNvSpPr txBox="1"/>
+          <p:cNvSpPr txBox="1">
+            <a:spLocks noGrp="1"/>
+          </p:cNvSpPr>
           <p:nvPr>
-            <p:ph idx="1" type="subTitle"/>
+            <p:ph type="subTitle" idx="1"/>
           </p:nvPr>
         </p:nvSpPr>
         <p:spPr>
@@ -10160,12 +10134,12 @@
           </a:prstGeom>
         </p:spPr>
         <p:txBody>
-          <a:bodyPr anchorCtr="0" anchor="t" bIns="91425" lIns="91425" spcFirstLastPara="1" rIns="91425" wrap="square" tIns="91425">
+          <a:bodyPr spcFirstLastPara="1" wrap="square" lIns="91425" tIns="91425" rIns="91425" bIns="91425" anchor="t" anchorCtr="0">
             <a:normAutofit/>
           </a:bodyPr>
           <a:lstStyle/>
           <a:p>
-            <a:pPr indent="0" lvl="0" marL="0" rtl="0" algn="l">
+            <a:pPr marL="0" lvl="0" indent="0" algn="l" rtl="0">
               <a:spcBef>
                 <a:spcPts val="0"/>
               </a:spcBef>
@@ -10191,11 +10165,11 @@
 </file>
 
 <file path=ppt/slides/slide10.xml><?xml version="1.0" encoding="utf-8"?>
-<p:sld xmlns:a="http://schemas.openxmlformats.org/drawingml/2006/main" xmlns:r="http://schemas.openxmlformats.org/officeDocument/2006/relationships" xmlns:mc="http://schemas.openxmlformats.org/markup-compatibility/2006" xmlns:mv="urn:schemas-microsoft-com:mac:vml" xmlns:p="http://schemas.openxmlformats.org/presentationml/2006/main" xmlns:c="http://schemas.openxmlformats.org/drawingml/2006/chart" xmlns:dgm="http://schemas.openxmlformats.org/drawingml/2006/diagram" xmlns:o="urn:schemas-microsoft-com:office:office" xmlns:v="urn:schemas-microsoft-com:vml" xmlns:pvml="urn:schemas-microsoft-com:office:powerpoint" xmlns:com="http://schemas.openxmlformats.org/drawingml/2006/compatibility" xmlns:p14="http://schemas.microsoft.com/office/powerpoint/2010/main" xmlns:p15="http://schemas.microsoft.com/office/powerpoint/2012/main" xmlns:ahyp="http://schemas.microsoft.com/office/drawing/2018/hyperlinkcolor">
+<p:sld xmlns:a="http://schemas.openxmlformats.org/drawingml/2006/main" xmlns:r="http://schemas.openxmlformats.org/officeDocument/2006/relationships" xmlns:p="http://schemas.openxmlformats.org/presentationml/2006/main">
   <p:cSld>
     <p:spTree>
       <p:nvGrpSpPr>
-        <p:cNvPr id="187" name="Shape 187"/>
+        <p:cNvPr id="1" name="Shape 187"/>
         <p:cNvGrpSpPr/>
         <p:nvPr/>
       </p:nvGrpSpPr>
@@ -10210,7 +10184,9 @@
       <p:sp>
         <p:nvSpPr>
           <p:cNvPr id="188" name="Google Shape;188;p22"/>
-          <p:cNvSpPr txBox="1"/>
+          <p:cNvSpPr txBox="1">
+            <a:spLocks noGrp="1"/>
+          </p:cNvSpPr>
           <p:nvPr>
             <p:ph type="title"/>
           </p:nvPr>
@@ -10225,12 +10201,12 @@
           </a:prstGeom>
         </p:spPr>
         <p:txBody>
-          <a:bodyPr anchorCtr="0" anchor="t" bIns="91425" lIns="91425" spcFirstLastPara="1" rIns="91425" wrap="square" tIns="91425">
+          <a:bodyPr spcFirstLastPara="1" wrap="square" lIns="91425" tIns="91425" rIns="91425" bIns="91425" anchor="t" anchorCtr="0">
             <a:normAutofit/>
           </a:bodyPr>
           <a:lstStyle/>
           <a:p>
-            <a:pPr indent="0" lvl="0" marL="0" rtl="0" algn="l">
+            <a:pPr marL="0" lvl="0" indent="0" algn="l" rtl="0">
               <a:spcBef>
                 <a:spcPts val="0"/>
               </a:spcBef>
@@ -10250,9 +10226,11 @@
       <p:sp>
         <p:nvSpPr>
           <p:cNvPr id="189" name="Google Shape;189;p22"/>
-          <p:cNvSpPr txBox="1"/>
+          <p:cNvSpPr txBox="1">
+            <a:spLocks noGrp="1"/>
+          </p:cNvSpPr>
           <p:nvPr>
-            <p:ph idx="1" type="body"/>
+            <p:ph type="body" idx="1"/>
           </p:nvPr>
         </p:nvSpPr>
         <p:spPr>
@@ -10265,12 +10243,12 @@
           </a:prstGeom>
         </p:spPr>
         <p:txBody>
-          <a:bodyPr anchorCtr="0" anchor="t" bIns="91425" lIns="91425" spcFirstLastPara="1" rIns="91425" wrap="square" tIns="91425">
+          <a:bodyPr spcFirstLastPara="1" wrap="square" lIns="91425" tIns="91425" rIns="91425" bIns="91425" anchor="t" anchorCtr="0">
             <a:normAutofit/>
           </a:bodyPr>
           <a:lstStyle/>
           <a:p>
-            <a:pPr indent="-361950" lvl="0" marL="457200" rtl="0" algn="l">
+            <a:pPr marL="457200" lvl="0" indent="-361950" algn="l" rtl="0">
               <a:spcBef>
                 <a:spcPts val="0"/>
               </a:spcBef>
@@ -10287,7 +10265,7 @@
             <a:endParaRPr sz="2100"/>
           </a:p>
           <a:p>
-            <a:pPr indent="-361950" lvl="0" marL="457200" rtl="0" algn="l">
+            <a:pPr marL="457200" lvl="0" indent="-361950" algn="l" rtl="0">
               <a:spcBef>
                 <a:spcPts val="0"/>
               </a:spcBef>
@@ -10304,7 +10282,7 @@
             <a:endParaRPr sz="2100"/>
           </a:p>
           <a:p>
-            <a:pPr indent="-361950" lvl="0" marL="457200" rtl="0" algn="l">
+            <a:pPr marL="457200" lvl="0" indent="-361950" algn="l" rtl="0">
               <a:spcBef>
                 <a:spcPts val="0"/>
               </a:spcBef>
@@ -10331,11 +10309,11 @@
 </file>
 
 <file path=ppt/slides/slide11.xml><?xml version="1.0" encoding="utf-8"?>
-<p:sld xmlns:a="http://schemas.openxmlformats.org/drawingml/2006/main" xmlns:r="http://schemas.openxmlformats.org/officeDocument/2006/relationships" xmlns:mc="http://schemas.openxmlformats.org/markup-compatibility/2006" xmlns:mv="urn:schemas-microsoft-com:mac:vml" xmlns:p="http://schemas.openxmlformats.org/presentationml/2006/main" xmlns:c="http://schemas.openxmlformats.org/drawingml/2006/chart" xmlns:dgm="http://schemas.openxmlformats.org/drawingml/2006/diagram" xmlns:o="urn:schemas-microsoft-com:office:office" xmlns:v="urn:schemas-microsoft-com:vml" xmlns:pvml="urn:schemas-microsoft-com:office:powerpoint" xmlns:com="http://schemas.openxmlformats.org/drawingml/2006/compatibility" xmlns:p14="http://schemas.microsoft.com/office/powerpoint/2010/main" xmlns:p15="http://schemas.microsoft.com/office/powerpoint/2012/main" xmlns:ahyp="http://schemas.microsoft.com/office/drawing/2018/hyperlinkcolor">
+<p:sld xmlns:a="http://schemas.openxmlformats.org/drawingml/2006/main" xmlns:r="http://schemas.openxmlformats.org/officeDocument/2006/relationships" xmlns:p="http://schemas.openxmlformats.org/presentationml/2006/main">
   <p:cSld>
     <p:spTree>
       <p:nvGrpSpPr>
-        <p:cNvPr id="193" name="Shape 193"/>
+        <p:cNvPr id="1" name="Shape 193"/>
         <p:cNvGrpSpPr/>
         <p:nvPr/>
       </p:nvGrpSpPr>
@@ -10350,7 +10328,9 @@
       <p:sp>
         <p:nvSpPr>
           <p:cNvPr id="194" name="Google Shape;194;p23"/>
-          <p:cNvSpPr txBox="1"/>
+          <p:cNvSpPr txBox="1">
+            <a:spLocks noGrp="1"/>
+          </p:cNvSpPr>
           <p:nvPr>
             <p:ph type="title"/>
           </p:nvPr>
@@ -10365,12 +10345,12 @@
           </a:prstGeom>
         </p:spPr>
         <p:txBody>
-          <a:bodyPr anchorCtr="0" anchor="t" bIns="91425" lIns="91425" spcFirstLastPara="1" rIns="91425" wrap="square" tIns="91425">
+          <a:bodyPr spcFirstLastPara="1" wrap="square" lIns="91425" tIns="91425" rIns="91425" bIns="91425" anchor="t" anchorCtr="0">
             <a:normAutofit/>
           </a:bodyPr>
           <a:lstStyle/>
           <a:p>
-            <a:pPr indent="0" lvl="0" marL="0" rtl="0" algn="l">
+            <a:pPr marL="0" lvl="0" indent="0" algn="l" rtl="0">
               <a:spcBef>
                 <a:spcPts val="0"/>
               </a:spcBef>
@@ -10380,19 +10360,21 @@
               <a:buNone/>
             </a:pPr>
             <a:r>
-              <a:rPr lang="en"/>
+              <a:rPr lang="en" dirty="0"/>
               <a:t>Menti Poll!</a:t>
             </a:r>
-            <a:endParaRPr/>
+            <a:endParaRPr dirty="0"/>
           </a:p>
         </p:txBody>
       </p:sp>
       <p:sp>
         <p:nvSpPr>
           <p:cNvPr id="195" name="Google Shape;195;p23"/>
-          <p:cNvSpPr txBox="1"/>
+          <p:cNvSpPr txBox="1">
+            <a:spLocks noGrp="1"/>
+          </p:cNvSpPr>
           <p:nvPr>
-            <p:ph idx="1" type="body"/>
+            <p:ph type="body" idx="1"/>
           </p:nvPr>
         </p:nvSpPr>
         <p:spPr>
@@ -10405,12 +10387,12 @@
           </a:prstGeom>
         </p:spPr>
         <p:txBody>
-          <a:bodyPr anchorCtr="0" anchor="t" bIns="91425" lIns="91425" spcFirstLastPara="1" rIns="91425" wrap="square" tIns="91425">
+          <a:bodyPr spcFirstLastPara="1" wrap="square" lIns="91425" tIns="91425" rIns="91425" bIns="91425" anchor="t" anchorCtr="0">
             <a:normAutofit/>
           </a:bodyPr>
           <a:lstStyle/>
           <a:p>
-            <a:pPr indent="0" lvl="0" marL="0" rtl="0" algn="l">
+            <a:pPr marL="0" lvl="0" indent="0" algn="l" rtl="0">
               <a:spcBef>
                 <a:spcPts val="0"/>
               </a:spcBef>
@@ -10420,51 +10402,44 @@
               <a:buNone/>
             </a:pPr>
             <a:r>
-              <a:rPr lang="en"/>
+              <a:rPr lang="en" dirty="0"/>
               <a:t>Section 1: </a:t>
             </a:r>
             <a:r>
-              <a:rPr lang="en" u="sng">
-                <a:solidFill>
-                  <a:schemeClr val="hlink"/>
-                </a:solidFill>
+              <a:rPr lang="en-US" dirty="0">
                 <a:hlinkClick r:id="rId3"/>
               </a:rPr>
-              <a:t>https://www.menti.com/al2gnr4qi3w5</a:t>
+              <a:t>https://www.menti.com/al8u6srvmtkw</a:t>
+            </a:r>
+            <a:r>
+              <a:rPr lang="en-US" dirty="0"/>
+              <a:t> </a:t>
             </a:r>
             <a:br>
-              <a:rPr lang="en"/>
+              <a:rPr lang="en" dirty="0"/>
             </a:br>
             <a:r>
-              <a:rPr lang="en"/>
+              <a:rPr lang="en" dirty="0"/>
               <a:t>Section 2: </a:t>
             </a:r>
             <a:r>
-              <a:rPr lang="en" u="sng">
-                <a:solidFill>
-                  <a:schemeClr val="hlink"/>
-                </a:solidFill>
+              <a:rPr lang="en-US" dirty="0">
                 <a:hlinkClick r:id="rId4"/>
               </a:rPr>
-              <a:t>https://www.menti.com/alukbsymte4b</a:t>
+              <a:t>https://www.menti.com/ali2biwzppvq</a:t>
             </a:r>
-            <a:endParaRPr/>
-          </a:p>
-          <a:p>
-            <a:pPr indent="0" lvl="0" marL="0" rtl="0" algn="l">
-              <a:spcBef>
-                <a:spcPts val="1200"/>
-              </a:spcBef>
-              <a:spcAft>
-                <a:spcPts val="1200"/>
-              </a:spcAft>
-              <a:buNone/>
-            </a:pPr>
             <a:r>
-              <a:rPr lang="en"/>
+              <a:rPr lang="en-US" dirty="0"/>
+              <a:t> </a:t>
+            </a:r>
+            <a:br>
+              <a:rPr lang="en" dirty="0"/>
+            </a:br>
+            <a:r>
+              <a:rPr lang="en" dirty="0"/>
               <a:t>(But it’s easiest to just scan in with a phone!)</a:t>
             </a:r>
-            <a:endParaRPr/>
+            <a:endParaRPr dirty="0"/>
           </a:p>
         </p:txBody>
       </p:sp>
@@ -10477,11 +10452,921 @@
 </file>
 
 <file path=ppt/slides/slide12.xml><?xml version="1.0" encoding="utf-8"?>
-<p:sld xmlns:a="http://schemas.openxmlformats.org/drawingml/2006/main" xmlns:r="http://schemas.openxmlformats.org/officeDocument/2006/relationships" xmlns:mc="http://schemas.openxmlformats.org/markup-compatibility/2006" xmlns:mv="urn:schemas-microsoft-com:mac:vml" xmlns:p="http://schemas.openxmlformats.org/presentationml/2006/main" xmlns:c="http://schemas.openxmlformats.org/drawingml/2006/chart" xmlns:dgm="http://schemas.openxmlformats.org/drawingml/2006/diagram" xmlns:o="urn:schemas-microsoft-com:office:office" xmlns:v="urn:schemas-microsoft-com:vml" xmlns:pvml="urn:schemas-microsoft-com:office:powerpoint" xmlns:com="http://schemas.openxmlformats.org/drawingml/2006/compatibility" xmlns:p14="http://schemas.microsoft.com/office/powerpoint/2010/main" xmlns:p15="http://schemas.microsoft.com/office/powerpoint/2012/main" xmlns:ahyp="http://schemas.microsoft.com/office/drawing/2018/hyperlinkcolor">
+<p:sld xmlns:a="http://schemas.openxmlformats.org/drawingml/2006/main" xmlns:r="http://schemas.openxmlformats.org/officeDocument/2006/relationships" xmlns:p="http://schemas.openxmlformats.org/presentationml/2006/main">
   <p:cSld>
     <p:spTree>
       <p:nvGrpSpPr>
-        <p:cNvPr id="199" name="Shape 199"/>
+        <p:cNvPr id="1" name=""/>
+        <p:cNvGrpSpPr/>
+        <p:nvPr/>
+      </p:nvGrpSpPr>
+      <p:grpSpPr>
+        <a:xfrm>
+          <a:off x="0" y="0"/>
+          <a:ext cx="0" cy="0"/>
+          <a:chOff x="0" y="0"/>
+          <a:chExt cx="0" cy="0"/>
+        </a:xfrm>
+      </p:grpSpPr>
+      <p:sp>
+        <p:nvSpPr>
+          <p:cNvPr id="2" name="Title 1">
+            <a:extLst>
+              <a:ext uri="{FF2B5EF4-FFF2-40B4-BE49-F238E27FC236}">
+                <a16:creationId xmlns:a16="http://schemas.microsoft.com/office/drawing/2014/main" id="{2BA15855-636A-4B57-99D5-49862960F397}"/>
+              </a:ext>
+            </a:extLst>
+          </p:cNvPr>
+          <p:cNvSpPr>
+            <a:spLocks noGrp="1"/>
+          </p:cNvSpPr>
+          <p:nvPr>
+            <p:ph type="title"/>
+          </p:nvPr>
+        </p:nvSpPr>
+        <p:spPr>
+          <a:xfrm rot="5400000">
+            <a:off x="-3030375" y="4269601"/>
+            <a:ext cx="7038900" cy="914100"/>
+          </a:xfrm>
+        </p:spPr>
+        <p:txBody>
+          <a:bodyPr/>
+          <a:lstStyle/>
+          <a:p>
+            <a:r>
+              <a:rPr lang="en-US" dirty="0"/>
+              <a:t>Section 1</a:t>
+            </a:r>
+          </a:p>
+        </p:txBody>
+      </p:sp>
+      <p:sp>
+        <p:nvSpPr>
+          <p:cNvPr id="3" name="Text Placeholder 2">
+            <a:extLst>
+              <a:ext uri="{FF2B5EF4-FFF2-40B4-BE49-F238E27FC236}">
+                <a16:creationId xmlns:a16="http://schemas.microsoft.com/office/drawing/2014/main" id="{C036688E-102F-4548-664E-BAF04FE99CB2}"/>
+              </a:ext>
+            </a:extLst>
+          </p:cNvPr>
+          <p:cNvSpPr>
+            <a:spLocks noGrp="1"/>
+          </p:cNvSpPr>
+          <p:nvPr>
+            <p:ph type="body" idx="1"/>
+          </p:nvPr>
+        </p:nvSpPr>
+        <p:spPr/>
+        <p:txBody>
+          <a:bodyPr/>
+          <a:lstStyle/>
+          <a:p>
+            <a:endParaRPr lang="en-US"/>
+          </a:p>
+        </p:txBody>
+      </p:sp>
+      <p:pic>
+        <p:nvPicPr>
+          <p:cNvPr id="1026" name="Picture 2">
+            <a:extLst>
+              <a:ext uri="{FF2B5EF4-FFF2-40B4-BE49-F238E27FC236}">
+                <a16:creationId xmlns:a16="http://schemas.microsoft.com/office/drawing/2014/main" id="{6F7D6851-0F41-19CF-1C95-6030D07BC080}"/>
+              </a:ext>
+            </a:extLst>
+          </p:cNvPr>
+          <p:cNvPicPr>
+            <a:picLocks noChangeAspect="1" noChangeArrowheads="1"/>
+          </p:cNvPicPr>
+          <p:nvPr/>
+        </p:nvPicPr>
+        <p:blipFill>
+          <a:blip r:embed="rId2">
+            <a:extLst>
+              <a:ext uri="{28A0092B-C50C-407E-A947-70E740481C1C}">
+                <a14:useLocalDpi xmlns:a14="http://schemas.microsoft.com/office/drawing/2010/main" val="0"/>
+              </a:ext>
+            </a:extLst>
+          </a:blip>
+          <a:srcRect/>
+          <a:stretch>
+            <a:fillRect/>
+          </a:stretch>
+        </p:blipFill>
+        <p:spPr bwMode="auto">
+          <a:xfrm>
+            <a:off x="2000250" y="0"/>
+            <a:ext cx="5143500" cy="5143500"/>
+          </a:xfrm>
+          <a:prstGeom prst="rect">
+            <a:avLst/>
+          </a:prstGeom>
+          <a:noFill/>
+          <a:extLst>
+            <a:ext uri="{909E8E84-426E-40DD-AFC4-6F175D3DCCD1}">
+              <a14:hiddenFill xmlns:a14="http://schemas.microsoft.com/office/drawing/2010/main">
+                <a:solidFill>
+                  <a:srgbClr val="FFFFFF"/>
+                </a:solidFill>
+              </a14:hiddenFill>
+            </a:ext>
+          </a:extLst>
+        </p:spPr>
+      </p:pic>
+      <p:sp>
+        <p:nvSpPr>
+          <p:cNvPr id="4" name="Google Shape;195;p23">
+            <a:extLst>
+              <a:ext uri="{FF2B5EF4-FFF2-40B4-BE49-F238E27FC236}">
+                <a16:creationId xmlns:a16="http://schemas.microsoft.com/office/drawing/2014/main" id="{37A105E9-426A-6E56-009A-AA53DB27D01B}"/>
+              </a:ext>
+            </a:extLst>
+          </p:cNvPr>
+          <p:cNvSpPr txBox="1">
+            <a:spLocks/>
+          </p:cNvSpPr>
+          <p:nvPr/>
+        </p:nvSpPr>
+        <p:spPr>
+          <a:xfrm>
+            <a:off x="2683411" y="4726651"/>
+            <a:ext cx="7038900" cy="2911200"/>
+          </a:xfrm>
+          <a:prstGeom prst="rect">
+            <a:avLst/>
+          </a:prstGeom>
+          <a:noFill/>
+          <a:ln>
+            <a:noFill/>
+          </a:ln>
+        </p:spPr>
+        <p:txBody>
+          <a:bodyPr spcFirstLastPara="1" wrap="square" lIns="91425" tIns="91425" rIns="91425" bIns="91425" anchor="t" anchorCtr="0">
+            <a:normAutofit/>
+          </a:bodyPr>
+          <a:lstStyle>
+            <a:defPPr marR="0" lvl="0" algn="l" rtl="0">
+              <a:lnSpc>
+                <a:spcPct val="100000"/>
+              </a:lnSpc>
+              <a:spcBef>
+                <a:spcPts val="0"/>
+              </a:spcBef>
+              <a:spcAft>
+                <a:spcPts val="0"/>
+              </a:spcAft>
+            </a:defPPr>
+            <a:lvl1pPr marL="457200" marR="0" lvl="0" indent="-311150" algn="l" rtl="0">
+              <a:lnSpc>
+                <a:spcPct val="115000"/>
+              </a:lnSpc>
+              <a:spcBef>
+                <a:spcPts val="0"/>
+              </a:spcBef>
+              <a:spcAft>
+                <a:spcPts val="0"/>
+              </a:spcAft>
+              <a:buClr>
+                <a:schemeClr val="lt1"/>
+              </a:buClr>
+              <a:buSzPts val="1300"/>
+              <a:buFont typeface="Lato"/>
+              <a:buChar char="●"/>
+              <a:defRPr sz="1300" b="0" i="0" u="none" strike="noStrike" cap="none">
+                <a:solidFill>
+                  <a:schemeClr val="lt1"/>
+                </a:solidFill>
+                <a:latin typeface="Lato"/>
+                <a:ea typeface="Lato"/>
+                <a:cs typeface="Lato"/>
+                <a:sym typeface="Lato"/>
+              </a:defRPr>
+            </a:lvl1pPr>
+            <a:lvl2pPr marL="914400" marR="0" lvl="1" indent="-298450" algn="l" rtl="0">
+              <a:lnSpc>
+                <a:spcPct val="115000"/>
+              </a:lnSpc>
+              <a:spcBef>
+                <a:spcPts val="0"/>
+              </a:spcBef>
+              <a:spcAft>
+                <a:spcPts val="0"/>
+              </a:spcAft>
+              <a:buClr>
+                <a:schemeClr val="lt1"/>
+              </a:buClr>
+              <a:buSzPts val="1100"/>
+              <a:buFont typeface="Lato"/>
+              <a:buChar char="○"/>
+              <a:defRPr sz="1100" b="0" i="0" u="none" strike="noStrike" cap="none">
+                <a:solidFill>
+                  <a:schemeClr val="lt1"/>
+                </a:solidFill>
+                <a:latin typeface="Lato"/>
+                <a:ea typeface="Lato"/>
+                <a:cs typeface="Lato"/>
+                <a:sym typeface="Lato"/>
+              </a:defRPr>
+            </a:lvl2pPr>
+            <a:lvl3pPr marL="1371600" marR="0" lvl="2" indent="-298450" algn="l" rtl="0">
+              <a:lnSpc>
+                <a:spcPct val="115000"/>
+              </a:lnSpc>
+              <a:spcBef>
+                <a:spcPts val="0"/>
+              </a:spcBef>
+              <a:spcAft>
+                <a:spcPts val="0"/>
+              </a:spcAft>
+              <a:buClr>
+                <a:schemeClr val="lt1"/>
+              </a:buClr>
+              <a:buSzPts val="1100"/>
+              <a:buFont typeface="Lato"/>
+              <a:buChar char="■"/>
+              <a:defRPr sz="1100" b="0" i="0" u="none" strike="noStrike" cap="none">
+                <a:solidFill>
+                  <a:schemeClr val="lt1"/>
+                </a:solidFill>
+                <a:latin typeface="Lato"/>
+                <a:ea typeface="Lato"/>
+                <a:cs typeface="Lato"/>
+                <a:sym typeface="Lato"/>
+              </a:defRPr>
+            </a:lvl3pPr>
+            <a:lvl4pPr marL="1828800" marR="0" lvl="3" indent="-298450" algn="l" rtl="0">
+              <a:lnSpc>
+                <a:spcPct val="115000"/>
+              </a:lnSpc>
+              <a:spcBef>
+                <a:spcPts val="0"/>
+              </a:spcBef>
+              <a:spcAft>
+                <a:spcPts val="0"/>
+              </a:spcAft>
+              <a:buClr>
+                <a:schemeClr val="lt1"/>
+              </a:buClr>
+              <a:buSzPts val="1100"/>
+              <a:buFont typeface="Lato"/>
+              <a:buChar char="●"/>
+              <a:defRPr sz="1100" b="0" i="0" u="none" strike="noStrike" cap="none">
+                <a:solidFill>
+                  <a:schemeClr val="lt1"/>
+                </a:solidFill>
+                <a:latin typeface="Lato"/>
+                <a:ea typeface="Lato"/>
+                <a:cs typeface="Lato"/>
+                <a:sym typeface="Lato"/>
+              </a:defRPr>
+            </a:lvl4pPr>
+            <a:lvl5pPr marL="2286000" marR="0" lvl="4" indent="-298450" algn="l" rtl="0">
+              <a:lnSpc>
+                <a:spcPct val="115000"/>
+              </a:lnSpc>
+              <a:spcBef>
+                <a:spcPts val="0"/>
+              </a:spcBef>
+              <a:spcAft>
+                <a:spcPts val="0"/>
+              </a:spcAft>
+              <a:buClr>
+                <a:schemeClr val="lt1"/>
+              </a:buClr>
+              <a:buSzPts val="1100"/>
+              <a:buFont typeface="Lato"/>
+              <a:buChar char="○"/>
+              <a:defRPr sz="1100" b="0" i="0" u="none" strike="noStrike" cap="none">
+                <a:solidFill>
+                  <a:schemeClr val="lt1"/>
+                </a:solidFill>
+                <a:latin typeface="Lato"/>
+                <a:ea typeface="Lato"/>
+                <a:cs typeface="Lato"/>
+                <a:sym typeface="Lato"/>
+              </a:defRPr>
+            </a:lvl5pPr>
+            <a:lvl6pPr marL="2743200" marR="0" lvl="5" indent="-298450" algn="l" rtl="0">
+              <a:lnSpc>
+                <a:spcPct val="115000"/>
+              </a:lnSpc>
+              <a:spcBef>
+                <a:spcPts val="0"/>
+              </a:spcBef>
+              <a:spcAft>
+                <a:spcPts val="0"/>
+              </a:spcAft>
+              <a:buClr>
+                <a:schemeClr val="lt1"/>
+              </a:buClr>
+              <a:buSzPts val="1100"/>
+              <a:buFont typeface="Lato"/>
+              <a:buChar char="■"/>
+              <a:defRPr sz="1100" b="0" i="0" u="none" strike="noStrike" cap="none">
+                <a:solidFill>
+                  <a:schemeClr val="lt1"/>
+                </a:solidFill>
+                <a:latin typeface="Lato"/>
+                <a:ea typeface="Lato"/>
+                <a:cs typeface="Lato"/>
+                <a:sym typeface="Lato"/>
+              </a:defRPr>
+            </a:lvl6pPr>
+            <a:lvl7pPr marL="3200400" marR="0" lvl="6" indent="-298450" algn="l" rtl="0">
+              <a:lnSpc>
+                <a:spcPct val="115000"/>
+              </a:lnSpc>
+              <a:spcBef>
+                <a:spcPts val="0"/>
+              </a:spcBef>
+              <a:spcAft>
+                <a:spcPts val="0"/>
+              </a:spcAft>
+              <a:buClr>
+                <a:schemeClr val="lt1"/>
+              </a:buClr>
+              <a:buSzPts val="1100"/>
+              <a:buFont typeface="Lato"/>
+              <a:buChar char="●"/>
+              <a:defRPr sz="1100" b="0" i="0" u="none" strike="noStrike" cap="none">
+                <a:solidFill>
+                  <a:schemeClr val="lt1"/>
+                </a:solidFill>
+                <a:latin typeface="Lato"/>
+                <a:ea typeface="Lato"/>
+                <a:cs typeface="Lato"/>
+                <a:sym typeface="Lato"/>
+              </a:defRPr>
+            </a:lvl7pPr>
+            <a:lvl8pPr marL="3657600" marR="0" lvl="7" indent="-298450" algn="l" rtl="0">
+              <a:lnSpc>
+                <a:spcPct val="115000"/>
+              </a:lnSpc>
+              <a:spcBef>
+                <a:spcPts val="0"/>
+              </a:spcBef>
+              <a:spcAft>
+                <a:spcPts val="0"/>
+              </a:spcAft>
+              <a:buClr>
+                <a:schemeClr val="lt1"/>
+              </a:buClr>
+              <a:buSzPts val="1100"/>
+              <a:buFont typeface="Lato"/>
+              <a:buChar char="○"/>
+              <a:defRPr sz="1100" b="0" i="0" u="none" strike="noStrike" cap="none">
+                <a:solidFill>
+                  <a:schemeClr val="lt1"/>
+                </a:solidFill>
+                <a:latin typeface="Lato"/>
+                <a:ea typeface="Lato"/>
+                <a:cs typeface="Lato"/>
+                <a:sym typeface="Lato"/>
+              </a:defRPr>
+            </a:lvl8pPr>
+            <a:lvl9pPr marL="4114800" marR="0" lvl="8" indent="-298450" algn="l" rtl="0">
+              <a:lnSpc>
+                <a:spcPct val="115000"/>
+              </a:lnSpc>
+              <a:spcBef>
+                <a:spcPts val="0"/>
+              </a:spcBef>
+              <a:spcAft>
+                <a:spcPts val="0"/>
+              </a:spcAft>
+              <a:buClr>
+                <a:schemeClr val="lt1"/>
+              </a:buClr>
+              <a:buSzPts val="1100"/>
+              <a:buFont typeface="Lato"/>
+              <a:buChar char="■"/>
+              <a:defRPr sz="1100" b="0" i="0" u="none" strike="noStrike" cap="none">
+                <a:solidFill>
+                  <a:schemeClr val="lt1"/>
+                </a:solidFill>
+                <a:latin typeface="Lato"/>
+                <a:ea typeface="Lato"/>
+                <a:cs typeface="Lato"/>
+                <a:sym typeface="Lato"/>
+              </a:defRPr>
+            </a:lvl9pPr>
+          </a:lstStyle>
+          <a:p>
+            <a:pPr marL="0" indent="0">
+              <a:buFont typeface="Lato"/>
+              <a:buNone/>
+            </a:pPr>
+            <a:r>
+              <a:rPr lang="en-US" dirty="0">
+                <a:solidFill>
+                  <a:schemeClr val="tx1"/>
+                </a:solidFill>
+              </a:rPr>
+              <a:t>Section 1: </a:t>
+            </a:r>
+            <a:r>
+              <a:rPr lang="en-US" dirty="0">
+                <a:solidFill>
+                  <a:schemeClr val="tx1"/>
+                </a:solidFill>
+                <a:hlinkClick r:id="rId3">
+                  <a:extLst>
+                    <a:ext uri="{A12FA001-AC4F-418D-AE19-62706E023703}">
+                      <ahyp:hlinkClr xmlns:ahyp="http://schemas.microsoft.com/office/drawing/2018/hyperlinkcolor" val="tx"/>
+                    </a:ext>
+                  </a:extLst>
+                </a:hlinkClick>
+              </a:rPr>
+              <a:t>https://www.menti.com/al8u6srvmtkw</a:t>
+            </a:r>
+            <a:r>
+              <a:rPr lang="en-US" dirty="0">
+                <a:solidFill>
+                  <a:schemeClr val="tx1"/>
+                </a:solidFill>
+              </a:rPr>
+              <a:t> </a:t>
+            </a:r>
+          </a:p>
+        </p:txBody>
+      </p:sp>
+    </p:spTree>
+    <p:extLst>
+      <p:ext uri="{BB962C8B-B14F-4D97-AF65-F5344CB8AC3E}">
+        <p14:creationId xmlns:p14="http://schemas.microsoft.com/office/powerpoint/2010/main" val="840575892"/>
+      </p:ext>
+    </p:extLst>
+  </p:cSld>
+  <p:clrMapOvr>
+    <a:masterClrMapping/>
+  </p:clrMapOvr>
+</p:sld>
+</file>
+
+<file path=ppt/slides/slide13.xml><?xml version="1.0" encoding="utf-8"?>
+<p:sld xmlns:a="http://schemas.openxmlformats.org/drawingml/2006/main" xmlns:r="http://schemas.openxmlformats.org/officeDocument/2006/relationships" xmlns:p="http://schemas.openxmlformats.org/presentationml/2006/main">
+  <p:cSld>
+    <p:spTree>
+      <p:nvGrpSpPr>
+        <p:cNvPr id="1" name="">
+          <a:extLst>
+            <a:ext uri="{FF2B5EF4-FFF2-40B4-BE49-F238E27FC236}">
+              <a16:creationId xmlns:a16="http://schemas.microsoft.com/office/drawing/2014/main" id="{CB8B9629-4382-1BCC-B6FA-4CCA3BD35EAF}"/>
+            </a:ext>
+          </a:extLst>
+        </p:cNvPr>
+        <p:cNvGrpSpPr/>
+        <p:nvPr/>
+      </p:nvGrpSpPr>
+      <p:grpSpPr>
+        <a:xfrm>
+          <a:off x="0" y="0"/>
+          <a:ext cx="0" cy="0"/>
+          <a:chOff x="0" y="0"/>
+          <a:chExt cx="0" cy="0"/>
+        </a:xfrm>
+      </p:grpSpPr>
+      <p:sp>
+        <p:nvSpPr>
+          <p:cNvPr id="2" name="Title 1">
+            <a:extLst>
+              <a:ext uri="{FF2B5EF4-FFF2-40B4-BE49-F238E27FC236}">
+                <a16:creationId xmlns:a16="http://schemas.microsoft.com/office/drawing/2014/main" id="{A3616413-14AC-AAF4-23AC-070F1BFE9FDF}"/>
+              </a:ext>
+            </a:extLst>
+          </p:cNvPr>
+          <p:cNvSpPr>
+            <a:spLocks noGrp="1"/>
+          </p:cNvSpPr>
+          <p:nvPr>
+            <p:ph type="title"/>
+          </p:nvPr>
+        </p:nvSpPr>
+        <p:spPr>
+          <a:xfrm rot="5400000">
+            <a:off x="-3030375" y="4269601"/>
+            <a:ext cx="7038900" cy="914100"/>
+          </a:xfrm>
+        </p:spPr>
+        <p:txBody>
+          <a:bodyPr/>
+          <a:lstStyle/>
+          <a:p>
+            <a:r>
+              <a:rPr lang="en-US" dirty="0"/>
+              <a:t>Section 2</a:t>
+            </a:r>
+          </a:p>
+        </p:txBody>
+      </p:sp>
+      <p:sp>
+        <p:nvSpPr>
+          <p:cNvPr id="3" name="Text Placeholder 2">
+            <a:extLst>
+              <a:ext uri="{FF2B5EF4-FFF2-40B4-BE49-F238E27FC236}">
+                <a16:creationId xmlns:a16="http://schemas.microsoft.com/office/drawing/2014/main" id="{28606379-3E59-C1F3-67B1-92B4267EA70C}"/>
+              </a:ext>
+            </a:extLst>
+          </p:cNvPr>
+          <p:cNvSpPr>
+            <a:spLocks noGrp="1"/>
+          </p:cNvSpPr>
+          <p:nvPr>
+            <p:ph type="body" idx="1"/>
+          </p:nvPr>
+        </p:nvSpPr>
+        <p:spPr/>
+        <p:txBody>
+          <a:bodyPr/>
+          <a:lstStyle/>
+          <a:p>
+            <a:endParaRPr lang="en-US" dirty="0"/>
+          </a:p>
+        </p:txBody>
+      </p:sp>
+      <p:pic>
+        <p:nvPicPr>
+          <p:cNvPr id="2052" name="Picture 4">
+            <a:extLst>
+              <a:ext uri="{FF2B5EF4-FFF2-40B4-BE49-F238E27FC236}">
+                <a16:creationId xmlns:a16="http://schemas.microsoft.com/office/drawing/2014/main" id="{7552304E-2F2D-188D-AC38-8FE122796DDF}"/>
+              </a:ext>
+            </a:extLst>
+          </p:cNvPr>
+          <p:cNvPicPr>
+            <a:picLocks noChangeAspect="1" noChangeArrowheads="1"/>
+          </p:cNvPicPr>
+          <p:nvPr/>
+        </p:nvPicPr>
+        <p:blipFill>
+          <a:blip r:embed="rId2">
+            <a:extLst>
+              <a:ext uri="{28A0092B-C50C-407E-A947-70E740481C1C}">
+                <a14:useLocalDpi xmlns:a14="http://schemas.microsoft.com/office/drawing/2010/main" val="0"/>
+              </a:ext>
+            </a:extLst>
+          </a:blip>
+          <a:srcRect/>
+          <a:stretch>
+            <a:fillRect/>
+          </a:stretch>
+        </p:blipFill>
+        <p:spPr bwMode="auto">
+          <a:xfrm>
+            <a:off x="2000250" y="0"/>
+            <a:ext cx="5143500" cy="5143500"/>
+          </a:xfrm>
+          <a:prstGeom prst="rect">
+            <a:avLst/>
+          </a:prstGeom>
+          <a:noFill/>
+          <a:extLst>
+            <a:ext uri="{909E8E84-426E-40DD-AFC4-6F175D3DCCD1}">
+              <a14:hiddenFill xmlns:a14="http://schemas.microsoft.com/office/drawing/2010/main">
+                <a:solidFill>
+                  <a:srgbClr val="FFFFFF"/>
+                </a:solidFill>
+              </a14:hiddenFill>
+            </a:ext>
+          </a:extLst>
+        </p:spPr>
+      </p:pic>
+      <p:sp>
+        <p:nvSpPr>
+          <p:cNvPr id="4" name="Google Shape;195;p23">
+            <a:extLst>
+              <a:ext uri="{FF2B5EF4-FFF2-40B4-BE49-F238E27FC236}">
+                <a16:creationId xmlns:a16="http://schemas.microsoft.com/office/drawing/2014/main" id="{0F15B09D-1B16-DC33-0DC4-DEC2EB8F3297}"/>
+              </a:ext>
+            </a:extLst>
+          </p:cNvPr>
+          <p:cNvSpPr txBox="1">
+            <a:spLocks/>
+          </p:cNvSpPr>
+          <p:nvPr/>
+        </p:nvSpPr>
+        <p:spPr>
+          <a:xfrm>
+            <a:off x="2679346" y="4726651"/>
+            <a:ext cx="7038900" cy="2911200"/>
+          </a:xfrm>
+          <a:prstGeom prst="rect">
+            <a:avLst/>
+          </a:prstGeom>
+          <a:noFill/>
+          <a:ln>
+            <a:noFill/>
+          </a:ln>
+        </p:spPr>
+        <p:txBody>
+          <a:bodyPr spcFirstLastPara="1" wrap="square" lIns="91425" tIns="91425" rIns="91425" bIns="91425" anchor="t" anchorCtr="0">
+            <a:normAutofit/>
+          </a:bodyPr>
+          <a:lstStyle>
+            <a:defPPr marR="0" lvl="0" algn="l" rtl="0">
+              <a:lnSpc>
+                <a:spcPct val="100000"/>
+              </a:lnSpc>
+              <a:spcBef>
+                <a:spcPts val="0"/>
+              </a:spcBef>
+              <a:spcAft>
+                <a:spcPts val="0"/>
+              </a:spcAft>
+            </a:defPPr>
+            <a:lvl1pPr marL="457200" marR="0" lvl="0" indent="-311150" algn="l" rtl="0">
+              <a:lnSpc>
+                <a:spcPct val="115000"/>
+              </a:lnSpc>
+              <a:spcBef>
+                <a:spcPts val="0"/>
+              </a:spcBef>
+              <a:spcAft>
+                <a:spcPts val="0"/>
+              </a:spcAft>
+              <a:buClr>
+                <a:schemeClr val="lt1"/>
+              </a:buClr>
+              <a:buSzPts val="1300"/>
+              <a:buFont typeface="Lato"/>
+              <a:buChar char="●"/>
+              <a:defRPr sz="1300" b="0" i="0" u="none" strike="noStrike" cap="none">
+                <a:solidFill>
+                  <a:schemeClr val="lt1"/>
+                </a:solidFill>
+                <a:latin typeface="Lato"/>
+                <a:ea typeface="Lato"/>
+                <a:cs typeface="Lato"/>
+                <a:sym typeface="Lato"/>
+              </a:defRPr>
+            </a:lvl1pPr>
+            <a:lvl2pPr marL="914400" marR="0" lvl="1" indent="-298450" algn="l" rtl="0">
+              <a:lnSpc>
+                <a:spcPct val="115000"/>
+              </a:lnSpc>
+              <a:spcBef>
+                <a:spcPts val="0"/>
+              </a:spcBef>
+              <a:spcAft>
+                <a:spcPts val="0"/>
+              </a:spcAft>
+              <a:buClr>
+                <a:schemeClr val="lt1"/>
+              </a:buClr>
+              <a:buSzPts val="1100"/>
+              <a:buFont typeface="Lato"/>
+              <a:buChar char="○"/>
+              <a:defRPr sz="1100" b="0" i="0" u="none" strike="noStrike" cap="none">
+                <a:solidFill>
+                  <a:schemeClr val="lt1"/>
+                </a:solidFill>
+                <a:latin typeface="Lato"/>
+                <a:ea typeface="Lato"/>
+                <a:cs typeface="Lato"/>
+                <a:sym typeface="Lato"/>
+              </a:defRPr>
+            </a:lvl2pPr>
+            <a:lvl3pPr marL="1371600" marR="0" lvl="2" indent="-298450" algn="l" rtl="0">
+              <a:lnSpc>
+                <a:spcPct val="115000"/>
+              </a:lnSpc>
+              <a:spcBef>
+                <a:spcPts val="0"/>
+              </a:spcBef>
+              <a:spcAft>
+                <a:spcPts val="0"/>
+              </a:spcAft>
+              <a:buClr>
+                <a:schemeClr val="lt1"/>
+              </a:buClr>
+              <a:buSzPts val="1100"/>
+              <a:buFont typeface="Lato"/>
+              <a:buChar char="■"/>
+              <a:defRPr sz="1100" b="0" i="0" u="none" strike="noStrike" cap="none">
+                <a:solidFill>
+                  <a:schemeClr val="lt1"/>
+                </a:solidFill>
+                <a:latin typeface="Lato"/>
+                <a:ea typeface="Lato"/>
+                <a:cs typeface="Lato"/>
+                <a:sym typeface="Lato"/>
+              </a:defRPr>
+            </a:lvl3pPr>
+            <a:lvl4pPr marL="1828800" marR="0" lvl="3" indent="-298450" algn="l" rtl="0">
+              <a:lnSpc>
+                <a:spcPct val="115000"/>
+              </a:lnSpc>
+              <a:spcBef>
+                <a:spcPts val="0"/>
+              </a:spcBef>
+              <a:spcAft>
+                <a:spcPts val="0"/>
+              </a:spcAft>
+              <a:buClr>
+                <a:schemeClr val="lt1"/>
+              </a:buClr>
+              <a:buSzPts val="1100"/>
+              <a:buFont typeface="Lato"/>
+              <a:buChar char="●"/>
+              <a:defRPr sz="1100" b="0" i="0" u="none" strike="noStrike" cap="none">
+                <a:solidFill>
+                  <a:schemeClr val="lt1"/>
+                </a:solidFill>
+                <a:latin typeface="Lato"/>
+                <a:ea typeface="Lato"/>
+                <a:cs typeface="Lato"/>
+                <a:sym typeface="Lato"/>
+              </a:defRPr>
+            </a:lvl4pPr>
+            <a:lvl5pPr marL="2286000" marR="0" lvl="4" indent="-298450" algn="l" rtl="0">
+              <a:lnSpc>
+                <a:spcPct val="115000"/>
+              </a:lnSpc>
+              <a:spcBef>
+                <a:spcPts val="0"/>
+              </a:spcBef>
+              <a:spcAft>
+                <a:spcPts val="0"/>
+              </a:spcAft>
+              <a:buClr>
+                <a:schemeClr val="lt1"/>
+              </a:buClr>
+              <a:buSzPts val="1100"/>
+              <a:buFont typeface="Lato"/>
+              <a:buChar char="○"/>
+              <a:defRPr sz="1100" b="0" i="0" u="none" strike="noStrike" cap="none">
+                <a:solidFill>
+                  <a:schemeClr val="lt1"/>
+                </a:solidFill>
+                <a:latin typeface="Lato"/>
+                <a:ea typeface="Lato"/>
+                <a:cs typeface="Lato"/>
+                <a:sym typeface="Lato"/>
+              </a:defRPr>
+            </a:lvl5pPr>
+            <a:lvl6pPr marL="2743200" marR="0" lvl="5" indent="-298450" algn="l" rtl="0">
+              <a:lnSpc>
+                <a:spcPct val="115000"/>
+              </a:lnSpc>
+              <a:spcBef>
+                <a:spcPts val="0"/>
+              </a:spcBef>
+              <a:spcAft>
+                <a:spcPts val="0"/>
+              </a:spcAft>
+              <a:buClr>
+                <a:schemeClr val="lt1"/>
+              </a:buClr>
+              <a:buSzPts val="1100"/>
+              <a:buFont typeface="Lato"/>
+              <a:buChar char="■"/>
+              <a:defRPr sz="1100" b="0" i="0" u="none" strike="noStrike" cap="none">
+                <a:solidFill>
+                  <a:schemeClr val="lt1"/>
+                </a:solidFill>
+                <a:latin typeface="Lato"/>
+                <a:ea typeface="Lato"/>
+                <a:cs typeface="Lato"/>
+                <a:sym typeface="Lato"/>
+              </a:defRPr>
+            </a:lvl6pPr>
+            <a:lvl7pPr marL="3200400" marR="0" lvl="6" indent="-298450" algn="l" rtl="0">
+              <a:lnSpc>
+                <a:spcPct val="115000"/>
+              </a:lnSpc>
+              <a:spcBef>
+                <a:spcPts val="0"/>
+              </a:spcBef>
+              <a:spcAft>
+                <a:spcPts val="0"/>
+              </a:spcAft>
+              <a:buClr>
+                <a:schemeClr val="lt1"/>
+              </a:buClr>
+              <a:buSzPts val="1100"/>
+              <a:buFont typeface="Lato"/>
+              <a:buChar char="●"/>
+              <a:defRPr sz="1100" b="0" i="0" u="none" strike="noStrike" cap="none">
+                <a:solidFill>
+                  <a:schemeClr val="lt1"/>
+                </a:solidFill>
+                <a:latin typeface="Lato"/>
+                <a:ea typeface="Lato"/>
+                <a:cs typeface="Lato"/>
+                <a:sym typeface="Lato"/>
+              </a:defRPr>
+            </a:lvl7pPr>
+            <a:lvl8pPr marL="3657600" marR="0" lvl="7" indent="-298450" algn="l" rtl="0">
+              <a:lnSpc>
+                <a:spcPct val="115000"/>
+              </a:lnSpc>
+              <a:spcBef>
+                <a:spcPts val="0"/>
+              </a:spcBef>
+              <a:spcAft>
+                <a:spcPts val="0"/>
+              </a:spcAft>
+              <a:buClr>
+                <a:schemeClr val="lt1"/>
+              </a:buClr>
+              <a:buSzPts val="1100"/>
+              <a:buFont typeface="Lato"/>
+              <a:buChar char="○"/>
+              <a:defRPr sz="1100" b="0" i="0" u="none" strike="noStrike" cap="none">
+                <a:solidFill>
+                  <a:schemeClr val="lt1"/>
+                </a:solidFill>
+                <a:latin typeface="Lato"/>
+                <a:ea typeface="Lato"/>
+                <a:cs typeface="Lato"/>
+                <a:sym typeface="Lato"/>
+              </a:defRPr>
+            </a:lvl8pPr>
+            <a:lvl9pPr marL="4114800" marR="0" lvl="8" indent="-298450" algn="l" rtl="0">
+              <a:lnSpc>
+                <a:spcPct val="115000"/>
+              </a:lnSpc>
+              <a:spcBef>
+                <a:spcPts val="0"/>
+              </a:spcBef>
+              <a:spcAft>
+                <a:spcPts val="0"/>
+              </a:spcAft>
+              <a:buClr>
+                <a:schemeClr val="lt1"/>
+              </a:buClr>
+              <a:buSzPts val="1100"/>
+              <a:buFont typeface="Lato"/>
+              <a:buChar char="■"/>
+              <a:defRPr sz="1100" b="0" i="0" u="none" strike="noStrike" cap="none">
+                <a:solidFill>
+                  <a:schemeClr val="lt1"/>
+                </a:solidFill>
+                <a:latin typeface="Lato"/>
+                <a:ea typeface="Lato"/>
+                <a:cs typeface="Lato"/>
+                <a:sym typeface="Lato"/>
+              </a:defRPr>
+            </a:lvl9pPr>
+          </a:lstStyle>
+          <a:p>
+            <a:pPr marL="0" indent="0">
+              <a:buFont typeface="Lato"/>
+              <a:buNone/>
+            </a:pPr>
+            <a:r>
+              <a:rPr lang="en-US" dirty="0">
+                <a:solidFill>
+                  <a:schemeClr val="tx1"/>
+                </a:solidFill>
+              </a:rPr>
+              <a:t>Section 2: </a:t>
+            </a:r>
+            <a:r>
+              <a:rPr lang="en-US" dirty="0">
+                <a:solidFill>
+                  <a:schemeClr val="tx1"/>
+                </a:solidFill>
+                <a:hlinkClick r:id="rId3">
+                  <a:extLst>
+                    <a:ext uri="{A12FA001-AC4F-418D-AE19-62706E023703}">
+                      <ahyp:hlinkClr xmlns:ahyp="http://schemas.microsoft.com/office/drawing/2018/hyperlinkcolor" val="tx"/>
+                    </a:ext>
+                  </a:extLst>
+                </a:hlinkClick>
+              </a:rPr>
+              <a:t>https://www.menti.com/ali2biwzppvq</a:t>
+            </a:r>
+            <a:r>
+              <a:rPr lang="en-US" dirty="0">
+                <a:solidFill>
+                  <a:schemeClr val="tx1"/>
+                </a:solidFill>
+              </a:rPr>
+              <a:t> </a:t>
+            </a:r>
+          </a:p>
+        </p:txBody>
+      </p:sp>
+    </p:spTree>
+    <p:extLst>
+      <p:ext uri="{BB962C8B-B14F-4D97-AF65-F5344CB8AC3E}">
+        <p14:creationId xmlns:p14="http://schemas.microsoft.com/office/powerpoint/2010/main" val="3537044152"/>
+      </p:ext>
+    </p:extLst>
+  </p:cSld>
+  <p:clrMapOvr>
+    <a:masterClrMapping/>
+  </p:clrMapOvr>
+</p:sld>
+</file>
+
+<file path=ppt/slides/slide14.xml><?xml version="1.0" encoding="utf-8"?>
+<p:sld xmlns:a="http://schemas.openxmlformats.org/drawingml/2006/main" xmlns:r="http://schemas.openxmlformats.org/officeDocument/2006/relationships" xmlns:p="http://schemas.openxmlformats.org/presentationml/2006/main">
+  <p:cSld>
+    <p:spTree>
+      <p:nvGrpSpPr>
+        <p:cNvPr id="1" name="Shape 199"/>
         <p:cNvGrpSpPr/>
         <p:nvPr/>
       </p:nvGrpSpPr>
@@ -10496,7 +11381,9 @@
       <p:sp>
         <p:nvSpPr>
           <p:cNvPr id="200" name="Google Shape;200;p24"/>
-          <p:cNvSpPr txBox="1"/>
+          <p:cNvSpPr txBox="1">
+            <a:spLocks noGrp="1"/>
+          </p:cNvSpPr>
           <p:nvPr>
             <p:ph type="title"/>
           </p:nvPr>
@@ -10511,12 +11398,12 @@
           </a:prstGeom>
         </p:spPr>
         <p:txBody>
-          <a:bodyPr anchorCtr="0" anchor="t" bIns="91425" lIns="91425" spcFirstLastPara="1" rIns="91425" wrap="square" tIns="91425">
+          <a:bodyPr spcFirstLastPara="1" wrap="square" lIns="91425" tIns="91425" rIns="91425" bIns="91425" anchor="t" anchorCtr="0">
             <a:normAutofit/>
           </a:bodyPr>
           <a:lstStyle/>
           <a:p>
-            <a:pPr indent="0" lvl="0" marL="0" rtl="0" algn="l">
+            <a:pPr marL="0" lvl="0" indent="0" algn="l" rtl="0">
               <a:spcBef>
                 <a:spcPts val="0"/>
               </a:spcBef>
@@ -10525,9 +11412,6 @@
               </a:spcAft>
               <a:buNone/>
             </a:pPr>
-            <a:r>
-              <a:t/>
-            </a:r>
             <a:endParaRPr/>
           </a:p>
         </p:txBody>
@@ -10535,9 +11419,11 @@
       <p:sp>
         <p:nvSpPr>
           <p:cNvPr id="201" name="Google Shape;201;p24"/>
-          <p:cNvSpPr txBox="1"/>
+          <p:cNvSpPr txBox="1">
+            <a:spLocks noGrp="1"/>
+          </p:cNvSpPr>
           <p:nvPr>
-            <p:ph idx="1" type="body"/>
+            <p:ph type="body" idx="1"/>
           </p:nvPr>
         </p:nvSpPr>
         <p:spPr>
@@ -10550,12 +11436,12 @@
           </a:prstGeom>
         </p:spPr>
         <p:txBody>
-          <a:bodyPr anchorCtr="0" anchor="t" bIns="91425" lIns="91425" spcFirstLastPara="1" rIns="91425" wrap="square" tIns="91425">
+          <a:bodyPr spcFirstLastPara="1" wrap="square" lIns="91425" tIns="91425" rIns="91425" bIns="91425" anchor="t" anchorCtr="0">
             <a:normAutofit/>
           </a:bodyPr>
           <a:lstStyle/>
           <a:p>
-            <a:pPr indent="0" lvl="0" marL="0" rtl="0" algn="l">
+            <a:pPr marL="0" lvl="0" indent="0" algn="l" rtl="0">
               <a:spcBef>
                 <a:spcPts val="0"/>
               </a:spcBef>
@@ -10564,41 +11450,46 @@
               </a:spcAft>
               <a:buNone/>
             </a:pPr>
-            <a:r>
-              <a:t/>
-            </a:r>
             <a:endParaRPr/>
           </a:p>
         </p:txBody>
       </p:sp>
       <p:pic>
         <p:nvPicPr>
-          <p:cNvPr id="202" name="Google Shape;202;p24" title="Full movie.mp4">
-            <a:hlinkClick r:id="rId3"/>
+          <p:cNvPr id="2" name="Full movie">
+            <a:hlinkClick r:id="" action="ppaction://media"/>
+            <a:extLst>
+              <a:ext uri="{FF2B5EF4-FFF2-40B4-BE49-F238E27FC236}">
+                <a16:creationId xmlns:a16="http://schemas.microsoft.com/office/drawing/2014/main" id="{995F5797-AE44-17F1-44C5-9635A32DB9AA}"/>
+              </a:ext>
+            </a:extLst>
           </p:cNvPr>
-          <p:cNvPicPr preferRelativeResize="0"/>
-          <p:nvPr/>
+          <p:cNvPicPr>
+            <a:picLocks noChangeAspect="1"/>
+          </p:cNvPicPr>
+          <p:nvPr>
+            <a:videoFile r:link="rId2"/>
+            <p:extLst>
+              <p:ext uri="{DAA4B4D4-6D71-4841-9C94-3DE7FCFB9230}">
+                <p14:media xmlns:p14="http://schemas.microsoft.com/office/powerpoint/2010/main" r:embed="rId1"/>
+              </p:ext>
+            </p:extLst>
+          </p:nvPr>
         </p:nvPicPr>
         <p:blipFill>
-          <a:blip r:embed="rId4">
-            <a:alphaModFix/>
-          </a:blip>
+          <a:blip r:embed="rId5"/>
           <a:stretch>
             <a:fillRect/>
           </a:stretch>
         </p:blipFill>
         <p:spPr>
           <a:xfrm>
-            <a:off x="2286000" y="857250"/>
-            <a:ext cx="4572000" cy="3429000"/>
+            <a:off x="0" y="-542"/>
+            <a:ext cx="9144000" cy="5143890"/>
           </a:xfrm>
           <a:prstGeom prst="rect">
             <a:avLst/>
           </a:prstGeom>
-          <a:noFill/>
-          <a:ln>
-            <a:noFill/>
-          </a:ln>
         </p:spPr>
       </p:pic>
     </p:spTree>
@@ -10609,55 +11500,37 @@
   <p:timing>
     <p:tnLst>
       <p:par>
-        <p:cTn dur="indefinite" nodeType="tmRoot" restart="never">
+        <p:cTn id="1" dur="indefinite" restart="never" nodeType="tmRoot">
           <p:childTnLst>
             <p:seq concurrent="1" nextAc="seek">
-              <p:cTn dur="indefinite" id="2" nodeType="mainSeq">
+              <p:cTn id="2" dur="indefinite" nodeType="mainSeq">
                 <p:childTnLst>
                   <p:par>
-                    <p:cTn fill="hold">
+                    <p:cTn id="3" fill="hold">
                       <p:stCondLst>
                         <p:cond delay="indefinite"/>
                       </p:stCondLst>
                       <p:childTnLst>
                         <p:par>
-                          <p:cTn fill="hold">
+                          <p:cTn id="4" fill="hold">
                             <p:stCondLst>
                               <p:cond delay="0"/>
                             </p:stCondLst>
                             <p:childTnLst>
                               <p:par>
-                                <p:cTn fill="hold" nodeType="clickEffect" presetClass="entr" presetID="10" presetSubtype="0">
+                                <p:cTn id="5" presetID="1" presetClass="mediacall" presetSubtype="0" fill="hold" nodeType="clickEffect">
                                   <p:stCondLst>
                                     <p:cond delay="0"/>
                                   </p:stCondLst>
                                   <p:childTnLst>
-                                    <p:set>
+                                    <p:cmd type="call" cmd="playFrom(0.0)">
                                       <p:cBhvr>
-                                        <p:cTn dur="1" fill="hold">
-                                          <p:stCondLst>
-                                            <p:cond delay="0"/>
-                                          </p:stCondLst>
-                                        </p:cTn>
+                                        <p:cTn id="6" dur="25550" fill="hold"/>
                                         <p:tgtEl>
-                                          <p:spTgt spid="202"/>
-                                        </p:tgtEl>
-                                        <p:attrNameLst>
-                                          <p:attrName>style.visibility</p:attrName>
-                                        </p:attrNameLst>
-                                      </p:cBhvr>
-                                      <p:to>
-                                        <p:strVal val="visible"/>
-                                      </p:to>
-                                    </p:set>
-                                    <p:animEffect filter="fade" transition="in">
-                                      <p:cBhvr>
-                                        <p:cTn dur="1000"/>
-                                        <p:tgtEl>
-                                          <p:spTgt spid="202"/>
+                                          <p:spTgt spid="2"/>
                                         </p:tgtEl>
                                       </p:cBhvr>
-                                    </p:animEffect>
+                                    </p:cmd>
                                   </p:childTnLst>
                                 </p:cTn>
                               </p:par>
@@ -10670,16 +11543,86 @@
                 </p:childTnLst>
               </p:cTn>
               <p:prevCondLst>
-                <p:cond evt="onPrev">
+                <p:cond evt="onPrev" delay="0">
                   <p:tgtEl>
                     <p:sldTgt/>
                   </p:tgtEl>
                 </p:cond>
               </p:prevCondLst>
               <p:nextCondLst>
-                <p:cond evt="onNext">
+                <p:cond evt="onNext" delay="0">
                   <p:tgtEl>
                     <p:sldTgt/>
+                  </p:tgtEl>
+                </p:cond>
+              </p:nextCondLst>
+            </p:seq>
+            <p:video>
+              <p:cMediaNode vol="80000">
+                <p:cTn id="7" fill="hold" display="0">
+                  <p:stCondLst>
+                    <p:cond delay="indefinite"/>
+                  </p:stCondLst>
+                </p:cTn>
+                <p:tgtEl>
+                  <p:spTgt spid="2"/>
+                </p:tgtEl>
+              </p:cMediaNode>
+            </p:video>
+            <p:seq concurrent="1" nextAc="seek">
+              <p:cTn id="8" restart="whenNotActive" fill="hold" evtFilter="cancelBubble" nodeType="interactiveSeq">
+                <p:stCondLst>
+                  <p:cond evt="onClick" delay="0">
+                    <p:tgtEl>
+                      <p:spTgt spid="2"/>
+                    </p:tgtEl>
+                  </p:cond>
+                </p:stCondLst>
+                <p:endSync evt="end" delay="0">
+                  <p:rtn val="all"/>
+                </p:endSync>
+                <p:childTnLst>
+                  <p:par>
+                    <p:cTn id="9" fill="hold">
+                      <p:stCondLst>
+                        <p:cond delay="0"/>
+                      </p:stCondLst>
+                      <p:childTnLst>
+                        <p:par>
+                          <p:cTn id="10" fill="hold">
+                            <p:stCondLst>
+                              <p:cond delay="0"/>
+                            </p:stCondLst>
+                            <p:childTnLst>
+                              <p:par>
+                                <p:cTn id="11" presetID="2" presetClass="mediacall" presetSubtype="0" fill="hold" nodeType="clickEffect">
+                                  <p:stCondLst>
+                                    <p:cond delay="0"/>
+                                  </p:stCondLst>
+                                  <p:childTnLst>
+                                    <p:cmd type="call" cmd="togglePause">
+                                      <p:cBhvr>
+                                        <p:cTn id="12" dur="1" fill="hold"/>
+                                        <p:tgtEl>
+                                          <p:spTgt spid="2"/>
+                                        </p:tgtEl>
+                                      </p:cBhvr>
+                                    </p:cmd>
+                                  </p:childTnLst>
+                                </p:cTn>
+                              </p:par>
+                            </p:childTnLst>
+                          </p:cTn>
+                        </p:par>
+                      </p:childTnLst>
+                    </p:cTn>
+                  </p:par>
+                </p:childTnLst>
+              </p:cTn>
+              <p:nextCondLst>
+                <p:cond evt="onClick" delay="0">
+                  <p:tgtEl>
+                    <p:spTgt spid="2"/>
                   </p:tgtEl>
                 </p:cond>
               </p:nextCondLst>
@@ -10693,11 +11636,11 @@
 </file>
 
 <file path=ppt/slides/slide2.xml><?xml version="1.0" encoding="utf-8"?>
-<p:sld xmlns:a="http://schemas.openxmlformats.org/drawingml/2006/main" xmlns:r="http://schemas.openxmlformats.org/officeDocument/2006/relationships" xmlns:mc="http://schemas.openxmlformats.org/markup-compatibility/2006" xmlns:mv="urn:schemas-microsoft-com:mac:vml" xmlns:p="http://schemas.openxmlformats.org/presentationml/2006/main" xmlns:c="http://schemas.openxmlformats.org/drawingml/2006/chart" xmlns:dgm="http://schemas.openxmlformats.org/drawingml/2006/diagram" xmlns:o="urn:schemas-microsoft-com:office:office" xmlns:v="urn:schemas-microsoft-com:vml" xmlns:pvml="urn:schemas-microsoft-com:office:powerpoint" xmlns:com="http://schemas.openxmlformats.org/drawingml/2006/compatibility" xmlns:p14="http://schemas.microsoft.com/office/powerpoint/2010/main" xmlns:p15="http://schemas.microsoft.com/office/powerpoint/2012/main" xmlns:ahyp="http://schemas.microsoft.com/office/drawing/2018/hyperlinkcolor">
+<p:sld xmlns:a="http://schemas.openxmlformats.org/drawingml/2006/main" xmlns:r="http://schemas.openxmlformats.org/officeDocument/2006/relationships" xmlns:p="http://schemas.openxmlformats.org/presentationml/2006/main">
   <p:cSld>
     <p:spTree>
       <p:nvGrpSpPr>
-        <p:cNvPr id="139" name="Shape 139"/>
+        <p:cNvPr id="1" name="Shape 139"/>
         <p:cNvGrpSpPr/>
         <p:nvPr/>
       </p:nvGrpSpPr>
@@ -10712,7 +11655,9 @@
       <p:sp>
         <p:nvSpPr>
           <p:cNvPr id="140" name="Google Shape;140;p14"/>
-          <p:cNvSpPr txBox="1"/>
+          <p:cNvSpPr txBox="1">
+            <a:spLocks noGrp="1"/>
+          </p:cNvSpPr>
           <p:nvPr>
             <p:ph type="title"/>
           </p:nvPr>
@@ -10727,12 +11672,12 @@
           </a:prstGeom>
         </p:spPr>
         <p:txBody>
-          <a:bodyPr anchorCtr="0" anchor="t" bIns="91425" lIns="91425" spcFirstLastPara="1" rIns="91425" wrap="square" tIns="91425">
+          <a:bodyPr spcFirstLastPara="1" wrap="square" lIns="91425" tIns="91425" rIns="91425" bIns="91425" anchor="t" anchorCtr="0">
             <a:normAutofit/>
           </a:bodyPr>
           <a:lstStyle/>
           <a:p>
-            <a:pPr indent="0" lvl="0" marL="0" rtl="0" algn="l">
+            <a:pPr marL="0" lvl="0" indent="0" algn="l" rtl="0">
               <a:spcBef>
                 <a:spcPts val="0"/>
               </a:spcBef>
@@ -10752,9 +11697,11 @@
       <p:sp>
         <p:nvSpPr>
           <p:cNvPr id="141" name="Google Shape;141;p14"/>
-          <p:cNvSpPr txBox="1"/>
+          <p:cNvSpPr txBox="1">
+            <a:spLocks noGrp="1"/>
+          </p:cNvSpPr>
           <p:nvPr>
-            <p:ph idx="1" type="body"/>
+            <p:ph type="body" idx="1"/>
           </p:nvPr>
         </p:nvSpPr>
         <p:spPr>
@@ -10767,12 +11714,12 @@
           </a:prstGeom>
         </p:spPr>
         <p:txBody>
-          <a:bodyPr anchorCtr="0" anchor="t" bIns="91425" lIns="91425" spcFirstLastPara="1" rIns="91425" wrap="square" tIns="91425">
+          <a:bodyPr spcFirstLastPara="1" wrap="square" lIns="91425" tIns="91425" rIns="91425" bIns="91425" anchor="t" anchorCtr="0">
             <a:normAutofit/>
           </a:bodyPr>
           <a:lstStyle/>
           <a:p>
-            <a:pPr indent="-361950" lvl="0" marL="457200" rtl="0" algn="l">
+            <a:pPr marL="457200" lvl="0" indent="-361950" algn="l" rtl="0">
               <a:spcBef>
                 <a:spcPts val="0"/>
               </a:spcBef>
@@ -10789,7 +11736,7 @@
             <a:endParaRPr sz="2100"/>
           </a:p>
           <a:p>
-            <a:pPr indent="-361950" lvl="0" marL="457200" rtl="0" algn="l">
+            <a:pPr marL="457200" lvl="0" indent="-361950" algn="l" rtl="0">
               <a:spcBef>
                 <a:spcPts val="0"/>
               </a:spcBef>
@@ -10806,7 +11753,7 @@
             <a:endParaRPr sz="2100"/>
           </a:p>
           <a:p>
-            <a:pPr indent="-361950" lvl="0" marL="457200" rtl="0" algn="l">
+            <a:pPr marL="457200" lvl="0" indent="-361950" algn="l" rtl="0">
               <a:spcBef>
                 <a:spcPts val="0"/>
               </a:spcBef>
@@ -10823,7 +11770,7 @@
             <a:endParaRPr sz="2100"/>
           </a:p>
           <a:p>
-            <a:pPr indent="-361950" lvl="0" marL="457200" rtl="0" algn="l">
+            <a:pPr marL="457200" lvl="0" indent="-361950" algn="l" rtl="0">
               <a:spcBef>
                 <a:spcPts val="0"/>
               </a:spcBef>
@@ -10850,11 +11797,11 @@
 </file>
 
 <file path=ppt/slides/slide3.xml><?xml version="1.0" encoding="utf-8"?>
-<p:sld xmlns:a="http://schemas.openxmlformats.org/drawingml/2006/main" xmlns:r="http://schemas.openxmlformats.org/officeDocument/2006/relationships" xmlns:mc="http://schemas.openxmlformats.org/markup-compatibility/2006" xmlns:mv="urn:schemas-microsoft-com:mac:vml" xmlns:p="http://schemas.openxmlformats.org/presentationml/2006/main" xmlns:c="http://schemas.openxmlformats.org/drawingml/2006/chart" xmlns:dgm="http://schemas.openxmlformats.org/drawingml/2006/diagram" xmlns:o="urn:schemas-microsoft-com:office:office" xmlns:v="urn:schemas-microsoft-com:vml" xmlns:pvml="urn:schemas-microsoft-com:office:powerpoint" xmlns:com="http://schemas.openxmlformats.org/drawingml/2006/compatibility" xmlns:p14="http://schemas.microsoft.com/office/powerpoint/2010/main" xmlns:p15="http://schemas.microsoft.com/office/powerpoint/2012/main" xmlns:ahyp="http://schemas.microsoft.com/office/drawing/2018/hyperlinkcolor">
+<p:sld xmlns:a="http://schemas.openxmlformats.org/drawingml/2006/main" xmlns:r="http://schemas.openxmlformats.org/officeDocument/2006/relationships" xmlns:p="http://schemas.openxmlformats.org/presentationml/2006/main">
   <p:cSld>
     <p:spTree>
       <p:nvGrpSpPr>
-        <p:cNvPr id="145" name="Shape 145"/>
+        <p:cNvPr id="1" name="Shape 145"/>
         <p:cNvGrpSpPr/>
         <p:nvPr/>
       </p:nvGrpSpPr>
@@ -10869,7 +11816,9 @@
       <p:sp>
         <p:nvSpPr>
           <p:cNvPr id="146" name="Google Shape;146;p15"/>
-          <p:cNvSpPr txBox="1"/>
+          <p:cNvSpPr txBox="1">
+            <a:spLocks noGrp="1"/>
+          </p:cNvSpPr>
           <p:nvPr>
             <p:ph type="title"/>
           </p:nvPr>
@@ -10884,12 +11833,12 @@
           </a:prstGeom>
         </p:spPr>
         <p:txBody>
-          <a:bodyPr anchorCtr="0" anchor="t" bIns="91425" lIns="91425" spcFirstLastPara="1" rIns="91425" wrap="square" tIns="91425">
+          <a:bodyPr spcFirstLastPara="1" wrap="square" lIns="91425" tIns="91425" rIns="91425" bIns="91425" anchor="t" anchorCtr="0">
             <a:normAutofit/>
           </a:bodyPr>
           <a:lstStyle/>
           <a:p>
-            <a:pPr indent="0" lvl="0" marL="0" rtl="0" algn="l">
+            <a:pPr marL="0" lvl="0" indent="0" algn="l" rtl="0">
               <a:spcBef>
                 <a:spcPts val="0"/>
               </a:spcBef>
@@ -10909,9 +11858,11 @@
       <p:sp>
         <p:nvSpPr>
           <p:cNvPr id="147" name="Google Shape;147;p15"/>
-          <p:cNvSpPr txBox="1"/>
+          <p:cNvSpPr txBox="1">
+            <a:spLocks noGrp="1"/>
+          </p:cNvSpPr>
           <p:nvPr>
-            <p:ph idx="1" type="body"/>
+            <p:ph type="body" idx="1"/>
           </p:nvPr>
         </p:nvSpPr>
         <p:spPr>
@@ -10924,12 +11875,12 @@
           </a:prstGeom>
         </p:spPr>
         <p:txBody>
-          <a:bodyPr anchorCtr="0" anchor="t" bIns="91425" lIns="91425" spcFirstLastPara="1" rIns="91425" wrap="square" tIns="91425">
+          <a:bodyPr spcFirstLastPara="1" wrap="square" lIns="91425" tIns="91425" rIns="91425" bIns="91425" anchor="t" anchorCtr="0">
             <a:normAutofit/>
           </a:bodyPr>
           <a:lstStyle/>
           <a:p>
-            <a:pPr indent="0" lvl="0" marL="0" rtl="0" algn="l">
+            <a:pPr marL="0" lvl="0" indent="0" algn="l" rtl="0">
               <a:spcBef>
                 <a:spcPts val="0"/>
               </a:spcBef>
@@ -10955,11 +11906,11 @@
 </file>
 
 <file path=ppt/slides/slide4.xml><?xml version="1.0" encoding="utf-8"?>
-<p:sld xmlns:a="http://schemas.openxmlformats.org/drawingml/2006/main" xmlns:r="http://schemas.openxmlformats.org/officeDocument/2006/relationships" xmlns:mc="http://schemas.openxmlformats.org/markup-compatibility/2006" xmlns:mv="urn:schemas-microsoft-com:mac:vml" xmlns:p="http://schemas.openxmlformats.org/presentationml/2006/main" xmlns:c="http://schemas.openxmlformats.org/drawingml/2006/chart" xmlns:dgm="http://schemas.openxmlformats.org/drawingml/2006/diagram" xmlns:o="urn:schemas-microsoft-com:office:office" xmlns:v="urn:schemas-microsoft-com:vml" xmlns:pvml="urn:schemas-microsoft-com:office:powerpoint" xmlns:com="http://schemas.openxmlformats.org/drawingml/2006/compatibility" xmlns:p14="http://schemas.microsoft.com/office/powerpoint/2010/main" xmlns:p15="http://schemas.microsoft.com/office/powerpoint/2012/main" xmlns:ahyp="http://schemas.microsoft.com/office/drawing/2018/hyperlinkcolor">
+<p:sld xmlns:a="http://schemas.openxmlformats.org/drawingml/2006/main" xmlns:r="http://schemas.openxmlformats.org/officeDocument/2006/relationships" xmlns:p="http://schemas.openxmlformats.org/presentationml/2006/main">
   <p:cSld>
     <p:spTree>
       <p:nvGrpSpPr>
-        <p:cNvPr id="151" name="Shape 151"/>
+        <p:cNvPr id="1" name="Shape 151"/>
         <p:cNvGrpSpPr/>
         <p:nvPr/>
       </p:nvGrpSpPr>
@@ -10974,7 +11925,9 @@
       <p:sp>
         <p:nvSpPr>
           <p:cNvPr id="152" name="Google Shape;152;p16"/>
-          <p:cNvSpPr txBox="1"/>
+          <p:cNvSpPr txBox="1">
+            <a:spLocks noGrp="1"/>
+          </p:cNvSpPr>
           <p:nvPr>
             <p:ph type="title"/>
           </p:nvPr>
@@ -10989,12 +11942,12 @@
           </a:prstGeom>
         </p:spPr>
         <p:txBody>
-          <a:bodyPr anchorCtr="0" anchor="t" bIns="91425" lIns="91425" spcFirstLastPara="1" rIns="91425" wrap="square" tIns="91425">
+          <a:bodyPr spcFirstLastPara="1" wrap="square" lIns="91425" tIns="91425" rIns="91425" bIns="91425" anchor="t" anchorCtr="0">
             <a:normAutofit/>
           </a:bodyPr>
           <a:lstStyle/>
           <a:p>
-            <a:pPr indent="0" lvl="0" marL="0" rtl="0" algn="l">
+            <a:pPr marL="0" lvl="0" indent="0" algn="l" rtl="0">
               <a:spcBef>
                 <a:spcPts val="0"/>
               </a:spcBef>
@@ -11014,9 +11967,11 @@
       <p:sp>
         <p:nvSpPr>
           <p:cNvPr id="153" name="Google Shape;153;p16"/>
-          <p:cNvSpPr txBox="1"/>
+          <p:cNvSpPr txBox="1">
+            <a:spLocks noGrp="1"/>
+          </p:cNvSpPr>
           <p:nvPr>
-            <p:ph idx="1" type="body"/>
+            <p:ph type="body" idx="1"/>
           </p:nvPr>
         </p:nvSpPr>
         <p:spPr>
@@ -11029,12 +11984,12 @@
           </a:prstGeom>
         </p:spPr>
         <p:txBody>
-          <a:bodyPr anchorCtr="0" anchor="t" bIns="91425" lIns="91425" spcFirstLastPara="1" rIns="91425" wrap="square" tIns="91425">
+          <a:bodyPr spcFirstLastPara="1" wrap="square" lIns="91425" tIns="91425" rIns="91425" bIns="91425" anchor="t" anchorCtr="0">
             <a:normAutofit/>
           </a:bodyPr>
           <a:lstStyle/>
           <a:p>
-            <a:pPr indent="-323850" lvl="0" marL="457200" rtl="0" algn="l">
+            <a:pPr marL="457200" lvl="0" indent="-323850" algn="l" rtl="0">
               <a:spcBef>
                 <a:spcPts val="0"/>
               </a:spcBef>
@@ -11045,13 +12000,13 @@
               <a:buChar char="●"/>
             </a:pPr>
             <a:r>
-              <a:rPr lang="en" sz="1500"/>
+              <a:rPr lang="en" sz="1500" dirty="0"/>
               <a:t>CS Department Slack: </a:t>
             </a:r>
-            <a:endParaRPr sz="1500"/>
+            <a:endParaRPr sz="1500" dirty="0"/>
           </a:p>
           <a:p>
-            <a:pPr indent="-311150" lvl="1" marL="914400" rtl="0" algn="l">
+            <a:pPr marL="914400" lvl="1" indent="-311150" algn="l" rtl="0">
               <a:spcBef>
                 <a:spcPts val="0"/>
               </a:spcBef>
@@ -11062,17 +12017,17 @@
               <a:buChar char="○"/>
             </a:pPr>
             <a:r>
-              <a:rPr lang="en" sz="1300"/>
+              <a:rPr lang="en" sz="1300" dirty="0"/>
               <a:t>Please join!  </a:t>
             </a:r>
             <a:r>
-              <a:rPr b="1" lang="en" sz="1300"/>
-              <a:t>http://rhodes-cs.slack.com</a:t>
+              <a:rPr lang="en" sz="1300" b="1" dirty="0"/>
+              <a:t>https://rhodes-cs.slack.com</a:t>
             </a:r>
-            <a:endParaRPr b="1" sz="1300"/>
+            <a:endParaRPr sz="1300" b="1" dirty="0"/>
           </a:p>
           <a:p>
-            <a:pPr indent="-323850" lvl="0" marL="457200" rtl="0" algn="l">
+            <a:pPr marL="457200" lvl="0" indent="-323850" algn="l" rtl="0">
               <a:spcBef>
                 <a:spcPts val="0"/>
               </a:spcBef>
@@ -11083,13 +12038,13 @@
               <a:buChar char="●"/>
             </a:pPr>
             <a:r>
-              <a:rPr lang="en" sz="1500"/>
+              <a:rPr lang="en" sz="1500" dirty="0"/>
               <a:t>Course Structure for CS:</a:t>
             </a:r>
-            <a:endParaRPr sz="1500"/>
+            <a:endParaRPr sz="1500" dirty="0"/>
           </a:p>
           <a:p>
-            <a:pPr indent="-311150" lvl="1" marL="914400" rtl="0" algn="l">
+            <a:pPr marL="914400" lvl="1" indent="-311150" algn="l" rtl="0">
               <a:spcBef>
                 <a:spcPts val="0"/>
               </a:spcBef>
@@ -11100,10 +12055,10 @@
               <a:buChar char="○"/>
             </a:pPr>
             <a:r>
-              <a:rPr lang="en" sz="1300"/>
+              <a:rPr lang="en" sz="1300" dirty="0"/>
               <a:t>COMP 172?</a:t>
             </a:r>
-            <a:endParaRPr sz="1300"/>
+            <a:endParaRPr sz="1300" dirty="0"/>
           </a:p>
         </p:txBody>
       </p:sp>
@@ -11116,11 +12071,11 @@
 </file>
 
 <file path=ppt/slides/slide5.xml><?xml version="1.0" encoding="utf-8"?>
-<p:sld xmlns:a="http://schemas.openxmlformats.org/drawingml/2006/main" xmlns:r="http://schemas.openxmlformats.org/officeDocument/2006/relationships" xmlns:mc="http://schemas.openxmlformats.org/markup-compatibility/2006" xmlns:mv="urn:schemas-microsoft-com:mac:vml" xmlns:p="http://schemas.openxmlformats.org/presentationml/2006/main" xmlns:c="http://schemas.openxmlformats.org/drawingml/2006/chart" xmlns:dgm="http://schemas.openxmlformats.org/drawingml/2006/diagram" xmlns:o="urn:schemas-microsoft-com:office:office" xmlns:v="urn:schemas-microsoft-com:vml" xmlns:pvml="urn:schemas-microsoft-com:office:powerpoint" xmlns:com="http://schemas.openxmlformats.org/drawingml/2006/compatibility" xmlns:p14="http://schemas.microsoft.com/office/powerpoint/2010/main" xmlns:p15="http://schemas.microsoft.com/office/powerpoint/2012/main" xmlns:ahyp="http://schemas.microsoft.com/office/drawing/2018/hyperlinkcolor">
+<p:sld xmlns:a="http://schemas.openxmlformats.org/drawingml/2006/main" xmlns:r="http://schemas.openxmlformats.org/officeDocument/2006/relationships" xmlns:p="http://schemas.openxmlformats.org/presentationml/2006/main">
   <p:cSld>
     <p:spTree>
       <p:nvGrpSpPr>
-        <p:cNvPr id="157" name="Shape 157"/>
+        <p:cNvPr id="1" name="Shape 157"/>
         <p:cNvGrpSpPr/>
         <p:nvPr/>
       </p:nvGrpSpPr>
@@ -11135,7 +12090,9 @@
       <p:sp>
         <p:nvSpPr>
           <p:cNvPr id="158" name="Google Shape;158;p17"/>
-          <p:cNvSpPr txBox="1"/>
+          <p:cNvSpPr txBox="1">
+            <a:spLocks noGrp="1"/>
+          </p:cNvSpPr>
           <p:nvPr>
             <p:ph type="title"/>
           </p:nvPr>
@@ -11150,12 +12107,12 @@
           </a:prstGeom>
         </p:spPr>
         <p:txBody>
-          <a:bodyPr anchorCtr="0" anchor="t" bIns="91425" lIns="91425" spcFirstLastPara="1" rIns="91425" wrap="square" tIns="91425">
+          <a:bodyPr spcFirstLastPara="1" wrap="square" lIns="91425" tIns="91425" rIns="91425" bIns="91425" anchor="t" anchorCtr="0">
             <a:normAutofit/>
           </a:bodyPr>
           <a:lstStyle/>
           <a:p>
-            <a:pPr indent="0" lvl="0" marL="0" rtl="0" algn="l">
+            <a:pPr marL="0" lvl="0" indent="0" algn="l" rtl="0">
               <a:spcBef>
                 <a:spcPts val="0"/>
               </a:spcBef>
@@ -11175,9 +12132,11 @@
       <p:sp>
         <p:nvSpPr>
           <p:cNvPr id="159" name="Google Shape;159;p17"/>
-          <p:cNvSpPr txBox="1"/>
+          <p:cNvSpPr txBox="1">
+            <a:spLocks noGrp="1"/>
+          </p:cNvSpPr>
           <p:nvPr>
-            <p:ph idx="1" type="body"/>
+            <p:ph type="body" idx="1"/>
           </p:nvPr>
         </p:nvSpPr>
         <p:spPr>
@@ -11190,12 +12149,12 @@
           </a:prstGeom>
         </p:spPr>
         <p:txBody>
-          <a:bodyPr anchorCtr="0" anchor="t" bIns="91425" lIns="91425" spcFirstLastPara="1" rIns="91425" wrap="square" tIns="91425">
+          <a:bodyPr spcFirstLastPara="1" wrap="square" lIns="91425" tIns="91425" rIns="91425" bIns="91425" anchor="t" anchorCtr="0">
             <a:noAutofit/>
           </a:bodyPr>
           <a:lstStyle/>
           <a:p>
-            <a:pPr indent="0" lvl="0" marL="0" rtl="0" algn="l">
+            <a:pPr marL="0" lvl="0" indent="0" algn="l" rtl="0">
               <a:lnSpc>
                 <a:spcPct val="95000"/>
               </a:lnSpc>
@@ -11215,7 +12174,7 @@
             <a:endParaRPr sz="1500"/>
           </a:p>
           <a:p>
-            <a:pPr indent="-323850" lvl="0" marL="457200" rtl="0" algn="l">
+            <a:pPr marL="457200" lvl="0" indent="-323850" algn="l" rtl="0">
               <a:lnSpc>
                 <a:spcPct val="95000"/>
               </a:lnSpc>
@@ -11235,7 +12194,7 @@
             <a:endParaRPr sz="1500"/>
           </a:p>
           <a:p>
-            <a:pPr indent="-323850" lvl="1" marL="914400" rtl="0" algn="l">
+            <a:pPr marL="914400" lvl="1" indent="-323850" algn="l" rtl="0">
               <a:lnSpc>
                 <a:spcPct val="95000"/>
               </a:lnSpc>
@@ -11255,7 +12214,7 @@
             <a:endParaRPr sz="1500"/>
           </a:p>
           <a:p>
-            <a:pPr indent="-323850" lvl="1" marL="914400" rtl="0" algn="l">
+            <a:pPr marL="914400" lvl="1" indent="-323850" algn="l" rtl="0">
               <a:lnSpc>
                 <a:spcPct val="95000"/>
               </a:lnSpc>
@@ -11275,7 +12234,7 @@
             <a:endParaRPr sz="1500"/>
           </a:p>
           <a:p>
-            <a:pPr indent="-323850" lvl="1" marL="914400" rtl="0" algn="l">
+            <a:pPr marL="914400" lvl="1" indent="-323850" algn="l" rtl="0">
               <a:lnSpc>
                 <a:spcPct val="95000"/>
               </a:lnSpc>
@@ -11295,7 +12254,7 @@
             <a:endParaRPr sz="1500"/>
           </a:p>
           <a:p>
-            <a:pPr indent="-323850" lvl="1" marL="914400" rtl="0" algn="l">
+            <a:pPr marL="914400" lvl="1" indent="-323850" algn="l" rtl="0">
               <a:lnSpc>
                 <a:spcPct val="95000"/>
               </a:lnSpc>
@@ -11315,7 +12274,7 @@
             <a:endParaRPr sz="1500"/>
           </a:p>
           <a:p>
-            <a:pPr indent="-323850" lvl="1" marL="914400" rtl="0" algn="l">
+            <a:pPr marL="914400" lvl="1" indent="-323850" algn="l" rtl="0">
               <a:lnSpc>
                 <a:spcPct val="95000"/>
               </a:lnSpc>
@@ -11338,7 +12297,7 @@
             <a:endParaRPr sz="1500"/>
           </a:p>
           <a:p>
-            <a:pPr indent="-323850" lvl="0" marL="457200" rtl="0" algn="l">
+            <a:pPr marL="457200" lvl="0" indent="-323850" algn="l" rtl="0">
               <a:lnSpc>
                 <a:spcPct val="95000"/>
               </a:lnSpc>
@@ -11358,7 +12317,7 @@
             <a:endParaRPr sz="1500"/>
           </a:p>
           <a:p>
-            <a:pPr indent="-323850" lvl="1" marL="914400" rtl="0" algn="l">
+            <a:pPr marL="914400" lvl="1" indent="-323850" algn="l" rtl="0">
               <a:lnSpc>
                 <a:spcPct val="95000"/>
               </a:lnSpc>
@@ -11378,7 +12337,7 @@
             <a:endParaRPr sz="1500"/>
           </a:p>
           <a:p>
-            <a:pPr indent="-323850" lvl="1" marL="914400" rtl="0" algn="l">
+            <a:pPr marL="914400" lvl="1" indent="-323850" algn="l" rtl="0">
               <a:lnSpc>
                 <a:spcPct val="95000"/>
               </a:lnSpc>
@@ -11398,7 +12357,7 @@
             <a:endParaRPr sz="1500"/>
           </a:p>
           <a:p>
-            <a:pPr indent="-323850" lvl="2" marL="1371600" rtl="0" algn="l">
+            <a:pPr marL="1371600" lvl="2" indent="-323850" algn="l" rtl="0">
               <a:lnSpc>
                 <a:spcPct val="95000"/>
               </a:lnSpc>
@@ -11418,7 +12377,7 @@
             <a:endParaRPr sz="1500"/>
           </a:p>
           <a:p>
-            <a:pPr indent="-323850" lvl="2" marL="1371600" rtl="0" algn="l">
+            <a:pPr marL="1371600" lvl="2" indent="-323850" algn="l" rtl="0">
               <a:lnSpc>
                 <a:spcPct val="95000"/>
               </a:lnSpc>
@@ -11448,11 +12407,11 @@
 </file>
 
 <file path=ppt/slides/slide6.xml><?xml version="1.0" encoding="utf-8"?>
-<p:sld xmlns:a="http://schemas.openxmlformats.org/drawingml/2006/main" xmlns:r="http://schemas.openxmlformats.org/officeDocument/2006/relationships" xmlns:mc="http://schemas.openxmlformats.org/markup-compatibility/2006" xmlns:mv="urn:schemas-microsoft-com:mac:vml" xmlns:p="http://schemas.openxmlformats.org/presentationml/2006/main" xmlns:c="http://schemas.openxmlformats.org/drawingml/2006/chart" xmlns:dgm="http://schemas.openxmlformats.org/drawingml/2006/diagram" xmlns:o="urn:schemas-microsoft-com:office:office" xmlns:v="urn:schemas-microsoft-com:vml" xmlns:pvml="urn:schemas-microsoft-com:office:powerpoint" xmlns:com="http://schemas.openxmlformats.org/drawingml/2006/compatibility" xmlns:p14="http://schemas.microsoft.com/office/powerpoint/2010/main" xmlns:p15="http://schemas.microsoft.com/office/powerpoint/2012/main" xmlns:ahyp="http://schemas.microsoft.com/office/drawing/2018/hyperlinkcolor">
+<p:sld xmlns:a="http://schemas.openxmlformats.org/drawingml/2006/main" xmlns:r="http://schemas.openxmlformats.org/officeDocument/2006/relationships" xmlns:p="http://schemas.openxmlformats.org/presentationml/2006/main">
   <p:cSld>
     <p:spTree>
       <p:nvGrpSpPr>
-        <p:cNvPr id="163" name="Shape 163"/>
+        <p:cNvPr id="1" name="Shape 163"/>
         <p:cNvGrpSpPr/>
         <p:nvPr/>
       </p:nvGrpSpPr>
@@ -11467,7 +12426,9 @@
       <p:sp>
         <p:nvSpPr>
           <p:cNvPr id="164" name="Google Shape;164;p18"/>
-          <p:cNvSpPr txBox="1"/>
+          <p:cNvSpPr txBox="1">
+            <a:spLocks noGrp="1"/>
+          </p:cNvSpPr>
           <p:nvPr>
             <p:ph type="title"/>
           </p:nvPr>
@@ -11482,12 +12443,12 @@
           </a:prstGeom>
         </p:spPr>
         <p:txBody>
-          <a:bodyPr anchorCtr="0" anchor="t" bIns="91425" lIns="91425" spcFirstLastPara="1" rIns="91425" wrap="square" tIns="91425">
+          <a:bodyPr spcFirstLastPara="1" wrap="square" lIns="91425" tIns="91425" rIns="91425" bIns="91425" anchor="t" anchorCtr="0">
             <a:normAutofit/>
           </a:bodyPr>
           <a:lstStyle/>
           <a:p>
-            <a:pPr indent="0" lvl="0" marL="0" rtl="0" algn="l">
+            <a:pPr marL="0" lvl="0" indent="0" algn="l" rtl="0">
               <a:spcBef>
                 <a:spcPts val="0"/>
               </a:spcBef>
@@ -11507,9 +12468,11 @@
       <p:sp>
         <p:nvSpPr>
           <p:cNvPr id="165" name="Google Shape;165;p18"/>
-          <p:cNvSpPr txBox="1"/>
+          <p:cNvSpPr txBox="1">
+            <a:spLocks noGrp="1"/>
+          </p:cNvSpPr>
           <p:nvPr>
-            <p:ph idx="1" type="body"/>
+            <p:ph type="body" idx="1"/>
           </p:nvPr>
         </p:nvSpPr>
         <p:spPr>
@@ -11522,12 +12485,12 @@
           </a:prstGeom>
         </p:spPr>
         <p:txBody>
-          <a:bodyPr anchorCtr="0" anchor="t" bIns="91425" lIns="91425" spcFirstLastPara="1" rIns="91425" wrap="square" tIns="91425">
+          <a:bodyPr spcFirstLastPara="1" wrap="square" lIns="91425" tIns="91425" rIns="91425" bIns="91425" anchor="t" anchorCtr="0">
             <a:normAutofit/>
           </a:bodyPr>
           <a:lstStyle/>
           <a:p>
-            <a:pPr indent="0" lvl="0" marL="0" rtl="0" algn="l">
+            <a:pPr marL="0" lvl="0" indent="0" algn="l" rtl="0">
               <a:spcBef>
                 <a:spcPts val="0"/>
               </a:spcBef>
@@ -11537,13 +12500,13 @@
               <a:buNone/>
             </a:pPr>
             <a:r>
-              <a:rPr lang="en" sz="3000"/>
+              <a:rPr lang="en" sz="3000" dirty="0"/>
               <a:t>Programming Projects	40%</a:t>
             </a:r>
-            <a:endParaRPr sz="3000"/>
+            <a:endParaRPr sz="3000" dirty="0"/>
           </a:p>
           <a:p>
-            <a:pPr indent="0" lvl="0" marL="0" rtl="0" algn="l">
+            <a:pPr marL="0" lvl="0" indent="0" algn="l" rtl="0">
               <a:spcBef>
                 <a:spcPts val="1200"/>
               </a:spcBef>
@@ -11553,13 +12516,13 @@
               <a:buNone/>
             </a:pPr>
             <a:r>
-              <a:rPr lang="en" sz="3000"/>
+              <a:rPr lang="en" sz="3000" dirty="0"/>
               <a:t>Labs and Homework 		20%</a:t>
             </a:r>
-            <a:endParaRPr sz="3000"/>
+            <a:endParaRPr sz="3000" dirty="0"/>
           </a:p>
           <a:p>
-            <a:pPr indent="0" lvl="0" marL="0" rtl="0" algn="l">
+            <a:pPr marL="0" lvl="0" indent="0" algn="l" rtl="0">
               <a:spcBef>
                 <a:spcPts val="1200"/>
               </a:spcBef>
@@ -11569,13 +12532,13 @@
               <a:buNone/>
             </a:pPr>
             <a:r>
-              <a:rPr lang="en" sz="3000"/>
-              <a:t>Midterms 1 and 2			12.5% each</a:t>
+              <a:rPr lang="en" sz="3000" dirty="0"/>
+              <a:t>Midterms 1 and 2		12.5% each</a:t>
             </a:r>
-            <a:endParaRPr sz="3000"/>
+            <a:endParaRPr sz="3000" dirty="0"/>
           </a:p>
           <a:p>
-            <a:pPr indent="0" lvl="0" marL="0" rtl="0" algn="l">
+            <a:pPr marL="0" lvl="0" indent="0" algn="l" rtl="0">
               <a:spcBef>
                 <a:spcPts val="1200"/>
               </a:spcBef>
@@ -11585,10 +12548,10 @@
               <a:buNone/>
             </a:pPr>
             <a:r>
-              <a:rPr lang="en" sz="3000"/>
-              <a:t>Final								15%</a:t>
+              <a:rPr lang="en" sz="3000" dirty="0"/>
+              <a:t>Final					15%</a:t>
             </a:r>
-            <a:endParaRPr sz="3000"/>
+            <a:endParaRPr sz="3000" dirty="0"/>
           </a:p>
         </p:txBody>
       </p:sp>
@@ -11601,11 +12564,11 @@
 </file>
 
 <file path=ppt/slides/slide7.xml><?xml version="1.0" encoding="utf-8"?>
-<p:sld xmlns:a="http://schemas.openxmlformats.org/drawingml/2006/main" xmlns:r="http://schemas.openxmlformats.org/officeDocument/2006/relationships" xmlns:mc="http://schemas.openxmlformats.org/markup-compatibility/2006" xmlns:mv="urn:schemas-microsoft-com:mac:vml" xmlns:p="http://schemas.openxmlformats.org/presentationml/2006/main" xmlns:c="http://schemas.openxmlformats.org/drawingml/2006/chart" xmlns:dgm="http://schemas.openxmlformats.org/drawingml/2006/diagram" xmlns:o="urn:schemas-microsoft-com:office:office" xmlns:v="urn:schemas-microsoft-com:vml" xmlns:pvml="urn:schemas-microsoft-com:office:powerpoint" xmlns:com="http://schemas.openxmlformats.org/drawingml/2006/compatibility" xmlns:p14="http://schemas.microsoft.com/office/powerpoint/2010/main" xmlns:p15="http://schemas.microsoft.com/office/powerpoint/2012/main" xmlns:ahyp="http://schemas.microsoft.com/office/drawing/2018/hyperlinkcolor">
+<p:sld xmlns:a="http://schemas.openxmlformats.org/drawingml/2006/main" xmlns:r="http://schemas.openxmlformats.org/officeDocument/2006/relationships" xmlns:p="http://schemas.openxmlformats.org/presentationml/2006/main">
   <p:cSld>
     <p:spTree>
       <p:nvGrpSpPr>
-        <p:cNvPr id="169" name="Shape 169"/>
+        <p:cNvPr id="1" name="Shape 169"/>
         <p:cNvGrpSpPr/>
         <p:nvPr/>
       </p:nvGrpSpPr>
@@ -11620,7 +12583,9 @@
       <p:sp>
         <p:nvSpPr>
           <p:cNvPr id="170" name="Google Shape;170;p19"/>
-          <p:cNvSpPr txBox="1"/>
+          <p:cNvSpPr txBox="1">
+            <a:spLocks noGrp="1"/>
+          </p:cNvSpPr>
           <p:nvPr>
             <p:ph type="title"/>
           </p:nvPr>
@@ -11635,12 +12600,12 @@
           </a:prstGeom>
         </p:spPr>
         <p:txBody>
-          <a:bodyPr anchorCtr="0" anchor="t" bIns="91425" lIns="91425" spcFirstLastPara="1" rIns="91425" wrap="square" tIns="91425">
+          <a:bodyPr spcFirstLastPara="1" wrap="square" lIns="91425" tIns="91425" rIns="91425" bIns="91425" anchor="t" anchorCtr="0">
             <a:normAutofit/>
           </a:bodyPr>
           <a:lstStyle/>
           <a:p>
-            <a:pPr indent="0" lvl="0" marL="0" rtl="0" algn="l">
+            <a:pPr marL="0" lvl="0" indent="0" algn="l" rtl="0">
               <a:spcBef>
                 <a:spcPts val="0"/>
               </a:spcBef>
@@ -11660,9 +12625,11 @@
       <p:sp>
         <p:nvSpPr>
           <p:cNvPr id="171" name="Google Shape;171;p19"/>
-          <p:cNvSpPr txBox="1"/>
+          <p:cNvSpPr txBox="1">
+            <a:spLocks noGrp="1"/>
+          </p:cNvSpPr>
           <p:nvPr>
-            <p:ph idx="1" type="body"/>
+            <p:ph type="body" idx="1"/>
           </p:nvPr>
         </p:nvSpPr>
         <p:spPr>
@@ -11675,12 +12642,12 @@
           </a:prstGeom>
         </p:spPr>
         <p:txBody>
-          <a:bodyPr anchorCtr="0" anchor="t" bIns="91425" lIns="91425" spcFirstLastPara="1" rIns="91425" wrap="square" tIns="91425">
+          <a:bodyPr spcFirstLastPara="1" wrap="square" lIns="91425" tIns="91425" rIns="91425" bIns="91425" anchor="t" anchorCtr="0">
             <a:noAutofit/>
           </a:bodyPr>
           <a:lstStyle/>
           <a:p>
-            <a:pPr indent="0" lvl="0" marL="0" rtl="0" algn="l">
+            <a:pPr marL="0" lvl="0" indent="0" algn="l" rtl="0">
               <a:spcBef>
                 <a:spcPts val="0"/>
               </a:spcBef>
@@ -11696,7 +12663,7 @@
             <a:endParaRPr sz="2100"/>
           </a:p>
           <a:p>
-            <a:pPr indent="-381000" lvl="0" marL="457200" rtl="0" algn="l">
+            <a:pPr marL="457200" lvl="0" indent="-381000" algn="l" rtl="0">
               <a:spcBef>
                 <a:spcPts val="1200"/>
               </a:spcBef>
@@ -11713,7 +12680,7 @@
             <a:endParaRPr sz="2400"/>
           </a:p>
           <a:p>
-            <a:pPr indent="-381000" lvl="0" marL="457200" rtl="0" algn="l">
+            <a:pPr marL="457200" lvl="0" indent="-381000" algn="l" rtl="0">
               <a:spcBef>
                 <a:spcPts val="0"/>
               </a:spcBef>
@@ -11740,11 +12707,11 @@
 </file>
 
 <file path=ppt/slides/slide8.xml><?xml version="1.0" encoding="utf-8"?>
-<p:sld xmlns:a="http://schemas.openxmlformats.org/drawingml/2006/main" xmlns:r="http://schemas.openxmlformats.org/officeDocument/2006/relationships" xmlns:mc="http://schemas.openxmlformats.org/markup-compatibility/2006" xmlns:mv="urn:schemas-microsoft-com:mac:vml" xmlns:p="http://schemas.openxmlformats.org/presentationml/2006/main" xmlns:c="http://schemas.openxmlformats.org/drawingml/2006/chart" xmlns:dgm="http://schemas.openxmlformats.org/drawingml/2006/diagram" xmlns:o="urn:schemas-microsoft-com:office:office" xmlns:v="urn:schemas-microsoft-com:vml" xmlns:pvml="urn:schemas-microsoft-com:office:powerpoint" xmlns:com="http://schemas.openxmlformats.org/drawingml/2006/compatibility" xmlns:p14="http://schemas.microsoft.com/office/powerpoint/2010/main" xmlns:p15="http://schemas.microsoft.com/office/powerpoint/2012/main" xmlns:ahyp="http://schemas.microsoft.com/office/drawing/2018/hyperlinkcolor">
+<p:sld xmlns:a="http://schemas.openxmlformats.org/drawingml/2006/main" xmlns:r="http://schemas.openxmlformats.org/officeDocument/2006/relationships" xmlns:p="http://schemas.openxmlformats.org/presentationml/2006/main">
   <p:cSld>
     <p:spTree>
       <p:nvGrpSpPr>
-        <p:cNvPr id="175" name="Shape 175"/>
+        <p:cNvPr id="1" name="Shape 175"/>
         <p:cNvGrpSpPr/>
         <p:nvPr/>
       </p:nvGrpSpPr>
@@ -11759,7 +12726,9 @@
       <p:sp>
         <p:nvSpPr>
           <p:cNvPr id="176" name="Google Shape;176;p20"/>
-          <p:cNvSpPr txBox="1"/>
+          <p:cNvSpPr txBox="1">
+            <a:spLocks noGrp="1"/>
+          </p:cNvSpPr>
           <p:nvPr>
             <p:ph type="title"/>
           </p:nvPr>
@@ -11774,12 +12743,12 @@
           </a:prstGeom>
         </p:spPr>
         <p:txBody>
-          <a:bodyPr anchorCtr="0" anchor="t" bIns="91425" lIns="91425" spcFirstLastPara="1" rIns="91425" wrap="square" tIns="91425">
+          <a:bodyPr spcFirstLastPara="1" wrap="square" lIns="91425" tIns="91425" rIns="91425" bIns="91425" anchor="t" anchorCtr="0">
             <a:normAutofit/>
           </a:bodyPr>
           <a:lstStyle/>
           <a:p>
-            <a:pPr indent="0" lvl="0" marL="0" rtl="0" algn="l">
+            <a:pPr marL="0" lvl="0" indent="0" algn="l" rtl="0">
               <a:spcBef>
                 <a:spcPts val="0"/>
               </a:spcBef>
@@ -11799,9 +12768,11 @@
       <p:sp>
         <p:nvSpPr>
           <p:cNvPr id="177" name="Google Shape;177;p20"/>
-          <p:cNvSpPr txBox="1"/>
+          <p:cNvSpPr txBox="1">
+            <a:spLocks noGrp="1"/>
+          </p:cNvSpPr>
           <p:nvPr>
-            <p:ph idx="1" type="body"/>
+            <p:ph type="body" idx="1"/>
           </p:nvPr>
         </p:nvSpPr>
         <p:spPr>
@@ -11814,12 +12785,12 @@
           </a:prstGeom>
         </p:spPr>
         <p:txBody>
-          <a:bodyPr anchorCtr="0" anchor="t" bIns="91425" lIns="91425" spcFirstLastPara="1" rIns="91425" wrap="square" tIns="91425">
+          <a:bodyPr spcFirstLastPara="1" wrap="square" lIns="91425" tIns="91425" rIns="91425" bIns="91425" anchor="t" anchorCtr="0">
             <a:normAutofit/>
           </a:bodyPr>
           <a:lstStyle/>
           <a:p>
-            <a:pPr indent="0" lvl="0" marL="0" rtl="0" algn="l">
+            <a:pPr marL="0" lvl="0" indent="0" algn="l" rtl="0">
               <a:spcBef>
                 <a:spcPts val="0"/>
               </a:spcBef>
@@ -11835,7 +12806,7 @@
             <a:endParaRPr sz="2100"/>
           </a:p>
           <a:p>
-            <a:pPr indent="-361950" lvl="0" marL="457200" rtl="0" algn="l">
+            <a:pPr marL="457200" lvl="0" indent="-361950" algn="l" rtl="0">
               <a:spcBef>
                 <a:spcPts val="1200"/>
               </a:spcBef>
@@ -11852,7 +12823,7 @@
             <a:endParaRPr sz="2100"/>
           </a:p>
           <a:p>
-            <a:pPr indent="-361950" lvl="0" marL="457200" rtl="0" algn="l">
+            <a:pPr marL="457200" lvl="0" indent="-361950" algn="l" rtl="0">
               <a:spcBef>
                 <a:spcPts val="0"/>
               </a:spcBef>
@@ -11869,7 +12840,7 @@
             <a:endParaRPr sz="2100"/>
           </a:p>
           <a:p>
-            <a:pPr indent="-361950" lvl="0" marL="457200" rtl="0" algn="l">
+            <a:pPr marL="457200" lvl="0" indent="-361950" algn="l" rtl="0">
               <a:spcBef>
                 <a:spcPts val="0"/>
               </a:spcBef>
@@ -11886,7 +12857,7 @@
             <a:endParaRPr sz="2100"/>
           </a:p>
           <a:p>
-            <a:pPr indent="0" lvl="0" marL="0" rtl="0" algn="l">
+            <a:pPr marL="0" lvl="0" indent="0" algn="l" rtl="0">
               <a:spcBef>
                 <a:spcPts val="1200"/>
               </a:spcBef>
@@ -11897,11 +12868,7 @@
             </a:pPr>
             <a:r>
               <a:rPr lang="en" sz="2100"/>
-              <a:t>Don’t let this be you!  </a:t>
-            </a:r>
-            <a:r>
-              <a:rPr lang="en" sz="2100"/>
-              <a:t>Follow these rules, and I expect a great class together.</a:t>
+              <a:t>Don’t let this be you!  Follow these rules, and I expect a great class together.</a:t>
             </a:r>
             <a:endParaRPr sz="2100"/>
           </a:p>
@@ -11916,11 +12883,11 @@
 </file>
 
 <file path=ppt/slides/slide9.xml><?xml version="1.0" encoding="utf-8"?>
-<p:sld xmlns:a="http://schemas.openxmlformats.org/drawingml/2006/main" xmlns:r="http://schemas.openxmlformats.org/officeDocument/2006/relationships" xmlns:mc="http://schemas.openxmlformats.org/markup-compatibility/2006" xmlns:mv="urn:schemas-microsoft-com:mac:vml" xmlns:p="http://schemas.openxmlformats.org/presentationml/2006/main" xmlns:c="http://schemas.openxmlformats.org/drawingml/2006/chart" xmlns:dgm="http://schemas.openxmlformats.org/drawingml/2006/diagram" xmlns:o="urn:schemas-microsoft-com:office:office" xmlns:v="urn:schemas-microsoft-com:vml" xmlns:pvml="urn:schemas-microsoft-com:office:powerpoint" xmlns:com="http://schemas.openxmlformats.org/drawingml/2006/compatibility" xmlns:p14="http://schemas.microsoft.com/office/powerpoint/2010/main" xmlns:p15="http://schemas.microsoft.com/office/powerpoint/2012/main" xmlns:ahyp="http://schemas.microsoft.com/office/drawing/2018/hyperlinkcolor">
+<p:sld xmlns:a="http://schemas.openxmlformats.org/drawingml/2006/main" xmlns:r="http://schemas.openxmlformats.org/officeDocument/2006/relationships" xmlns:p="http://schemas.openxmlformats.org/presentationml/2006/main">
   <p:cSld>
     <p:spTree>
       <p:nvGrpSpPr>
-        <p:cNvPr id="181" name="Shape 181"/>
+        <p:cNvPr id="1" name="Shape 181"/>
         <p:cNvGrpSpPr/>
         <p:nvPr/>
       </p:nvGrpSpPr>
@@ -11935,7 +12902,9 @@
       <p:sp>
         <p:nvSpPr>
           <p:cNvPr id="182" name="Google Shape;182;p21"/>
-          <p:cNvSpPr txBox="1"/>
+          <p:cNvSpPr txBox="1">
+            <a:spLocks noGrp="1"/>
+          </p:cNvSpPr>
           <p:nvPr>
             <p:ph type="title"/>
           </p:nvPr>
@@ -11950,12 +12919,12 @@
           </a:prstGeom>
         </p:spPr>
         <p:txBody>
-          <a:bodyPr anchorCtr="0" anchor="t" bIns="91425" lIns="91425" spcFirstLastPara="1" rIns="91425" wrap="square" tIns="91425">
+          <a:bodyPr spcFirstLastPara="1" wrap="square" lIns="91425" tIns="91425" rIns="91425" bIns="91425" anchor="t" anchorCtr="0">
             <a:normAutofit/>
           </a:bodyPr>
           <a:lstStyle/>
           <a:p>
-            <a:pPr indent="0" lvl="0" marL="0" rtl="0" algn="l">
+            <a:pPr marL="0" lvl="0" indent="0" algn="l" rtl="0">
               <a:spcBef>
                 <a:spcPts val="0"/>
               </a:spcBef>
@@ -11975,9 +12944,11 @@
       <p:sp>
         <p:nvSpPr>
           <p:cNvPr id="183" name="Google Shape;183;p21"/>
-          <p:cNvSpPr txBox="1"/>
+          <p:cNvSpPr txBox="1">
+            <a:spLocks noGrp="1"/>
+          </p:cNvSpPr>
           <p:nvPr>
-            <p:ph idx="1" type="body"/>
+            <p:ph type="body" idx="1"/>
           </p:nvPr>
         </p:nvSpPr>
         <p:spPr>
@@ -11990,12 +12961,12 @@
           </a:prstGeom>
         </p:spPr>
         <p:txBody>
-          <a:bodyPr anchorCtr="0" anchor="t" bIns="91425" lIns="91425" spcFirstLastPara="1" rIns="91425" wrap="square" tIns="91425">
+          <a:bodyPr spcFirstLastPara="1" wrap="square" lIns="91425" tIns="91425" rIns="91425" bIns="91425" anchor="t" anchorCtr="0">
             <a:noAutofit/>
           </a:bodyPr>
           <a:lstStyle/>
           <a:p>
-            <a:pPr indent="-342900" lvl="0" marL="457200" rtl="0" algn="l">
+            <a:pPr marL="457200" lvl="0" indent="-342900" algn="l" rtl="0">
               <a:spcBef>
                 <a:spcPts val="0"/>
               </a:spcBef>
@@ -12006,13 +12977,13 @@
               <a:buChar char="●"/>
             </a:pPr>
             <a:r>
-              <a:rPr lang="en" sz="1800"/>
+              <a:rPr lang="en" sz="1800" dirty="0"/>
               <a:t>You will think critically and be challenged!</a:t>
             </a:r>
-            <a:endParaRPr sz="1800"/>
+            <a:endParaRPr sz="1800" dirty="0"/>
           </a:p>
           <a:p>
-            <a:pPr indent="-330200" lvl="1" marL="914400" rtl="0" algn="l">
+            <a:pPr marL="914400" lvl="1" indent="-330200" algn="l" rtl="0">
               <a:spcBef>
                 <a:spcPts val="0"/>
               </a:spcBef>
@@ -12023,13 +12994,13 @@
               <a:buChar char="○"/>
             </a:pPr>
             <a:r>
-              <a:rPr lang="en" sz="1600"/>
+              <a:rPr lang="en" sz="1600" dirty="0"/>
               <a:t>Start projects early!!  (Bonus points for early submission!)</a:t>
             </a:r>
-            <a:endParaRPr sz="1600"/>
+            <a:endParaRPr sz="1600" dirty="0"/>
           </a:p>
           <a:p>
-            <a:pPr indent="-330200" lvl="1" marL="914400" rtl="0" algn="l">
+            <a:pPr marL="914400" lvl="1" indent="-330200" algn="l" rtl="0">
               <a:spcBef>
                 <a:spcPts val="0"/>
               </a:spcBef>
@@ -12040,13 +13011,13 @@
               <a:buChar char="○"/>
             </a:pPr>
             <a:r>
-              <a:rPr lang="en" sz="1600"/>
+              <a:rPr lang="en" sz="1600" dirty="0"/>
               <a:t>Develop and maintain a coding style.</a:t>
             </a:r>
-            <a:endParaRPr sz="1600"/>
+            <a:endParaRPr sz="1600" dirty="0"/>
           </a:p>
           <a:p>
-            <a:pPr indent="-342900" lvl="0" marL="457200" rtl="0" algn="l">
+            <a:pPr marL="457200" lvl="0" indent="-342900" algn="l" rtl="0">
               <a:spcBef>
                 <a:spcPts val="0"/>
               </a:spcBef>
@@ -12057,13 +13028,13 @@
               <a:buChar char="●"/>
             </a:pPr>
             <a:r>
-              <a:rPr lang="en" sz="1800"/>
-              <a:t>Grades are important…but remember that his class will prepare you for COMP 241.</a:t>
+              <a:rPr lang="en" sz="1800" dirty="0"/>
+              <a:t>Grades are important…but remember that this class will prepare you for COMP 241.</a:t>
             </a:r>
-            <a:endParaRPr sz="1800"/>
+            <a:endParaRPr sz="1800" dirty="0"/>
           </a:p>
           <a:p>
-            <a:pPr indent="-330200" lvl="1" marL="914400" rtl="0" algn="l">
+            <a:pPr marL="914400" lvl="1" indent="-330200" algn="l" rtl="0">
               <a:spcBef>
                 <a:spcPts val="0"/>
               </a:spcBef>
@@ -12074,13 +13045,13 @@
               <a:buChar char="○"/>
             </a:pPr>
             <a:r>
-              <a:rPr lang="en" sz="1600"/>
+              <a:rPr lang="en" sz="1600" dirty="0"/>
               <a:t>Projects are longer and require more time.</a:t>
             </a:r>
-            <a:endParaRPr sz="1600"/>
+            <a:endParaRPr sz="1600" dirty="0"/>
           </a:p>
           <a:p>
-            <a:pPr indent="-330200" lvl="1" marL="914400" rtl="0" algn="l">
+            <a:pPr marL="914400" lvl="1" indent="-330200" algn="l" rtl="0">
               <a:spcBef>
                 <a:spcPts val="0"/>
               </a:spcBef>
@@ -12091,13 +13062,13 @@
               <a:buChar char="○"/>
             </a:pPr>
             <a:r>
-              <a:rPr lang="en" sz="1600"/>
+              <a:rPr lang="en" sz="1600" dirty="0"/>
               <a:t>More complicated code organization</a:t>
             </a:r>
-            <a:endParaRPr sz="1600"/>
+            <a:endParaRPr sz="1600" dirty="0"/>
           </a:p>
           <a:p>
-            <a:pPr indent="-330200" lvl="1" marL="914400" rtl="0" algn="l">
+            <a:pPr marL="914400" lvl="1" indent="-330200" algn="l" rtl="0">
               <a:spcBef>
                 <a:spcPts val="0"/>
               </a:spcBef>
@@ -12108,13 +13079,13 @@
               <a:buChar char="○"/>
             </a:pPr>
             <a:r>
-              <a:rPr lang="en" sz="1600"/>
+              <a:rPr lang="en" sz="1600" dirty="0"/>
               <a:t>More intensive design</a:t>
             </a:r>
-            <a:endParaRPr sz="1600"/>
+            <a:endParaRPr sz="1600" dirty="0"/>
           </a:p>
           <a:p>
-            <a:pPr indent="0" lvl="0" marL="0" rtl="0" algn="l">
+            <a:pPr marL="0" lvl="0" indent="0" algn="l" rtl="0">
               <a:spcBef>
                 <a:spcPts val="1200"/>
               </a:spcBef>
@@ -12123,13 +13094,10 @@
               </a:spcAft>
               <a:buNone/>
             </a:pPr>
-            <a:r>
-              <a:t/>
-            </a:r>
-            <a:endParaRPr sz="1800"/>
+            <a:endParaRPr sz="1800" dirty="0"/>
           </a:p>
           <a:p>
-            <a:pPr indent="0" lvl="0" marL="0" rtl="0" algn="l">
+            <a:pPr marL="0" lvl="0" indent="0" algn="l" rtl="0">
               <a:spcBef>
                 <a:spcPts val="1200"/>
               </a:spcBef>
@@ -12138,10 +13106,7 @@
               </a:spcAft>
               <a:buNone/>
             </a:pPr>
-            <a:r>
-              <a:t/>
-            </a:r>
-            <a:endParaRPr sz="1800"/>
+            <a:endParaRPr sz="1800" dirty="0"/>
           </a:p>
         </p:txBody>
       </p:sp>
@@ -12154,7 +13119,288 @@
 </file>
 
 <file path=ppt/theme/theme1.xml><?xml version="1.0" encoding="utf-8"?>
-<a:theme xmlns:a="http://schemas.openxmlformats.org/drawingml/2006/main" xmlns:r="http://schemas.openxmlformats.org/officeDocument/2006/relationships">
+<a:theme xmlns:a="http://schemas.openxmlformats.org/drawingml/2006/main" name="Focus">
+  <a:themeElements>
+    <a:clrScheme name="Focus">
+      <a:dk1>
+        <a:srgbClr val="1B212C"/>
+      </a:dk1>
+      <a:lt1>
+        <a:srgbClr val="FFFFFF"/>
+      </a:lt1>
+      <a:dk2>
+        <a:srgbClr val="D9D9D9"/>
+      </a:dk2>
+      <a:lt2>
+        <a:srgbClr val="82C7A5"/>
+      </a:lt2>
+      <a:accent1>
+        <a:srgbClr val="0145AC"/>
+      </a:accent1>
+      <a:accent2>
+        <a:srgbClr val="EECE1A"/>
+      </a:accent2>
+      <a:accent3>
+        <a:srgbClr val="4E5567"/>
+      </a:accent3>
+      <a:accent4>
+        <a:srgbClr val="F4D6AD"/>
+      </a:accent4>
+      <a:accent5>
+        <a:srgbClr val="7890CD"/>
+      </a:accent5>
+      <a:accent6>
+        <a:srgbClr val="F15E22"/>
+      </a:accent6>
+      <a:hlink>
+        <a:srgbClr val="7890CD"/>
+      </a:hlink>
+      <a:folHlink>
+        <a:srgbClr val="7890CD"/>
+      </a:folHlink>
+    </a:clrScheme>
+    <a:fontScheme name="Office">
+      <a:majorFont>
+        <a:latin typeface="Arial"/>
+        <a:ea typeface=""/>
+        <a:cs typeface=""/>
+        <a:font script="Jpan" typeface="ＭＳ Ｐゴシック"/>
+        <a:font script="Hang" typeface="맑은 고딕"/>
+        <a:font script="Hans" typeface="宋体"/>
+        <a:font script="Hant" typeface="新細明體"/>
+        <a:font script="Arab" typeface="Times New Roman"/>
+        <a:font script="Hebr" typeface="Times New Roman"/>
+        <a:font script="Thai" typeface="Angsana New"/>
+        <a:font script="Ethi" typeface="Nyala"/>
+        <a:font script="Beng" typeface="Vrinda"/>
+        <a:font script="Gujr" typeface="Shruti"/>
+        <a:font script="Khmr" typeface="MoolBoran"/>
+        <a:font script="Knda" typeface="Tunga"/>
+        <a:font script="Guru" typeface="Raavi"/>
+        <a:font script="Cans" typeface="Euphemia"/>
+        <a:font script="Cher" typeface="Plantagenet Cherokee"/>
+        <a:font script="Yiii" typeface="Microsoft Yi Baiti"/>
+        <a:font script="Tibt" typeface="Microsoft Himalaya"/>
+        <a:font script="Thaa" typeface="MV Boli"/>
+        <a:font script="Deva" typeface="Mangal"/>
+        <a:font script="Telu" typeface="Gautami"/>
+        <a:font script="Taml" typeface="Latha"/>
+        <a:font script="Syrc" typeface="Estrangelo Edessa"/>
+        <a:font script="Orya" typeface="Kalinga"/>
+        <a:font script="Mlym" typeface="Kartika"/>
+        <a:font script="Laoo" typeface="DokChampa"/>
+        <a:font script="Sinh" typeface="Iskoola Pota"/>
+        <a:font script="Mong" typeface="Mongolian Baiti"/>
+        <a:font script="Viet" typeface="Times New Roman"/>
+        <a:font script="Uigh" typeface="Microsoft Uighur"/>
+        <a:font script="Geor" typeface="Sylfaen"/>
+      </a:majorFont>
+      <a:minorFont>
+        <a:latin typeface="Arial"/>
+        <a:ea typeface=""/>
+        <a:cs typeface=""/>
+        <a:font script="Jpan" typeface="ＭＳ Ｐゴシック"/>
+        <a:font script="Hang" typeface="맑은 고딕"/>
+        <a:font script="Hans" typeface="宋体"/>
+        <a:font script="Hant" typeface="新細明體"/>
+        <a:font script="Arab" typeface="Arial"/>
+        <a:font script="Hebr" typeface="Arial"/>
+        <a:font script="Thai" typeface="Cordia New"/>
+        <a:font script="Ethi" typeface="Nyala"/>
+        <a:font script="Beng" typeface="Vrinda"/>
+        <a:font script="Gujr" typeface="Shruti"/>
+        <a:font script="Khmr" typeface="DaunPenh"/>
+        <a:font script="Knda" typeface="Tunga"/>
+        <a:font script="Guru" typeface="Raavi"/>
+        <a:font script="Cans" typeface="Euphemia"/>
+        <a:font script="Cher" typeface="Plantagenet Cherokee"/>
+        <a:font script="Yiii" typeface="Microsoft Yi Baiti"/>
+        <a:font script="Tibt" typeface="Microsoft Himalaya"/>
+        <a:font script="Thaa" typeface="MV Boli"/>
+        <a:font script="Deva" typeface="Mangal"/>
+        <a:font script="Telu" typeface="Gautami"/>
+        <a:font script="Taml" typeface="Latha"/>
+        <a:font script="Syrc" typeface="Estrangelo Edessa"/>
+        <a:font script="Orya" typeface="Kalinga"/>
+        <a:font script="Mlym" typeface="Kartika"/>
+        <a:font script="Laoo" typeface="DokChampa"/>
+        <a:font script="Sinh" typeface="Iskoola Pota"/>
+        <a:font script="Mong" typeface="Mongolian Baiti"/>
+        <a:font script="Viet" typeface="Arial"/>
+        <a:font script="Uigh" typeface="Microsoft Uighur"/>
+        <a:font script="Geor" typeface="Sylfaen"/>
+      </a:minorFont>
+    </a:fontScheme>
+    <a:fmtScheme name="Office">
+      <a:fillStyleLst>
+        <a:solidFill>
+          <a:schemeClr val="phClr"/>
+        </a:solidFill>
+        <a:gradFill rotWithShape="1">
+          <a:gsLst>
+            <a:gs pos="0">
+              <a:schemeClr val="phClr">
+                <a:tint val="50000"/>
+                <a:satMod val="300000"/>
+              </a:schemeClr>
+            </a:gs>
+            <a:gs pos="35000">
+              <a:schemeClr val="phClr">
+                <a:tint val="37000"/>
+                <a:satMod val="300000"/>
+              </a:schemeClr>
+            </a:gs>
+            <a:gs pos="100000">
+              <a:schemeClr val="phClr">
+                <a:tint val="15000"/>
+                <a:satMod val="350000"/>
+              </a:schemeClr>
+            </a:gs>
+          </a:gsLst>
+          <a:lin ang="16200000" scaled="1"/>
+        </a:gradFill>
+        <a:gradFill rotWithShape="1">
+          <a:gsLst>
+            <a:gs pos="0">
+              <a:schemeClr val="phClr">
+                <a:tint val="100000"/>
+                <a:shade val="100000"/>
+                <a:satMod val="130000"/>
+              </a:schemeClr>
+            </a:gs>
+            <a:gs pos="100000">
+              <a:schemeClr val="phClr">
+                <a:tint val="50000"/>
+                <a:shade val="100000"/>
+                <a:satMod val="350000"/>
+              </a:schemeClr>
+            </a:gs>
+          </a:gsLst>
+          <a:lin ang="16200000" scaled="0"/>
+        </a:gradFill>
+      </a:fillStyleLst>
+      <a:lnStyleLst>
+        <a:ln w="9525" cap="flat" cmpd="sng" algn="ctr">
+          <a:solidFill>
+            <a:schemeClr val="phClr">
+              <a:shade val="95000"/>
+              <a:satMod val="105000"/>
+            </a:schemeClr>
+          </a:solidFill>
+          <a:prstDash val="solid"/>
+        </a:ln>
+        <a:ln w="25400" cap="flat" cmpd="sng" algn="ctr">
+          <a:solidFill>
+            <a:schemeClr val="phClr"/>
+          </a:solidFill>
+          <a:prstDash val="solid"/>
+        </a:ln>
+        <a:ln w="38100" cap="flat" cmpd="sng" algn="ctr">
+          <a:solidFill>
+            <a:schemeClr val="phClr"/>
+          </a:solidFill>
+          <a:prstDash val="solid"/>
+        </a:ln>
+      </a:lnStyleLst>
+      <a:effectStyleLst>
+        <a:effectStyle>
+          <a:effectLst>
+            <a:outerShdw blurRad="40000" dist="20000" dir="5400000" rotWithShape="0">
+              <a:srgbClr val="000000">
+                <a:alpha val="38000"/>
+              </a:srgbClr>
+            </a:outerShdw>
+          </a:effectLst>
+        </a:effectStyle>
+        <a:effectStyle>
+          <a:effectLst>
+            <a:outerShdw blurRad="40000" dist="23000" dir="5400000" rotWithShape="0">
+              <a:srgbClr val="000000">
+                <a:alpha val="35000"/>
+              </a:srgbClr>
+            </a:outerShdw>
+          </a:effectLst>
+        </a:effectStyle>
+        <a:effectStyle>
+          <a:effectLst>
+            <a:outerShdw blurRad="40000" dist="23000" dir="5400000" rotWithShape="0">
+              <a:srgbClr val="000000">
+                <a:alpha val="35000"/>
+              </a:srgbClr>
+            </a:outerShdw>
+          </a:effectLst>
+          <a:scene3d>
+            <a:camera prst="orthographicFront">
+              <a:rot lat="0" lon="0" rev="0"/>
+            </a:camera>
+            <a:lightRig rig="threePt" dir="t">
+              <a:rot lat="0" lon="0" rev="1200000"/>
+            </a:lightRig>
+          </a:scene3d>
+          <a:sp3d>
+            <a:bevelT w="63500" h="25400"/>
+          </a:sp3d>
+        </a:effectStyle>
+      </a:effectStyleLst>
+      <a:bgFillStyleLst>
+        <a:solidFill>
+          <a:schemeClr val="phClr"/>
+        </a:solidFill>
+        <a:gradFill rotWithShape="1">
+          <a:gsLst>
+            <a:gs pos="0">
+              <a:schemeClr val="phClr">
+                <a:tint val="40000"/>
+                <a:satMod val="350000"/>
+              </a:schemeClr>
+            </a:gs>
+            <a:gs pos="40000">
+              <a:schemeClr val="phClr">
+                <a:tint val="45000"/>
+                <a:shade val="99000"/>
+                <a:satMod val="350000"/>
+              </a:schemeClr>
+            </a:gs>
+            <a:gs pos="100000">
+              <a:schemeClr val="phClr">
+                <a:shade val="20000"/>
+                <a:satMod val="255000"/>
+              </a:schemeClr>
+            </a:gs>
+          </a:gsLst>
+          <a:path path="circle">
+            <a:fillToRect l="50000" t="-80000" r="50000" b="180000"/>
+          </a:path>
+        </a:gradFill>
+        <a:gradFill rotWithShape="1">
+          <a:gsLst>
+            <a:gs pos="0">
+              <a:schemeClr val="phClr">
+                <a:tint val="80000"/>
+                <a:satMod val="300000"/>
+              </a:schemeClr>
+            </a:gs>
+            <a:gs pos="100000">
+              <a:schemeClr val="phClr">
+                <a:shade val="30000"/>
+                <a:satMod val="200000"/>
+              </a:schemeClr>
+            </a:gs>
+          </a:gsLst>
+          <a:path path="circle">
+            <a:fillToRect l="50000" t="50000" r="50000" b="50000"/>
+          </a:path>
+        </a:gradFill>
+      </a:bgFillStyleLst>
+    </a:fmtScheme>
+  </a:themeElements>
+  <a:objectDefaults/>
+  <a:extraClrSchemeLst/>
+</a:theme>
+</file>
+
+<file path=ppt/theme/theme2.xml><?xml version="1.0" encoding="utf-8"?>
+<a:theme xmlns:a="http://schemas.openxmlformats.org/drawingml/2006/main">
   <a:themeElements>
     <a:clrScheme name="Default">
       <a:dk1>
@@ -12429,284 +13675,7 @@
       </a:bgFillStyleLst>
     </a:fmtScheme>
   </a:themeElements>
-</a:theme>
-</file>
-
-<file path=ppt/theme/theme2.xml><?xml version="1.0" encoding="utf-8"?>
-<a:theme xmlns:a="http://schemas.openxmlformats.org/drawingml/2006/main" xmlns:r="http://schemas.openxmlformats.org/officeDocument/2006/relationships" name="Focus">
-  <a:themeElements>
-    <a:clrScheme name="Focus">
-      <a:dk1>
-        <a:srgbClr val="1B212C"/>
-      </a:dk1>
-      <a:lt1>
-        <a:srgbClr val="FFFFFF"/>
-      </a:lt1>
-      <a:dk2>
-        <a:srgbClr val="D9D9D9"/>
-      </a:dk2>
-      <a:lt2>
-        <a:srgbClr val="82C7A5"/>
-      </a:lt2>
-      <a:accent1>
-        <a:srgbClr val="0145AC"/>
-      </a:accent1>
-      <a:accent2>
-        <a:srgbClr val="EECE1A"/>
-      </a:accent2>
-      <a:accent3>
-        <a:srgbClr val="4E5567"/>
-      </a:accent3>
-      <a:accent4>
-        <a:srgbClr val="F4D6AD"/>
-      </a:accent4>
-      <a:accent5>
-        <a:srgbClr val="7890CD"/>
-      </a:accent5>
-      <a:accent6>
-        <a:srgbClr val="F15E22"/>
-      </a:accent6>
-      <a:hlink>
-        <a:srgbClr val="7890CD"/>
-      </a:hlink>
-      <a:folHlink>
-        <a:srgbClr val="7890CD"/>
-      </a:folHlink>
-    </a:clrScheme>
-    <a:fontScheme name="Office">
-      <a:majorFont>
-        <a:latin typeface="Arial"/>
-        <a:ea typeface=""/>
-        <a:cs typeface=""/>
-        <a:font script="Jpan" typeface="ＭＳ Ｐゴシック"/>
-        <a:font script="Hang" typeface="맑은 고딕"/>
-        <a:font script="Hans" typeface="宋体"/>
-        <a:font script="Hant" typeface="新細明體"/>
-        <a:font script="Arab" typeface="Times New Roman"/>
-        <a:font script="Hebr" typeface="Times New Roman"/>
-        <a:font script="Thai" typeface="Angsana New"/>
-        <a:font script="Ethi" typeface="Nyala"/>
-        <a:font script="Beng" typeface="Vrinda"/>
-        <a:font script="Gujr" typeface="Shruti"/>
-        <a:font script="Khmr" typeface="MoolBoran"/>
-        <a:font script="Knda" typeface="Tunga"/>
-        <a:font script="Guru" typeface="Raavi"/>
-        <a:font script="Cans" typeface="Euphemia"/>
-        <a:font script="Cher" typeface="Plantagenet Cherokee"/>
-        <a:font script="Yiii" typeface="Microsoft Yi Baiti"/>
-        <a:font script="Tibt" typeface="Microsoft Himalaya"/>
-        <a:font script="Thaa" typeface="MV Boli"/>
-        <a:font script="Deva" typeface="Mangal"/>
-        <a:font script="Telu" typeface="Gautami"/>
-        <a:font script="Taml" typeface="Latha"/>
-        <a:font script="Syrc" typeface="Estrangelo Edessa"/>
-        <a:font script="Orya" typeface="Kalinga"/>
-        <a:font script="Mlym" typeface="Kartika"/>
-        <a:font script="Laoo" typeface="DokChampa"/>
-        <a:font script="Sinh" typeface="Iskoola Pota"/>
-        <a:font script="Mong" typeface="Mongolian Baiti"/>
-        <a:font script="Viet" typeface="Times New Roman"/>
-        <a:font script="Uigh" typeface="Microsoft Uighur"/>
-        <a:font script="Geor" typeface="Sylfaen"/>
-      </a:majorFont>
-      <a:minorFont>
-        <a:latin typeface="Arial"/>
-        <a:ea typeface=""/>
-        <a:cs typeface=""/>
-        <a:font script="Jpan" typeface="ＭＳ Ｐゴシック"/>
-        <a:font script="Hang" typeface="맑은 고딕"/>
-        <a:font script="Hans" typeface="宋体"/>
-        <a:font script="Hant" typeface="新細明體"/>
-        <a:font script="Arab" typeface="Arial"/>
-        <a:font script="Hebr" typeface="Arial"/>
-        <a:font script="Thai" typeface="Cordia New"/>
-        <a:font script="Ethi" typeface="Nyala"/>
-        <a:font script="Beng" typeface="Vrinda"/>
-        <a:font script="Gujr" typeface="Shruti"/>
-        <a:font script="Khmr" typeface="DaunPenh"/>
-        <a:font script="Knda" typeface="Tunga"/>
-        <a:font script="Guru" typeface="Raavi"/>
-        <a:font script="Cans" typeface="Euphemia"/>
-        <a:font script="Cher" typeface="Plantagenet Cherokee"/>
-        <a:font script="Yiii" typeface="Microsoft Yi Baiti"/>
-        <a:font script="Tibt" typeface="Microsoft Himalaya"/>
-        <a:font script="Thaa" typeface="MV Boli"/>
-        <a:font script="Deva" typeface="Mangal"/>
-        <a:font script="Telu" typeface="Gautami"/>
-        <a:font script="Taml" typeface="Latha"/>
-        <a:font script="Syrc" typeface="Estrangelo Edessa"/>
-        <a:font script="Orya" typeface="Kalinga"/>
-        <a:font script="Mlym" typeface="Kartika"/>
-        <a:font script="Laoo" typeface="DokChampa"/>
-        <a:font script="Sinh" typeface="Iskoola Pota"/>
-        <a:font script="Mong" typeface="Mongolian Baiti"/>
-        <a:font script="Viet" typeface="Arial"/>
-        <a:font script="Uigh" typeface="Microsoft Uighur"/>
-        <a:font script="Geor" typeface="Sylfaen"/>
-      </a:minorFont>
-    </a:fontScheme>
-    <a:fmtScheme name="Office">
-      <a:fillStyleLst>
-        <a:solidFill>
-          <a:schemeClr val="phClr"/>
-        </a:solidFill>
-        <a:gradFill rotWithShape="1">
-          <a:gsLst>
-            <a:gs pos="0">
-              <a:schemeClr val="phClr">
-                <a:tint val="50000"/>
-                <a:satMod val="300000"/>
-              </a:schemeClr>
-            </a:gs>
-            <a:gs pos="35000">
-              <a:schemeClr val="phClr">
-                <a:tint val="37000"/>
-                <a:satMod val="300000"/>
-              </a:schemeClr>
-            </a:gs>
-            <a:gs pos="100000">
-              <a:schemeClr val="phClr">
-                <a:tint val="15000"/>
-                <a:satMod val="350000"/>
-              </a:schemeClr>
-            </a:gs>
-          </a:gsLst>
-          <a:lin ang="16200000" scaled="1"/>
-        </a:gradFill>
-        <a:gradFill rotWithShape="1">
-          <a:gsLst>
-            <a:gs pos="0">
-              <a:schemeClr val="phClr">
-                <a:tint val="100000"/>
-                <a:shade val="100000"/>
-                <a:satMod val="130000"/>
-              </a:schemeClr>
-            </a:gs>
-            <a:gs pos="100000">
-              <a:schemeClr val="phClr">
-                <a:tint val="50000"/>
-                <a:shade val="100000"/>
-                <a:satMod val="350000"/>
-              </a:schemeClr>
-            </a:gs>
-          </a:gsLst>
-          <a:lin ang="16200000" scaled="0"/>
-        </a:gradFill>
-      </a:fillStyleLst>
-      <a:lnStyleLst>
-        <a:ln w="9525" cap="flat" cmpd="sng" algn="ctr">
-          <a:solidFill>
-            <a:schemeClr val="phClr">
-              <a:shade val="95000"/>
-              <a:satMod val="105000"/>
-            </a:schemeClr>
-          </a:solidFill>
-          <a:prstDash val="solid"/>
-        </a:ln>
-        <a:ln w="25400" cap="flat" cmpd="sng" algn="ctr">
-          <a:solidFill>
-            <a:schemeClr val="phClr"/>
-          </a:solidFill>
-          <a:prstDash val="solid"/>
-        </a:ln>
-        <a:ln w="38100" cap="flat" cmpd="sng" algn="ctr">
-          <a:solidFill>
-            <a:schemeClr val="phClr"/>
-          </a:solidFill>
-          <a:prstDash val="solid"/>
-        </a:ln>
-      </a:lnStyleLst>
-      <a:effectStyleLst>
-        <a:effectStyle>
-          <a:effectLst>
-            <a:outerShdw blurRad="40000" dist="20000" dir="5400000" rotWithShape="0">
-              <a:srgbClr val="000000">
-                <a:alpha val="38000"/>
-              </a:srgbClr>
-            </a:outerShdw>
-          </a:effectLst>
-        </a:effectStyle>
-        <a:effectStyle>
-          <a:effectLst>
-            <a:outerShdw blurRad="40000" dist="23000" dir="5400000" rotWithShape="0">
-              <a:srgbClr val="000000">
-                <a:alpha val="35000"/>
-              </a:srgbClr>
-            </a:outerShdw>
-          </a:effectLst>
-        </a:effectStyle>
-        <a:effectStyle>
-          <a:effectLst>
-            <a:outerShdw blurRad="40000" dist="23000" dir="5400000" rotWithShape="0">
-              <a:srgbClr val="000000">
-                <a:alpha val="35000"/>
-              </a:srgbClr>
-            </a:outerShdw>
-          </a:effectLst>
-          <a:scene3d>
-            <a:camera prst="orthographicFront">
-              <a:rot lat="0" lon="0" rev="0"/>
-            </a:camera>
-            <a:lightRig rig="threePt" dir="t">
-              <a:rot lat="0" lon="0" rev="1200000"/>
-            </a:lightRig>
-          </a:scene3d>
-          <a:sp3d>
-            <a:bevelT w="63500" h="25400"/>
-          </a:sp3d>
-        </a:effectStyle>
-      </a:effectStyleLst>
-      <a:bgFillStyleLst>
-        <a:solidFill>
-          <a:schemeClr val="phClr"/>
-        </a:solidFill>
-        <a:gradFill rotWithShape="1">
-          <a:gsLst>
-            <a:gs pos="0">
-              <a:schemeClr val="phClr">
-                <a:tint val="40000"/>
-                <a:satMod val="350000"/>
-              </a:schemeClr>
-            </a:gs>
-            <a:gs pos="40000">
-              <a:schemeClr val="phClr">
-                <a:tint val="45000"/>
-                <a:shade val="99000"/>
-                <a:satMod val="350000"/>
-              </a:schemeClr>
-            </a:gs>
-            <a:gs pos="100000">
-              <a:schemeClr val="phClr">
-                <a:shade val="20000"/>
-                <a:satMod val="255000"/>
-              </a:schemeClr>
-            </a:gs>
-          </a:gsLst>
-          <a:path path="circle">
-            <a:fillToRect l="50000" t="-80000" r="50000" b="180000"/>
-          </a:path>
-        </a:gradFill>
-        <a:gradFill rotWithShape="1">
-          <a:gsLst>
-            <a:gs pos="0">
-              <a:schemeClr val="phClr">
-                <a:tint val="80000"/>
-                <a:satMod val="300000"/>
-              </a:schemeClr>
-            </a:gs>
-            <a:gs pos="100000">
-              <a:schemeClr val="phClr">
-                <a:shade val="30000"/>
-                <a:satMod val="200000"/>
-              </a:schemeClr>
-            </a:gs>
-          </a:gsLst>
-          <a:path path="circle">
-            <a:fillToRect l="50000" t="50000" r="50000" b="50000"/>
-          </a:path>
-        </a:gradFill>
-      </a:bgFillStyleLst>
-    </a:fmtScheme>
-  </a:themeElements>
+  <a:objectDefaults/>
+  <a:extraClrSchemeLst/>
 </a:theme>
 </file>